--- a/src/test/resources/text.pptx
+++ b/src/test/resources/text.pptx
@@ -3088,11 +3088,7 @@
           <a:p>
             <a:r>
               <a:rPr lang="en-US" altLang="zh-CN"/>
-              <a:t>#{ </a:t>
-            </a:r>
-            <a:r>
-              <a:rPr lang="en-US" altLang="zh-CN"/>
-              <a:t>title }</a:t>
+              <a:t>#{ #title } </a:t>
             </a:r>
             <a:endParaRPr lang="en-US" altLang="zh-CN"/>
           </a:p>
@@ -3132,7 +3128,7 @@
                 </a:solidFill>
                 <a:sym typeface="+mn-ea"/>
               </a:rPr>
-              <a:t>#{title}</a:t>
+              <a:t>#{ #title }</a:t>
             </a:r>
             <a:endParaRPr lang="en-US" altLang="zh-CN" b="1">
               <a:solidFill>

--- a/src/test/resources/text.pptx
+++ b/src/test/resources/text.pptx
@@ -3088,9 +3088,21 @@
           <a:p>
             <a:r>
               <a:rPr lang="en-US" altLang="zh-CN"/>
-              <a:t>#{ #title } </a:t>
-            </a:r>
-            <a:endParaRPr lang="en-US" altLang="zh-CN"/>
+              <a:t>Hello, </a:t>
+            </a:r>
+            <a:r>
+              <a:rPr lang="en-US" altLang="zh-CN">
+                <a:solidFill>
+                  <a:srgbClr val="FF0000"/>
+                </a:solidFill>
+              </a:rPr>
+              <a:t>#{ #name } </a:t>
+            </a:r>
+            <a:endParaRPr lang="en-US" altLang="zh-CN">
+              <a:solidFill>
+                <a:srgbClr val="FF0000"/>
+              </a:solidFill>
+            </a:endParaRPr>
           </a:p>
         </p:txBody>
       </p:sp>
@@ -3128,7 +3140,7 @@
                 </a:solidFill>
                 <a:sym typeface="+mn-ea"/>
               </a:rPr>
-              <a:t>#{ #title }</a:t>
+              <a:t>#{ #name }</a:t>
             </a:r>
             <a:endParaRPr lang="en-US" altLang="zh-CN" b="1">
               <a:solidFill>

--- a/src/test/resources/text.pptx
+++ b/src/test/resources/text.pptx
@@ -3,14 +3,16 @@
 <p:presentation xmlns:a="http://schemas.openxmlformats.org/drawingml/2006/main" xmlns:r="http://schemas.openxmlformats.org/officeDocument/2006/relationships" xmlns:p="http://schemas.openxmlformats.org/presentationml/2006/main">
   <p:sldMasterIdLst>
     <p:sldMasterId id="2147483648" r:id="rId1"/>
+    <p:sldMasterId id="2147483660" r:id="rId3"/>
   </p:sldMasterIdLst>
   <p:sldIdLst>
-    <p:sldId id="256" r:id="rId3"/>
+    <p:sldId id="256" r:id="rId4"/>
+    <p:sldId id="257" r:id="rId5"/>
   </p:sldIdLst>
   <p:sldSz cx="12192000" cy="6858000"/>
   <p:notesSz cx="6858000" cy="9144000"/>
   <p:custDataLst>
-    <p:tags r:id="rId7"/>
+    <p:tags r:id="rId9"/>
   </p:custDataLst>
   <p:defaultTextStyle>
     <a:defPPr>
@@ -107,6 +109,22 @@
       </a:defRPr>
     </a:lvl9pPr>
   </p:defaultTextStyle>
+  <p:extLst>
+    <p:ext uri="{EFAFB233-063F-42B5-8137-9DF3F51BA10A}">
+      <p15:sldGuideLst xmlns:p15="http://schemas.microsoft.com/office/powerpoint/2012/main">
+        <p15:guide id="1" orient="horz" pos="2195" userDrawn="1">
+          <p15:clr>
+            <a:srgbClr val="A4A3A4"/>
+          </p15:clr>
+        </p15:guide>
+        <p15:guide id="2" pos="3841" userDrawn="1">
+          <p15:clr>
+            <a:srgbClr val="A4A3A4"/>
+          </p15:clr>
+        </p15:guide>
+      </p15:sldGuideLst>
+    </p:ext>
+  </p:extLst>
 </p:presentation>
 </file>
 
@@ -657,6 +675,2855 @@
 </p:sldLayout>
 </file>
 
+<file path=ppt/slideLayouts/slideLayout12.xml><?xml version="1.0" encoding="utf-8"?>
+<p:sldLayout xmlns:a="http://schemas.openxmlformats.org/drawingml/2006/main" xmlns:r="http://schemas.openxmlformats.org/officeDocument/2006/relationships" xmlns:p="http://schemas.openxmlformats.org/presentationml/2006/main" type="title" preserve="1">
+  <p:cSld name="标题幻灯片">
+    <p:spTree>
+      <p:nvGrpSpPr>
+        <p:cNvPr id="1" name=""/>
+        <p:cNvGrpSpPr/>
+        <p:nvPr/>
+      </p:nvGrpSpPr>
+      <p:grpSpPr>
+        <a:xfrm>
+          <a:off x="0" y="0"/>
+          <a:ext cx="0" cy="0"/>
+          <a:chOff x="0" y="0"/>
+          <a:chExt cx="0" cy="0"/>
+        </a:xfrm>
+      </p:grpSpPr>
+      <p:sp>
+        <p:nvSpPr>
+          <p:cNvPr id="2" name="标题 1"/>
+          <p:cNvSpPr>
+            <a:spLocks noGrp="1"/>
+          </p:cNvSpPr>
+          <p:nvPr>
+            <p:ph type="ctrTitle" hasCustomPrompt="1"/>
+            <p:custDataLst>
+              <p:tags r:id="rId2"/>
+            </p:custDataLst>
+          </p:nvPr>
+        </p:nvSpPr>
+        <p:spPr>
+          <a:xfrm>
+            <a:off x="1198800" y="914400"/>
+            <a:ext cx="9799200" cy="2570400"/>
+          </a:xfrm>
+        </p:spPr>
+        <p:txBody>
+          <a:bodyPr lIns="90000" tIns="46800" rIns="90000" bIns="46800" anchor="b" anchorCtr="0">
+            <a:normAutofit/>
+          </a:bodyPr>
+          <a:lstStyle>
+            <a:lvl1pPr algn="ctr">
+              <a:defRPr sz="6000" b="1" i="0" spc="300" baseline="0">
+                <a:solidFill>
+                  <a:schemeClr val="tx1">
+                    <a:lumMod val="85000"/>
+                    <a:lumOff val="15000"/>
+                  </a:schemeClr>
+                </a:solidFill>
+                <a:effectLst/>
+              </a:defRPr>
+            </a:lvl1pPr>
+          </a:lstStyle>
+          <a:p>
+            <a:r>
+              <a:rPr lang="zh-CN" altLang="en-US" dirty="0"/>
+              <a:t>单击此处编辑标题</a:t>
+            </a:r>
+            <a:endParaRPr lang="zh-CN" altLang="en-US" dirty="0"/>
+          </a:p>
+        </p:txBody>
+      </p:sp>
+      <p:sp>
+        <p:nvSpPr>
+          <p:cNvPr id="3" name="副标题 2"/>
+          <p:cNvSpPr>
+            <a:spLocks noGrp="1"/>
+          </p:cNvSpPr>
+          <p:nvPr>
+            <p:ph type="subTitle" idx="1" hasCustomPrompt="1"/>
+            <p:custDataLst>
+              <p:tags r:id="rId3"/>
+            </p:custDataLst>
+          </p:nvPr>
+        </p:nvSpPr>
+        <p:spPr>
+          <a:xfrm>
+            <a:off x="1198800" y="3560400"/>
+            <a:ext cx="9799200" cy="1472400"/>
+          </a:xfrm>
+        </p:spPr>
+        <p:txBody>
+          <a:bodyPr lIns="90000" tIns="46800" rIns="90000" bIns="46800">
+            <a:normAutofit/>
+          </a:bodyPr>
+          <a:lstStyle>
+            <a:lvl1pPr marL="0" indent="0" algn="ctr" eaLnBrk="1" fontAlgn="auto" latinLnBrk="0" hangingPunct="1">
+              <a:lnSpc>
+                <a:spcPct val="110000"/>
+              </a:lnSpc>
+              <a:buNone/>
+              <a:defRPr sz="2400" u="none" strike="noStrike" kern="1200" cap="none" spc="200" normalizeH="0" baseline="0">
+                <a:solidFill>
+                  <a:schemeClr val="tx1">
+                    <a:lumMod val="65000"/>
+                    <a:lumOff val="35000"/>
+                  </a:schemeClr>
+                </a:solidFill>
+                <a:uFillTx/>
+              </a:defRPr>
+            </a:lvl1pPr>
+            <a:lvl2pPr marL="457200" indent="0" algn="ctr">
+              <a:buNone/>
+              <a:defRPr sz="2000"/>
+            </a:lvl2pPr>
+            <a:lvl3pPr marL="914400" indent="0" algn="ctr">
+              <a:buNone/>
+              <a:defRPr sz="1800"/>
+            </a:lvl3pPr>
+            <a:lvl4pPr marL="1371600" indent="0" algn="ctr">
+              <a:buNone/>
+              <a:defRPr sz="1600"/>
+            </a:lvl4pPr>
+            <a:lvl5pPr marL="1828800" indent="0" algn="ctr">
+              <a:buNone/>
+              <a:defRPr sz="1600"/>
+            </a:lvl5pPr>
+            <a:lvl6pPr marL="2286000" indent="0" algn="ctr">
+              <a:buNone/>
+              <a:defRPr sz="1600"/>
+            </a:lvl6pPr>
+            <a:lvl7pPr marL="2743200" indent="0" algn="ctr">
+              <a:buNone/>
+              <a:defRPr sz="1600"/>
+            </a:lvl7pPr>
+            <a:lvl8pPr marL="3200400" indent="0" algn="ctr">
+              <a:buNone/>
+              <a:defRPr sz="1600"/>
+            </a:lvl8pPr>
+            <a:lvl9pPr marL="3657600" indent="0" algn="ctr">
+              <a:buNone/>
+              <a:defRPr sz="1600"/>
+            </a:lvl9pPr>
+          </a:lstStyle>
+          <a:p>
+            <a:r>
+              <a:rPr lang="zh-CN" altLang="en-US" dirty="0"/>
+              <a:t>单击此处编辑副标题</a:t>
+            </a:r>
+            <a:endParaRPr lang="zh-CN" altLang="en-US" dirty="0"/>
+          </a:p>
+        </p:txBody>
+      </p:sp>
+      <p:sp>
+        <p:nvSpPr>
+          <p:cNvPr id="16" name="日期占位符 15"/>
+          <p:cNvSpPr>
+            <a:spLocks noGrp="1"/>
+          </p:cNvSpPr>
+          <p:nvPr>
+            <p:ph type="dt" sz="half" idx="10"/>
+            <p:custDataLst>
+              <p:tags r:id="rId4"/>
+            </p:custDataLst>
+          </p:nvPr>
+        </p:nvSpPr>
+        <p:spPr/>
+        <p:txBody>
+          <a:bodyPr/>
+          <a:lstStyle/>
+          <a:p>
+            <a:fld id="{760FBDFE-C587-4B4C-A407-44438C67B59E}" type="datetimeFigureOut">
+              <a:rPr lang="zh-CN" altLang="en-US" smtClean="0"/>
+            </a:fld>
+            <a:endParaRPr lang="zh-CN" altLang="en-US"/>
+          </a:p>
+        </p:txBody>
+      </p:sp>
+      <p:sp>
+        <p:nvSpPr>
+          <p:cNvPr id="17" name="页脚占位符 16"/>
+          <p:cNvSpPr>
+            <a:spLocks noGrp="1"/>
+          </p:cNvSpPr>
+          <p:nvPr>
+            <p:ph type="ftr" sz="quarter" idx="11"/>
+            <p:custDataLst>
+              <p:tags r:id="rId5"/>
+            </p:custDataLst>
+          </p:nvPr>
+        </p:nvSpPr>
+        <p:spPr/>
+        <p:txBody>
+          <a:bodyPr/>
+          <a:lstStyle/>
+          <a:p>
+            <a:endParaRPr lang="zh-CN" altLang="en-US" dirty="0"/>
+          </a:p>
+        </p:txBody>
+      </p:sp>
+      <p:sp>
+        <p:nvSpPr>
+          <p:cNvPr id="18" name="灯片编号占位符 17"/>
+          <p:cNvSpPr>
+            <a:spLocks noGrp="1"/>
+          </p:cNvSpPr>
+          <p:nvPr>
+            <p:ph type="sldNum" sz="quarter" idx="12"/>
+            <p:custDataLst>
+              <p:tags r:id="rId6"/>
+            </p:custDataLst>
+          </p:nvPr>
+        </p:nvSpPr>
+        <p:spPr/>
+        <p:txBody>
+          <a:bodyPr/>
+          <a:lstStyle/>
+          <a:p>
+            <a:fld id="{49AE70B2-8BF9-45C0-BB95-33D1B9D3A854}" type="slidenum">
+              <a:rPr lang="zh-CN" altLang="en-US" smtClean="0"/>
+            </a:fld>
+            <a:endParaRPr lang="zh-CN" altLang="en-US" dirty="0"/>
+          </a:p>
+        </p:txBody>
+      </p:sp>
+    </p:spTree>
+  </p:cSld>
+  <p:clrMapOvr>
+    <a:masterClrMapping/>
+  </p:clrMapOvr>
+</p:sldLayout>
+</file>
+
+<file path=ppt/slideLayouts/slideLayout13.xml><?xml version="1.0" encoding="utf-8"?>
+<p:sldLayout xmlns:a="http://schemas.openxmlformats.org/drawingml/2006/main" xmlns:r="http://schemas.openxmlformats.org/officeDocument/2006/relationships" xmlns:p="http://schemas.openxmlformats.org/presentationml/2006/main" type="obj" preserve="1">
+  <p:cSld name="标题和内容">
+    <p:spTree>
+      <p:nvGrpSpPr>
+        <p:cNvPr id="1" name=""/>
+        <p:cNvGrpSpPr/>
+        <p:nvPr/>
+      </p:nvGrpSpPr>
+      <p:grpSpPr>
+        <a:xfrm>
+          <a:off x="0" y="0"/>
+          <a:ext cx="0" cy="0"/>
+          <a:chOff x="0" y="0"/>
+          <a:chExt cx="0" cy="0"/>
+        </a:xfrm>
+      </p:grpSpPr>
+      <p:sp>
+        <p:nvSpPr>
+          <p:cNvPr id="2" name="标题 1"/>
+          <p:cNvSpPr>
+            <a:spLocks noGrp="1"/>
+          </p:cNvSpPr>
+          <p:nvPr>
+            <p:ph type="title"/>
+            <p:custDataLst>
+              <p:tags r:id="rId2"/>
+            </p:custDataLst>
+          </p:nvPr>
+        </p:nvSpPr>
+        <p:spPr>
+          <a:xfrm>
+            <a:off x="608400" y="608400"/>
+            <a:ext cx="10969200" cy="705600"/>
+          </a:xfrm>
+        </p:spPr>
+        <p:txBody>
+          <a:bodyPr vert="horz" lIns="90000" tIns="46800" rIns="90000" bIns="46800" rtlCol="0" anchor="ctr" anchorCtr="0">
+            <a:normAutofit/>
+          </a:bodyPr>
+          <a:lstStyle>
+            <a:lvl1pPr marL="0" marR="0" algn="l" defTabSz="914400" rtl="0" eaLnBrk="1" fontAlgn="auto" latinLnBrk="0" hangingPunct="1">
+              <a:lnSpc>
+                <a:spcPct val="100000"/>
+              </a:lnSpc>
+              <a:buNone/>
+              <a:defRPr kumimoji="0" lang="zh-CN" altLang="en-US" sz="3600" b="1" i="0" u="none" strike="noStrike" kern="1200" cap="none" spc="300" normalizeH="0" baseline="0" noProof="1" dirty="0">
+                <a:solidFill>
+                  <a:schemeClr val="tx1">
+                    <a:lumMod val="85000"/>
+                    <a:lumOff val="15000"/>
+                  </a:schemeClr>
+                </a:solidFill>
+                <a:uFillTx/>
+                <a:latin typeface="Arial" panose="020B0604020202020204" pitchFamily="34" charset="0"/>
+                <a:ea typeface="微软雅黑" panose="020B0503020204020204" charset="-122"/>
+                <a:cs typeface="+mj-cs"/>
+                <a:sym typeface="+mn-ea"/>
+              </a:defRPr>
+            </a:lvl1pPr>
+          </a:lstStyle>
+          <a:p>
+            <a:pPr lvl="0"/>
+            <a:r>
+              <a:rPr dirty="0">
+                <a:sym typeface="+mn-ea"/>
+              </a:rPr>
+              <a:t>单击此处编辑母版标题样式</a:t>
+            </a:r>
+            <a:endParaRPr dirty="0">
+              <a:sym typeface="+mn-ea"/>
+            </a:endParaRPr>
+          </a:p>
+        </p:txBody>
+      </p:sp>
+      <p:sp>
+        <p:nvSpPr>
+          <p:cNvPr id="3" name="内容占位符 2"/>
+          <p:cNvSpPr>
+            <a:spLocks noGrp="1"/>
+          </p:cNvSpPr>
+          <p:nvPr>
+            <p:ph idx="1"/>
+            <p:custDataLst>
+              <p:tags r:id="rId3"/>
+            </p:custDataLst>
+          </p:nvPr>
+        </p:nvSpPr>
+        <p:spPr>
+          <a:xfrm>
+            <a:off x="608400" y="1490400"/>
+            <a:ext cx="10969200" cy="4759200"/>
+          </a:xfrm>
+        </p:spPr>
+        <p:txBody>
+          <a:bodyPr vert="horz" lIns="90000" tIns="46800" rIns="90000" bIns="46800" rtlCol="0">
+            <a:normAutofit/>
+          </a:bodyPr>
+          <a:lstStyle>
+            <a:lvl1pPr marL="228600" marR="0" lvl="0" indent="-228600" algn="l" defTabSz="914400" rtl="0" eaLnBrk="1" fontAlgn="auto" latinLnBrk="0" hangingPunct="1">
+              <a:lnSpc>
+                <a:spcPct val="130000"/>
+              </a:lnSpc>
+              <a:spcBef>
+                <a:spcPts val="0"/>
+              </a:spcBef>
+              <a:spcAft>
+                <a:spcPts val="1000"/>
+              </a:spcAft>
+              <a:buFont typeface="Arial" panose="020B0604020202020204" pitchFamily="34" charset="0"/>
+              <a:buChar char="●"/>
+              <a:defRPr kumimoji="0" lang="zh-CN" altLang="en-US" sz="1800" b="0" i="0" u="none" strike="noStrike" kern="1200" cap="none" spc="150" normalizeH="0" baseline="0" noProof="1" dirty="0">
+                <a:solidFill>
+                  <a:schemeClr val="tx1">
+                    <a:lumMod val="65000"/>
+                    <a:lumOff val="35000"/>
+                  </a:schemeClr>
+                </a:solidFill>
+                <a:uFillTx/>
+                <a:latin typeface="Arial" panose="020B0604020202020204" pitchFamily="34" charset="0"/>
+                <a:ea typeface="微软雅黑" panose="020B0503020204020204" charset="-122"/>
+                <a:cs typeface="+mn-cs"/>
+                <a:sym typeface="+mn-ea"/>
+              </a:defRPr>
+            </a:lvl1pPr>
+            <a:lvl2pPr marL="685800" marR="0" lvl="1" indent="-228600" algn="l" defTabSz="914400" rtl="0" eaLnBrk="1" fontAlgn="auto" latinLnBrk="0" hangingPunct="1">
+              <a:lnSpc>
+                <a:spcPct val="120000"/>
+              </a:lnSpc>
+              <a:spcBef>
+                <a:spcPts val="0"/>
+              </a:spcBef>
+              <a:spcAft>
+                <a:spcPts val="600"/>
+              </a:spcAft>
+              <a:buFont typeface="Arial" panose="020B0604020202020204" pitchFamily="34" charset="0"/>
+              <a:buChar char="●"/>
+              <a:tabLst>
+                <a:tab pos="1609725" algn="l"/>
+              </a:tabLst>
+              <a:defRPr kumimoji="0" lang="zh-CN" altLang="en-US" sz="1600" b="0" i="0" u="none" strike="noStrike" kern="1200" cap="none" spc="150" normalizeH="0" baseline="0" noProof="1" dirty="0">
+                <a:solidFill>
+                  <a:schemeClr val="tx1">
+                    <a:lumMod val="65000"/>
+                    <a:lumOff val="35000"/>
+                  </a:schemeClr>
+                </a:solidFill>
+                <a:uFillTx/>
+                <a:latin typeface="Arial" panose="020B0604020202020204" pitchFamily="34" charset="0"/>
+                <a:ea typeface="微软雅黑" panose="020B0503020204020204" charset="-122"/>
+                <a:cs typeface="+mn-cs"/>
+                <a:sym typeface="+mn-ea"/>
+              </a:defRPr>
+            </a:lvl2pPr>
+            <a:lvl3pPr marL="1143000" marR="0" lvl="2" indent="-228600" algn="l" defTabSz="914400" rtl="0" eaLnBrk="1" fontAlgn="auto" latinLnBrk="0" hangingPunct="1">
+              <a:lnSpc>
+                <a:spcPct val="120000"/>
+              </a:lnSpc>
+              <a:spcBef>
+                <a:spcPts val="0"/>
+              </a:spcBef>
+              <a:spcAft>
+                <a:spcPts val="600"/>
+              </a:spcAft>
+              <a:buFont typeface="Arial" panose="020B0604020202020204" pitchFamily="34" charset="0"/>
+              <a:buChar char="●"/>
+              <a:defRPr kumimoji="0" lang="zh-CN" altLang="en-US" sz="1600" b="0" i="0" u="none" strike="noStrike" kern="1200" cap="none" spc="150" normalizeH="0" baseline="0" noProof="1" dirty="0">
+                <a:solidFill>
+                  <a:schemeClr val="tx1">
+                    <a:lumMod val="65000"/>
+                    <a:lumOff val="35000"/>
+                  </a:schemeClr>
+                </a:solidFill>
+                <a:uFillTx/>
+                <a:latin typeface="Arial" panose="020B0604020202020204" pitchFamily="34" charset="0"/>
+                <a:ea typeface="微软雅黑" panose="020B0503020204020204" charset="-122"/>
+                <a:cs typeface="+mn-cs"/>
+                <a:sym typeface="+mn-ea"/>
+              </a:defRPr>
+            </a:lvl3pPr>
+            <a:lvl4pPr marL="1600200" marR="0" lvl="3" indent="-228600" algn="l" defTabSz="914400" rtl="0" eaLnBrk="1" fontAlgn="auto" latinLnBrk="0" hangingPunct="1">
+              <a:lnSpc>
+                <a:spcPct val="120000"/>
+              </a:lnSpc>
+              <a:spcBef>
+                <a:spcPts val="0"/>
+              </a:spcBef>
+              <a:spcAft>
+                <a:spcPts val="300"/>
+              </a:spcAft>
+              <a:buFont typeface="Wingdings" panose="05000000000000000000" charset="0"/>
+              <a:buChar char=""/>
+              <a:defRPr kumimoji="0" lang="zh-CN" altLang="en-US" sz="1400" b="0" i="0" u="none" strike="noStrike" kern="1200" cap="none" spc="150" normalizeH="0" baseline="0" noProof="1" dirty="0">
+                <a:solidFill>
+                  <a:schemeClr val="tx1">
+                    <a:lumMod val="65000"/>
+                    <a:lumOff val="35000"/>
+                  </a:schemeClr>
+                </a:solidFill>
+                <a:uFillTx/>
+                <a:latin typeface="Arial" panose="020B0604020202020204" pitchFamily="34" charset="0"/>
+                <a:ea typeface="微软雅黑" panose="020B0503020204020204" charset="-122"/>
+                <a:cs typeface="+mn-cs"/>
+                <a:sym typeface="+mn-ea"/>
+              </a:defRPr>
+            </a:lvl4pPr>
+            <a:lvl5pPr marL="2057400" marR="0" lvl="4" indent="-228600" algn="l" defTabSz="914400" rtl="0" eaLnBrk="1" fontAlgn="auto" latinLnBrk="0" hangingPunct="1">
+              <a:lnSpc>
+                <a:spcPct val="120000"/>
+              </a:lnSpc>
+              <a:spcBef>
+                <a:spcPts val="0"/>
+              </a:spcBef>
+              <a:spcAft>
+                <a:spcPts val="300"/>
+              </a:spcAft>
+              <a:buFont typeface="Arial" panose="020B0604020202020204" pitchFamily="34" charset="0"/>
+              <a:buChar char="•"/>
+              <a:defRPr kumimoji="0" lang="zh-CN" altLang="en-US" sz="1400" b="0" i="0" u="none" strike="noStrike" kern="1200" cap="none" spc="150" normalizeH="0" baseline="0" noProof="1" dirty="0">
+                <a:solidFill>
+                  <a:schemeClr val="tx1">
+                    <a:lumMod val="65000"/>
+                    <a:lumOff val="35000"/>
+                  </a:schemeClr>
+                </a:solidFill>
+                <a:uFillTx/>
+                <a:latin typeface="Arial" panose="020B0604020202020204" pitchFamily="34" charset="0"/>
+                <a:ea typeface="微软雅黑" panose="020B0503020204020204" charset="-122"/>
+                <a:cs typeface="+mn-cs"/>
+                <a:sym typeface="+mn-ea"/>
+              </a:defRPr>
+            </a:lvl5pPr>
+          </a:lstStyle>
+          <a:p>
+            <a:pPr lvl="0"/>
+            <a:r>
+              <a:rPr dirty="0">
+                <a:sym typeface="+mn-ea"/>
+              </a:rPr>
+              <a:t>单击此处编辑母版文本样式</a:t>
+            </a:r>
+            <a:endParaRPr dirty="0">
+              <a:sym typeface="+mn-ea"/>
+            </a:endParaRPr>
+          </a:p>
+          <a:p>
+            <a:pPr lvl="1"/>
+            <a:r>
+              <a:rPr dirty="0">
+                <a:sym typeface="+mn-ea"/>
+              </a:rPr>
+              <a:t>第二级</a:t>
+            </a:r>
+            <a:endParaRPr dirty="0">
+              <a:sym typeface="+mn-ea"/>
+            </a:endParaRPr>
+          </a:p>
+          <a:p>
+            <a:pPr lvl="2"/>
+            <a:r>
+              <a:rPr dirty="0">
+                <a:sym typeface="+mn-ea"/>
+              </a:rPr>
+              <a:t>第三级</a:t>
+            </a:r>
+            <a:endParaRPr dirty="0">
+              <a:sym typeface="+mn-ea"/>
+            </a:endParaRPr>
+          </a:p>
+          <a:p>
+            <a:pPr lvl="3"/>
+            <a:r>
+              <a:rPr dirty="0">
+                <a:sym typeface="+mn-ea"/>
+              </a:rPr>
+              <a:t>第四级</a:t>
+            </a:r>
+            <a:endParaRPr dirty="0">
+              <a:sym typeface="+mn-ea"/>
+            </a:endParaRPr>
+          </a:p>
+          <a:p>
+            <a:pPr lvl="4"/>
+            <a:r>
+              <a:rPr dirty="0">
+                <a:sym typeface="+mn-ea"/>
+              </a:rPr>
+              <a:t>第五级</a:t>
+            </a:r>
+            <a:endParaRPr dirty="0">
+              <a:sym typeface="+mn-ea"/>
+            </a:endParaRPr>
+          </a:p>
+        </p:txBody>
+      </p:sp>
+      <p:sp>
+        <p:nvSpPr>
+          <p:cNvPr id="4" name="日期占位符 3"/>
+          <p:cNvSpPr>
+            <a:spLocks noGrp="1"/>
+          </p:cNvSpPr>
+          <p:nvPr>
+            <p:ph type="dt" sz="half" idx="10"/>
+            <p:custDataLst>
+              <p:tags r:id="rId4"/>
+            </p:custDataLst>
+          </p:nvPr>
+        </p:nvSpPr>
+        <p:spPr/>
+        <p:txBody>
+          <a:bodyPr/>
+          <a:lstStyle/>
+          <a:p>
+            <a:fld id="{760FBDFE-C587-4B4C-A407-44438C67B59E}" type="datetimeFigureOut">
+              <a:rPr lang="zh-CN" altLang="en-US" smtClean="0"/>
+            </a:fld>
+            <a:endParaRPr lang="zh-CN" altLang="en-US"/>
+          </a:p>
+        </p:txBody>
+      </p:sp>
+      <p:sp>
+        <p:nvSpPr>
+          <p:cNvPr id="5" name="页脚占位符 4"/>
+          <p:cNvSpPr>
+            <a:spLocks noGrp="1"/>
+          </p:cNvSpPr>
+          <p:nvPr>
+            <p:ph type="ftr" sz="quarter" idx="11"/>
+            <p:custDataLst>
+              <p:tags r:id="rId5"/>
+            </p:custDataLst>
+          </p:nvPr>
+        </p:nvSpPr>
+        <p:spPr/>
+        <p:txBody>
+          <a:bodyPr/>
+          <a:lstStyle/>
+          <a:p>
+            <a:endParaRPr lang="zh-CN" altLang="en-US"/>
+          </a:p>
+        </p:txBody>
+      </p:sp>
+      <p:sp>
+        <p:nvSpPr>
+          <p:cNvPr id="6" name="灯片编号占位符 5"/>
+          <p:cNvSpPr>
+            <a:spLocks noGrp="1"/>
+          </p:cNvSpPr>
+          <p:nvPr>
+            <p:ph type="sldNum" sz="quarter" idx="12"/>
+            <p:custDataLst>
+              <p:tags r:id="rId6"/>
+            </p:custDataLst>
+          </p:nvPr>
+        </p:nvSpPr>
+        <p:spPr/>
+        <p:txBody>
+          <a:bodyPr/>
+          <a:lstStyle/>
+          <a:p>
+            <a:fld id="{49AE70B2-8BF9-45C0-BB95-33D1B9D3A854}" type="slidenum">
+              <a:rPr lang="zh-CN" altLang="en-US" smtClean="0"/>
+            </a:fld>
+            <a:endParaRPr lang="zh-CN" altLang="en-US"/>
+          </a:p>
+        </p:txBody>
+      </p:sp>
+    </p:spTree>
+  </p:cSld>
+  <p:clrMapOvr>
+    <a:masterClrMapping/>
+  </p:clrMapOvr>
+</p:sldLayout>
+</file>
+
+<file path=ppt/slideLayouts/slideLayout14.xml><?xml version="1.0" encoding="utf-8"?>
+<p:sldLayout xmlns:a="http://schemas.openxmlformats.org/drawingml/2006/main" xmlns:r="http://schemas.openxmlformats.org/officeDocument/2006/relationships" xmlns:p="http://schemas.openxmlformats.org/presentationml/2006/main" type="secHead" preserve="1">
+  <p:cSld name="节标题">
+    <p:spTree>
+      <p:nvGrpSpPr>
+        <p:cNvPr id="1" name=""/>
+        <p:cNvGrpSpPr/>
+        <p:nvPr/>
+      </p:nvGrpSpPr>
+      <p:grpSpPr>
+        <a:xfrm>
+          <a:off x="0" y="0"/>
+          <a:ext cx="0" cy="0"/>
+          <a:chOff x="0" y="0"/>
+          <a:chExt cx="0" cy="0"/>
+        </a:xfrm>
+      </p:grpSpPr>
+      <p:sp>
+        <p:nvSpPr>
+          <p:cNvPr id="2" name="标题 1"/>
+          <p:cNvSpPr>
+            <a:spLocks noGrp="1"/>
+          </p:cNvSpPr>
+          <p:nvPr>
+            <p:ph type="title" hasCustomPrompt="1"/>
+            <p:custDataLst>
+              <p:tags r:id="rId2"/>
+            </p:custDataLst>
+          </p:nvPr>
+        </p:nvSpPr>
+        <p:spPr>
+          <a:xfrm>
+            <a:off x="1990800" y="3848400"/>
+            <a:ext cx="7768800" cy="766800"/>
+          </a:xfrm>
+        </p:spPr>
+        <p:txBody>
+          <a:bodyPr lIns="90000" tIns="46800" rIns="90000" bIns="46800" anchor="b" anchorCtr="0">
+            <a:normAutofit/>
+          </a:bodyPr>
+          <a:lstStyle>
+            <a:lvl1pPr>
+              <a:defRPr sz="4400" b="1" i="0" u="none" strike="noStrike" kern="1200" cap="none" spc="300" normalizeH="0" baseline="0">
+                <a:solidFill>
+                  <a:schemeClr val="tx1">
+                    <a:lumMod val="85000"/>
+                    <a:lumOff val="15000"/>
+                  </a:schemeClr>
+                </a:solidFill>
+                <a:effectLst/>
+                <a:uFillTx/>
+              </a:defRPr>
+            </a:lvl1pPr>
+          </a:lstStyle>
+          <a:p>
+            <a:r>
+              <a:rPr lang="zh-CN" altLang="en-US" dirty="0"/>
+              <a:t>单击此处编辑标题</a:t>
+            </a:r>
+            <a:endParaRPr lang="zh-CN" altLang="en-US" dirty="0"/>
+          </a:p>
+        </p:txBody>
+      </p:sp>
+      <p:sp>
+        <p:nvSpPr>
+          <p:cNvPr id="3" name="文本占位符 2"/>
+          <p:cNvSpPr>
+            <a:spLocks noGrp="1"/>
+          </p:cNvSpPr>
+          <p:nvPr>
+            <p:ph type="body" idx="1" hasCustomPrompt="1"/>
+            <p:custDataLst>
+              <p:tags r:id="rId3"/>
+            </p:custDataLst>
+          </p:nvPr>
+        </p:nvSpPr>
+        <p:spPr>
+          <a:xfrm>
+            <a:off x="1990800" y="4615200"/>
+            <a:ext cx="7768800" cy="867600"/>
+          </a:xfrm>
+        </p:spPr>
+        <p:txBody>
+          <a:bodyPr lIns="90000" tIns="46800" rIns="90000" bIns="46800">
+            <a:normAutofit/>
+          </a:bodyPr>
+          <a:lstStyle>
+            <a:lvl1pPr marL="0" indent="0" eaLnBrk="1" fontAlgn="auto" latinLnBrk="0" hangingPunct="1">
+              <a:lnSpc>
+                <a:spcPct val="130000"/>
+              </a:lnSpc>
+              <a:buNone/>
+              <a:defRPr kumimoji="0" lang="zh-CN" altLang="en-US" sz="1800" b="0" i="0" u="none" strike="noStrike" kern="1200" cap="none" spc="150" normalizeH="0" baseline="0" noProof="1">
+                <a:solidFill>
+                  <a:schemeClr val="tx1">
+                    <a:lumMod val="65000"/>
+                    <a:lumOff val="35000"/>
+                  </a:schemeClr>
+                </a:solidFill>
+                <a:uFillTx/>
+                <a:latin typeface="Arial" panose="020B0604020202020204" pitchFamily="34" charset="0"/>
+                <a:ea typeface="微软雅黑" panose="020B0503020204020204" charset="-122"/>
+                <a:cs typeface="+mn-cs"/>
+                <a:sym typeface="+mn-ea"/>
+              </a:defRPr>
+            </a:lvl1pPr>
+            <a:lvl2pPr marL="457200" indent="0">
+              <a:buNone/>
+              <a:defRPr sz="2000">
+                <a:solidFill>
+                  <a:schemeClr val="tx1">
+                    <a:tint val="75000"/>
+                  </a:schemeClr>
+                </a:solidFill>
+              </a:defRPr>
+            </a:lvl2pPr>
+            <a:lvl3pPr marL="914400" indent="0">
+              <a:buNone/>
+              <a:defRPr sz="1800">
+                <a:solidFill>
+                  <a:schemeClr val="tx1">
+                    <a:tint val="75000"/>
+                  </a:schemeClr>
+                </a:solidFill>
+              </a:defRPr>
+            </a:lvl3pPr>
+            <a:lvl4pPr marL="1371600" indent="0">
+              <a:buNone/>
+              <a:defRPr sz="1600">
+                <a:solidFill>
+                  <a:schemeClr val="tx1">
+                    <a:tint val="75000"/>
+                  </a:schemeClr>
+                </a:solidFill>
+              </a:defRPr>
+            </a:lvl4pPr>
+            <a:lvl5pPr marL="1828800" indent="0">
+              <a:buNone/>
+              <a:defRPr sz="1600">
+                <a:solidFill>
+                  <a:schemeClr val="tx1">
+                    <a:tint val="75000"/>
+                  </a:schemeClr>
+                </a:solidFill>
+              </a:defRPr>
+            </a:lvl5pPr>
+            <a:lvl6pPr marL="2286000" indent="0">
+              <a:buNone/>
+              <a:defRPr sz="1600">
+                <a:solidFill>
+                  <a:schemeClr val="tx1">
+                    <a:tint val="75000"/>
+                  </a:schemeClr>
+                </a:solidFill>
+              </a:defRPr>
+            </a:lvl6pPr>
+            <a:lvl7pPr marL="2743200" indent="0">
+              <a:buNone/>
+              <a:defRPr sz="1600">
+                <a:solidFill>
+                  <a:schemeClr val="tx1">
+                    <a:tint val="75000"/>
+                  </a:schemeClr>
+                </a:solidFill>
+              </a:defRPr>
+            </a:lvl7pPr>
+            <a:lvl8pPr marL="3200400" indent="0">
+              <a:buNone/>
+              <a:defRPr sz="1600">
+                <a:solidFill>
+                  <a:schemeClr val="tx1">
+                    <a:tint val="75000"/>
+                  </a:schemeClr>
+                </a:solidFill>
+              </a:defRPr>
+            </a:lvl8pPr>
+            <a:lvl9pPr marL="3657600" indent="0">
+              <a:buNone/>
+              <a:defRPr sz="1600">
+                <a:solidFill>
+                  <a:schemeClr val="tx1">
+                    <a:tint val="75000"/>
+                  </a:schemeClr>
+                </a:solidFill>
+              </a:defRPr>
+            </a:lvl9pPr>
+          </a:lstStyle>
+          <a:p>
+            <a:pPr lvl="0"/>
+            <a:r>
+              <a:rPr lang="zh-CN" altLang="en-US" dirty="0"/>
+              <a:t>单击此处编辑文本</a:t>
+            </a:r>
+            <a:endParaRPr lang="zh-CN" altLang="en-US" dirty="0"/>
+          </a:p>
+        </p:txBody>
+      </p:sp>
+      <p:sp>
+        <p:nvSpPr>
+          <p:cNvPr id="4" name="日期占位符 3"/>
+          <p:cNvSpPr>
+            <a:spLocks noGrp="1"/>
+          </p:cNvSpPr>
+          <p:nvPr>
+            <p:ph type="dt" sz="half" idx="10"/>
+            <p:custDataLst>
+              <p:tags r:id="rId4"/>
+            </p:custDataLst>
+          </p:nvPr>
+        </p:nvSpPr>
+        <p:spPr/>
+        <p:txBody>
+          <a:bodyPr/>
+          <a:lstStyle/>
+          <a:p>
+            <a:fld id="{760FBDFE-C587-4B4C-A407-44438C67B59E}" type="datetimeFigureOut">
+              <a:rPr lang="zh-CN" altLang="en-US" smtClean="0"/>
+            </a:fld>
+            <a:endParaRPr lang="zh-CN" altLang="en-US"/>
+          </a:p>
+        </p:txBody>
+      </p:sp>
+      <p:sp>
+        <p:nvSpPr>
+          <p:cNvPr id="5" name="页脚占位符 4"/>
+          <p:cNvSpPr>
+            <a:spLocks noGrp="1"/>
+          </p:cNvSpPr>
+          <p:nvPr>
+            <p:ph type="ftr" sz="quarter" idx="11"/>
+            <p:custDataLst>
+              <p:tags r:id="rId5"/>
+            </p:custDataLst>
+          </p:nvPr>
+        </p:nvSpPr>
+        <p:spPr/>
+        <p:txBody>
+          <a:bodyPr/>
+          <a:lstStyle/>
+          <a:p>
+            <a:endParaRPr lang="zh-CN" altLang="en-US"/>
+          </a:p>
+        </p:txBody>
+      </p:sp>
+      <p:sp>
+        <p:nvSpPr>
+          <p:cNvPr id="6" name="灯片编号占位符 5"/>
+          <p:cNvSpPr>
+            <a:spLocks noGrp="1"/>
+          </p:cNvSpPr>
+          <p:nvPr>
+            <p:ph type="sldNum" sz="quarter" idx="12"/>
+            <p:custDataLst>
+              <p:tags r:id="rId6"/>
+            </p:custDataLst>
+          </p:nvPr>
+        </p:nvSpPr>
+        <p:spPr/>
+        <p:txBody>
+          <a:bodyPr/>
+          <a:lstStyle/>
+          <a:p>
+            <a:fld id="{49AE70B2-8BF9-45C0-BB95-33D1B9D3A854}" type="slidenum">
+              <a:rPr lang="zh-CN" altLang="en-US" smtClean="0"/>
+            </a:fld>
+            <a:endParaRPr lang="zh-CN" altLang="en-US"/>
+          </a:p>
+        </p:txBody>
+      </p:sp>
+    </p:spTree>
+  </p:cSld>
+  <p:clrMapOvr>
+    <a:masterClrMapping/>
+  </p:clrMapOvr>
+</p:sldLayout>
+</file>
+
+<file path=ppt/slideLayouts/slideLayout15.xml><?xml version="1.0" encoding="utf-8"?>
+<p:sldLayout xmlns:a="http://schemas.openxmlformats.org/drawingml/2006/main" xmlns:r="http://schemas.openxmlformats.org/officeDocument/2006/relationships" xmlns:p="http://schemas.openxmlformats.org/presentationml/2006/main" type="twoObj" preserve="1">
+  <p:cSld name="两栏内容">
+    <p:spTree>
+      <p:nvGrpSpPr>
+        <p:cNvPr id="1" name=""/>
+        <p:cNvGrpSpPr/>
+        <p:nvPr/>
+      </p:nvGrpSpPr>
+      <p:grpSpPr>
+        <a:xfrm>
+          <a:off x="0" y="0"/>
+          <a:ext cx="0" cy="0"/>
+          <a:chOff x="0" y="0"/>
+          <a:chExt cx="0" cy="0"/>
+        </a:xfrm>
+      </p:grpSpPr>
+      <p:sp>
+        <p:nvSpPr>
+          <p:cNvPr id="2" name="标题 1"/>
+          <p:cNvSpPr>
+            <a:spLocks noGrp="1"/>
+          </p:cNvSpPr>
+          <p:nvPr>
+            <p:ph type="title"/>
+            <p:custDataLst>
+              <p:tags r:id="rId2"/>
+            </p:custDataLst>
+          </p:nvPr>
+        </p:nvSpPr>
+        <p:spPr>
+          <a:xfrm>
+            <a:off x="608400" y="608400"/>
+            <a:ext cx="10969200" cy="705600"/>
+          </a:xfrm>
+        </p:spPr>
+        <p:txBody>
+          <a:bodyPr vert="horz" lIns="90000" tIns="46800" rIns="90000" bIns="46800" rtlCol="0" anchor="ctr" anchorCtr="0">
+            <a:normAutofit/>
+          </a:bodyPr>
+          <a:lstStyle>
+            <a:lvl1pPr marL="0" marR="0" lvl="0" algn="l" defTabSz="914400" rtl="0" eaLnBrk="1" fontAlgn="auto" latinLnBrk="0" hangingPunct="1">
+              <a:lnSpc>
+                <a:spcPct val="100000"/>
+              </a:lnSpc>
+              <a:buNone/>
+              <a:defRPr kumimoji="0" lang="zh-CN" altLang="en-US" sz="3600" b="1" i="0" u="none" strike="noStrike" kern="1200" cap="none" spc="300" normalizeH="0" baseline="0" noProof="1" dirty="0">
+                <a:solidFill>
+                  <a:schemeClr val="tx1">
+                    <a:lumMod val="85000"/>
+                    <a:lumOff val="15000"/>
+                  </a:schemeClr>
+                </a:solidFill>
+                <a:uFillTx/>
+                <a:latin typeface="Arial" panose="020B0604020202020204" pitchFamily="34" charset="0"/>
+                <a:ea typeface="微软雅黑" panose="020B0503020204020204" charset="-122"/>
+                <a:cs typeface="+mj-cs"/>
+                <a:sym typeface="+mn-ea"/>
+              </a:defRPr>
+            </a:lvl1pPr>
+          </a:lstStyle>
+          <a:p>
+            <a:pPr lvl="0"/>
+            <a:r>
+              <a:rPr dirty="0">
+                <a:sym typeface="+mn-ea"/>
+              </a:rPr>
+              <a:t>单击此处编辑母版标题样式</a:t>
+            </a:r>
+            <a:endParaRPr dirty="0">
+              <a:sym typeface="+mn-ea"/>
+            </a:endParaRPr>
+          </a:p>
+        </p:txBody>
+      </p:sp>
+      <p:sp>
+        <p:nvSpPr>
+          <p:cNvPr id="3" name="内容占位符 2"/>
+          <p:cNvSpPr>
+            <a:spLocks noGrp="1"/>
+          </p:cNvSpPr>
+          <p:nvPr>
+            <p:ph sz="half" idx="1"/>
+            <p:custDataLst>
+              <p:tags r:id="rId3"/>
+            </p:custDataLst>
+          </p:nvPr>
+        </p:nvSpPr>
+        <p:spPr>
+          <a:xfrm>
+            <a:off x="608400" y="1501200"/>
+            <a:ext cx="5176800" cy="4748400"/>
+          </a:xfrm>
+        </p:spPr>
+        <p:txBody>
+          <a:bodyPr vert="horz" lIns="90000" tIns="46800" rIns="90000" bIns="46800" rtlCol="0">
+            <a:normAutofit/>
+          </a:bodyPr>
+          <a:lstStyle>
+            <a:lvl1pPr marL="228600" marR="0" lvl="0" indent="-228600" algn="l" defTabSz="914400" rtl="0" eaLnBrk="1" fontAlgn="auto" latinLnBrk="0" hangingPunct="1">
+              <a:lnSpc>
+                <a:spcPct val="130000"/>
+              </a:lnSpc>
+              <a:spcBef>
+                <a:spcPts val="0"/>
+              </a:spcBef>
+              <a:spcAft>
+                <a:spcPts val="600"/>
+              </a:spcAft>
+              <a:buFont typeface="Arial" panose="020B0604020202020204" pitchFamily="34" charset="0"/>
+              <a:buChar char="●"/>
+              <a:defRPr kumimoji="0" lang="zh-CN" altLang="en-US" sz="1600" b="0" i="0" u="none" strike="noStrike" kern="1200" cap="none" spc="150" normalizeH="0" baseline="0" noProof="1" dirty="0">
+                <a:solidFill>
+                  <a:schemeClr val="tx1">
+                    <a:lumMod val="65000"/>
+                    <a:lumOff val="35000"/>
+                  </a:schemeClr>
+                </a:solidFill>
+                <a:uFillTx/>
+                <a:latin typeface="Arial" panose="020B0604020202020204" pitchFamily="34" charset="0"/>
+                <a:ea typeface="微软雅黑" panose="020B0503020204020204" charset="-122"/>
+                <a:cs typeface="+mn-cs"/>
+                <a:sym typeface="+mn-ea"/>
+              </a:defRPr>
+            </a:lvl1pPr>
+            <a:lvl2pPr marL="685800" marR="0" lvl="1" indent="-228600" algn="l" defTabSz="914400" rtl="0" eaLnBrk="1" fontAlgn="auto" latinLnBrk="0" hangingPunct="1">
+              <a:lnSpc>
+                <a:spcPct val="120000"/>
+              </a:lnSpc>
+              <a:spcBef>
+                <a:spcPts val="0"/>
+              </a:spcBef>
+              <a:spcAft>
+                <a:spcPts val="600"/>
+              </a:spcAft>
+              <a:buFont typeface="Arial" panose="020B0604020202020204" pitchFamily="34" charset="0"/>
+              <a:buChar char="●"/>
+              <a:tabLst>
+                <a:tab pos="1609725" algn="l"/>
+              </a:tabLst>
+              <a:defRPr kumimoji="0" lang="zh-CN" altLang="en-US" sz="1600" b="0" i="0" u="none" strike="noStrike" kern="1200" cap="none" spc="150" normalizeH="0" baseline="0" noProof="1" dirty="0">
+                <a:solidFill>
+                  <a:schemeClr val="tx1">
+                    <a:lumMod val="65000"/>
+                    <a:lumOff val="35000"/>
+                  </a:schemeClr>
+                </a:solidFill>
+                <a:uFillTx/>
+                <a:latin typeface="Arial" panose="020B0604020202020204" pitchFamily="34" charset="0"/>
+                <a:ea typeface="微软雅黑" panose="020B0503020204020204" charset="-122"/>
+                <a:cs typeface="+mn-cs"/>
+                <a:sym typeface="+mn-ea"/>
+              </a:defRPr>
+            </a:lvl2pPr>
+            <a:lvl3pPr marL="1143000" marR="0" lvl="2" indent="-228600" algn="l" defTabSz="914400" rtl="0" eaLnBrk="1" fontAlgn="auto" latinLnBrk="0" hangingPunct="1">
+              <a:lnSpc>
+                <a:spcPct val="120000"/>
+              </a:lnSpc>
+              <a:spcBef>
+                <a:spcPts val="0"/>
+              </a:spcBef>
+              <a:spcAft>
+                <a:spcPts val="600"/>
+              </a:spcAft>
+              <a:buFont typeface="Arial" panose="020B0604020202020204" pitchFamily="34" charset="0"/>
+              <a:buChar char="●"/>
+              <a:defRPr kumimoji="0" lang="zh-CN" altLang="en-US" sz="1600" b="0" i="0" u="none" strike="noStrike" kern="1200" cap="none" spc="150" normalizeH="0" baseline="0" noProof="1" dirty="0">
+                <a:solidFill>
+                  <a:schemeClr val="tx1">
+                    <a:lumMod val="65000"/>
+                    <a:lumOff val="35000"/>
+                  </a:schemeClr>
+                </a:solidFill>
+                <a:uFillTx/>
+                <a:latin typeface="Arial" panose="020B0604020202020204" pitchFamily="34" charset="0"/>
+                <a:ea typeface="微软雅黑" panose="020B0503020204020204" charset="-122"/>
+                <a:cs typeface="+mn-cs"/>
+                <a:sym typeface="+mn-ea"/>
+              </a:defRPr>
+            </a:lvl3pPr>
+            <a:lvl4pPr marL="1600200" marR="0" lvl="3" indent="-228600" algn="l" defTabSz="914400" rtl="0" eaLnBrk="1" fontAlgn="auto" latinLnBrk="0" hangingPunct="1">
+              <a:lnSpc>
+                <a:spcPct val="120000"/>
+              </a:lnSpc>
+              <a:spcBef>
+                <a:spcPts val="0"/>
+              </a:spcBef>
+              <a:spcAft>
+                <a:spcPts val="300"/>
+              </a:spcAft>
+              <a:buFont typeface="Wingdings" panose="05000000000000000000" charset="0"/>
+              <a:buChar char=""/>
+              <a:defRPr kumimoji="0" lang="zh-CN" altLang="en-US" sz="1400" b="0" i="0" u="none" strike="noStrike" kern="1200" cap="none" spc="150" normalizeH="0" baseline="0" noProof="1" dirty="0">
+                <a:solidFill>
+                  <a:schemeClr val="tx1">
+                    <a:lumMod val="65000"/>
+                    <a:lumOff val="35000"/>
+                  </a:schemeClr>
+                </a:solidFill>
+                <a:uFillTx/>
+                <a:latin typeface="Arial" panose="020B0604020202020204" pitchFamily="34" charset="0"/>
+                <a:ea typeface="微软雅黑" panose="020B0503020204020204" charset="-122"/>
+                <a:cs typeface="+mn-cs"/>
+                <a:sym typeface="+mn-ea"/>
+              </a:defRPr>
+            </a:lvl4pPr>
+            <a:lvl5pPr marL="2057400" marR="0" lvl="4" indent="-228600" algn="l" defTabSz="914400" rtl="0" eaLnBrk="1" fontAlgn="auto" latinLnBrk="0" hangingPunct="1">
+              <a:lnSpc>
+                <a:spcPct val="120000"/>
+              </a:lnSpc>
+              <a:spcBef>
+                <a:spcPts val="0"/>
+              </a:spcBef>
+              <a:spcAft>
+                <a:spcPts val="300"/>
+              </a:spcAft>
+              <a:buFont typeface="Arial" panose="020B0604020202020204" pitchFamily="34" charset="0"/>
+              <a:buChar char="•"/>
+              <a:defRPr kumimoji="0" lang="zh-CN" altLang="en-US" sz="1400" b="0" i="0" u="none" strike="noStrike" kern="1200" cap="none" spc="150" normalizeH="0" baseline="0" noProof="1" dirty="0">
+                <a:solidFill>
+                  <a:schemeClr val="tx1">
+                    <a:lumMod val="65000"/>
+                    <a:lumOff val="35000"/>
+                  </a:schemeClr>
+                </a:solidFill>
+                <a:uFillTx/>
+                <a:latin typeface="Arial" panose="020B0604020202020204" pitchFamily="34" charset="0"/>
+                <a:ea typeface="微软雅黑" panose="020B0503020204020204" charset="-122"/>
+                <a:cs typeface="+mn-cs"/>
+                <a:sym typeface="+mn-ea"/>
+              </a:defRPr>
+            </a:lvl5pPr>
+          </a:lstStyle>
+          <a:p>
+            <a:pPr lvl="0"/>
+            <a:r>
+              <a:rPr dirty="0">
+                <a:sym typeface="+mn-ea"/>
+              </a:rPr>
+              <a:t>单击此处编辑母版文本样式</a:t>
+            </a:r>
+            <a:endParaRPr dirty="0">
+              <a:sym typeface="+mn-ea"/>
+            </a:endParaRPr>
+          </a:p>
+          <a:p>
+            <a:pPr lvl="1"/>
+            <a:r>
+              <a:rPr dirty="0">
+                <a:sym typeface="+mn-ea"/>
+              </a:rPr>
+              <a:t>第二级</a:t>
+            </a:r>
+            <a:endParaRPr dirty="0">
+              <a:sym typeface="+mn-ea"/>
+            </a:endParaRPr>
+          </a:p>
+          <a:p>
+            <a:pPr lvl="2"/>
+            <a:r>
+              <a:rPr dirty="0">
+                <a:sym typeface="+mn-ea"/>
+              </a:rPr>
+              <a:t>第三级</a:t>
+            </a:r>
+            <a:endParaRPr dirty="0">
+              <a:sym typeface="+mn-ea"/>
+            </a:endParaRPr>
+          </a:p>
+          <a:p>
+            <a:pPr lvl="3"/>
+            <a:r>
+              <a:rPr dirty="0">
+                <a:sym typeface="+mn-ea"/>
+              </a:rPr>
+              <a:t>第四级</a:t>
+            </a:r>
+            <a:endParaRPr dirty="0">
+              <a:sym typeface="+mn-ea"/>
+            </a:endParaRPr>
+          </a:p>
+          <a:p>
+            <a:pPr lvl="4"/>
+            <a:r>
+              <a:rPr dirty="0">
+                <a:sym typeface="+mn-ea"/>
+              </a:rPr>
+              <a:t>第五级</a:t>
+            </a:r>
+            <a:endParaRPr dirty="0">
+              <a:sym typeface="+mn-ea"/>
+            </a:endParaRPr>
+          </a:p>
+        </p:txBody>
+      </p:sp>
+      <p:sp>
+        <p:nvSpPr>
+          <p:cNvPr id="4" name="内容占位符 3"/>
+          <p:cNvSpPr>
+            <a:spLocks noGrp="1"/>
+          </p:cNvSpPr>
+          <p:nvPr>
+            <p:ph sz="half" idx="2"/>
+            <p:custDataLst>
+              <p:tags r:id="rId4"/>
+            </p:custDataLst>
+          </p:nvPr>
+        </p:nvSpPr>
+        <p:spPr>
+          <a:xfrm>
+            <a:off x="6411600" y="1501200"/>
+            <a:ext cx="5176800" cy="4748400"/>
+          </a:xfrm>
+        </p:spPr>
+        <p:txBody>
+          <a:bodyPr lIns="90000" tIns="46800" rIns="90000" bIns="46800">
+            <a:normAutofit/>
+          </a:bodyPr>
+          <a:lstStyle>
+            <a:lvl1pPr marL="228600" indent="-228600" eaLnBrk="1" fontAlgn="auto" latinLnBrk="0" hangingPunct="1">
+              <a:lnSpc>
+                <a:spcPct val="130000"/>
+              </a:lnSpc>
+              <a:spcAft>
+                <a:spcPts val="600"/>
+              </a:spcAft>
+              <a:buFont typeface="Arial" panose="020B0604020202020204" pitchFamily="34" charset="0"/>
+              <a:buChar char="●"/>
+              <a:defRPr sz="1600" u="none" strike="noStrike" kern="1200" cap="none" spc="150" normalizeH="0" baseline="0">
+                <a:solidFill>
+                  <a:schemeClr val="tx1">
+                    <a:lumMod val="65000"/>
+                    <a:lumOff val="35000"/>
+                  </a:schemeClr>
+                </a:solidFill>
+                <a:latin typeface="Arial" panose="020B0604020202020204" pitchFamily="34" charset="0"/>
+                <a:ea typeface="微软雅黑" panose="020B0503020204020204" charset="-122"/>
+              </a:defRPr>
+            </a:lvl1pPr>
+            <a:lvl2pPr marL="685800" indent="-228600" defTabSz="914400" eaLnBrk="1" fontAlgn="auto" latinLnBrk="0" hangingPunct="1">
+              <a:lnSpc>
+                <a:spcPct val="120000"/>
+              </a:lnSpc>
+              <a:buFont typeface="Arial" panose="020B0604020202020204" pitchFamily="34" charset="0"/>
+              <a:buChar char="●"/>
+              <a:tabLst>
+                <a:tab pos="1609725" algn="l"/>
+                <a:tab pos="1609725" algn="l"/>
+                <a:tab pos="1609725" algn="l"/>
+                <a:tab pos="1609725" algn="l"/>
+              </a:tabLst>
+              <a:defRPr sz="1600" u="none" strike="noStrike" kern="1200" cap="none" spc="150" normalizeH="0" baseline="0">
+                <a:solidFill>
+                  <a:schemeClr val="tx1">
+                    <a:lumMod val="65000"/>
+                    <a:lumOff val="35000"/>
+                  </a:schemeClr>
+                </a:solidFill>
+                <a:latin typeface="Arial" panose="020B0604020202020204" pitchFamily="34" charset="0"/>
+                <a:ea typeface="微软雅黑" panose="020B0503020204020204" charset="-122"/>
+              </a:defRPr>
+            </a:lvl2pPr>
+            <a:lvl3pPr marL="1143000" indent="-228600" eaLnBrk="1" fontAlgn="auto" latinLnBrk="0" hangingPunct="1">
+              <a:lnSpc>
+                <a:spcPct val="120000"/>
+              </a:lnSpc>
+              <a:buFont typeface="Arial" panose="020B0604020202020204" pitchFamily="34" charset="0"/>
+              <a:buChar char="●"/>
+              <a:defRPr sz="1600" u="none" strike="noStrike" kern="1200" cap="none" spc="150" normalizeH="0" baseline="0">
+                <a:solidFill>
+                  <a:schemeClr val="tx1">
+                    <a:lumMod val="65000"/>
+                    <a:lumOff val="35000"/>
+                  </a:schemeClr>
+                </a:solidFill>
+                <a:latin typeface="Arial" panose="020B0604020202020204" pitchFamily="34" charset="0"/>
+                <a:ea typeface="微软雅黑" panose="020B0503020204020204" charset="-122"/>
+              </a:defRPr>
+            </a:lvl3pPr>
+            <a:lvl4pPr marL="1600200" indent="-228600" eaLnBrk="1" fontAlgn="auto" latinLnBrk="0" hangingPunct="1">
+              <a:lnSpc>
+                <a:spcPct val="120000"/>
+              </a:lnSpc>
+              <a:buFont typeface="Wingdings" panose="05000000000000000000" charset="0"/>
+              <a:buChar char=""/>
+              <a:defRPr sz="1400" u="none" strike="noStrike" kern="1200" cap="none" spc="150" normalizeH="0" baseline="0">
+                <a:solidFill>
+                  <a:schemeClr val="tx1">
+                    <a:lumMod val="65000"/>
+                    <a:lumOff val="35000"/>
+                  </a:schemeClr>
+                </a:solidFill>
+                <a:latin typeface="Arial" panose="020B0604020202020204" pitchFamily="34" charset="0"/>
+                <a:ea typeface="微软雅黑" panose="020B0503020204020204" charset="-122"/>
+              </a:defRPr>
+            </a:lvl4pPr>
+            <a:lvl5pPr eaLnBrk="1" fontAlgn="auto" latinLnBrk="0" hangingPunct="1">
+              <a:lnSpc>
+                <a:spcPct val="120000"/>
+              </a:lnSpc>
+              <a:defRPr sz="1400" u="none" strike="noStrike" kern="1200" cap="none" spc="150" normalizeH="0">
+                <a:solidFill>
+                  <a:schemeClr val="tx1">
+                    <a:lumMod val="65000"/>
+                    <a:lumOff val="35000"/>
+                  </a:schemeClr>
+                </a:solidFill>
+                <a:latin typeface="Arial" panose="020B0604020202020204" pitchFamily="34" charset="0"/>
+                <a:ea typeface="微软雅黑" panose="020B0503020204020204" charset="-122"/>
+              </a:defRPr>
+            </a:lvl5pPr>
+          </a:lstStyle>
+          <a:p>
+            <a:pPr lvl="0"/>
+            <a:r>
+              <a:rPr lang="zh-CN" altLang="en-US" dirty="0"/>
+              <a:t>单击此处编辑母版文本样式</a:t>
+            </a:r>
+            <a:endParaRPr lang="zh-CN" altLang="en-US" dirty="0"/>
+          </a:p>
+          <a:p>
+            <a:pPr lvl="1"/>
+            <a:r>
+              <a:rPr lang="zh-CN" altLang="en-US" dirty="0"/>
+              <a:t>第二级</a:t>
+            </a:r>
+            <a:endParaRPr lang="zh-CN" altLang="en-US" dirty="0"/>
+          </a:p>
+          <a:p>
+            <a:pPr lvl="2"/>
+            <a:r>
+              <a:rPr lang="zh-CN" altLang="en-US" dirty="0"/>
+              <a:t>第三级</a:t>
+            </a:r>
+            <a:endParaRPr lang="zh-CN" altLang="en-US" dirty="0"/>
+          </a:p>
+          <a:p>
+            <a:pPr lvl="3"/>
+            <a:r>
+              <a:rPr lang="zh-CN" altLang="en-US" dirty="0"/>
+              <a:t>第四级</a:t>
+            </a:r>
+            <a:endParaRPr lang="zh-CN" altLang="en-US" dirty="0"/>
+          </a:p>
+          <a:p>
+            <a:pPr lvl="4"/>
+            <a:r>
+              <a:rPr lang="zh-CN" altLang="en-US" dirty="0"/>
+              <a:t>第五级</a:t>
+            </a:r>
+            <a:endParaRPr lang="zh-CN" altLang="en-US" dirty="0"/>
+          </a:p>
+        </p:txBody>
+      </p:sp>
+      <p:sp>
+        <p:nvSpPr>
+          <p:cNvPr id="5" name="日期占位符 4"/>
+          <p:cNvSpPr>
+            <a:spLocks noGrp="1"/>
+          </p:cNvSpPr>
+          <p:nvPr>
+            <p:ph type="dt" sz="half" idx="10"/>
+            <p:custDataLst>
+              <p:tags r:id="rId5"/>
+            </p:custDataLst>
+          </p:nvPr>
+        </p:nvSpPr>
+        <p:spPr/>
+        <p:txBody>
+          <a:bodyPr/>
+          <a:lstStyle/>
+          <a:p>
+            <a:fld id="{760FBDFE-C587-4B4C-A407-44438C67B59E}" type="datetimeFigureOut">
+              <a:rPr lang="zh-CN" altLang="en-US" smtClean="0"/>
+            </a:fld>
+            <a:endParaRPr lang="zh-CN" altLang="en-US"/>
+          </a:p>
+        </p:txBody>
+      </p:sp>
+      <p:sp>
+        <p:nvSpPr>
+          <p:cNvPr id="6" name="页脚占位符 5"/>
+          <p:cNvSpPr>
+            <a:spLocks noGrp="1"/>
+          </p:cNvSpPr>
+          <p:nvPr>
+            <p:ph type="ftr" sz="quarter" idx="11"/>
+            <p:custDataLst>
+              <p:tags r:id="rId6"/>
+            </p:custDataLst>
+          </p:nvPr>
+        </p:nvSpPr>
+        <p:spPr/>
+        <p:txBody>
+          <a:bodyPr/>
+          <a:lstStyle/>
+          <a:p>
+            <a:endParaRPr lang="zh-CN" altLang="en-US"/>
+          </a:p>
+        </p:txBody>
+      </p:sp>
+      <p:sp>
+        <p:nvSpPr>
+          <p:cNvPr id="7" name="灯片编号占位符 6"/>
+          <p:cNvSpPr>
+            <a:spLocks noGrp="1"/>
+          </p:cNvSpPr>
+          <p:nvPr>
+            <p:ph type="sldNum" sz="quarter" idx="12"/>
+            <p:custDataLst>
+              <p:tags r:id="rId7"/>
+            </p:custDataLst>
+          </p:nvPr>
+        </p:nvSpPr>
+        <p:spPr/>
+        <p:txBody>
+          <a:bodyPr/>
+          <a:lstStyle/>
+          <a:p>
+            <a:fld id="{49AE70B2-8BF9-45C0-BB95-33D1B9D3A854}" type="slidenum">
+              <a:rPr lang="zh-CN" altLang="en-US" smtClean="0"/>
+            </a:fld>
+            <a:endParaRPr lang="zh-CN" altLang="en-US"/>
+          </a:p>
+        </p:txBody>
+      </p:sp>
+    </p:spTree>
+  </p:cSld>
+  <p:clrMapOvr>
+    <a:masterClrMapping/>
+  </p:clrMapOvr>
+</p:sldLayout>
+</file>
+
+<file path=ppt/slideLayouts/slideLayout16.xml><?xml version="1.0" encoding="utf-8"?>
+<p:sldLayout xmlns:a="http://schemas.openxmlformats.org/drawingml/2006/main" xmlns:r="http://schemas.openxmlformats.org/officeDocument/2006/relationships" xmlns:p="http://schemas.openxmlformats.org/presentationml/2006/main" type="twoTxTwoObj" preserve="1">
+  <p:cSld name="比较">
+    <p:spTree>
+      <p:nvGrpSpPr>
+        <p:cNvPr id="1" name=""/>
+        <p:cNvGrpSpPr/>
+        <p:nvPr/>
+      </p:nvGrpSpPr>
+      <p:grpSpPr>
+        <a:xfrm>
+          <a:off x="0" y="0"/>
+          <a:ext cx="0" cy="0"/>
+          <a:chOff x="0" y="0"/>
+          <a:chExt cx="0" cy="0"/>
+        </a:xfrm>
+      </p:grpSpPr>
+      <p:sp>
+        <p:nvSpPr>
+          <p:cNvPr id="2" name="标题 1"/>
+          <p:cNvSpPr>
+            <a:spLocks noGrp="1"/>
+          </p:cNvSpPr>
+          <p:nvPr>
+            <p:ph type="title"/>
+            <p:custDataLst>
+              <p:tags r:id="rId2"/>
+            </p:custDataLst>
+          </p:nvPr>
+        </p:nvSpPr>
+        <p:spPr>
+          <a:xfrm>
+            <a:off x="608400" y="608400"/>
+            <a:ext cx="10969200" cy="705600"/>
+          </a:xfrm>
+        </p:spPr>
+        <p:txBody>
+          <a:bodyPr vert="horz" lIns="90000" tIns="46800" rIns="90000" bIns="46800" rtlCol="0" anchor="ctr" anchorCtr="0">
+            <a:normAutofit/>
+          </a:bodyPr>
+          <a:lstStyle>
+            <a:lvl1pPr marL="0" marR="0" lvl="0" algn="l" defTabSz="914400" rtl="0" eaLnBrk="1" fontAlgn="auto" latinLnBrk="0" hangingPunct="1">
+              <a:lnSpc>
+                <a:spcPct val="100000"/>
+              </a:lnSpc>
+              <a:buNone/>
+              <a:defRPr kumimoji="0" lang="zh-CN" altLang="en-US" sz="3600" b="1" i="0" u="none" strike="noStrike" kern="1200" cap="none" spc="300" normalizeH="0" baseline="0" noProof="1" dirty="0">
+                <a:solidFill>
+                  <a:schemeClr val="tx1">
+                    <a:lumMod val="85000"/>
+                    <a:lumOff val="15000"/>
+                  </a:schemeClr>
+                </a:solidFill>
+                <a:uFillTx/>
+                <a:latin typeface="Arial" panose="020B0604020202020204" pitchFamily="34" charset="0"/>
+                <a:ea typeface="微软雅黑" panose="020B0503020204020204" charset="-122"/>
+                <a:cs typeface="+mj-cs"/>
+                <a:sym typeface="+mn-ea"/>
+              </a:defRPr>
+            </a:lvl1pPr>
+          </a:lstStyle>
+          <a:p>
+            <a:pPr lvl="0"/>
+            <a:r>
+              <a:rPr dirty="0">
+                <a:sym typeface="+mn-ea"/>
+              </a:rPr>
+              <a:t>单击此处编辑母版标题样式</a:t>
+            </a:r>
+            <a:endParaRPr dirty="0">
+              <a:sym typeface="+mn-ea"/>
+            </a:endParaRPr>
+          </a:p>
+        </p:txBody>
+      </p:sp>
+      <p:sp>
+        <p:nvSpPr>
+          <p:cNvPr id="3" name="文本占位符 2"/>
+          <p:cNvSpPr>
+            <a:spLocks noGrp="1"/>
+          </p:cNvSpPr>
+          <p:nvPr>
+            <p:ph type="body" idx="1" hasCustomPrompt="1"/>
+            <p:custDataLst>
+              <p:tags r:id="rId3"/>
+            </p:custDataLst>
+          </p:nvPr>
+        </p:nvSpPr>
+        <p:spPr>
+          <a:xfrm>
+            <a:off x="608400" y="1429200"/>
+            <a:ext cx="5342400" cy="381600"/>
+          </a:xfrm>
+        </p:spPr>
+        <p:txBody>
+          <a:bodyPr lIns="101600" tIns="38100" rIns="76200" bIns="38100" anchor="t" anchorCtr="0">
+            <a:normAutofit/>
+          </a:bodyPr>
+          <a:lstStyle>
+            <a:lvl1pPr marL="0" indent="0" eaLnBrk="1" fontAlgn="auto" latinLnBrk="0" hangingPunct="1">
+              <a:lnSpc>
+                <a:spcPct val="100000"/>
+              </a:lnSpc>
+              <a:spcAft>
+                <a:spcPts val="0"/>
+              </a:spcAft>
+              <a:buNone/>
+              <a:defRPr sz="2000" b="1" u="none" strike="noStrike" kern="1200" cap="none" spc="200" normalizeH="0" baseline="0">
+                <a:solidFill>
+                  <a:schemeClr val="tx1">
+                    <a:lumMod val="75000"/>
+                    <a:lumOff val="25000"/>
+                  </a:schemeClr>
+                </a:solidFill>
+                <a:uFillTx/>
+                <a:latin typeface="Arial" panose="020B0604020202020204" pitchFamily="34" charset="0"/>
+                <a:ea typeface="微软雅黑" panose="020B0503020204020204" charset="-122"/>
+              </a:defRPr>
+            </a:lvl1pPr>
+            <a:lvl2pPr marL="457200" indent="0">
+              <a:buNone/>
+              <a:defRPr sz="2000" b="1"/>
+            </a:lvl2pPr>
+            <a:lvl3pPr marL="914400" indent="0">
+              <a:buNone/>
+              <a:defRPr sz="1800" b="1"/>
+            </a:lvl3pPr>
+            <a:lvl4pPr marL="1371600" indent="0">
+              <a:buNone/>
+              <a:defRPr sz="1600" b="1"/>
+            </a:lvl4pPr>
+            <a:lvl5pPr marL="1828800" indent="0">
+              <a:buNone/>
+              <a:defRPr sz="1600" b="1"/>
+            </a:lvl5pPr>
+            <a:lvl6pPr marL="2286000" indent="0">
+              <a:buNone/>
+              <a:defRPr sz="1600" b="1"/>
+            </a:lvl6pPr>
+            <a:lvl7pPr marL="2743200" indent="0">
+              <a:buNone/>
+              <a:defRPr sz="1600" b="1"/>
+            </a:lvl7pPr>
+            <a:lvl8pPr marL="3200400" indent="0">
+              <a:buNone/>
+              <a:defRPr sz="1600" b="1"/>
+            </a:lvl8pPr>
+            <a:lvl9pPr marL="3657600" indent="0">
+              <a:buNone/>
+              <a:defRPr sz="1600" b="1"/>
+            </a:lvl9pPr>
+          </a:lstStyle>
+          <a:p>
+            <a:pPr lvl="0"/>
+            <a:r>
+              <a:rPr lang="zh-CN" altLang="en-US" dirty="0"/>
+              <a:t>单击此处编辑文本</a:t>
+            </a:r>
+            <a:endParaRPr lang="zh-CN" altLang="en-US" dirty="0"/>
+          </a:p>
+        </p:txBody>
+      </p:sp>
+      <p:sp>
+        <p:nvSpPr>
+          <p:cNvPr id="4" name="内容占位符 3"/>
+          <p:cNvSpPr>
+            <a:spLocks noGrp="1"/>
+          </p:cNvSpPr>
+          <p:nvPr>
+            <p:ph sz="half" idx="2"/>
+            <p:custDataLst>
+              <p:tags r:id="rId4"/>
+            </p:custDataLst>
+          </p:nvPr>
+        </p:nvSpPr>
+        <p:spPr>
+          <a:xfrm>
+            <a:off x="608400" y="1854000"/>
+            <a:ext cx="5342400" cy="4395600"/>
+          </a:xfrm>
+        </p:spPr>
+        <p:txBody>
+          <a:bodyPr vert="horz" lIns="101600" tIns="0" rIns="82550" bIns="0" rtlCol="0">
+            <a:normAutofit/>
+          </a:bodyPr>
+          <a:lstStyle>
+            <a:lvl1pPr marL="228600" marR="0" lvl="0" indent="-228600" algn="l" defTabSz="914400" rtl="0" eaLnBrk="1" fontAlgn="auto" latinLnBrk="0" hangingPunct="1">
+              <a:lnSpc>
+                <a:spcPct val="130000"/>
+              </a:lnSpc>
+              <a:spcBef>
+                <a:spcPts val="0"/>
+              </a:spcBef>
+              <a:spcAft>
+                <a:spcPts val="600"/>
+              </a:spcAft>
+              <a:buFont typeface="Arial" panose="020B0604020202020204" pitchFamily="34" charset="0"/>
+              <a:buChar char="●"/>
+              <a:defRPr kumimoji="0" lang="zh-CN" altLang="en-US" sz="1600" b="0" i="0" u="none" strike="noStrike" kern="1200" cap="none" spc="150" normalizeH="0" baseline="0" noProof="1" dirty="0">
+                <a:solidFill>
+                  <a:schemeClr val="tx1">
+                    <a:lumMod val="65000"/>
+                    <a:lumOff val="35000"/>
+                  </a:schemeClr>
+                </a:solidFill>
+                <a:uFillTx/>
+                <a:latin typeface="Arial" panose="020B0604020202020204" pitchFamily="34" charset="0"/>
+                <a:ea typeface="微软雅黑" panose="020B0503020204020204" charset="-122"/>
+                <a:cs typeface="+mn-cs"/>
+                <a:sym typeface="+mn-ea"/>
+              </a:defRPr>
+            </a:lvl1pPr>
+            <a:lvl2pPr marL="685800" marR="0" lvl="1" indent="-228600" algn="l" defTabSz="914400" rtl="0" eaLnBrk="1" fontAlgn="auto" latinLnBrk="0" hangingPunct="1">
+              <a:lnSpc>
+                <a:spcPct val="120000"/>
+              </a:lnSpc>
+              <a:spcBef>
+                <a:spcPts val="0"/>
+              </a:spcBef>
+              <a:spcAft>
+                <a:spcPts val="600"/>
+              </a:spcAft>
+              <a:buFont typeface="Arial" panose="020B0604020202020204" pitchFamily="34" charset="0"/>
+              <a:buChar char="●"/>
+              <a:tabLst>
+                <a:tab pos="1609725" algn="l"/>
+              </a:tabLst>
+              <a:defRPr kumimoji="0" lang="zh-CN" altLang="en-US" sz="1600" b="0" i="0" u="none" strike="noStrike" kern="1200" cap="none" spc="150" normalizeH="0" baseline="0" noProof="1" dirty="0">
+                <a:solidFill>
+                  <a:schemeClr val="tx1">
+                    <a:lumMod val="65000"/>
+                    <a:lumOff val="35000"/>
+                  </a:schemeClr>
+                </a:solidFill>
+                <a:uFillTx/>
+                <a:latin typeface="Arial" panose="020B0604020202020204" pitchFamily="34" charset="0"/>
+                <a:ea typeface="微软雅黑" panose="020B0503020204020204" charset="-122"/>
+                <a:cs typeface="+mn-cs"/>
+                <a:sym typeface="+mn-ea"/>
+              </a:defRPr>
+            </a:lvl2pPr>
+            <a:lvl3pPr marL="1143000" marR="0" lvl="2" indent="-228600" algn="l" defTabSz="914400" rtl="0" eaLnBrk="1" fontAlgn="auto" latinLnBrk="0" hangingPunct="1">
+              <a:lnSpc>
+                <a:spcPct val="120000"/>
+              </a:lnSpc>
+              <a:spcBef>
+                <a:spcPts val="0"/>
+              </a:spcBef>
+              <a:spcAft>
+                <a:spcPts val="600"/>
+              </a:spcAft>
+              <a:buFont typeface="Arial" panose="020B0604020202020204" pitchFamily="34" charset="0"/>
+              <a:buChar char="●"/>
+              <a:defRPr kumimoji="0" lang="zh-CN" altLang="en-US" sz="1600" b="0" i="0" u="none" strike="noStrike" kern="1200" cap="none" spc="150" normalizeH="0" baseline="0" noProof="1" dirty="0">
+                <a:solidFill>
+                  <a:schemeClr val="tx1">
+                    <a:lumMod val="65000"/>
+                    <a:lumOff val="35000"/>
+                  </a:schemeClr>
+                </a:solidFill>
+                <a:uFillTx/>
+                <a:latin typeface="Arial" panose="020B0604020202020204" pitchFamily="34" charset="0"/>
+                <a:ea typeface="微软雅黑" panose="020B0503020204020204" charset="-122"/>
+                <a:cs typeface="+mn-cs"/>
+                <a:sym typeface="+mn-ea"/>
+              </a:defRPr>
+            </a:lvl3pPr>
+            <a:lvl4pPr marL="1600200" marR="0" lvl="3" indent="-228600" algn="l" defTabSz="914400" rtl="0" eaLnBrk="1" fontAlgn="auto" latinLnBrk="0" hangingPunct="1">
+              <a:lnSpc>
+                <a:spcPct val="120000"/>
+              </a:lnSpc>
+              <a:spcBef>
+                <a:spcPts val="0"/>
+              </a:spcBef>
+              <a:spcAft>
+                <a:spcPts val="300"/>
+              </a:spcAft>
+              <a:buFont typeface="Wingdings" panose="05000000000000000000" charset="0"/>
+              <a:buChar char=""/>
+              <a:defRPr kumimoji="0" lang="zh-CN" altLang="en-US" sz="1400" b="0" i="0" u="none" strike="noStrike" kern="1200" cap="none" spc="150" normalizeH="0" baseline="0" noProof="1" dirty="0">
+                <a:solidFill>
+                  <a:schemeClr val="tx1">
+                    <a:lumMod val="65000"/>
+                    <a:lumOff val="35000"/>
+                  </a:schemeClr>
+                </a:solidFill>
+                <a:uFillTx/>
+                <a:latin typeface="Arial" panose="020B0604020202020204" pitchFamily="34" charset="0"/>
+                <a:ea typeface="微软雅黑" panose="020B0503020204020204" charset="-122"/>
+                <a:cs typeface="+mn-cs"/>
+                <a:sym typeface="+mn-ea"/>
+              </a:defRPr>
+            </a:lvl4pPr>
+            <a:lvl5pPr marL="2057400" marR="0" lvl="4" indent="-228600" algn="l" defTabSz="914400" rtl="0" eaLnBrk="1" fontAlgn="auto" latinLnBrk="0" hangingPunct="1">
+              <a:lnSpc>
+                <a:spcPct val="120000"/>
+              </a:lnSpc>
+              <a:spcBef>
+                <a:spcPts val="0"/>
+              </a:spcBef>
+              <a:spcAft>
+                <a:spcPts val="300"/>
+              </a:spcAft>
+              <a:buFont typeface="Arial" panose="020B0604020202020204" pitchFamily="34" charset="0"/>
+              <a:buChar char="•"/>
+              <a:defRPr kumimoji="0" lang="zh-CN" altLang="en-US" sz="1400" b="0" i="0" u="none" strike="noStrike" kern="1200" cap="none" spc="150" normalizeH="0" baseline="0" noProof="1" dirty="0">
+                <a:solidFill>
+                  <a:schemeClr val="tx1">
+                    <a:lumMod val="65000"/>
+                    <a:lumOff val="35000"/>
+                  </a:schemeClr>
+                </a:solidFill>
+                <a:uFillTx/>
+                <a:latin typeface="Arial" panose="020B0604020202020204" pitchFamily="34" charset="0"/>
+                <a:ea typeface="微软雅黑" panose="020B0503020204020204" charset="-122"/>
+                <a:cs typeface="+mn-cs"/>
+                <a:sym typeface="+mn-ea"/>
+              </a:defRPr>
+            </a:lvl5pPr>
+          </a:lstStyle>
+          <a:p>
+            <a:pPr lvl="0"/>
+            <a:r>
+              <a:rPr dirty="0">
+                <a:sym typeface="+mn-ea"/>
+              </a:rPr>
+              <a:t>单击此处编辑母版文本样式</a:t>
+            </a:r>
+            <a:endParaRPr dirty="0">
+              <a:sym typeface="+mn-ea"/>
+            </a:endParaRPr>
+          </a:p>
+          <a:p>
+            <a:pPr lvl="1"/>
+            <a:r>
+              <a:rPr dirty="0">
+                <a:sym typeface="+mn-ea"/>
+              </a:rPr>
+              <a:t>第二级</a:t>
+            </a:r>
+            <a:endParaRPr dirty="0">
+              <a:sym typeface="+mn-ea"/>
+            </a:endParaRPr>
+          </a:p>
+          <a:p>
+            <a:pPr lvl="2"/>
+            <a:r>
+              <a:rPr dirty="0">
+                <a:sym typeface="+mn-ea"/>
+              </a:rPr>
+              <a:t>第三级</a:t>
+            </a:r>
+            <a:endParaRPr dirty="0">
+              <a:sym typeface="+mn-ea"/>
+            </a:endParaRPr>
+          </a:p>
+          <a:p>
+            <a:pPr lvl="3"/>
+            <a:r>
+              <a:rPr dirty="0">
+                <a:sym typeface="+mn-ea"/>
+              </a:rPr>
+              <a:t>第四级</a:t>
+            </a:r>
+            <a:endParaRPr dirty="0">
+              <a:sym typeface="+mn-ea"/>
+            </a:endParaRPr>
+          </a:p>
+          <a:p>
+            <a:pPr lvl="4"/>
+            <a:r>
+              <a:rPr dirty="0">
+                <a:sym typeface="+mn-ea"/>
+              </a:rPr>
+              <a:t>第五级</a:t>
+            </a:r>
+            <a:endParaRPr dirty="0">
+              <a:sym typeface="+mn-ea"/>
+            </a:endParaRPr>
+          </a:p>
+        </p:txBody>
+      </p:sp>
+      <p:sp>
+        <p:nvSpPr>
+          <p:cNvPr id="5" name="文本占位符 4"/>
+          <p:cNvSpPr>
+            <a:spLocks noGrp="1"/>
+          </p:cNvSpPr>
+          <p:nvPr>
+            <p:ph type="body" sz="quarter" idx="3" hasCustomPrompt="1"/>
+            <p:custDataLst>
+              <p:tags r:id="rId5"/>
+            </p:custDataLst>
+          </p:nvPr>
+        </p:nvSpPr>
+        <p:spPr>
+          <a:xfrm>
+            <a:off x="6235750" y="1421729"/>
+            <a:ext cx="5342400" cy="381600"/>
+          </a:xfrm>
+        </p:spPr>
+        <p:txBody>
+          <a:bodyPr vert="horz" lIns="101600" tIns="38100" rIns="76200" bIns="38100" rtlCol="0" anchor="t" anchorCtr="0">
+            <a:normAutofit/>
+          </a:bodyPr>
+          <a:lstStyle>
+            <a:lvl1pPr marL="0" marR="0" lvl="0" indent="0" algn="l" defTabSz="914400" rtl="0" eaLnBrk="1" fontAlgn="auto" latinLnBrk="0" hangingPunct="1">
+              <a:lnSpc>
+                <a:spcPct val="100000"/>
+              </a:lnSpc>
+              <a:spcBef>
+                <a:spcPts val="0"/>
+              </a:spcBef>
+              <a:spcAft>
+                <a:spcPts val="0"/>
+              </a:spcAft>
+              <a:buFont typeface="Arial" panose="020B0604020202020204" pitchFamily="34" charset="0"/>
+              <a:buNone/>
+              <a:defRPr kumimoji="0" lang="zh-CN" altLang="en-US" sz="2000" b="1" i="0" u="none" strike="noStrike" kern="1200" cap="none" spc="200" normalizeH="0" baseline="0" noProof="1" dirty="0">
+                <a:solidFill>
+                  <a:schemeClr val="tx1">
+                    <a:lumMod val="75000"/>
+                    <a:lumOff val="25000"/>
+                  </a:schemeClr>
+                </a:solidFill>
+                <a:uFillTx/>
+                <a:latin typeface="Arial" panose="020B0604020202020204" pitchFamily="34" charset="0"/>
+                <a:ea typeface="微软雅黑" panose="020B0503020204020204" charset="-122"/>
+                <a:cs typeface="+mn-cs"/>
+                <a:sym typeface="+mn-ea"/>
+              </a:defRPr>
+            </a:lvl1pPr>
+            <a:lvl2pPr marL="457200" indent="0">
+              <a:buNone/>
+              <a:defRPr sz="2000" b="1"/>
+            </a:lvl2pPr>
+            <a:lvl3pPr marL="914400" indent="0">
+              <a:buNone/>
+              <a:defRPr sz="1800" b="1"/>
+            </a:lvl3pPr>
+            <a:lvl4pPr marL="1371600" indent="0">
+              <a:buNone/>
+              <a:defRPr sz="1600" b="1"/>
+            </a:lvl4pPr>
+            <a:lvl5pPr marL="1828800" indent="0">
+              <a:buNone/>
+              <a:defRPr sz="1600" b="1"/>
+            </a:lvl5pPr>
+            <a:lvl6pPr marL="2286000" indent="0">
+              <a:buNone/>
+              <a:defRPr sz="1600" b="1"/>
+            </a:lvl6pPr>
+            <a:lvl7pPr marL="2743200" indent="0">
+              <a:buNone/>
+              <a:defRPr sz="1600" b="1"/>
+            </a:lvl7pPr>
+            <a:lvl8pPr marL="3200400" indent="0">
+              <a:buNone/>
+              <a:defRPr sz="1600" b="1"/>
+            </a:lvl8pPr>
+            <a:lvl9pPr marL="3657600" indent="0">
+              <a:buNone/>
+              <a:defRPr sz="1600" b="1"/>
+            </a:lvl9pPr>
+          </a:lstStyle>
+          <a:p>
+            <a:pPr lvl="0"/>
+            <a:r>
+              <a:rPr>
+                <a:sym typeface="+mn-ea"/>
+              </a:rPr>
+              <a:t>单击此处编辑文本</a:t>
+            </a:r>
+            <a:endParaRPr>
+              <a:sym typeface="+mn-ea"/>
+            </a:endParaRPr>
+          </a:p>
+        </p:txBody>
+      </p:sp>
+      <p:sp>
+        <p:nvSpPr>
+          <p:cNvPr id="6" name="内容占位符 5"/>
+          <p:cNvSpPr>
+            <a:spLocks noGrp="1"/>
+          </p:cNvSpPr>
+          <p:nvPr>
+            <p:ph sz="quarter" idx="4"/>
+            <p:custDataLst>
+              <p:tags r:id="rId6"/>
+            </p:custDataLst>
+          </p:nvPr>
+        </p:nvSpPr>
+        <p:spPr>
+          <a:xfrm>
+            <a:off x="6235750" y="1854000"/>
+            <a:ext cx="5342400" cy="4395600"/>
+          </a:xfrm>
+        </p:spPr>
+        <p:txBody>
+          <a:bodyPr vert="horz" lIns="101600" tIns="0" rIns="82550" bIns="0" rtlCol="0">
+            <a:normAutofit/>
+          </a:bodyPr>
+          <a:lstStyle>
+            <a:lvl1pPr marL="228600" marR="0" lvl="0" indent="-228600" algn="l" defTabSz="914400" rtl="0" eaLnBrk="1" fontAlgn="auto" latinLnBrk="0" hangingPunct="1">
+              <a:lnSpc>
+                <a:spcPct val="130000"/>
+              </a:lnSpc>
+              <a:spcBef>
+                <a:spcPts val="0"/>
+              </a:spcBef>
+              <a:spcAft>
+                <a:spcPts val="600"/>
+              </a:spcAft>
+              <a:buFont typeface="Arial" panose="020B0604020202020204" pitchFamily="34" charset="0"/>
+              <a:buChar char="●"/>
+              <a:defRPr kumimoji="0" lang="zh-CN" altLang="en-US" sz="1600" b="0" i="0" u="none" strike="noStrike" kern="1200" cap="none" spc="150" normalizeH="0" baseline="0" noProof="1" dirty="0">
+                <a:solidFill>
+                  <a:schemeClr val="tx1">
+                    <a:lumMod val="65000"/>
+                    <a:lumOff val="35000"/>
+                  </a:schemeClr>
+                </a:solidFill>
+                <a:uFillTx/>
+                <a:latin typeface="Arial" panose="020B0604020202020204" pitchFamily="34" charset="0"/>
+                <a:ea typeface="微软雅黑" panose="020B0503020204020204" charset="-122"/>
+                <a:cs typeface="+mn-cs"/>
+                <a:sym typeface="+mn-ea"/>
+              </a:defRPr>
+            </a:lvl1pPr>
+            <a:lvl2pPr marL="685800" marR="0" lvl="1" indent="-228600" algn="l" defTabSz="914400" rtl="0" eaLnBrk="1" fontAlgn="auto" latinLnBrk="0" hangingPunct="1">
+              <a:lnSpc>
+                <a:spcPct val="120000"/>
+              </a:lnSpc>
+              <a:spcBef>
+                <a:spcPts val="0"/>
+              </a:spcBef>
+              <a:spcAft>
+                <a:spcPts val="600"/>
+              </a:spcAft>
+              <a:buFont typeface="Arial" panose="020B0604020202020204" pitchFamily="34" charset="0"/>
+              <a:buChar char="●"/>
+              <a:tabLst>
+                <a:tab pos="1609725" algn="l"/>
+              </a:tabLst>
+              <a:defRPr kumimoji="0" lang="zh-CN" altLang="en-US" sz="1600" b="0" i="0" u="none" strike="noStrike" kern="1200" cap="none" spc="150" normalizeH="0" baseline="0" noProof="1" dirty="0">
+                <a:solidFill>
+                  <a:schemeClr val="tx1">
+                    <a:lumMod val="65000"/>
+                    <a:lumOff val="35000"/>
+                  </a:schemeClr>
+                </a:solidFill>
+                <a:uFillTx/>
+                <a:latin typeface="Arial" panose="020B0604020202020204" pitchFamily="34" charset="0"/>
+                <a:ea typeface="微软雅黑" panose="020B0503020204020204" charset="-122"/>
+                <a:cs typeface="+mn-cs"/>
+                <a:sym typeface="+mn-ea"/>
+              </a:defRPr>
+            </a:lvl2pPr>
+            <a:lvl3pPr marL="1143000" marR="0" lvl="2" indent="-228600" algn="l" defTabSz="914400" rtl="0" eaLnBrk="1" fontAlgn="auto" latinLnBrk="0" hangingPunct="1">
+              <a:lnSpc>
+                <a:spcPct val="120000"/>
+              </a:lnSpc>
+              <a:spcBef>
+                <a:spcPts val="0"/>
+              </a:spcBef>
+              <a:spcAft>
+                <a:spcPts val="600"/>
+              </a:spcAft>
+              <a:buFont typeface="Arial" panose="020B0604020202020204" pitchFamily="34" charset="0"/>
+              <a:buChar char="●"/>
+              <a:defRPr kumimoji="0" lang="zh-CN" altLang="en-US" sz="1600" b="0" i="0" u="none" strike="noStrike" kern="1200" cap="none" spc="150" normalizeH="0" baseline="0" noProof="1" dirty="0">
+                <a:solidFill>
+                  <a:schemeClr val="tx1">
+                    <a:lumMod val="65000"/>
+                    <a:lumOff val="35000"/>
+                  </a:schemeClr>
+                </a:solidFill>
+                <a:uFillTx/>
+                <a:latin typeface="Arial" panose="020B0604020202020204" pitchFamily="34" charset="0"/>
+                <a:ea typeface="微软雅黑" panose="020B0503020204020204" charset="-122"/>
+                <a:cs typeface="+mn-cs"/>
+                <a:sym typeface="+mn-ea"/>
+              </a:defRPr>
+            </a:lvl3pPr>
+            <a:lvl4pPr marL="1600200" marR="0" lvl="3" indent="-228600" algn="l" defTabSz="914400" rtl="0" eaLnBrk="1" fontAlgn="auto" latinLnBrk="0" hangingPunct="1">
+              <a:lnSpc>
+                <a:spcPct val="120000"/>
+              </a:lnSpc>
+              <a:spcBef>
+                <a:spcPts val="0"/>
+              </a:spcBef>
+              <a:spcAft>
+                <a:spcPts val="300"/>
+              </a:spcAft>
+              <a:buFont typeface="Wingdings" panose="05000000000000000000" charset="0"/>
+              <a:buChar char=""/>
+              <a:defRPr kumimoji="0" lang="zh-CN" altLang="en-US" sz="1400" b="0" i="0" u="none" strike="noStrike" kern="1200" cap="none" spc="150" normalizeH="0" baseline="0" noProof="1" dirty="0">
+                <a:solidFill>
+                  <a:schemeClr val="tx1">
+                    <a:lumMod val="65000"/>
+                    <a:lumOff val="35000"/>
+                  </a:schemeClr>
+                </a:solidFill>
+                <a:uFillTx/>
+                <a:latin typeface="Arial" panose="020B0604020202020204" pitchFamily="34" charset="0"/>
+                <a:ea typeface="微软雅黑" panose="020B0503020204020204" charset="-122"/>
+                <a:cs typeface="+mn-cs"/>
+                <a:sym typeface="+mn-ea"/>
+              </a:defRPr>
+            </a:lvl4pPr>
+            <a:lvl5pPr marL="2057400" marR="0" lvl="4" indent="-228600" algn="l" defTabSz="914400" rtl="0" eaLnBrk="1" fontAlgn="auto" latinLnBrk="0" hangingPunct="1">
+              <a:lnSpc>
+                <a:spcPct val="120000"/>
+              </a:lnSpc>
+              <a:spcBef>
+                <a:spcPts val="0"/>
+              </a:spcBef>
+              <a:spcAft>
+                <a:spcPts val="300"/>
+              </a:spcAft>
+              <a:buFont typeface="Arial" panose="020B0604020202020204" pitchFamily="34" charset="0"/>
+              <a:buChar char="•"/>
+              <a:defRPr kumimoji="0" lang="zh-CN" altLang="en-US" sz="1400" b="0" i="0" u="none" strike="noStrike" kern="1200" cap="none" spc="150" normalizeH="0" baseline="0" noProof="1" dirty="0">
+                <a:solidFill>
+                  <a:schemeClr val="tx1">
+                    <a:lumMod val="65000"/>
+                    <a:lumOff val="35000"/>
+                  </a:schemeClr>
+                </a:solidFill>
+                <a:uFillTx/>
+                <a:latin typeface="Arial" panose="020B0604020202020204" pitchFamily="34" charset="0"/>
+                <a:ea typeface="微软雅黑" panose="020B0503020204020204" charset="-122"/>
+                <a:cs typeface="+mn-cs"/>
+                <a:sym typeface="+mn-ea"/>
+              </a:defRPr>
+            </a:lvl5pPr>
+          </a:lstStyle>
+          <a:p>
+            <a:pPr lvl="0"/>
+            <a:r>
+              <a:rPr dirty="0">
+                <a:sym typeface="+mn-ea"/>
+              </a:rPr>
+              <a:t>单击此处编辑母版文本样式</a:t>
+            </a:r>
+            <a:endParaRPr dirty="0">
+              <a:sym typeface="+mn-ea"/>
+            </a:endParaRPr>
+          </a:p>
+          <a:p>
+            <a:pPr lvl="1"/>
+            <a:r>
+              <a:rPr dirty="0">
+                <a:sym typeface="+mn-ea"/>
+              </a:rPr>
+              <a:t>第二级</a:t>
+            </a:r>
+            <a:endParaRPr dirty="0">
+              <a:sym typeface="+mn-ea"/>
+            </a:endParaRPr>
+          </a:p>
+          <a:p>
+            <a:pPr lvl="2"/>
+            <a:r>
+              <a:rPr dirty="0">
+                <a:sym typeface="+mn-ea"/>
+              </a:rPr>
+              <a:t>第三级</a:t>
+            </a:r>
+            <a:endParaRPr dirty="0">
+              <a:sym typeface="+mn-ea"/>
+            </a:endParaRPr>
+          </a:p>
+          <a:p>
+            <a:pPr lvl="3"/>
+            <a:r>
+              <a:rPr dirty="0">
+                <a:sym typeface="+mn-ea"/>
+              </a:rPr>
+              <a:t>第四级</a:t>
+            </a:r>
+            <a:endParaRPr dirty="0">
+              <a:sym typeface="+mn-ea"/>
+            </a:endParaRPr>
+          </a:p>
+          <a:p>
+            <a:pPr lvl="4"/>
+            <a:r>
+              <a:rPr dirty="0">
+                <a:sym typeface="+mn-ea"/>
+              </a:rPr>
+              <a:t>第五级</a:t>
+            </a:r>
+            <a:endParaRPr dirty="0">
+              <a:sym typeface="+mn-ea"/>
+            </a:endParaRPr>
+          </a:p>
+        </p:txBody>
+      </p:sp>
+      <p:sp>
+        <p:nvSpPr>
+          <p:cNvPr id="7" name="日期占位符 6"/>
+          <p:cNvSpPr>
+            <a:spLocks noGrp="1"/>
+          </p:cNvSpPr>
+          <p:nvPr>
+            <p:ph type="dt" sz="half" idx="10"/>
+            <p:custDataLst>
+              <p:tags r:id="rId7"/>
+            </p:custDataLst>
+          </p:nvPr>
+        </p:nvSpPr>
+        <p:spPr/>
+        <p:txBody>
+          <a:bodyPr/>
+          <a:lstStyle/>
+          <a:p>
+            <a:fld id="{760FBDFE-C587-4B4C-A407-44438C67B59E}" type="datetimeFigureOut">
+              <a:rPr lang="zh-CN" altLang="en-US" smtClean="0"/>
+            </a:fld>
+            <a:endParaRPr lang="zh-CN" altLang="en-US"/>
+          </a:p>
+        </p:txBody>
+      </p:sp>
+      <p:sp>
+        <p:nvSpPr>
+          <p:cNvPr id="8" name="页脚占位符 7"/>
+          <p:cNvSpPr>
+            <a:spLocks noGrp="1"/>
+          </p:cNvSpPr>
+          <p:nvPr>
+            <p:ph type="ftr" sz="quarter" idx="11"/>
+            <p:custDataLst>
+              <p:tags r:id="rId8"/>
+            </p:custDataLst>
+          </p:nvPr>
+        </p:nvSpPr>
+        <p:spPr/>
+        <p:txBody>
+          <a:bodyPr/>
+          <a:lstStyle/>
+          <a:p>
+            <a:endParaRPr lang="zh-CN" altLang="en-US"/>
+          </a:p>
+        </p:txBody>
+      </p:sp>
+      <p:sp>
+        <p:nvSpPr>
+          <p:cNvPr id="9" name="灯片编号占位符 8"/>
+          <p:cNvSpPr>
+            <a:spLocks noGrp="1"/>
+          </p:cNvSpPr>
+          <p:nvPr>
+            <p:ph type="sldNum" sz="quarter" idx="12"/>
+            <p:custDataLst>
+              <p:tags r:id="rId9"/>
+            </p:custDataLst>
+          </p:nvPr>
+        </p:nvSpPr>
+        <p:spPr/>
+        <p:txBody>
+          <a:bodyPr/>
+          <a:lstStyle/>
+          <a:p>
+            <a:fld id="{49AE70B2-8BF9-45C0-BB95-33D1B9D3A854}" type="slidenum">
+              <a:rPr lang="zh-CN" altLang="en-US" smtClean="0"/>
+            </a:fld>
+            <a:endParaRPr lang="zh-CN" altLang="en-US"/>
+          </a:p>
+        </p:txBody>
+      </p:sp>
+    </p:spTree>
+  </p:cSld>
+  <p:clrMapOvr>
+    <a:masterClrMapping/>
+  </p:clrMapOvr>
+</p:sldLayout>
+</file>
+
+<file path=ppt/slideLayouts/slideLayout17.xml><?xml version="1.0" encoding="utf-8"?>
+<p:sldLayout xmlns:a="http://schemas.openxmlformats.org/drawingml/2006/main" xmlns:r="http://schemas.openxmlformats.org/officeDocument/2006/relationships" xmlns:p="http://schemas.openxmlformats.org/presentationml/2006/main" type="titleOnly" preserve="1">
+  <p:cSld name="仅标题">
+    <p:spTree>
+      <p:nvGrpSpPr>
+        <p:cNvPr id="1" name=""/>
+        <p:cNvGrpSpPr/>
+        <p:nvPr/>
+      </p:nvGrpSpPr>
+      <p:grpSpPr>
+        <a:xfrm>
+          <a:off x="0" y="0"/>
+          <a:ext cx="0" cy="0"/>
+          <a:chOff x="0" y="0"/>
+          <a:chExt cx="0" cy="0"/>
+        </a:xfrm>
+      </p:grpSpPr>
+      <p:sp>
+        <p:nvSpPr>
+          <p:cNvPr id="2" name="标题 1"/>
+          <p:cNvSpPr>
+            <a:spLocks noGrp="1"/>
+          </p:cNvSpPr>
+          <p:nvPr>
+            <p:ph type="title"/>
+            <p:custDataLst>
+              <p:tags r:id="rId2"/>
+            </p:custDataLst>
+          </p:nvPr>
+        </p:nvSpPr>
+        <p:spPr>
+          <a:xfrm>
+            <a:off x="608400" y="608400"/>
+            <a:ext cx="10969200" cy="705600"/>
+          </a:xfrm>
+        </p:spPr>
+        <p:txBody>
+          <a:bodyPr vert="horz" lIns="90000" tIns="46800" rIns="90000" bIns="46800" rtlCol="0" anchor="ctr" anchorCtr="0">
+            <a:normAutofit/>
+          </a:bodyPr>
+          <a:lstStyle>
+            <a:lvl1pPr marL="0" marR="0" lvl="0" algn="l" defTabSz="914400" rtl="0" eaLnBrk="1" fontAlgn="auto" latinLnBrk="0" hangingPunct="1">
+              <a:lnSpc>
+                <a:spcPct val="100000"/>
+              </a:lnSpc>
+              <a:buNone/>
+              <a:defRPr kumimoji="0" lang="zh-CN" altLang="en-US" sz="3600" b="1" i="0" u="none" strike="noStrike" kern="1200" cap="none" spc="300" normalizeH="0" baseline="0" noProof="1" dirty="0">
+                <a:solidFill>
+                  <a:schemeClr val="tx1">
+                    <a:lumMod val="85000"/>
+                    <a:lumOff val="15000"/>
+                  </a:schemeClr>
+                </a:solidFill>
+                <a:uFillTx/>
+                <a:latin typeface="Arial" panose="020B0604020202020204" pitchFamily="34" charset="0"/>
+                <a:ea typeface="微软雅黑" panose="020B0503020204020204" charset="-122"/>
+                <a:cs typeface="+mj-cs"/>
+                <a:sym typeface="+mn-ea"/>
+              </a:defRPr>
+            </a:lvl1pPr>
+          </a:lstStyle>
+          <a:p>
+            <a:pPr lvl="0"/>
+            <a:r>
+              <a:rPr>
+                <a:sym typeface="+mn-ea"/>
+              </a:rPr>
+              <a:t>单击此处编辑母版标题样式</a:t>
+            </a:r>
+            <a:endParaRPr>
+              <a:sym typeface="+mn-ea"/>
+            </a:endParaRPr>
+          </a:p>
+        </p:txBody>
+      </p:sp>
+      <p:sp>
+        <p:nvSpPr>
+          <p:cNvPr id="3" name="日期占位符 2"/>
+          <p:cNvSpPr>
+            <a:spLocks noGrp="1"/>
+          </p:cNvSpPr>
+          <p:nvPr>
+            <p:ph type="dt" sz="half" idx="10"/>
+            <p:custDataLst>
+              <p:tags r:id="rId3"/>
+            </p:custDataLst>
+          </p:nvPr>
+        </p:nvSpPr>
+        <p:spPr/>
+        <p:txBody>
+          <a:bodyPr/>
+          <a:lstStyle/>
+          <a:p>
+            <a:fld id="{760FBDFE-C587-4B4C-A407-44438C67B59E}" type="datetimeFigureOut">
+              <a:rPr lang="zh-CN" altLang="en-US" smtClean="0"/>
+            </a:fld>
+            <a:endParaRPr lang="zh-CN" altLang="en-US"/>
+          </a:p>
+        </p:txBody>
+      </p:sp>
+      <p:sp>
+        <p:nvSpPr>
+          <p:cNvPr id="4" name="页脚占位符 3"/>
+          <p:cNvSpPr>
+            <a:spLocks noGrp="1"/>
+          </p:cNvSpPr>
+          <p:nvPr>
+            <p:ph type="ftr" sz="quarter" idx="11"/>
+            <p:custDataLst>
+              <p:tags r:id="rId4"/>
+            </p:custDataLst>
+          </p:nvPr>
+        </p:nvSpPr>
+        <p:spPr/>
+        <p:txBody>
+          <a:bodyPr/>
+          <a:lstStyle/>
+          <a:p>
+            <a:endParaRPr lang="zh-CN" altLang="en-US"/>
+          </a:p>
+        </p:txBody>
+      </p:sp>
+      <p:sp>
+        <p:nvSpPr>
+          <p:cNvPr id="5" name="灯片编号占位符 4"/>
+          <p:cNvSpPr>
+            <a:spLocks noGrp="1"/>
+          </p:cNvSpPr>
+          <p:nvPr>
+            <p:ph type="sldNum" sz="quarter" idx="12"/>
+            <p:custDataLst>
+              <p:tags r:id="rId5"/>
+            </p:custDataLst>
+          </p:nvPr>
+        </p:nvSpPr>
+        <p:spPr/>
+        <p:txBody>
+          <a:bodyPr/>
+          <a:lstStyle/>
+          <a:p>
+            <a:fld id="{49AE70B2-8BF9-45C0-BB95-33D1B9D3A854}" type="slidenum">
+              <a:rPr lang="zh-CN" altLang="en-US" smtClean="0"/>
+            </a:fld>
+            <a:endParaRPr lang="zh-CN" altLang="en-US"/>
+          </a:p>
+        </p:txBody>
+      </p:sp>
+    </p:spTree>
+  </p:cSld>
+  <p:clrMapOvr>
+    <a:masterClrMapping/>
+  </p:clrMapOvr>
+</p:sldLayout>
+</file>
+
+<file path=ppt/slideLayouts/slideLayout18.xml><?xml version="1.0" encoding="utf-8"?>
+<p:sldLayout xmlns:a="http://schemas.openxmlformats.org/drawingml/2006/main" xmlns:r="http://schemas.openxmlformats.org/officeDocument/2006/relationships" xmlns:p="http://schemas.openxmlformats.org/presentationml/2006/main" type="blank" preserve="1">
+  <p:cSld name="空白">
+    <p:spTree>
+      <p:nvGrpSpPr>
+        <p:cNvPr id="1" name=""/>
+        <p:cNvGrpSpPr/>
+        <p:nvPr/>
+      </p:nvGrpSpPr>
+      <p:grpSpPr>
+        <a:xfrm>
+          <a:off x="0" y="0"/>
+          <a:ext cx="0" cy="0"/>
+          <a:chOff x="0" y="0"/>
+          <a:chExt cx="0" cy="0"/>
+        </a:xfrm>
+      </p:grpSpPr>
+      <p:sp>
+        <p:nvSpPr>
+          <p:cNvPr id="2" name="日期占位符 1"/>
+          <p:cNvSpPr>
+            <a:spLocks noGrp="1"/>
+          </p:cNvSpPr>
+          <p:nvPr>
+            <p:ph type="dt" sz="half" idx="10"/>
+            <p:custDataLst>
+              <p:tags r:id="rId2"/>
+            </p:custDataLst>
+          </p:nvPr>
+        </p:nvSpPr>
+        <p:spPr/>
+        <p:txBody>
+          <a:bodyPr/>
+          <a:lstStyle/>
+          <a:p>
+            <a:fld id="{760FBDFE-C587-4B4C-A407-44438C67B59E}" type="datetimeFigureOut">
+              <a:rPr lang="zh-CN" altLang="en-US" smtClean="0"/>
+            </a:fld>
+            <a:endParaRPr lang="zh-CN" altLang="en-US"/>
+          </a:p>
+        </p:txBody>
+      </p:sp>
+      <p:sp>
+        <p:nvSpPr>
+          <p:cNvPr id="3" name="页脚占位符 2"/>
+          <p:cNvSpPr>
+            <a:spLocks noGrp="1"/>
+          </p:cNvSpPr>
+          <p:nvPr>
+            <p:ph type="ftr" sz="quarter" idx="11"/>
+            <p:custDataLst>
+              <p:tags r:id="rId3"/>
+            </p:custDataLst>
+          </p:nvPr>
+        </p:nvSpPr>
+        <p:spPr/>
+        <p:txBody>
+          <a:bodyPr/>
+          <a:lstStyle/>
+          <a:p>
+            <a:endParaRPr lang="zh-CN" altLang="en-US"/>
+          </a:p>
+        </p:txBody>
+      </p:sp>
+      <p:sp>
+        <p:nvSpPr>
+          <p:cNvPr id="4" name="灯片编号占位符 3"/>
+          <p:cNvSpPr>
+            <a:spLocks noGrp="1"/>
+          </p:cNvSpPr>
+          <p:nvPr>
+            <p:ph type="sldNum" sz="quarter" idx="12"/>
+            <p:custDataLst>
+              <p:tags r:id="rId4"/>
+            </p:custDataLst>
+          </p:nvPr>
+        </p:nvSpPr>
+        <p:spPr/>
+        <p:txBody>
+          <a:bodyPr/>
+          <a:lstStyle/>
+          <a:p>
+            <a:fld id="{49AE70B2-8BF9-45C0-BB95-33D1B9D3A854}" type="slidenum">
+              <a:rPr lang="zh-CN" altLang="en-US" smtClean="0"/>
+            </a:fld>
+            <a:endParaRPr lang="zh-CN" altLang="en-US"/>
+          </a:p>
+        </p:txBody>
+      </p:sp>
+    </p:spTree>
+  </p:cSld>
+  <p:clrMapOvr>
+    <a:masterClrMapping/>
+  </p:clrMapOvr>
+</p:sldLayout>
+</file>
+
+<file path=ppt/slideLayouts/slideLayout19.xml><?xml version="1.0" encoding="utf-8"?>
+<p:sldLayout xmlns:a="http://schemas.openxmlformats.org/drawingml/2006/main" xmlns:r="http://schemas.openxmlformats.org/officeDocument/2006/relationships" xmlns:p="http://schemas.openxmlformats.org/presentationml/2006/main" preserve="1" userDrawn="1">
+  <p:cSld name="图片与标题">
+    <p:spTree>
+      <p:nvGrpSpPr>
+        <p:cNvPr id="1" name=""/>
+        <p:cNvGrpSpPr/>
+        <p:nvPr/>
+      </p:nvGrpSpPr>
+      <p:grpSpPr>
+        <a:xfrm>
+          <a:off x="0" y="0"/>
+          <a:ext cx="0" cy="0"/>
+          <a:chOff x="0" y="0"/>
+          <a:chExt cx="0" cy="0"/>
+        </a:xfrm>
+      </p:grpSpPr>
+      <p:sp>
+        <p:nvSpPr>
+          <p:cNvPr id="3" name="图片占位符 2"/>
+          <p:cNvSpPr>
+            <a:spLocks noGrp="1"/>
+          </p:cNvSpPr>
+          <p:nvPr>
+            <p:ph type="pic" idx="1"/>
+            <p:custDataLst>
+              <p:tags r:id="rId2"/>
+            </p:custDataLst>
+          </p:nvPr>
+        </p:nvSpPr>
+        <p:spPr>
+          <a:xfrm>
+            <a:off x="608330" y="1555115"/>
+            <a:ext cx="5233035" cy="4608195"/>
+          </a:xfrm>
+        </p:spPr>
+        <p:txBody>
+          <a:bodyPr vert="horz" lIns="90000" tIns="46800" rIns="90000" bIns="46800" rtlCol="0">
+            <a:normAutofit/>
+          </a:bodyPr>
+          <a:lstStyle>
+            <a:lvl1pPr marL="0" marR="0" lvl="0" indent="0" algn="l" defTabSz="914400" rtl="0" eaLnBrk="1" fontAlgn="auto" latinLnBrk="0" hangingPunct="1">
+              <a:lnSpc>
+                <a:spcPct val="130000"/>
+              </a:lnSpc>
+              <a:spcBef>
+                <a:spcPts val="0"/>
+              </a:spcBef>
+              <a:spcAft>
+                <a:spcPts val="1000"/>
+              </a:spcAft>
+              <a:buFont typeface="Arial" panose="020B0604020202020204" pitchFamily="34" charset="0"/>
+              <a:buNone/>
+              <a:defRPr kumimoji="0" lang="zh-CN" altLang="en-US" sz="1600" b="0" i="0" u="none" strike="noStrike" kern="1200" cap="none" spc="0" normalizeH="0" baseline="0" noProof="1" dirty="0">
+                <a:solidFill>
+                  <a:schemeClr val="tx1">
+                    <a:lumMod val="65000"/>
+                    <a:lumOff val="35000"/>
+                  </a:schemeClr>
+                </a:solidFill>
+                <a:uFillTx/>
+                <a:latin typeface="Arial" panose="020B0604020202020204" pitchFamily="34" charset="0"/>
+                <a:ea typeface="微软雅黑" panose="020B0503020204020204" charset="-122"/>
+                <a:cs typeface="+mn-cs"/>
+                <a:sym typeface="+mn-ea"/>
+              </a:defRPr>
+            </a:lvl1pPr>
+            <a:lvl2pPr marL="685800" marR="0" lvl="1" indent="-228600" algn="l" defTabSz="914400" rtl="0" eaLnBrk="1" fontAlgn="auto" latinLnBrk="0" hangingPunct="1">
+              <a:lnSpc>
+                <a:spcPct val="130000"/>
+              </a:lnSpc>
+              <a:spcBef>
+                <a:spcPts val="0"/>
+              </a:spcBef>
+              <a:spcAft>
+                <a:spcPts val="1000"/>
+              </a:spcAft>
+              <a:buFont typeface="Arial" panose="020B0604020202020204" pitchFamily="34" charset="0"/>
+              <a:buChar char="•"/>
+              <a:tabLst>
+                <a:tab pos="1609725" algn="l"/>
+              </a:tabLst>
+              <a:defRPr kumimoji="0" lang="zh-CN" altLang="en-US" sz="1600" b="0" i="0" u="none" strike="noStrike" kern="1200" cap="none" spc="150" normalizeH="0" baseline="0" noProof="1" dirty="0">
+                <a:solidFill>
+                  <a:schemeClr val="tx1"/>
+                </a:solidFill>
+                <a:uFillTx/>
+                <a:latin typeface="+mn-lt"/>
+                <a:ea typeface="+mn-ea"/>
+                <a:cs typeface="+mn-cs"/>
+                <a:sym typeface="+mn-ea"/>
+              </a:defRPr>
+            </a:lvl2pPr>
+            <a:lvl3pPr marL="1143000" marR="0" lvl="2" indent="-228600" algn="l" defTabSz="914400" rtl="0" eaLnBrk="1" fontAlgn="auto" latinLnBrk="0" hangingPunct="1">
+              <a:lnSpc>
+                <a:spcPct val="130000"/>
+              </a:lnSpc>
+              <a:spcBef>
+                <a:spcPts val="0"/>
+              </a:spcBef>
+              <a:spcAft>
+                <a:spcPts val="1000"/>
+              </a:spcAft>
+              <a:buFont typeface="Arial" panose="020B0604020202020204" pitchFamily="34" charset="0"/>
+              <a:buChar char="•"/>
+              <a:defRPr kumimoji="0" lang="zh-CN" altLang="en-US" sz="1600" b="0" i="0" u="none" strike="noStrike" kern="1200" cap="none" spc="150" normalizeH="0" baseline="0" noProof="1" dirty="0">
+                <a:solidFill>
+                  <a:schemeClr val="tx1"/>
+                </a:solidFill>
+                <a:uFillTx/>
+                <a:latin typeface="+mn-lt"/>
+                <a:ea typeface="+mn-ea"/>
+                <a:cs typeface="+mn-cs"/>
+                <a:sym typeface="+mn-ea"/>
+              </a:defRPr>
+            </a:lvl3pPr>
+            <a:lvl4pPr marL="1600200" marR="0" lvl="3" indent="-228600" algn="l" defTabSz="914400" rtl="0" eaLnBrk="1" fontAlgn="auto" latinLnBrk="0" hangingPunct="1">
+              <a:lnSpc>
+                <a:spcPct val="130000"/>
+              </a:lnSpc>
+              <a:spcBef>
+                <a:spcPts val="0"/>
+              </a:spcBef>
+              <a:spcAft>
+                <a:spcPts val="1000"/>
+              </a:spcAft>
+              <a:buFont typeface="Arial" panose="020B0604020202020204" pitchFamily="34" charset="0"/>
+              <a:buChar char="•"/>
+              <a:defRPr kumimoji="0" lang="zh-CN" altLang="en-US" sz="1600" b="0" i="0" u="none" strike="noStrike" kern="1200" cap="none" spc="150" normalizeH="0" baseline="0" noProof="1" dirty="0">
+                <a:solidFill>
+                  <a:schemeClr val="tx1"/>
+                </a:solidFill>
+                <a:uFillTx/>
+                <a:latin typeface="+mn-lt"/>
+                <a:ea typeface="+mn-ea"/>
+                <a:cs typeface="+mn-cs"/>
+                <a:sym typeface="+mn-ea"/>
+              </a:defRPr>
+            </a:lvl4pPr>
+            <a:lvl5pPr marL="2057400" marR="0" lvl="4" indent="-228600" algn="l" defTabSz="914400" rtl="0" eaLnBrk="1" fontAlgn="auto" latinLnBrk="0" hangingPunct="1">
+              <a:lnSpc>
+                <a:spcPct val="130000"/>
+              </a:lnSpc>
+              <a:spcBef>
+                <a:spcPts val="0"/>
+              </a:spcBef>
+              <a:spcAft>
+                <a:spcPts val="1000"/>
+              </a:spcAft>
+              <a:buFont typeface="Arial" panose="020B0604020202020204" pitchFamily="34" charset="0"/>
+              <a:buChar char="•"/>
+              <a:defRPr kumimoji="0" lang="zh-CN" altLang="en-US" sz="1600" b="0" i="0" u="none" strike="noStrike" kern="1200" cap="none" spc="150" normalizeH="0" baseline="0" noProof="1" dirty="0">
+                <a:solidFill>
+                  <a:schemeClr val="tx1"/>
+                </a:solidFill>
+                <a:uFillTx/>
+                <a:latin typeface="+mn-lt"/>
+                <a:ea typeface="+mn-ea"/>
+                <a:cs typeface="+mn-cs"/>
+                <a:sym typeface="+mn-ea"/>
+              </a:defRPr>
+            </a:lvl5pPr>
+          </a:lstStyle>
+          <a:p>
+            <a:pPr lvl="0"/>
+            <a:endParaRPr dirty="0">
+              <a:sym typeface="+mn-ea"/>
+            </a:endParaRPr>
+          </a:p>
+        </p:txBody>
+      </p:sp>
+      <p:sp>
+        <p:nvSpPr>
+          <p:cNvPr id="4" name="文本占位符 3"/>
+          <p:cNvSpPr>
+            <a:spLocks noGrp="1"/>
+          </p:cNvSpPr>
+          <p:nvPr>
+            <p:ph type="body" sz="half" idx="2"/>
+            <p:custDataLst>
+              <p:tags r:id="rId3"/>
+            </p:custDataLst>
+          </p:nvPr>
+        </p:nvSpPr>
+        <p:spPr>
+          <a:xfrm>
+            <a:off x="6350400" y="1555200"/>
+            <a:ext cx="5227200" cy="4608000"/>
+          </a:xfrm>
+        </p:spPr>
+        <p:txBody>
+          <a:bodyPr vert="horz" lIns="90000" tIns="46800" rIns="90000" bIns="46800" rtlCol="0">
+            <a:normAutofit/>
+          </a:bodyPr>
+          <a:lstStyle>
+            <a:lvl1pPr marL="0" marR="0" lvl="0" indent="0" algn="l" defTabSz="914400" rtl="0" eaLnBrk="1" fontAlgn="auto" latinLnBrk="0" hangingPunct="1">
+              <a:lnSpc>
+                <a:spcPct val="130000"/>
+              </a:lnSpc>
+              <a:spcBef>
+                <a:spcPts val="0"/>
+              </a:spcBef>
+              <a:spcAft>
+                <a:spcPts val="600"/>
+              </a:spcAft>
+              <a:buFont typeface="Arial" panose="020B0604020202020204" pitchFamily="34" charset="0"/>
+              <a:buNone/>
+              <a:defRPr kumimoji="0" lang="zh-CN" altLang="en-US" sz="1600" b="0" i="0" u="none" strike="noStrike" kern="1200" cap="none" spc="150" normalizeH="0" baseline="0" noProof="1" dirty="0">
+                <a:solidFill>
+                  <a:schemeClr val="tx1">
+                    <a:lumMod val="65000"/>
+                    <a:lumOff val="35000"/>
+                  </a:schemeClr>
+                </a:solidFill>
+                <a:uFillTx/>
+                <a:latin typeface="Arial" panose="020B0604020202020204" pitchFamily="34" charset="0"/>
+                <a:ea typeface="微软雅黑" panose="020B0503020204020204" charset="-122"/>
+                <a:cs typeface="+mn-cs"/>
+                <a:sym typeface="+mn-ea"/>
+              </a:defRPr>
+            </a:lvl1pPr>
+            <a:lvl2pPr marL="457200" indent="0" defTabSz="914400" eaLnBrk="1" fontAlgn="auto" latinLnBrk="0" hangingPunct="1">
+              <a:buNone/>
+              <a:tabLst>
+                <a:tab pos="1609725" algn="l"/>
+                <a:tab pos="1609725" algn="l"/>
+                <a:tab pos="1609725" algn="l"/>
+                <a:tab pos="1609725" algn="l"/>
+                <a:tab pos="1609725" algn="l"/>
+                <a:tab pos="1609725" algn="l"/>
+                <a:tab pos="1609725" algn="l"/>
+                <a:tab pos="1609725" algn="l"/>
+              </a:tabLst>
+              <a:defRPr u="none" strike="noStrike" kern="1200" cap="none" spc="150" normalizeH="0">
+                <a:solidFill>
+                  <a:schemeClr val="tx1">
+                    <a:lumMod val="65000"/>
+                    <a:lumOff val="35000"/>
+                  </a:schemeClr>
+                </a:solidFill>
+                <a:uFillTx/>
+                <a:latin typeface="Arial" panose="020B0604020202020204" pitchFamily="34" charset="0"/>
+                <a:ea typeface="微软雅黑" panose="020B0503020204020204" charset="-122"/>
+              </a:defRPr>
+            </a:lvl2pPr>
+            <a:lvl3pPr eaLnBrk="1" fontAlgn="auto" latinLnBrk="0" hangingPunct="1">
+              <a:defRPr u="none" strike="noStrike" kern="1200" cap="none" spc="150" normalizeH="0">
+                <a:solidFill>
+                  <a:schemeClr val="tx1">
+                    <a:lumMod val="65000"/>
+                    <a:lumOff val="35000"/>
+                  </a:schemeClr>
+                </a:solidFill>
+                <a:uFillTx/>
+                <a:latin typeface="Arial" panose="020B0604020202020204" pitchFamily="34" charset="0"/>
+                <a:ea typeface="微软雅黑" panose="020B0503020204020204" charset="-122"/>
+              </a:defRPr>
+            </a:lvl3pPr>
+            <a:lvl4pPr eaLnBrk="1" fontAlgn="auto" latinLnBrk="0" hangingPunct="1">
+              <a:defRPr u="none" strike="noStrike" kern="1200" cap="none" spc="150" normalizeH="0">
+                <a:solidFill>
+                  <a:schemeClr val="tx1">
+                    <a:lumMod val="65000"/>
+                    <a:lumOff val="35000"/>
+                  </a:schemeClr>
+                </a:solidFill>
+                <a:uFillTx/>
+                <a:latin typeface="Arial" panose="020B0604020202020204" pitchFamily="34" charset="0"/>
+                <a:ea typeface="微软雅黑" panose="020B0503020204020204" charset="-122"/>
+              </a:defRPr>
+            </a:lvl4pPr>
+            <a:lvl5pPr eaLnBrk="1" fontAlgn="auto" latinLnBrk="0" hangingPunct="1">
+              <a:defRPr u="none" strike="noStrike" kern="1200" cap="none" spc="150" normalizeH="0">
+                <a:solidFill>
+                  <a:schemeClr val="tx1">
+                    <a:lumMod val="65000"/>
+                    <a:lumOff val="35000"/>
+                  </a:schemeClr>
+                </a:solidFill>
+                <a:uFillTx/>
+                <a:latin typeface="Arial" panose="020B0604020202020204" pitchFamily="34" charset="0"/>
+                <a:ea typeface="微软雅黑" panose="020B0503020204020204" charset="-122"/>
+              </a:defRPr>
+            </a:lvl5pPr>
+          </a:lstStyle>
+          <a:p>
+            <a:pPr lvl="0"/>
+            <a:r>
+              <a:rPr dirty="0">
+                <a:sym typeface="+mn-ea"/>
+              </a:rPr>
+              <a:t>单击此处编辑母版文本样式</a:t>
+            </a:r>
+            <a:endParaRPr dirty="0">
+              <a:sym typeface="+mn-ea"/>
+            </a:endParaRPr>
+          </a:p>
+        </p:txBody>
+      </p:sp>
+      <p:sp>
+        <p:nvSpPr>
+          <p:cNvPr id="5" name="日期占位符 4"/>
+          <p:cNvSpPr>
+            <a:spLocks noGrp="1"/>
+          </p:cNvSpPr>
+          <p:nvPr>
+            <p:ph type="dt" sz="half" idx="10"/>
+            <p:custDataLst>
+              <p:tags r:id="rId4"/>
+            </p:custDataLst>
+          </p:nvPr>
+        </p:nvSpPr>
+        <p:spPr/>
+        <p:txBody>
+          <a:bodyPr/>
+          <a:lstStyle/>
+          <a:p>
+            <a:fld id="{9EFD9D74-47D9-4702-A33C-335B63B48DBF}" type="datetimeFigureOut">
+              <a:rPr lang="zh-CN" altLang="en-US" smtClean="0"/>
+            </a:fld>
+            <a:endParaRPr lang="zh-CN" altLang="en-US" dirty="0"/>
+          </a:p>
+        </p:txBody>
+      </p:sp>
+      <p:sp>
+        <p:nvSpPr>
+          <p:cNvPr id="6" name="页脚占位符 5"/>
+          <p:cNvSpPr>
+            <a:spLocks noGrp="1"/>
+          </p:cNvSpPr>
+          <p:nvPr>
+            <p:ph type="ftr" sz="quarter" idx="11"/>
+            <p:custDataLst>
+              <p:tags r:id="rId5"/>
+            </p:custDataLst>
+          </p:nvPr>
+        </p:nvSpPr>
+        <p:spPr/>
+        <p:txBody>
+          <a:bodyPr/>
+          <a:lstStyle/>
+          <a:p>
+            <a:endParaRPr lang="zh-CN" altLang="en-US" dirty="0"/>
+          </a:p>
+        </p:txBody>
+      </p:sp>
+      <p:sp>
+        <p:nvSpPr>
+          <p:cNvPr id="7" name="灯片编号占位符 6"/>
+          <p:cNvSpPr>
+            <a:spLocks noGrp="1"/>
+          </p:cNvSpPr>
+          <p:nvPr>
+            <p:ph type="sldNum" sz="quarter" idx="12"/>
+            <p:custDataLst>
+              <p:tags r:id="rId6"/>
+            </p:custDataLst>
+          </p:nvPr>
+        </p:nvSpPr>
+        <p:spPr/>
+        <p:txBody>
+          <a:bodyPr/>
+          <a:lstStyle/>
+          <a:p>
+            <a:fld id="{FABC47A4-756D-490B-A52F-7D9E2C9FC05F}" type="slidenum">
+              <a:rPr lang="zh-CN" altLang="en-US" smtClean="0"/>
+            </a:fld>
+            <a:endParaRPr lang="zh-CN" altLang="en-US"/>
+          </a:p>
+        </p:txBody>
+      </p:sp>
+      <p:sp>
+        <p:nvSpPr>
+          <p:cNvPr id="9" name="标题 8"/>
+          <p:cNvSpPr>
+            <a:spLocks noGrp="1"/>
+          </p:cNvSpPr>
+          <p:nvPr>
+            <p:ph type="title"/>
+            <p:custDataLst>
+              <p:tags r:id="rId7"/>
+            </p:custDataLst>
+          </p:nvPr>
+        </p:nvSpPr>
+        <p:spPr/>
+        <p:txBody>
+          <a:bodyPr/>
+          <a:lstStyle>
+            <a:lvl1pPr>
+              <a:defRPr baseline="0"/>
+            </a:lvl1pPr>
+          </a:lstStyle>
+          <a:p>
+            <a:r>
+              <a:rPr lang="zh-CN" altLang="en-US"/>
+              <a:t>单击此处编辑母版标题样式</a:t>
+            </a:r>
+            <a:endParaRPr lang="zh-CN" altLang="en-US"/>
+          </a:p>
+        </p:txBody>
+      </p:sp>
+    </p:spTree>
+  </p:cSld>
+  <p:clrMapOvr>
+    <a:masterClrMapping/>
+  </p:clrMapOvr>
+</p:sldLayout>
+</file>
+
 <file path=ppt/slideLayouts/slideLayout2.xml><?xml version="1.0" encoding="utf-8"?>
 <p:sldLayout xmlns:a="http://schemas.openxmlformats.org/drawingml/2006/main" xmlns:r="http://schemas.openxmlformats.org/officeDocument/2006/relationships" xmlns:p="http://schemas.openxmlformats.org/presentationml/2006/main" type="obj" preserve="1">
   <p:cSld name="标题和内容">
@@ -843,6 +3710,783 @@
               <a:rPr lang="zh-CN" altLang="en-US" smtClean="0"/>
             </a:fld>
             <a:endParaRPr lang="zh-CN" altLang="en-US"/>
+          </a:p>
+        </p:txBody>
+      </p:sp>
+    </p:spTree>
+  </p:cSld>
+  <p:clrMapOvr>
+    <a:masterClrMapping/>
+  </p:clrMapOvr>
+</p:sldLayout>
+</file>
+
+<file path=ppt/slideLayouts/slideLayout20.xml><?xml version="1.0" encoding="utf-8"?>
+<p:sldLayout xmlns:a="http://schemas.openxmlformats.org/drawingml/2006/main" xmlns:r="http://schemas.openxmlformats.org/officeDocument/2006/relationships" xmlns:p="http://schemas.openxmlformats.org/presentationml/2006/main" type="vertTitleAndTx" preserve="1">
+  <p:cSld name="竖排标题与文本">
+    <p:spTree>
+      <p:nvGrpSpPr>
+        <p:cNvPr id="1" name=""/>
+        <p:cNvGrpSpPr/>
+        <p:nvPr/>
+      </p:nvGrpSpPr>
+      <p:grpSpPr>
+        <a:xfrm>
+          <a:off x="0" y="0"/>
+          <a:ext cx="0" cy="0"/>
+          <a:chOff x="0" y="0"/>
+          <a:chExt cx="0" cy="0"/>
+        </a:xfrm>
+      </p:grpSpPr>
+      <p:sp>
+        <p:nvSpPr>
+          <p:cNvPr id="2" name="竖排标题 1"/>
+          <p:cNvSpPr>
+            <a:spLocks noGrp="1"/>
+          </p:cNvSpPr>
+          <p:nvPr>
+            <p:ph type="title" orient="vert" hasCustomPrompt="1"/>
+            <p:custDataLst>
+              <p:tags r:id="rId2"/>
+            </p:custDataLst>
+          </p:nvPr>
+        </p:nvSpPr>
+        <p:spPr>
+          <a:xfrm>
+            <a:off x="10234800" y="914400"/>
+            <a:ext cx="1044000" cy="5029200"/>
+          </a:xfrm>
+        </p:spPr>
+        <p:txBody>
+          <a:bodyPr vert="eaVert" lIns="90000" tIns="46800" rIns="90000" bIns="46800" rtlCol="0" anchor="ctr" anchorCtr="0">
+            <a:normAutofit/>
+          </a:bodyPr>
+          <a:lstStyle>
+            <a:lvl1pPr marL="0" marR="0" lvl="0" algn="l" defTabSz="914400" rtl="0" eaLnBrk="1" fontAlgn="auto" latinLnBrk="0" hangingPunct="1">
+              <a:lnSpc>
+                <a:spcPct val="100000"/>
+              </a:lnSpc>
+              <a:spcAft>
+                <a:spcPts val="0"/>
+              </a:spcAft>
+              <a:buNone/>
+              <a:defRPr kumimoji="0" lang="zh-CN" altLang="en-US" sz="2800" b="1" i="0" u="none" strike="noStrike" kern="1200" cap="none" spc="300" normalizeH="0" baseline="0" noProof="1" dirty="0">
+                <a:solidFill>
+                  <a:schemeClr val="tx1">
+                    <a:lumMod val="85000"/>
+                    <a:lumOff val="15000"/>
+                  </a:schemeClr>
+                </a:solidFill>
+                <a:uFillTx/>
+                <a:latin typeface="Arial" panose="020B0604020202020204" pitchFamily="34" charset="0"/>
+                <a:ea typeface="微软雅黑" panose="020B0503020204020204" charset="-122"/>
+                <a:cs typeface="+mj-cs"/>
+                <a:sym typeface="+mn-ea"/>
+              </a:defRPr>
+            </a:lvl1pPr>
+          </a:lstStyle>
+          <a:p>
+            <a:pPr lvl="0"/>
+            <a:r>
+              <a:rPr dirty="0">
+                <a:sym typeface="+mn-ea"/>
+              </a:rPr>
+              <a:t>单击此处编辑标题</a:t>
+            </a:r>
+            <a:endParaRPr dirty="0">
+              <a:sym typeface="+mn-ea"/>
+            </a:endParaRPr>
+          </a:p>
+        </p:txBody>
+      </p:sp>
+      <p:sp>
+        <p:nvSpPr>
+          <p:cNvPr id="3" name="竖排文字占位符 2"/>
+          <p:cNvSpPr>
+            <a:spLocks noGrp="1"/>
+          </p:cNvSpPr>
+          <p:nvPr>
+            <p:ph type="body" orient="vert" idx="1"/>
+            <p:custDataLst>
+              <p:tags r:id="rId3"/>
+            </p:custDataLst>
+          </p:nvPr>
+        </p:nvSpPr>
+        <p:spPr>
+          <a:xfrm>
+            <a:off x="914400" y="914400"/>
+            <a:ext cx="9169200" cy="5029200"/>
+          </a:xfrm>
+        </p:spPr>
+        <p:txBody>
+          <a:bodyPr vert="eaVert" lIns="46800" tIns="46800" rIns="46800" bIns="46800"/>
+          <a:lstStyle>
+            <a:lvl1pPr marL="228600" indent="-228600" eaLnBrk="1" fontAlgn="auto" latinLnBrk="0" hangingPunct="1">
+              <a:lnSpc>
+                <a:spcPct val="130000"/>
+              </a:lnSpc>
+              <a:spcAft>
+                <a:spcPts val="1000"/>
+              </a:spcAft>
+              <a:buFont typeface="Arial" panose="020B0604020202020204" pitchFamily="34" charset="0"/>
+              <a:buChar char="●"/>
+              <a:defRPr u="none" strike="noStrike" kern="1200" cap="none" spc="150" normalizeH="0" baseline="0">
+                <a:solidFill>
+                  <a:schemeClr val="tx1">
+                    <a:lumMod val="65000"/>
+                    <a:lumOff val="35000"/>
+                  </a:schemeClr>
+                </a:solidFill>
+                <a:uFillTx/>
+              </a:defRPr>
+            </a:lvl1pPr>
+            <a:lvl2pPr marL="685800" indent="-228600" defTabSz="914400" eaLnBrk="1" fontAlgn="auto" latinLnBrk="0" hangingPunct="1">
+              <a:lnSpc>
+                <a:spcPct val="120000"/>
+              </a:lnSpc>
+              <a:spcAft>
+                <a:spcPts val="600"/>
+              </a:spcAft>
+              <a:buFont typeface="Arial" panose="020B0604020202020204" pitchFamily="34" charset="0"/>
+              <a:buChar char="●"/>
+              <a:tabLst>
+                <a:tab pos="1609725" algn="l"/>
+                <a:tab pos="1609725" algn="l"/>
+                <a:tab pos="1609725" algn="l"/>
+                <a:tab pos="1609725" algn="l"/>
+              </a:tabLst>
+              <a:defRPr u="none" strike="noStrike" kern="1200" cap="none" spc="150" normalizeH="0" baseline="0">
+                <a:solidFill>
+                  <a:schemeClr val="tx1">
+                    <a:lumMod val="65000"/>
+                    <a:lumOff val="35000"/>
+                  </a:schemeClr>
+                </a:solidFill>
+                <a:uFillTx/>
+              </a:defRPr>
+            </a:lvl2pPr>
+            <a:lvl3pPr marL="1143000" indent="-228600" eaLnBrk="1" fontAlgn="auto" latinLnBrk="0" hangingPunct="1">
+              <a:lnSpc>
+                <a:spcPct val="120000"/>
+              </a:lnSpc>
+              <a:spcAft>
+                <a:spcPts val="600"/>
+              </a:spcAft>
+              <a:buFont typeface="Arial" panose="020B0604020202020204" pitchFamily="34" charset="0"/>
+              <a:buChar char="●"/>
+              <a:defRPr u="none" strike="noStrike" kern="1200" cap="none" spc="150" normalizeH="0" baseline="0">
+                <a:solidFill>
+                  <a:schemeClr val="tx1">
+                    <a:lumMod val="65000"/>
+                    <a:lumOff val="35000"/>
+                  </a:schemeClr>
+                </a:solidFill>
+                <a:uFillTx/>
+              </a:defRPr>
+            </a:lvl3pPr>
+            <a:lvl4pPr marL="1600200" indent="-228600" eaLnBrk="1" fontAlgn="auto" latinLnBrk="0" hangingPunct="1">
+              <a:lnSpc>
+                <a:spcPct val="120000"/>
+              </a:lnSpc>
+              <a:spcAft>
+                <a:spcPts val="300"/>
+              </a:spcAft>
+              <a:buFont typeface="Wingdings" panose="05000000000000000000" charset="0"/>
+              <a:buChar char=""/>
+              <a:defRPr u="none" strike="noStrike" kern="1200" cap="none" spc="150" normalizeH="0" baseline="0">
+                <a:solidFill>
+                  <a:schemeClr val="tx1">
+                    <a:lumMod val="65000"/>
+                    <a:lumOff val="35000"/>
+                  </a:schemeClr>
+                </a:solidFill>
+                <a:uFillTx/>
+              </a:defRPr>
+            </a:lvl4pPr>
+            <a:lvl5pPr marL="2057400" indent="-228600" eaLnBrk="1" fontAlgn="auto" latinLnBrk="0" hangingPunct="1">
+              <a:lnSpc>
+                <a:spcPct val="120000"/>
+              </a:lnSpc>
+              <a:spcAft>
+                <a:spcPts val="300"/>
+              </a:spcAft>
+              <a:buFont typeface="Arial" panose="020B0604020202020204" pitchFamily="34" charset="0"/>
+              <a:buChar char="•"/>
+              <a:defRPr u="none" strike="noStrike" kern="1200" cap="none" spc="150" normalizeH="0" baseline="0">
+                <a:solidFill>
+                  <a:schemeClr val="tx1">
+                    <a:lumMod val="65000"/>
+                    <a:lumOff val="35000"/>
+                  </a:schemeClr>
+                </a:solidFill>
+                <a:uFillTx/>
+              </a:defRPr>
+            </a:lvl5pPr>
+          </a:lstStyle>
+          <a:p>
+            <a:pPr lvl="0"/>
+            <a:r>
+              <a:rPr lang="zh-CN" altLang="en-US" dirty="0"/>
+              <a:t>单击此处编辑母版文本样式</a:t>
+            </a:r>
+            <a:endParaRPr lang="zh-CN" altLang="en-US" dirty="0"/>
+          </a:p>
+          <a:p>
+            <a:pPr lvl="1"/>
+            <a:r>
+              <a:rPr lang="zh-CN" altLang="en-US" dirty="0"/>
+              <a:t>第二级</a:t>
+            </a:r>
+            <a:endParaRPr lang="zh-CN" altLang="en-US" dirty="0"/>
+          </a:p>
+          <a:p>
+            <a:pPr lvl="2"/>
+            <a:r>
+              <a:rPr lang="zh-CN" altLang="en-US" dirty="0"/>
+              <a:t>第三级</a:t>
+            </a:r>
+            <a:endParaRPr lang="zh-CN" altLang="en-US" dirty="0"/>
+          </a:p>
+          <a:p>
+            <a:pPr lvl="3"/>
+            <a:r>
+              <a:rPr lang="zh-CN" altLang="en-US" dirty="0"/>
+              <a:t>第四级</a:t>
+            </a:r>
+            <a:endParaRPr lang="zh-CN" altLang="en-US" dirty="0"/>
+          </a:p>
+          <a:p>
+            <a:pPr lvl="4"/>
+            <a:r>
+              <a:rPr lang="zh-CN" altLang="en-US" dirty="0"/>
+              <a:t>第五级</a:t>
+            </a:r>
+            <a:endParaRPr lang="zh-CN" altLang="en-US" dirty="0"/>
+          </a:p>
+        </p:txBody>
+      </p:sp>
+      <p:sp>
+        <p:nvSpPr>
+          <p:cNvPr id="4" name="日期占位符 3"/>
+          <p:cNvSpPr>
+            <a:spLocks noGrp="1"/>
+          </p:cNvSpPr>
+          <p:nvPr>
+            <p:ph type="dt" sz="half" idx="10"/>
+            <p:custDataLst>
+              <p:tags r:id="rId4"/>
+            </p:custDataLst>
+          </p:nvPr>
+        </p:nvSpPr>
+        <p:spPr/>
+        <p:txBody>
+          <a:bodyPr/>
+          <a:lstStyle/>
+          <a:p>
+            <a:fld id="{760FBDFE-C587-4B4C-A407-44438C67B59E}" type="datetimeFigureOut">
+              <a:rPr lang="zh-CN" altLang="en-US" smtClean="0"/>
+            </a:fld>
+            <a:endParaRPr lang="zh-CN" altLang="en-US"/>
+          </a:p>
+        </p:txBody>
+      </p:sp>
+      <p:sp>
+        <p:nvSpPr>
+          <p:cNvPr id="5" name="页脚占位符 4"/>
+          <p:cNvSpPr>
+            <a:spLocks noGrp="1"/>
+          </p:cNvSpPr>
+          <p:nvPr>
+            <p:ph type="ftr" sz="quarter" idx="11"/>
+            <p:custDataLst>
+              <p:tags r:id="rId5"/>
+            </p:custDataLst>
+          </p:nvPr>
+        </p:nvSpPr>
+        <p:spPr/>
+        <p:txBody>
+          <a:bodyPr/>
+          <a:lstStyle/>
+          <a:p>
+            <a:endParaRPr lang="zh-CN" altLang="en-US"/>
+          </a:p>
+        </p:txBody>
+      </p:sp>
+      <p:sp>
+        <p:nvSpPr>
+          <p:cNvPr id="6" name="灯片编号占位符 5"/>
+          <p:cNvSpPr>
+            <a:spLocks noGrp="1"/>
+          </p:cNvSpPr>
+          <p:nvPr>
+            <p:ph type="sldNum" sz="quarter" idx="12"/>
+            <p:custDataLst>
+              <p:tags r:id="rId6"/>
+            </p:custDataLst>
+          </p:nvPr>
+        </p:nvSpPr>
+        <p:spPr/>
+        <p:txBody>
+          <a:bodyPr/>
+          <a:lstStyle/>
+          <a:p>
+            <a:fld id="{49AE70B2-8BF9-45C0-BB95-33D1B9D3A854}" type="slidenum">
+              <a:rPr lang="zh-CN" altLang="en-US" smtClean="0"/>
+            </a:fld>
+            <a:endParaRPr lang="zh-CN" altLang="en-US"/>
+          </a:p>
+        </p:txBody>
+      </p:sp>
+    </p:spTree>
+  </p:cSld>
+  <p:clrMapOvr>
+    <a:masterClrMapping/>
+  </p:clrMapOvr>
+</p:sldLayout>
+</file>
+
+<file path=ppt/slideLayouts/slideLayout21.xml><?xml version="1.0" encoding="utf-8"?>
+<p:sldLayout xmlns:a="http://schemas.openxmlformats.org/drawingml/2006/main" xmlns:r="http://schemas.openxmlformats.org/officeDocument/2006/relationships" xmlns:p="http://schemas.openxmlformats.org/presentationml/2006/main" preserve="1" userDrawn="1">
+  <p:cSld name="内容">
+    <p:spTree>
+      <p:nvGrpSpPr>
+        <p:cNvPr id="1" name=""/>
+        <p:cNvGrpSpPr/>
+        <p:nvPr/>
+      </p:nvGrpSpPr>
+      <p:grpSpPr>
+        <a:xfrm>
+          <a:off x="0" y="0"/>
+          <a:ext cx="0" cy="0"/>
+          <a:chOff x="0" y="0"/>
+          <a:chExt cx="0" cy="0"/>
+        </a:xfrm>
+      </p:grpSpPr>
+      <p:sp>
+        <p:nvSpPr>
+          <p:cNvPr id="3" name="日期占位符 2"/>
+          <p:cNvSpPr>
+            <a:spLocks noGrp="1"/>
+          </p:cNvSpPr>
+          <p:nvPr>
+            <p:ph type="dt" sz="half" idx="10"/>
+            <p:custDataLst>
+              <p:tags r:id="rId2"/>
+            </p:custDataLst>
+          </p:nvPr>
+        </p:nvSpPr>
+        <p:spPr/>
+        <p:txBody>
+          <a:bodyPr/>
+          <a:lstStyle/>
+          <a:p>
+            <a:fld id="{760FBDFE-C587-4B4C-A407-44438C67B59E}" type="datetimeFigureOut">
+              <a:rPr lang="zh-CN" altLang="en-US" smtClean="0"/>
+            </a:fld>
+            <a:endParaRPr lang="zh-CN" altLang="en-US"/>
+          </a:p>
+        </p:txBody>
+      </p:sp>
+      <p:sp>
+        <p:nvSpPr>
+          <p:cNvPr id="4" name="页脚占位符 3"/>
+          <p:cNvSpPr>
+            <a:spLocks noGrp="1"/>
+          </p:cNvSpPr>
+          <p:nvPr>
+            <p:ph type="ftr" sz="quarter" idx="11"/>
+            <p:custDataLst>
+              <p:tags r:id="rId3"/>
+            </p:custDataLst>
+          </p:nvPr>
+        </p:nvSpPr>
+        <p:spPr/>
+        <p:txBody>
+          <a:bodyPr/>
+          <a:lstStyle/>
+          <a:p>
+            <a:endParaRPr lang="zh-CN" altLang="en-US"/>
+          </a:p>
+        </p:txBody>
+      </p:sp>
+      <p:sp>
+        <p:nvSpPr>
+          <p:cNvPr id="5" name="灯片编号占位符 4"/>
+          <p:cNvSpPr>
+            <a:spLocks noGrp="1"/>
+          </p:cNvSpPr>
+          <p:nvPr>
+            <p:ph type="sldNum" sz="quarter" idx="12"/>
+            <p:custDataLst>
+              <p:tags r:id="rId4"/>
+            </p:custDataLst>
+          </p:nvPr>
+        </p:nvSpPr>
+        <p:spPr/>
+        <p:txBody>
+          <a:bodyPr/>
+          <a:lstStyle/>
+          <a:p>
+            <a:fld id="{49AE70B2-8BF9-45C0-BB95-33D1B9D3A854}" type="slidenum">
+              <a:rPr lang="zh-CN" altLang="en-US" smtClean="0"/>
+            </a:fld>
+            <a:endParaRPr lang="zh-CN" altLang="en-US"/>
+          </a:p>
+        </p:txBody>
+      </p:sp>
+      <p:sp>
+        <p:nvSpPr>
+          <p:cNvPr id="7" name="内容占位符 6"/>
+          <p:cNvSpPr>
+            <a:spLocks noGrp="1"/>
+          </p:cNvSpPr>
+          <p:nvPr>
+            <p:ph sz="quarter" idx="13"/>
+            <p:custDataLst>
+              <p:tags r:id="rId5"/>
+            </p:custDataLst>
+          </p:nvPr>
+        </p:nvSpPr>
+        <p:spPr>
+          <a:xfrm>
+            <a:off x="608400" y="774000"/>
+            <a:ext cx="10972800" cy="5482800"/>
+          </a:xfrm>
+        </p:spPr>
+        <p:txBody>
+          <a:bodyPr/>
+          <a:lstStyle>
+            <a:lvl1pPr marL="228600" indent="-228600" eaLnBrk="1" fontAlgn="auto" latinLnBrk="0" hangingPunct="1">
+              <a:lnSpc>
+                <a:spcPct val="130000"/>
+              </a:lnSpc>
+              <a:buFont typeface="Arial" panose="020B0604020202020204" pitchFamily="34" charset="0"/>
+              <a:buChar char="●"/>
+              <a:defRPr u="none" strike="noStrike" kern="1200" cap="none" spc="150" normalizeH="0" baseline="0">
+                <a:solidFill>
+                  <a:schemeClr val="tx1">
+                    <a:lumMod val="65000"/>
+                    <a:lumOff val="35000"/>
+                  </a:schemeClr>
+                </a:solidFill>
+                <a:uFillTx/>
+              </a:defRPr>
+            </a:lvl1pPr>
+            <a:lvl2pPr marL="685800" indent="-228600" defTabSz="914400" eaLnBrk="1" fontAlgn="auto" latinLnBrk="0" hangingPunct="1">
+              <a:lnSpc>
+                <a:spcPct val="120000"/>
+              </a:lnSpc>
+              <a:buFont typeface="Arial" panose="020B0604020202020204" pitchFamily="34" charset="0"/>
+              <a:buChar char="●"/>
+              <a:tabLst>
+                <a:tab pos="1609725" algn="l"/>
+                <a:tab pos="1609725" algn="l"/>
+                <a:tab pos="1609725" algn="l"/>
+                <a:tab pos="1609725" algn="l"/>
+              </a:tabLst>
+              <a:defRPr u="none" strike="noStrike" kern="1200" cap="none" spc="150" normalizeH="0" baseline="0">
+                <a:solidFill>
+                  <a:schemeClr val="tx1">
+                    <a:lumMod val="65000"/>
+                    <a:lumOff val="35000"/>
+                  </a:schemeClr>
+                </a:solidFill>
+                <a:uFillTx/>
+              </a:defRPr>
+            </a:lvl2pPr>
+            <a:lvl3pPr marL="1143000" indent="-228600" eaLnBrk="1" fontAlgn="auto" latinLnBrk="0" hangingPunct="1">
+              <a:lnSpc>
+                <a:spcPct val="120000"/>
+              </a:lnSpc>
+              <a:buFont typeface="Arial" panose="020B0604020202020204" pitchFamily="34" charset="0"/>
+              <a:buChar char="●"/>
+              <a:defRPr u="none" strike="noStrike" kern="1200" cap="none" spc="150" normalizeH="0" baseline="0">
+                <a:solidFill>
+                  <a:schemeClr val="tx1">
+                    <a:lumMod val="65000"/>
+                    <a:lumOff val="35000"/>
+                  </a:schemeClr>
+                </a:solidFill>
+                <a:uFillTx/>
+              </a:defRPr>
+            </a:lvl3pPr>
+            <a:lvl4pPr marL="1600200" indent="-228600" eaLnBrk="1" fontAlgn="auto" latinLnBrk="0" hangingPunct="1">
+              <a:lnSpc>
+                <a:spcPct val="120000"/>
+              </a:lnSpc>
+              <a:buFont typeface="Wingdings" panose="05000000000000000000" charset="0"/>
+              <a:buChar char=""/>
+              <a:defRPr u="none" strike="noStrike" kern="1200" cap="none" spc="150" normalizeH="0" baseline="0">
+                <a:solidFill>
+                  <a:schemeClr val="tx1">
+                    <a:lumMod val="65000"/>
+                    <a:lumOff val="35000"/>
+                  </a:schemeClr>
+                </a:solidFill>
+                <a:uFillTx/>
+              </a:defRPr>
+            </a:lvl4pPr>
+            <a:lvl5pPr marL="2057400" indent="-228600" eaLnBrk="1" fontAlgn="auto" latinLnBrk="0" hangingPunct="1">
+              <a:lnSpc>
+                <a:spcPct val="120000"/>
+              </a:lnSpc>
+              <a:buFont typeface="Arial" panose="020B0604020202020204" pitchFamily="34" charset="0"/>
+              <a:buChar char="•"/>
+              <a:defRPr u="none" strike="noStrike" kern="1200" cap="none" spc="150" normalizeH="0" baseline="0">
+                <a:solidFill>
+                  <a:schemeClr val="tx1">
+                    <a:lumMod val="65000"/>
+                    <a:lumOff val="35000"/>
+                  </a:schemeClr>
+                </a:solidFill>
+                <a:uFillTx/>
+              </a:defRPr>
+            </a:lvl5pPr>
+          </a:lstStyle>
+          <a:p>
+            <a:pPr lvl="0"/>
+            <a:r>
+              <a:rPr lang="zh-CN" altLang="en-US" dirty="0"/>
+              <a:t>单击此处编辑母版文本样式</a:t>
+            </a:r>
+            <a:endParaRPr lang="zh-CN" altLang="en-US" dirty="0"/>
+          </a:p>
+          <a:p>
+            <a:pPr lvl="1"/>
+            <a:r>
+              <a:rPr lang="zh-CN" altLang="en-US" dirty="0"/>
+              <a:t>第二级</a:t>
+            </a:r>
+            <a:endParaRPr lang="zh-CN" altLang="en-US" dirty="0"/>
+          </a:p>
+          <a:p>
+            <a:pPr lvl="2"/>
+            <a:r>
+              <a:rPr lang="zh-CN" altLang="en-US" dirty="0"/>
+              <a:t>第三级</a:t>
+            </a:r>
+            <a:endParaRPr lang="zh-CN" altLang="en-US" dirty="0"/>
+          </a:p>
+          <a:p>
+            <a:pPr lvl="3"/>
+            <a:r>
+              <a:rPr lang="zh-CN" altLang="en-US" dirty="0"/>
+              <a:t>第四级</a:t>
+            </a:r>
+            <a:endParaRPr lang="zh-CN" altLang="en-US" dirty="0"/>
+          </a:p>
+          <a:p>
+            <a:pPr lvl="4"/>
+            <a:r>
+              <a:rPr lang="zh-CN" altLang="en-US" dirty="0"/>
+              <a:t>第五级</a:t>
+            </a:r>
+            <a:endParaRPr lang="zh-CN" altLang="en-US" dirty="0"/>
+          </a:p>
+        </p:txBody>
+      </p:sp>
+    </p:spTree>
+  </p:cSld>
+  <p:clrMapOvr>
+    <a:masterClrMapping/>
+  </p:clrMapOvr>
+</p:sldLayout>
+</file>
+
+<file path=ppt/slideLayouts/slideLayout22.xml><?xml version="1.0" encoding="utf-8"?>
+<p:sldLayout xmlns:a="http://schemas.openxmlformats.org/drawingml/2006/main" xmlns:r="http://schemas.openxmlformats.org/officeDocument/2006/relationships" xmlns:p="http://schemas.openxmlformats.org/presentationml/2006/main" preserve="1" userDrawn="1">
+  <p:cSld name="末尾幻灯片">
+    <p:spTree>
+      <p:nvGrpSpPr>
+        <p:cNvPr id="1" name=""/>
+        <p:cNvGrpSpPr/>
+        <p:nvPr/>
+      </p:nvGrpSpPr>
+      <p:grpSpPr>
+        <a:xfrm>
+          <a:off x="0" y="0"/>
+          <a:ext cx="0" cy="0"/>
+          <a:chOff x="0" y="0"/>
+          <a:chExt cx="0" cy="0"/>
+        </a:xfrm>
+      </p:grpSpPr>
+      <p:sp>
+        <p:nvSpPr>
+          <p:cNvPr id="3" name="日期占位符 2"/>
+          <p:cNvSpPr>
+            <a:spLocks noGrp="1"/>
+          </p:cNvSpPr>
+          <p:nvPr>
+            <p:ph type="dt" sz="half" idx="10"/>
+            <p:custDataLst>
+              <p:tags r:id="rId2"/>
+            </p:custDataLst>
+          </p:nvPr>
+        </p:nvSpPr>
+        <p:spPr/>
+        <p:txBody>
+          <a:bodyPr/>
+          <a:lstStyle/>
+          <a:p>
+            <a:fld id="{760FBDFE-C587-4B4C-A407-44438C67B59E}" type="datetimeFigureOut">
+              <a:rPr lang="zh-CN" altLang="en-US" smtClean="0"/>
+            </a:fld>
+            <a:endParaRPr lang="zh-CN" altLang="en-US"/>
+          </a:p>
+        </p:txBody>
+      </p:sp>
+      <p:sp>
+        <p:nvSpPr>
+          <p:cNvPr id="4" name="页脚占位符 3"/>
+          <p:cNvSpPr>
+            <a:spLocks noGrp="1"/>
+          </p:cNvSpPr>
+          <p:nvPr>
+            <p:ph type="ftr" sz="quarter" idx="11"/>
+            <p:custDataLst>
+              <p:tags r:id="rId3"/>
+            </p:custDataLst>
+          </p:nvPr>
+        </p:nvSpPr>
+        <p:spPr/>
+        <p:txBody>
+          <a:bodyPr/>
+          <a:lstStyle/>
+          <a:p>
+            <a:endParaRPr lang="zh-CN" altLang="en-US"/>
+          </a:p>
+        </p:txBody>
+      </p:sp>
+      <p:sp>
+        <p:nvSpPr>
+          <p:cNvPr id="5" name="灯片编号占位符 4"/>
+          <p:cNvSpPr>
+            <a:spLocks noGrp="1"/>
+          </p:cNvSpPr>
+          <p:nvPr>
+            <p:ph type="sldNum" sz="quarter" idx="12"/>
+            <p:custDataLst>
+              <p:tags r:id="rId4"/>
+            </p:custDataLst>
+          </p:nvPr>
+        </p:nvSpPr>
+        <p:spPr/>
+        <p:txBody>
+          <a:bodyPr/>
+          <a:lstStyle/>
+          <a:p>
+            <a:fld id="{49AE70B2-8BF9-45C0-BB95-33D1B9D3A854}" type="slidenum">
+              <a:rPr lang="zh-CN" altLang="en-US" smtClean="0"/>
+            </a:fld>
+            <a:endParaRPr lang="zh-CN" altLang="en-US"/>
+          </a:p>
+        </p:txBody>
+      </p:sp>
+      <p:sp>
+        <p:nvSpPr>
+          <p:cNvPr id="2" name="标题 1"/>
+          <p:cNvSpPr>
+            <a:spLocks noGrp="1"/>
+          </p:cNvSpPr>
+          <p:nvPr>
+            <p:ph type="title" hasCustomPrompt="1"/>
+            <p:custDataLst>
+              <p:tags r:id="rId5"/>
+            </p:custDataLst>
+          </p:nvPr>
+        </p:nvSpPr>
+        <p:spPr>
+          <a:xfrm>
+            <a:off x="1198800" y="2484000"/>
+            <a:ext cx="9799200" cy="1018800"/>
+          </a:xfrm>
+        </p:spPr>
+        <p:txBody>
+          <a:bodyPr vert="horz" lIns="90000" tIns="46800" rIns="90000" bIns="46800" rtlCol="0" anchor="t" anchorCtr="0">
+            <a:normAutofit/>
+          </a:bodyPr>
+          <a:lstStyle>
+            <a:lvl1pPr marL="0" marR="0" algn="ctr" defTabSz="914400" rtl="0" eaLnBrk="1" fontAlgn="auto" latinLnBrk="0" hangingPunct="1">
+              <a:lnSpc>
+                <a:spcPct val="100000"/>
+              </a:lnSpc>
+              <a:buNone/>
+              <a:defRPr kumimoji="0" lang="zh-CN" altLang="en-US" sz="6000" b="1" i="0" u="none" strike="noStrike" kern="1200" cap="none" spc="300" normalizeH="0" baseline="0" noProof="1" dirty="0">
+                <a:solidFill>
+                  <a:schemeClr val="tx1">
+                    <a:lumMod val="85000"/>
+                    <a:lumOff val="15000"/>
+                  </a:schemeClr>
+                </a:solidFill>
+                <a:effectLst/>
+                <a:uFillTx/>
+                <a:latin typeface="Arial" panose="020B0604020202020204" pitchFamily="34" charset="0"/>
+                <a:ea typeface="微软雅黑" panose="020B0503020204020204" charset="-122"/>
+                <a:cs typeface="+mj-cs"/>
+                <a:sym typeface="+mn-ea"/>
+              </a:defRPr>
+            </a:lvl1pPr>
+          </a:lstStyle>
+          <a:p>
+            <a:pPr lvl="0"/>
+            <a:r>
+              <a:rPr>
+                <a:sym typeface="+mn-ea"/>
+              </a:rPr>
+              <a:t>单击此处编辑标题</a:t>
+            </a:r>
+            <a:endParaRPr>
+              <a:sym typeface="+mn-ea"/>
+            </a:endParaRPr>
+          </a:p>
+        </p:txBody>
+      </p:sp>
+      <p:sp>
+        <p:nvSpPr>
+          <p:cNvPr id="7" name="文本占位符 6"/>
+          <p:cNvSpPr>
+            <a:spLocks noGrp="1"/>
+          </p:cNvSpPr>
+          <p:nvPr>
+            <p:ph type="body" sz="quarter" idx="13"/>
+            <p:custDataLst>
+              <p:tags r:id="rId6"/>
+            </p:custDataLst>
+          </p:nvPr>
+        </p:nvSpPr>
+        <p:spPr>
+          <a:xfrm>
+            <a:off x="1198800" y="3560400"/>
+            <a:ext cx="9799200" cy="471600"/>
+          </a:xfrm>
+        </p:spPr>
+        <p:txBody>
+          <a:bodyPr lIns="90000" tIns="46800" rIns="90000" bIns="46800">
+            <a:normAutofit/>
+          </a:bodyPr>
+          <a:lstStyle>
+            <a:lvl1pPr marL="0" indent="0" algn="ctr">
+              <a:lnSpc>
+                <a:spcPct val="110000"/>
+              </a:lnSpc>
+              <a:buNone/>
+              <a:defRPr sz="2400" spc="200" baseline="0">
+                <a:solidFill>
+                  <a:schemeClr val="tx1">
+                    <a:lumMod val="65000"/>
+                    <a:lumOff val="35000"/>
+                  </a:schemeClr>
+                </a:solidFill>
+              </a:defRPr>
+            </a:lvl1pPr>
+          </a:lstStyle>
+          <a:p>
+            <a:pPr lvl="0"/>
+            <a:r>
+              <a:rPr lang="zh-CN" altLang="en-US" dirty="0"/>
+              <a:t>单击此处编辑母版文本样式</a:t>
+            </a:r>
+            <a:endParaRPr lang="zh-CN" altLang="en-US" dirty="0"/>
           </a:p>
         </p:txBody>
       </p:sp>
@@ -3052,6 +6696,672 @@
 </p:sldMaster>
 </file>
 
+<file path=ppt/slideMasters/slideMaster2.xml><?xml version="1.0" encoding="utf-8"?>
+<p:sldMaster xmlns:a="http://schemas.openxmlformats.org/drawingml/2006/main" xmlns:r="http://schemas.openxmlformats.org/officeDocument/2006/relationships" xmlns:p="http://schemas.openxmlformats.org/presentationml/2006/main">
+  <p:cSld>
+    <p:bg>
+      <p:bgPr>
+        <a:gradFill>
+          <a:gsLst>
+            <a:gs pos="0">
+              <a:schemeClr val="bg2"/>
+            </a:gs>
+            <a:gs pos="100000">
+              <a:schemeClr val="bg2">
+                <a:lumMod val="85000"/>
+              </a:schemeClr>
+            </a:gs>
+          </a:gsLst>
+          <a:lin ang="5400000" scaled="0"/>
+        </a:gradFill>
+        <a:effectLst/>
+      </p:bgPr>
+    </p:bg>
+    <p:spTree>
+      <p:nvGrpSpPr>
+        <p:cNvPr id="1" name=""/>
+        <p:cNvGrpSpPr/>
+        <p:nvPr/>
+      </p:nvGrpSpPr>
+      <p:grpSpPr>
+        <a:xfrm>
+          <a:off x="0" y="0"/>
+          <a:ext cx="0" cy="0"/>
+          <a:chOff x="0" y="0"/>
+          <a:chExt cx="0" cy="0"/>
+        </a:xfrm>
+      </p:grpSpPr>
+      <p:sp>
+        <p:nvSpPr>
+          <p:cNvPr id="2" name="标题占位符 1"/>
+          <p:cNvSpPr>
+            <a:spLocks noGrp="1"/>
+          </p:cNvSpPr>
+          <p:nvPr>
+            <p:ph type="title"/>
+            <p:custDataLst>
+              <p:tags r:id="rId12"/>
+            </p:custDataLst>
+          </p:nvPr>
+        </p:nvSpPr>
+        <p:spPr>
+          <a:xfrm>
+            <a:off x="608400" y="608400"/>
+            <a:ext cx="10969200" cy="705600"/>
+          </a:xfrm>
+          <a:prstGeom prst="rect">
+            <a:avLst/>
+          </a:prstGeom>
+        </p:spPr>
+        <p:txBody>
+          <a:bodyPr vert="horz" lIns="90170" tIns="46990" rIns="90170" bIns="46990" rtlCol="0" anchor="ctr" anchorCtr="0">
+            <a:normAutofit/>
+          </a:bodyPr>
+          <a:lstStyle/>
+          <a:p>
+            <a:r>
+              <a:rPr lang="zh-CN" altLang="en-US" dirty="0"/>
+              <a:t>单击此处编辑母版标题样式</a:t>
+            </a:r>
+            <a:endParaRPr lang="zh-CN" altLang="en-US" dirty="0"/>
+          </a:p>
+        </p:txBody>
+      </p:sp>
+      <p:sp>
+        <p:nvSpPr>
+          <p:cNvPr id="3" name="文本占位符 2"/>
+          <p:cNvSpPr>
+            <a:spLocks noGrp="1"/>
+          </p:cNvSpPr>
+          <p:nvPr>
+            <p:ph type="body" idx="1"/>
+            <p:custDataLst>
+              <p:tags r:id="rId13"/>
+            </p:custDataLst>
+          </p:nvPr>
+        </p:nvSpPr>
+        <p:spPr>
+          <a:xfrm>
+            <a:off x="608400" y="1490400"/>
+            <a:ext cx="10969200" cy="4759200"/>
+          </a:xfrm>
+          <a:prstGeom prst="rect">
+            <a:avLst/>
+          </a:prstGeom>
+        </p:spPr>
+        <p:txBody>
+          <a:bodyPr vert="horz" lIns="90000" tIns="46800" rIns="90000" bIns="46800" rtlCol="0">
+            <a:normAutofit/>
+          </a:bodyPr>
+          <a:lstStyle/>
+          <a:p>
+            <a:pPr lvl="0"/>
+            <a:r>
+              <a:rPr lang="zh-CN" altLang="en-US" dirty="0"/>
+              <a:t>单击此处编辑母版文本样式</a:t>
+            </a:r>
+            <a:endParaRPr lang="zh-CN" altLang="en-US" dirty="0"/>
+          </a:p>
+          <a:p>
+            <a:pPr lvl="1"/>
+            <a:r>
+              <a:rPr lang="zh-CN" altLang="en-US" dirty="0"/>
+              <a:t>第二级</a:t>
+            </a:r>
+            <a:endParaRPr lang="zh-CN" altLang="en-US" dirty="0"/>
+          </a:p>
+          <a:p>
+            <a:pPr lvl="2"/>
+            <a:r>
+              <a:rPr lang="zh-CN" altLang="en-US" dirty="0"/>
+              <a:t>第三级</a:t>
+            </a:r>
+            <a:endParaRPr lang="zh-CN" altLang="en-US" dirty="0"/>
+          </a:p>
+          <a:p>
+            <a:pPr lvl="3"/>
+            <a:r>
+              <a:rPr lang="zh-CN" altLang="en-US" dirty="0"/>
+              <a:t>第四级</a:t>
+            </a:r>
+            <a:endParaRPr lang="zh-CN" altLang="en-US" dirty="0"/>
+          </a:p>
+          <a:p>
+            <a:pPr lvl="4"/>
+            <a:r>
+              <a:rPr lang="zh-CN" altLang="en-US" dirty="0"/>
+              <a:t>第五级</a:t>
+            </a:r>
+            <a:endParaRPr lang="zh-CN" altLang="en-US" dirty="0"/>
+          </a:p>
+        </p:txBody>
+      </p:sp>
+      <p:sp>
+        <p:nvSpPr>
+          <p:cNvPr id="4" name="日期占位符 3"/>
+          <p:cNvSpPr>
+            <a:spLocks noGrp="1"/>
+          </p:cNvSpPr>
+          <p:nvPr>
+            <p:ph type="dt" sz="half" idx="2"/>
+            <p:custDataLst>
+              <p:tags r:id="rId14"/>
+            </p:custDataLst>
+          </p:nvPr>
+        </p:nvSpPr>
+        <p:spPr>
+          <a:xfrm>
+            <a:off x="612000" y="6314400"/>
+            <a:ext cx="2700000" cy="316800"/>
+          </a:xfrm>
+          <a:prstGeom prst="rect">
+            <a:avLst/>
+          </a:prstGeom>
+        </p:spPr>
+        <p:txBody>
+          <a:bodyPr vert="horz" lIns="91440" tIns="45720" rIns="91440" bIns="45720" rtlCol="0" anchor="ctr">
+            <a:normAutofit/>
+          </a:bodyPr>
+          <a:lstStyle>
+            <a:lvl1pPr algn="l">
+              <a:defRPr sz="1000" baseline="0">
+                <a:solidFill>
+                  <a:schemeClr val="tx1">
+                    <a:tint val="75000"/>
+                  </a:schemeClr>
+                </a:solidFill>
+                <a:latin typeface="Arial" panose="020B0604020202020204" pitchFamily="34" charset="0"/>
+                <a:ea typeface="微软雅黑" panose="020B0503020204020204" charset="-122"/>
+              </a:defRPr>
+            </a:lvl1pPr>
+          </a:lstStyle>
+          <a:p>
+            <a:fld id="{760FBDFE-C587-4B4C-A407-44438C67B59E}" type="datetimeFigureOut">
+              <a:rPr lang="zh-CN" altLang="en-US" smtClean="0"/>
+            </a:fld>
+            <a:endParaRPr lang="zh-CN" altLang="en-US"/>
+          </a:p>
+        </p:txBody>
+      </p:sp>
+      <p:sp>
+        <p:nvSpPr>
+          <p:cNvPr id="5" name="页脚占位符 4"/>
+          <p:cNvSpPr>
+            <a:spLocks noGrp="1"/>
+          </p:cNvSpPr>
+          <p:nvPr>
+            <p:ph type="ftr" sz="quarter" idx="3"/>
+            <p:custDataLst>
+              <p:tags r:id="rId15"/>
+            </p:custDataLst>
+          </p:nvPr>
+        </p:nvSpPr>
+        <p:spPr>
+          <a:xfrm>
+            <a:off x="4116000" y="6314400"/>
+            <a:ext cx="3960000" cy="316800"/>
+          </a:xfrm>
+          <a:prstGeom prst="rect">
+            <a:avLst/>
+          </a:prstGeom>
+        </p:spPr>
+        <p:txBody>
+          <a:bodyPr vert="horz" lIns="91440" tIns="45720" rIns="91440" bIns="45720" rtlCol="0" anchor="ctr">
+            <a:normAutofit/>
+          </a:bodyPr>
+          <a:lstStyle>
+            <a:lvl1pPr algn="ctr">
+              <a:defRPr sz="1000" baseline="0">
+                <a:solidFill>
+                  <a:schemeClr val="tx1">
+                    <a:tint val="75000"/>
+                  </a:schemeClr>
+                </a:solidFill>
+                <a:latin typeface="Arial" panose="020B0604020202020204" pitchFamily="34" charset="0"/>
+                <a:ea typeface="微软雅黑" panose="020B0503020204020204" charset="-122"/>
+              </a:defRPr>
+            </a:lvl1pPr>
+          </a:lstStyle>
+          <a:p>
+            <a:endParaRPr lang="zh-CN" altLang="en-US" dirty="0"/>
+          </a:p>
+        </p:txBody>
+      </p:sp>
+      <p:sp>
+        <p:nvSpPr>
+          <p:cNvPr id="6" name="灯片编号占位符 5"/>
+          <p:cNvSpPr>
+            <a:spLocks noGrp="1"/>
+          </p:cNvSpPr>
+          <p:nvPr>
+            <p:ph type="sldNum" sz="quarter" idx="4"/>
+            <p:custDataLst>
+              <p:tags r:id="rId16"/>
+            </p:custDataLst>
+          </p:nvPr>
+        </p:nvSpPr>
+        <p:spPr>
+          <a:xfrm>
+            <a:off x="8877600" y="6314400"/>
+            <a:ext cx="2700000" cy="316800"/>
+          </a:xfrm>
+          <a:prstGeom prst="rect">
+            <a:avLst/>
+          </a:prstGeom>
+        </p:spPr>
+        <p:txBody>
+          <a:bodyPr vert="horz" lIns="91440" tIns="45720" rIns="91440" bIns="45720" rtlCol="0" anchor="ctr">
+            <a:normAutofit/>
+          </a:bodyPr>
+          <a:lstStyle>
+            <a:lvl1pPr algn="r">
+              <a:defRPr sz="1000" baseline="0">
+                <a:solidFill>
+                  <a:schemeClr val="tx1">
+                    <a:tint val="75000"/>
+                  </a:schemeClr>
+                </a:solidFill>
+                <a:latin typeface="Arial" panose="020B0604020202020204" pitchFamily="34" charset="0"/>
+                <a:ea typeface="微软雅黑" panose="020B0503020204020204" charset="-122"/>
+              </a:defRPr>
+            </a:lvl1pPr>
+          </a:lstStyle>
+          <a:p>
+            <a:fld id="{49AE70B2-8BF9-45C0-BB95-33D1B9D3A854}" type="slidenum">
+              <a:rPr lang="zh-CN" altLang="en-US" smtClean="0"/>
+            </a:fld>
+            <a:endParaRPr lang="zh-CN" altLang="en-US" dirty="0"/>
+          </a:p>
+        </p:txBody>
+      </p:sp>
+      <p:sp>
+        <p:nvSpPr>
+          <p:cNvPr id="7" name="KSO_TEMPLATE" hidden="1"/>
+          <p:cNvSpPr/>
+          <p:nvPr>
+            <p:custDataLst>
+              <p:tags r:id="rId17"/>
+            </p:custDataLst>
+          </p:nvPr>
+        </p:nvSpPr>
+        <p:spPr>
+          <a:xfrm>
+            <a:off x="0" y="0"/>
+            <a:ext cx="0" cy="0"/>
+          </a:xfrm>
+          <a:prstGeom prst="rect">
+            <a:avLst/>
+          </a:prstGeom>
+        </p:spPr>
+        <p:style>
+          <a:lnRef idx="2">
+            <a:schemeClr val="accent1">
+              <a:shade val="50000"/>
+            </a:schemeClr>
+          </a:lnRef>
+          <a:fillRef idx="1">
+            <a:schemeClr val="accent1"/>
+          </a:fillRef>
+          <a:effectRef idx="0">
+            <a:schemeClr val="accent1"/>
+          </a:effectRef>
+          <a:fontRef idx="minor">
+            <a:schemeClr val="lt1"/>
+          </a:fontRef>
+        </p:style>
+        <p:txBody>
+          <a:bodyPr rtlCol="0" anchor="ctr"/>
+          <a:lstStyle/>
+          <a:p>
+            <a:pPr algn="ctr"/>
+            <a:endParaRPr lang="zh-CN" altLang="en-US"/>
+          </a:p>
+        </p:txBody>
+      </p:sp>
+    </p:spTree>
+  </p:cSld>
+  <p:clrMap bg1="lt1" tx1="dk1" bg2="lt2" tx2="dk2" accent1="accent1" accent2="accent2" accent3="accent3" accent4="accent4" accent5="accent5" accent6="accent6" hlink="hlink" folHlink="folHlink"/>
+  <p:sldLayoutIdLst>
+    <p:sldLayoutId id="2147483661" r:id="rId1"/>
+    <p:sldLayoutId id="2147483662" r:id="rId2"/>
+    <p:sldLayoutId id="2147483663" r:id="rId3"/>
+    <p:sldLayoutId id="2147483664" r:id="rId4"/>
+    <p:sldLayoutId id="2147483665" r:id="rId5"/>
+    <p:sldLayoutId id="2147483666" r:id="rId6"/>
+    <p:sldLayoutId id="2147483667" r:id="rId7"/>
+    <p:sldLayoutId id="2147483668" r:id="rId8"/>
+    <p:sldLayoutId id="2147483669" r:id="rId9"/>
+    <p:sldLayoutId id="2147483670" r:id="rId10"/>
+    <p:sldLayoutId id="2147483671" r:id="rId11"/>
+  </p:sldLayoutIdLst>
+  <p:txStyles>
+    <p:titleStyle>
+      <a:lvl1pPr algn="l" defTabSz="914400" rtl="0" eaLnBrk="1" fontAlgn="auto" latinLnBrk="0" hangingPunct="1">
+        <a:lnSpc>
+          <a:spcPct val="100000"/>
+        </a:lnSpc>
+        <a:spcBef>
+          <a:spcPct val="0"/>
+        </a:spcBef>
+        <a:buNone/>
+        <a:defRPr sz="3600" b="1" u="none" strike="noStrike" kern="1200" cap="none" spc="300" normalizeH="0" baseline="0">
+          <a:solidFill>
+            <a:schemeClr val="tx1">
+              <a:lumMod val="85000"/>
+              <a:lumOff val="15000"/>
+            </a:schemeClr>
+          </a:solidFill>
+          <a:uFillTx/>
+          <a:latin typeface="Arial" panose="020B0604020202020204" pitchFamily="34" charset="0"/>
+          <a:ea typeface="微软雅黑" panose="020B0503020204020204" charset="-122"/>
+          <a:cs typeface="+mj-cs"/>
+        </a:defRPr>
+      </a:lvl1pPr>
+    </p:titleStyle>
+    <p:bodyStyle>
+      <a:lvl1pPr marL="228600" indent="-228600" algn="l" defTabSz="914400" rtl="0" eaLnBrk="1" fontAlgn="auto" latinLnBrk="0" hangingPunct="1">
+        <a:lnSpc>
+          <a:spcPct val="130000"/>
+        </a:lnSpc>
+        <a:spcBef>
+          <a:spcPts val="0"/>
+        </a:spcBef>
+        <a:spcAft>
+          <a:spcPts val="1000"/>
+        </a:spcAft>
+        <a:buFont typeface="Arial" panose="020B0604020202020204" pitchFamily="34" charset="0"/>
+        <a:buChar char="●"/>
+        <a:defRPr sz="1800" u="none" strike="noStrike" kern="1200" cap="none" spc="150" normalizeH="0" baseline="0">
+          <a:solidFill>
+            <a:schemeClr val="tx1">
+              <a:lumMod val="65000"/>
+              <a:lumOff val="35000"/>
+            </a:schemeClr>
+          </a:solidFill>
+          <a:uFillTx/>
+          <a:latin typeface="Arial" panose="020B0604020202020204" pitchFamily="34" charset="0"/>
+          <a:ea typeface="微软雅黑" panose="020B0503020204020204" charset="-122"/>
+          <a:cs typeface="+mn-cs"/>
+        </a:defRPr>
+      </a:lvl1pPr>
+      <a:lvl2pPr marL="685800" indent="-228600" algn="l" defTabSz="914400" rtl="0" eaLnBrk="1" fontAlgn="auto" latinLnBrk="0" hangingPunct="1">
+        <a:lnSpc>
+          <a:spcPct val="120000"/>
+        </a:lnSpc>
+        <a:spcBef>
+          <a:spcPts val="0"/>
+        </a:spcBef>
+        <a:spcAft>
+          <a:spcPts val="600"/>
+        </a:spcAft>
+        <a:buFont typeface="Arial" panose="020B0604020202020204" pitchFamily="34" charset="0"/>
+        <a:buChar char="●"/>
+        <a:tabLst>
+          <a:tab pos="1609725" algn="l"/>
+          <a:tab pos="1609725" algn="l"/>
+          <a:tab pos="1609725" algn="l"/>
+          <a:tab pos="1609725" algn="l"/>
+        </a:tabLst>
+        <a:defRPr sz="1600" u="none" strike="noStrike" kern="1200" cap="none" spc="150" normalizeH="0" baseline="0">
+          <a:solidFill>
+            <a:schemeClr val="tx1">
+              <a:lumMod val="65000"/>
+              <a:lumOff val="35000"/>
+            </a:schemeClr>
+          </a:solidFill>
+          <a:uFillTx/>
+          <a:latin typeface="Arial" panose="020B0604020202020204" pitchFamily="34" charset="0"/>
+          <a:ea typeface="微软雅黑" panose="020B0503020204020204" charset="-122"/>
+          <a:cs typeface="+mn-cs"/>
+        </a:defRPr>
+      </a:lvl2pPr>
+      <a:lvl3pPr marL="1143000" indent="-228600" algn="l" defTabSz="914400" rtl="0" eaLnBrk="1" fontAlgn="auto" latinLnBrk="0" hangingPunct="1">
+        <a:lnSpc>
+          <a:spcPct val="120000"/>
+        </a:lnSpc>
+        <a:spcBef>
+          <a:spcPts val="0"/>
+        </a:spcBef>
+        <a:spcAft>
+          <a:spcPts val="600"/>
+        </a:spcAft>
+        <a:buFont typeface="Arial" panose="020B0604020202020204" pitchFamily="34" charset="0"/>
+        <a:buChar char="●"/>
+        <a:defRPr sz="1600" u="none" strike="noStrike" kern="1200" cap="none" spc="150" normalizeH="0" baseline="0">
+          <a:solidFill>
+            <a:schemeClr val="tx1">
+              <a:lumMod val="65000"/>
+              <a:lumOff val="35000"/>
+            </a:schemeClr>
+          </a:solidFill>
+          <a:uFillTx/>
+          <a:latin typeface="Arial" panose="020B0604020202020204" pitchFamily="34" charset="0"/>
+          <a:ea typeface="微软雅黑" panose="020B0503020204020204" charset="-122"/>
+          <a:cs typeface="+mn-cs"/>
+        </a:defRPr>
+      </a:lvl3pPr>
+      <a:lvl4pPr marL="1600200" indent="-228600" algn="l" defTabSz="914400" rtl="0" eaLnBrk="1" fontAlgn="auto" latinLnBrk="0" hangingPunct="1">
+        <a:lnSpc>
+          <a:spcPct val="120000"/>
+        </a:lnSpc>
+        <a:spcBef>
+          <a:spcPts val="0"/>
+        </a:spcBef>
+        <a:spcAft>
+          <a:spcPts val="300"/>
+        </a:spcAft>
+        <a:buFont typeface="Wingdings" panose="05000000000000000000" charset="0"/>
+        <a:buChar char=""/>
+        <a:defRPr sz="1400" u="none" strike="noStrike" kern="1200" cap="none" spc="150" normalizeH="0" baseline="0">
+          <a:solidFill>
+            <a:schemeClr val="tx1">
+              <a:lumMod val="65000"/>
+              <a:lumOff val="35000"/>
+            </a:schemeClr>
+          </a:solidFill>
+          <a:uFillTx/>
+          <a:latin typeface="Arial" panose="020B0604020202020204" pitchFamily="34" charset="0"/>
+          <a:ea typeface="微软雅黑" panose="020B0503020204020204" charset="-122"/>
+          <a:cs typeface="+mn-cs"/>
+        </a:defRPr>
+      </a:lvl4pPr>
+      <a:lvl5pPr marL="2057400" indent="-228600" algn="l" defTabSz="914400" rtl="0" eaLnBrk="1" fontAlgn="auto" latinLnBrk="0" hangingPunct="1">
+        <a:lnSpc>
+          <a:spcPct val="120000"/>
+        </a:lnSpc>
+        <a:spcBef>
+          <a:spcPts val="0"/>
+        </a:spcBef>
+        <a:spcAft>
+          <a:spcPts val="300"/>
+        </a:spcAft>
+        <a:buFont typeface="Arial" panose="020B0604020202020204" pitchFamily="34" charset="0"/>
+        <a:buChar char="•"/>
+        <a:defRPr sz="1400" u="none" strike="noStrike" kern="1200" cap="none" spc="150" normalizeH="0" baseline="0">
+          <a:solidFill>
+            <a:schemeClr val="tx1">
+              <a:lumMod val="65000"/>
+              <a:lumOff val="35000"/>
+            </a:schemeClr>
+          </a:solidFill>
+          <a:uFillTx/>
+          <a:latin typeface="Arial" panose="020B0604020202020204" pitchFamily="34" charset="0"/>
+          <a:ea typeface="微软雅黑" panose="020B0503020204020204" charset="-122"/>
+          <a:cs typeface="+mn-cs"/>
+        </a:defRPr>
+      </a:lvl5pPr>
+      <a:lvl6pPr marL="2514600" indent="-228600" algn="l" defTabSz="914400" rtl="0" eaLnBrk="1" latinLnBrk="0" hangingPunct="1">
+        <a:lnSpc>
+          <a:spcPct val="90000"/>
+        </a:lnSpc>
+        <a:spcBef>
+          <a:spcPts val="500"/>
+        </a:spcBef>
+        <a:buFont typeface="Arial" panose="020B0604020202020204" pitchFamily="34" charset="0"/>
+        <a:buChar char="•"/>
+        <a:defRPr sz="1800" kern="1200">
+          <a:solidFill>
+            <a:schemeClr val="tx1"/>
+          </a:solidFill>
+          <a:latin typeface="+mn-lt"/>
+          <a:ea typeface="+mn-ea"/>
+          <a:cs typeface="+mn-cs"/>
+        </a:defRPr>
+      </a:lvl6pPr>
+      <a:lvl7pPr marL="2971800" indent="-228600" algn="l" defTabSz="914400" rtl="0" eaLnBrk="1" latinLnBrk="0" hangingPunct="1">
+        <a:lnSpc>
+          <a:spcPct val="90000"/>
+        </a:lnSpc>
+        <a:spcBef>
+          <a:spcPts val="500"/>
+        </a:spcBef>
+        <a:buFont typeface="Arial" panose="020B0604020202020204" pitchFamily="34" charset="0"/>
+        <a:buChar char="•"/>
+        <a:defRPr sz="1800" kern="1200">
+          <a:solidFill>
+            <a:schemeClr val="tx1"/>
+          </a:solidFill>
+          <a:latin typeface="+mn-lt"/>
+          <a:ea typeface="+mn-ea"/>
+          <a:cs typeface="+mn-cs"/>
+        </a:defRPr>
+      </a:lvl7pPr>
+      <a:lvl8pPr marL="3429000" indent="-228600" algn="l" defTabSz="914400" rtl="0" eaLnBrk="1" latinLnBrk="0" hangingPunct="1">
+        <a:lnSpc>
+          <a:spcPct val="90000"/>
+        </a:lnSpc>
+        <a:spcBef>
+          <a:spcPts val="500"/>
+        </a:spcBef>
+        <a:buFont typeface="Arial" panose="020B0604020202020204" pitchFamily="34" charset="0"/>
+        <a:buChar char="•"/>
+        <a:defRPr sz="1800" kern="1200">
+          <a:solidFill>
+            <a:schemeClr val="tx1"/>
+          </a:solidFill>
+          <a:latin typeface="+mn-lt"/>
+          <a:ea typeface="+mn-ea"/>
+          <a:cs typeface="+mn-cs"/>
+        </a:defRPr>
+      </a:lvl8pPr>
+      <a:lvl9pPr marL="3886200" indent="-228600" algn="l" defTabSz="914400" rtl="0" eaLnBrk="1" latinLnBrk="0" hangingPunct="1">
+        <a:lnSpc>
+          <a:spcPct val="90000"/>
+        </a:lnSpc>
+        <a:spcBef>
+          <a:spcPts val="500"/>
+        </a:spcBef>
+        <a:buFont typeface="Arial" panose="020B0604020202020204" pitchFamily="34" charset="0"/>
+        <a:buChar char="•"/>
+        <a:defRPr sz="1800" kern="1200">
+          <a:solidFill>
+            <a:schemeClr val="tx1"/>
+          </a:solidFill>
+          <a:latin typeface="+mn-lt"/>
+          <a:ea typeface="+mn-ea"/>
+          <a:cs typeface="+mn-cs"/>
+        </a:defRPr>
+      </a:lvl9pPr>
+    </p:bodyStyle>
+    <p:otherStyle>
+      <a:defPPr>
+        <a:defRPr lang="zh-CN"/>
+      </a:defPPr>
+      <a:lvl1pPr marL="0" algn="l" defTabSz="914400" rtl="0" eaLnBrk="1" latinLnBrk="0" hangingPunct="1">
+        <a:defRPr sz="1800" kern="1200">
+          <a:solidFill>
+            <a:schemeClr val="tx1"/>
+          </a:solidFill>
+          <a:latin typeface="+mn-lt"/>
+          <a:ea typeface="+mn-ea"/>
+          <a:cs typeface="+mn-cs"/>
+        </a:defRPr>
+      </a:lvl1pPr>
+      <a:lvl2pPr marL="457200" algn="l" defTabSz="914400" rtl="0" eaLnBrk="1" latinLnBrk="0" hangingPunct="1">
+        <a:defRPr sz="1800" kern="1200">
+          <a:solidFill>
+            <a:schemeClr val="tx1"/>
+          </a:solidFill>
+          <a:latin typeface="+mn-lt"/>
+          <a:ea typeface="+mn-ea"/>
+          <a:cs typeface="+mn-cs"/>
+        </a:defRPr>
+      </a:lvl2pPr>
+      <a:lvl3pPr marL="914400" algn="l" defTabSz="914400" rtl="0" eaLnBrk="1" latinLnBrk="0" hangingPunct="1">
+        <a:defRPr sz="1800" kern="1200">
+          <a:solidFill>
+            <a:schemeClr val="tx1"/>
+          </a:solidFill>
+          <a:latin typeface="+mn-lt"/>
+          <a:ea typeface="+mn-ea"/>
+          <a:cs typeface="+mn-cs"/>
+        </a:defRPr>
+      </a:lvl3pPr>
+      <a:lvl4pPr marL="1371600" algn="l" defTabSz="914400" rtl="0" eaLnBrk="1" latinLnBrk="0" hangingPunct="1">
+        <a:defRPr sz="1800" kern="1200">
+          <a:solidFill>
+            <a:schemeClr val="tx1"/>
+          </a:solidFill>
+          <a:latin typeface="+mn-lt"/>
+          <a:ea typeface="+mn-ea"/>
+          <a:cs typeface="+mn-cs"/>
+        </a:defRPr>
+      </a:lvl4pPr>
+      <a:lvl5pPr marL="1828800" algn="l" defTabSz="914400" rtl="0" eaLnBrk="1" latinLnBrk="0" hangingPunct="1">
+        <a:defRPr sz="1800" kern="1200">
+          <a:solidFill>
+            <a:schemeClr val="tx1"/>
+          </a:solidFill>
+          <a:latin typeface="+mn-lt"/>
+          <a:ea typeface="+mn-ea"/>
+          <a:cs typeface="+mn-cs"/>
+        </a:defRPr>
+      </a:lvl5pPr>
+      <a:lvl6pPr marL="2286000" algn="l" defTabSz="914400" rtl="0" eaLnBrk="1" latinLnBrk="0" hangingPunct="1">
+        <a:defRPr sz="1800" kern="1200">
+          <a:solidFill>
+            <a:schemeClr val="tx1"/>
+          </a:solidFill>
+          <a:latin typeface="+mn-lt"/>
+          <a:ea typeface="+mn-ea"/>
+          <a:cs typeface="+mn-cs"/>
+        </a:defRPr>
+      </a:lvl6pPr>
+      <a:lvl7pPr marL="2743200" algn="l" defTabSz="914400" rtl="0" eaLnBrk="1" latinLnBrk="0" hangingPunct="1">
+        <a:defRPr sz="1800" kern="1200">
+          <a:solidFill>
+            <a:schemeClr val="tx1"/>
+          </a:solidFill>
+          <a:latin typeface="+mn-lt"/>
+          <a:ea typeface="+mn-ea"/>
+          <a:cs typeface="+mn-cs"/>
+        </a:defRPr>
+      </a:lvl7pPr>
+      <a:lvl8pPr marL="3200400" algn="l" defTabSz="914400" rtl="0" eaLnBrk="1" latinLnBrk="0" hangingPunct="1">
+        <a:defRPr sz="1800" kern="1200">
+          <a:solidFill>
+            <a:schemeClr val="tx1"/>
+          </a:solidFill>
+          <a:latin typeface="+mn-lt"/>
+          <a:ea typeface="+mn-ea"/>
+          <a:cs typeface="+mn-cs"/>
+        </a:defRPr>
+      </a:lvl8pPr>
+      <a:lvl9pPr marL="3657600" algn="l" defTabSz="914400" rtl="0" eaLnBrk="1" latinLnBrk="0" hangingPunct="1">
+        <a:defRPr sz="1800" kern="1200">
+          <a:solidFill>
+            <a:schemeClr val="tx1"/>
+          </a:solidFill>
+          <a:latin typeface="+mn-lt"/>
+          <a:ea typeface="+mn-ea"/>
+          <a:cs typeface="+mn-cs"/>
+        </a:defRPr>
+      </a:lvl9pPr>
+    </p:otherStyle>
+  </p:txStyles>
+</p:sldMaster>
+</file>
+
 <file path=ppt/slides/slide1.xml><?xml version="1.0" encoding="utf-8"?>
 <p:sld xmlns:a="http://schemas.openxmlformats.org/drawingml/2006/main" xmlns:r="http://schemas.openxmlformats.org/officeDocument/2006/relationships" xmlns:p="http://schemas.openxmlformats.org/presentationml/2006/main">
   <p:cSld>
@@ -3162,6 +7472,943 @@
 </p:sld>
 </file>
 
+<file path=ppt/slides/slide2.xml><?xml version="1.0" encoding="utf-8"?>
+<p:sld xmlns:a="http://schemas.openxmlformats.org/drawingml/2006/main" xmlns:r="http://schemas.openxmlformats.org/officeDocument/2006/relationships" xmlns:p="http://schemas.openxmlformats.org/presentationml/2006/main">
+  <p:cSld>
+    <p:spTree>
+      <p:nvGrpSpPr>
+        <p:cNvPr id="1" name=""/>
+        <p:cNvGrpSpPr/>
+        <p:nvPr/>
+      </p:nvGrpSpPr>
+      <p:grpSpPr>
+        <a:xfrm>
+          <a:off x="0" y="0"/>
+          <a:ext cx="0" cy="0"/>
+          <a:chOff x="0" y="0"/>
+          <a:chExt cx="0" cy="0"/>
+        </a:xfrm>
+      </p:grpSpPr>
+      <p:sp>
+        <p:nvSpPr>
+          <p:cNvPr id="2" name="内容占位符 1"/>
+          <p:cNvSpPr>
+            <a:spLocks noGrp="1"/>
+          </p:cNvSpPr>
+          <p:nvPr>
+            <p:ph idx="1"/>
+            <p:custDataLst>
+              <p:tags r:id="rId1"/>
+            </p:custDataLst>
+          </p:nvPr>
+        </p:nvSpPr>
+        <p:spPr>
+          <a:xfrm>
+            <a:off x="1295400" y="831215"/>
+            <a:ext cx="2666365" cy="4985385"/>
+          </a:xfrm>
+        </p:spPr>
+        <p:txBody>
+          <a:bodyPr>
+            <a:normAutofit/>
+          </a:bodyPr>
+          <a:lstStyle/>
+          <a:p>
+            <a:r>
+              <a:rPr lang="en-US" altLang="zh-CN" dirty="0"/>
+              <a:t>#{ #category[0]}</a:t>
+            </a:r>
+            <a:endParaRPr lang="en-US" altLang="zh-CN" dirty="0"/>
+          </a:p>
+          <a:p>
+            <a:r>
+              <a:rPr lang="en-US" altLang="zh-CN">
+                <a:sym typeface="+mn-ea"/>
+              </a:rPr>
+              <a:t>#{ #category[1]}</a:t>
+            </a:r>
+            <a:endParaRPr lang="en-US" altLang="zh-CN" dirty="0"/>
+          </a:p>
+          <a:p>
+            <a:r>
+              <a:rPr lang="en-US" altLang="zh-CN">
+                <a:sym typeface="+mn-ea"/>
+              </a:rPr>
+              <a:t>#{ #category[2]}</a:t>
+            </a:r>
+            <a:endParaRPr lang="en-US" altLang="zh-CN" dirty="0"/>
+          </a:p>
+          <a:p>
+            <a:r>
+              <a:rPr lang="en-US" altLang="zh-CN">
+                <a:sym typeface="+mn-ea"/>
+              </a:rPr>
+              <a:t>#{ #category[3]}</a:t>
+            </a:r>
+            <a:endParaRPr lang="en-US" altLang="zh-CN" dirty="0"/>
+          </a:p>
+          <a:p>
+            <a:r>
+              <a:rPr lang="en-US" altLang="zh-CN">
+                <a:sym typeface="+mn-ea"/>
+              </a:rPr>
+              <a:t>#{ #category[4]}</a:t>
+            </a:r>
+            <a:endParaRPr lang="en-US" altLang="zh-CN" dirty="0"/>
+          </a:p>
+          <a:p>
+            <a:r>
+              <a:rPr lang="en-US" altLang="zh-CN">
+                <a:sym typeface="+mn-ea"/>
+              </a:rPr>
+              <a:t>#{ #category[5]}</a:t>
+            </a:r>
+            <a:endParaRPr lang="en-US" altLang="zh-CN" dirty="0"/>
+          </a:p>
+          <a:p>
+            <a:r>
+              <a:rPr lang="en-US" altLang="zh-CN">
+                <a:sym typeface="+mn-ea"/>
+              </a:rPr>
+              <a:t>#{ #category[6]}</a:t>
+            </a:r>
+            <a:endParaRPr lang="en-US" altLang="zh-CN" dirty="0"/>
+          </a:p>
+          <a:p>
+            <a:r>
+              <a:rPr lang="en-US" altLang="zh-CN">
+                <a:sym typeface="+mn-ea"/>
+              </a:rPr>
+              <a:t>#{ #category[7]}</a:t>
+            </a:r>
+            <a:endParaRPr lang="en-US" altLang="zh-CN" dirty="0"/>
+          </a:p>
+          <a:p>
+            <a:r>
+              <a:rPr lang="en-US" altLang="zh-CN">
+                <a:sym typeface="+mn-ea"/>
+              </a:rPr>
+              <a:t>#{ #category[8]}</a:t>
+            </a:r>
+            <a:endParaRPr lang="en-US" altLang="zh-CN" dirty="0"/>
+          </a:p>
+          <a:p>
+            <a:r>
+              <a:rPr lang="en-US" altLang="zh-CN">
+                <a:sym typeface="+mn-ea"/>
+              </a:rPr>
+              <a:t>#{ #category[9]}</a:t>
+            </a:r>
+            <a:endParaRPr lang="en-US" altLang="zh-CN" dirty="0"/>
+          </a:p>
+        </p:txBody>
+      </p:sp>
+      <p:sp>
+        <p:nvSpPr>
+          <p:cNvPr id="4" name="内容占位符 1"/>
+          <p:cNvSpPr>
+            <a:spLocks noGrp="1"/>
+          </p:cNvSpPr>
+          <p:nvPr>
+            <p:custDataLst>
+              <p:tags r:id="rId2"/>
+            </p:custDataLst>
+          </p:nvPr>
+        </p:nvSpPr>
+        <p:spPr>
+          <a:xfrm>
+            <a:off x="4363720" y="958215"/>
+            <a:ext cx="2666365" cy="4985385"/>
+          </a:xfrm>
+          <a:prstGeom prst="rect">
+            <a:avLst/>
+          </a:prstGeom>
+        </p:spPr>
+        <p:txBody>
+          <a:bodyPr vert="horz" lIns="90000" tIns="46800" rIns="90000" bIns="46800" rtlCol="0">
+            <a:normAutofit/>
+          </a:bodyPr>
+          <a:lstStyle>
+            <a:lvl1pPr marL="228600" marR="0" lvl="0" indent="-228600" algn="l" defTabSz="914400" rtl="0" eaLnBrk="1" fontAlgn="auto" latinLnBrk="0" hangingPunct="1">
+              <a:lnSpc>
+                <a:spcPct val="130000"/>
+              </a:lnSpc>
+              <a:spcBef>
+                <a:spcPts val="0"/>
+              </a:spcBef>
+              <a:spcAft>
+                <a:spcPts val="1000"/>
+              </a:spcAft>
+              <a:buFont typeface="Arial" panose="020B0604020202020204" pitchFamily="34" charset="0"/>
+              <a:buChar char="●"/>
+              <a:defRPr kumimoji="0" lang="zh-CN" altLang="en-US" sz="1800" b="0" i="0" u="none" strike="noStrike" kern="1200" cap="none" spc="150" normalizeH="0" baseline="0" noProof="1" dirty="0">
+                <a:solidFill>
+                  <a:schemeClr val="tx1">
+                    <a:lumMod val="65000"/>
+                    <a:lumOff val="35000"/>
+                  </a:schemeClr>
+                </a:solidFill>
+                <a:uFillTx/>
+                <a:latin typeface="Arial" panose="020B0604020202020204" pitchFamily="34" charset="0"/>
+                <a:ea typeface="微软雅黑" panose="020B0503020204020204" charset="-122"/>
+                <a:cs typeface="+mn-cs"/>
+                <a:sym typeface="+mn-ea"/>
+              </a:defRPr>
+            </a:lvl1pPr>
+            <a:lvl2pPr marL="685800" marR="0" lvl="1" indent="-228600" algn="l" defTabSz="914400" rtl="0" eaLnBrk="1" fontAlgn="auto" latinLnBrk="0" hangingPunct="1">
+              <a:lnSpc>
+                <a:spcPct val="120000"/>
+              </a:lnSpc>
+              <a:spcBef>
+                <a:spcPts val="0"/>
+              </a:spcBef>
+              <a:spcAft>
+                <a:spcPts val="600"/>
+              </a:spcAft>
+              <a:buFont typeface="Arial" panose="020B0604020202020204" pitchFamily="34" charset="0"/>
+              <a:buChar char="●"/>
+              <a:tabLst>
+                <a:tab pos="1609725" algn="l"/>
+              </a:tabLst>
+              <a:defRPr kumimoji="0" lang="zh-CN" altLang="en-US" sz="1600" b="0" i="0" u="none" strike="noStrike" kern="1200" cap="none" spc="150" normalizeH="0" baseline="0" noProof="1" dirty="0">
+                <a:solidFill>
+                  <a:schemeClr val="tx1">
+                    <a:lumMod val="65000"/>
+                    <a:lumOff val="35000"/>
+                  </a:schemeClr>
+                </a:solidFill>
+                <a:uFillTx/>
+                <a:latin typeface="Arial" panose="020B0604020202020204" pitchFamily="34" charset="0"/>
+                <a:ea typeface="微软雅黑" panose="020B0503020204020204" charset="-122"/>
+                <a:cs typeface="+mn-cs"/>
+                <a:sym typeface="+mn-ea"/>
+              </a:defRPr>
+            </a:lvl2pPr>
+            <a:lvl3pPr marL="1143000" marR="0" lvl="2" indent="-228600" algn="l" defTabSz="914400" rtl="0" eaLnBrk="1" fontAlgn="auto" latinLnBrk="0" hangingPunct="1">
+              <a:lnSpc>
+                <a:spcPct val="120000"/>
+              </a:lnSpc>
+              <a:spcBef>
+                <a:spcPts val="0"/>
+              </a:spcBef>
+              <a:spcAft>
+                <a:spcPts val="600"/>
+              </a:spcAft>
+              <a:buFont typeface="Arial" panose="020B0604020202020204" pitchFamily="34" charset="0"/>
+              <a:buChar char="●"/>
+              <a:defRPr kumimoji="0" lang="zh-CN" altLang="en-US" sz="1600" b="0" i="0" u="none" strike="noStrike" kern="1200" cap="none" spc="150" normalizeH="0" baseline="0" noProof="1" dirty="0">
+                <a:solidFill>
+                  <a:schemeClr val="tx1">
+                    <a:lumMod val="65000"/>
+                    <a:lumOff val="35000"/>
+                  </a:schemeClr>
+                </a:solidFill>
+                <a:uFillTx/>
+                <a:latin typeface="Arial" panose="020B0604020202020204" pitchFamily="34" charset="0"/>
+                <a:ea typeface="微软雅黑" panose="020B0503020204020204" charset="-122"/>
+                <a:cs typeface="+mn-cs"/>
+                <a:sym typeface="+mn-ea"/>
+              </a:defRPr>
+            </a:lvl3pPr>
+            <a:lvl4pPr marL="1600200" marR="0" lvl="3" indent="-228600" algn="l" defTabSz="914400" rtl="0" eaLnBrk="1" fontAlgn="auto" latinLnBrk="0" hangingPunct="1">
+              <a:lnSpc>
+                <a:spcPct val="120000"/>
+              </a:lnSpc>
+              <a:spcBef>
+                <a:spcPts val="0"/>
+              </a:spcBef>
+              <a:spcAft>
+                <a:spcPts val="300"/>
+              </a:spcAft>
+              <a:buFont typeface="Wingdings" panose="05000000000000000000" charset="0"/>
+              <a:buChar char=""/>
+              <a:defRPr kumimoji="0" lang="zh-CN" altLang="en-US" sz="1400" b="0" i="0" u="none" strike="noStrike" kern="1200" cap="none" spc="150" normalizeH="0" baseline="0" noProof="1" dirty="0">
+                <a:solidFill>
+                  <a:schemeClr val="tx1">
+                    <a:lumMod val="65000"/>
+                    <a:lumOff val="35000"/>
+                  </a:schemeClr>
+                </a:solidFill>
+                <a:uFillTx/>
+                <a:latin typeface="Arial" panose="020B0604020202020204" pitchFamily="34" charset="0"/>
+                <a:ea typeface="微软雅黑" panose="020B0503020204020204" charset="-122"/>
+                <a:cs typeface="+mn-cs"/>
+                <a:sym typeface="+mn-ea"/>
+              </a:defRPr>
+            </a:lvl4pPr>
+            <a:lvl5pPr marL="2057400" marR="0" lvl="4" indent="-228600" algn="l" defTabSz="914400" rtl="0" eaLnBrk="1" fontAlgn="auto" latinLnBrk="0" hangingPunct="1">
+              <a:lnSpc>
+                <a:spcPct val="120000"/>
+              </a:lnSpc>
+              <a:spcBef>
+                <a:spcPts val="0"/>
+              </a:spcBef>
+              <a:spcAft>
+                <a:spcPts val="300"/>
+              </a:spcAft>
+              <a:buFont typeface="Arial" panose="020B0604020202020204" pitchFamily="34" charset="0"/>
+              <a:buChar char="•"/>
+              <a:defRPr kumimoji="0" lang="zh-CN" altLang="en-US" sz="1400" b="0" i="0" u="none" strike="noStrike" kern="1200" cap="none" spc="150" normalizeH="0" baseline="0" noProof="1" dirty="0">
+                <a:solidFill>
+                  <a:schemeClr val="tx1">
+                    <a:lumMod val="65000"/>
+                    <a:lumOff val="35000"/>
+                  </a:schemeClr>
+                </a:solidFill>
+                <a:uFillTx/>
+                <a:latin typeface="Arial" panose="020B0604020202020204" pitchFamily="34" charset="0"/>
+                <a:ea typeface="微软雅黑" panose="020B0503020204020204" charset="-122"/>
+                <a:cs typeface="+mn-cs"/>
+                <a:sym typeface="+mn-ea"/>
+              </a:defRPr>
+            </a:lvl5pPr>
+            <a:lvl6pPr marL="2514600" indent="-228600" algn="l" defTabSz="914400" rtl="0" eaLnBrk="1" latinLnBrk="0" hangingPunct="1">
+              <a:lnSpc>
+                <a:spcPct val="90000"/>
+              </a:lnSpc>
+              <a:spcBef>
+                <a:spcPts val="500"/>
+              </a:spcBef>
+              <a:buFont typeface="Arial" panose="020B0604020202020204" pitchFamily="34" charset="0"/>
+              <a:buChar char="•"/>
+              <a:defRPr sz="1800" kern="1200">
+                <a:solidFill>
+                  <a:schemeClr val="tx1"/>
+                </a:solidFill>
+                <a:latin typeface="+mn-lt"/>
+                <a:ea typeface="+mn-ea"/>
+                <a:cs typeface="+mn-cs"/>
+              </a:defRPr>
+            </a:lvl6pPr>
+            <a:lvl7pPr marL="2971800" indent="-228600" algn="l" defTabSz="914400" rtl="0" eaLnBrk="1" latinLnBrk="0" hangingPunct="1">
+              <a:lnSpc>
+                <a:spcPct val="90000"/>
+              </a:lnSpc>
+              <a:spcBef>
+                <a:spcPts val="500"/>
+              </a:spcBef>
+              <a:buFont typeface="Arial" panose="020B0604020202020204" pitchFamily="34" charset="0"/>
+              <a:buChar char="•"/>
+              <a:defRPr sz="1800" kern="1200">
+                <a:solidFill>
+                  <a:schemeClr val="tx1"/>
+                </a:solidFill>
+                <a:latin typeface="+mn-lt"/>
+                <a:ea typeface="+mn-ea"/>
+                <a:cs typeface="+mn-cs"/>
+              </a:defRPr>
+            </a:lvl7pPr>
+            <a:lvl8pPr marL="3429000" indent="-228600" algn="l" defTabSz="914400" rtl="0" eaLnBrk="1" latinLnBrk="0" hangingPunct="1">
+              <a:lnSpc>
+                <a:spcPct val="90000"/>
+              </a:lnSpc>
+              <a:spcBef>
+                <a:spcPts val="500"/>
+              </a:spcBef>
+              <a:buFont typeface="Arial" panose="020B0604020202020204" pitchFamily="34" charset="0"/>
+              <a:buChar char="•"/>
+              <a:defRPr sz="1800" kern="1200">
+                <a:solidFill>
+                  <a:schemeClr val="tx1"/>
+                </a:solidFill>
+                <a:latin typeface="+mn-lt"/>
+                <a:ea typeface="+mn-ea"/>
+                <a:cs typeface="+mn-cs"/>
+              </a:defRPr>
+            </a:lvl8pPr>
+            <a:lvl9pPr marL="3886200" indent="-228600" algn="l" defTabSz="914400" rtl="0" eaLnBrk="1" latinLnBrk="0" hangingPunct="1">
+              <a:lnSpc>
+                <a:spcPct val="90000"/>
+              </a:lnSpc>
+              <a:spcBef>
+                <a:spcPts val="500"/>
+              </a:spcBef>
+              <a:buFont typeface="Arial" panose="020B0604020202020204" pitchFamily="34" charset="0"/>
+              <a:buChar char="•"/>
+              <a:defRPr sz="1800" kern="1200">
+                <a:solidFill>
+                  <a:schemeClr val="tx1"/>
+                </a:solidFill>
+                <a:latin typeface="+mn-lt"/>
+                <a:ea typeface="+mn-ea"/>
+                <a:cs typeface="+mn-cs"/>
+              </a:defRPr>
+            </a:lvl9pPr>
+          </a:lstStyle>
+          <a:p>
+            <a:r>
+              <a:rPr lang="en-US" altLang="zh-CN" dirty="0"/>
+              <a:t>#{ #category[0]}</a:t>
+            </a:r>
+            <a:endParaRPr lang="en-US" altLang="zh-CN" dirty="0"/>
+          </a:p>
+          <a:p>
+            <a:r>
+              <a:rPr lang="en-US" altLang="zh-CN">
+                <a:sym typeface="+mn-ea"/>
+              </a:rPr>
+              <a:t>#{ #category[3]}</a:t>
+            </a:r>
+            <a:endParaRPr lang="en-US" altLang="zh-CN" dirty="0"/>
+          </a:p>
+          <a:p>
+            <a:r>
+              <a:rPr lang="en-US" altLang="zh-CN">
+                <a:sym typeface="+mn-ea"/>
+              </a:rPr>
+              <a:t>#{ #category[6]}</a:t>
+            </a:r>
+            <a:endParaRPr lang="en-US" altLang="zh-CN" dirty="0"/>
+          </a:p>
+          <a:p>
+            <a:r>
+              <a:rPr lang="en-US" altLang="zh-CN">
+                <a:sym typeface="+mn-ea"/>
+              </a:rPr>
+              <a:t>#{ #category[6]}</a:t>
+            </a:r>
+            <a:endParaRPr lang="en-US" altLang="zh-CN" dirty="0"/>
+          </a:p>
+          <a:p>
+            <a:endParaRPr lang="en-US" altLang="zh-CN" dirty="0"/>
+          </a:p>
+        </p:txBody>
+      </p:sp>
+      <p:sp>
+        <p:nvSpPr>
+          <p:cNvPr id="6" name="内容占位符 1"/>
+          <p:cNvSpPr>
+            <a:spLocks noGrp="1"/>
+          </p:cNvSpPr>
+          <p:nvPr>
+            <p:custDataLst>
+              <p:tags r:id="rId3"/>
+            </p:custDataLst>
+          </p:nvPr>
+        </p:nvSpPr>
+        <p:spPr>
+          <a:xfrm>
+            <a:off x="6837680" y="1025525"/>
+            <a:ext cx="2666365" cy="4985385"/>
+          </a:xfrm>
+          <a:prstGeom prst="rect">
+            <a:avLst/>
+          </a:prstGeom>
+        </p:spPr>
+        <p:txBody>
+          <a:bodyPr vert="horz" lIns="90000" tIns="46800" rIns="90000" bIns="46800" rtlCol="0">
+            <a:normAutofit/>
+          </a:bodyPr>
+          <a:lstStyle>
+            <a:lvl1pPr marL="228600" marR="0" lvl="0" indent="-228600" algn="l" defTabSz="914400" rtl="0" eaLnBrk="1" fontAlgn="auto" latinLnBrk="0" hangingPunct="1">
+              <a:lnSpc>
+                <a:spcPct val="130000"/>
+              </a:lnSpc>
+              <a:spcBef>
+                <a:spcPts val="0"/>
+              </a:spcBef>
+              <a:spcAft>
+                <a:spcPts val="1000"/>
+              </a:spcAft>
+              <a:buFont typeface="Arial" panose="020B0604020202020204" pitchFamily="34" charset="0"/>
+              <a:buChar char="●"/>
+              <a:defRPr kumimoji="0" lang="zh-CN" altLang="en-US" sz="1800" b="0" i="0" u="none" strike="noStrike" kern="1200" cap="none" spc="150" normalizeH="0" baseline="0" noProof="1" dirty="0">
+                <a:solidFill>
+                  <a:schemeClr val="tx1">
+                    <a:lumMod val="65000"/>
+                    <a:lumOff val="35000"/>
+                  </a:schemeClr>
+                </a:solidFill>
+                <a:uFillTx/>
+                <a:latin typeface="Arial" panose="020B0604020202020204" pitchFamily="34" charset="0"/>
+                <a:ea typeface="微软雅黑" panose="020B0503020204020204" charset="-122"/>
+                <a:cs typeface="+mn-cs"/>
+                <a:sym typeface="+mn-ea"/>
+              </a:defRPr>
+            </a:lvl1pPr>
+            <a:lvl2pPr marL="685800" marR="0" lvl="1" indent="-228600" algn="l" defTabSz="914400" rtl="0" eaLnBrk="1" fontAlgn="auto" latinLnBrk="0" hangingPunct="1">
+              <a:lnSpc>
+                <a:spcPct val="120000"/>
+              </a:lnSpc>
+              <a:spcBef>
+                <a:spcPts val="0"/>
+              </a:spcBef>
+              <a:spcAft>
+                <a:spcPts val="600"/>
+              </a:spcAft>
+              <a:buFont typeface="Arial" panose="020B0604020202020204" pitchFamily="34" charset="0"/>
+              <a:buChar char="●"/>
+              <a:tabLst>
+                <a:tab pos="1609725" algn="l"/>
+              </a:tabLst>
+              <a:defRPr kumimoji="0" lang="zh-CN" altLang="en-US" sz="1600" b="0" i="0" u="none" strike="noStrike" kern="1200" cap="none" spc="150" normalizeH="0" baseline="0" noProof="1" dirty="0">
+                <a:solidFill>
+                  <a:schemeClr val="tx1">
+                    <a:lumMod val="65000"/>
+                    <a:lumOff val="35000"/>
+                  </a:schemeClr>
+                </a:solidFill>
+                <a:uFillTx/>
+                <a:latin typeface="Arial" panose="020B0604020202020204" pitchFamily="34" charset="0"/>
+                <a:ea typeface="微软雅黑" panose="020B0503020204020204" charset="-122"/>
+                <a:cs typeface="+mn-cs"/>
+                <a:sym typeface="+mn-ea"/>
+              </a:defRPr>
+            </a:lvl2pPr>
+            <a:lvl3pPr marL="1143000" marR="0" lvl="2" indent="-228600" algn="l" defTabSz="914400" rtl="0" eaLnBrk="1" fontAlgn="auto" latinLnBrk="0" hangingPunct="1">
+              <a:lnSpc>
+                <a:spcPct val="120000"/>
+              </a:lnSpc>
+              <a:spcBef>
+                <a:spcPts val="0"/>
+              </a:spcBef>
+              <a:spcAft>
+                <a:spcPts val="600"/>
+              </a:spcAft>
+              <a:buFont typeface="Arial" panose="020B0604020202020204" pitchFamily="34" charset="0"/>
+              <a:buChar char="●"/>
+              <a:defRPr kumimoji="0" lang="zh-CN" altLang="en-US" sz="1600" b="0" i="0" u="none" strike="noStrike" kern="1200" cap="none" spc="150" normalizeH="0" baseline="0" noProof="1" dirty="0">
+                <a:solidFill>
+                  <a:schemeClr val="tx1">
+                    <a:lumMod val="65000"/>
+                    <a:lumOff val="35000"/>
+                  </a:schemeClr>
+                </a:solidFill>
+                <a:uFillTx/>
+                <a:latin typeface="Arial" panose="020B0604020202020204" pitchFamily="34" charset="0"/>
+                <a:ea typeface="微软雅黑" panose="020B0503020204020204" charset="-122"/>
+                <a:cs typeface="+mn-cs"/>
+                <a:sym typeface="+mn-ea"/>
+              </a:defRPr>
+            </a:lvl3pPr>
+            <a:lvl4pPr marL="1600200" marR="0" lvl="3" indent="-228600" algn="l" defTabSz="914400" rtl="0" eaLnBrk="1" fontAlgn="auto" latinLnBrk="0" hangingPunct="1">
+              <a:lnSpc>
+                <a:spcPct val="120000"/>
+              </a:lnSpc>
+              <a:spcBef>
+                <a:spcPts val="0"/>
+              </a:spcBef>
+              <a:spcAft>
+                <a:spcPts val="300"/>
+              </a:spcAft>
+              <a:buFont typeface="Wingdings" panose="05000000000000000000" charset="0"/>
+              <a:buChar char=""/>
+              <a:defRPr kumimoji="0" lang="zh-CN" altLang="en-US" sz="1400" b="0" i="0" u="none" strike="noStrike" kern="1200" cap="none" spc="150" normalizeH="0" baseline="0" noProof="1" dirty="0">
+                <a:solidFill>
+                  <a:schemeClr val="tx1">
+                    <a:lumMod val="65000"/>
+                    <a:lumOff val="35000"/>
+                  </a:schemeClr>
+                </a:solidFill>
+                <a:uFillTx/>
+                <a:latin typeface="Arial" panose="020B0604020202020204" pitchFamily="34" charset="0"/>
+                <a:ea typeface="微软雅黑" panose="020B0503020204020204" charset="-122"/>
+                <a:cs typeface="+mn-cs"/>
+                <a:sym typeface="+mn-ea"/>
+              </a:defRPr>
+            </a:lvl4pPr>
+            <a:lvl5pPr marL="2057400" marR="0" lvl="4" indent="-228600" algn="l" defTabSz="914400" rtl="0" eaLnBrk="1" fontAlgn="auto" latinLnBrk="0" hangingPunct="1">
+              <a:lnSpc>
+                <a:spcPct val="120000"/>
+              </a:lnSpc>
+              <a:spcBef>
+                <a:spcPts val="0"/>
+              </a:spcBef>
+              <a:spcAft>
+                <a:spcPts val="300"/>
+              </a:spcAft>
+              <a:buFont typeface="Arial" panose="020B0604020202020204" pitchFamily="34" charset="0"/>
+              <a:buChar char="•"/>
+              <a:defRPr kumimoji="0" lang="zh-CN" altLang="en-US" sz="1400" b="0" i="0" u="none" strike="noStrike" kern="1200" cap="none" spc="150" normalizeH="0" baseline="0" noProof="1" dirty="0">
+                <a:solidFill>
+                  <a:schemeClr val="tx1">
+                    <a:lumMod val="65000"/>
+                    <a:lumOff val="35000"/>
+                  </a:schemeClr>
+                </a:solidFill>
+                <a:uFillTx/>
+                <a:latin typeface="Arial" panose="020B0604020202020204" pitchFamily="34" charset="0"/>
+                <a:ea typeface="微软雅黑" panose="020B0503020204020204" charset="-122"/>
+                <a:cs typeface="+mn-cs"/>
+                <a:sym typeface="+mn-ea"/>
+              </a:defRPr>
+            </a:lvl5pPr>
+            <a:lvl6pPr marL="2514600" indent="-228600" algn="l" defTabSz="914400" rtl="0" eaLnBrk="1" latinLnBrk="0" hangingPunct="1">
+              <a:lnSpc>
+                <a:spcPct val="90000"/>
+              </a:lnSpc>
+              <a:spcBef>
+                <a:spcPts val="500"/>
+              </a:spcBef>
+              <a:buFont typeface="Arial" panose="020B0604020202020204" pitchFamily="34" charset="0"/>
+              <a:buChar char="•"/>
+              <a:defRPr sz="1800" kern="1200">
+                <a:solidFill>
+                  <a:schemeClr val="tx1"/>
+                </a:solidFill>
+                <a:latin typeface="+mn-lt"/>
+                <a:ea typeface="+mn-ea"/>
+                <a:cs typeface="+mn-cs"/>
+              </a:defRPr>
+            </a:lvl6pPr>
+            <a:lvl7pPr marL="2971800" indent="-228600" algn="l" defTabSz="914400" rtl="0" eaLnBrk="1" latinLnBrk="0" hangingPunct="1">
+              <a:lnSpc>
+                <a:spcPct val="90000"/>
+              </a:lnSpc>
+              <a:spcBef>
+                <a:spcPts val="500"/>
+              </a:spcBef>
+              <a:buFont typeface="Arial" panose="020B0604020202020204" pitchFamily="34" charset="0"/>
+              <a:buChar char="•"/>
+              <a:defRPr sz="1800" kern="1200">
+                <a:solidFill>
+                  <a:schemeClr val="tx1"/>
+                </a:solidFill>
+                <a:latin typeface="+mn-lt"/>
+                <a:ea typeface="+mn-ea"/>
+                <a:cs typeface="+mn-cs"/>
+              </a:defRPr>
+            </a:lvl7pPr>
+            <a:lvl8pPr marL="3429000" indent="-228600" algn="l" defTabSz="914400" rtl="0" eaLnBrk="1" latinLnBrk="0" hangingPunct="1">
+              <a:lnSpc>
+                <a:spcPct val="90000"/>
+              </a:lnSpc>
+              <a:spcBef>
+                <a:spcPts val="500"/>
+              </a:spcBef>
+              <a:buFont typeface="Arial" panose="020B0604020202020204" pitchFamily="34" charset="0"/>
+              <a:buChar char="•"/>
+              <a:defRPr sz="1800" kern="1200">
+                <a:solidFill>
+                  <a:schemeClr val="tx1"/>
+                </a:solidFill>
+                <a:latin typeface="+mn-lt"/>
+                <a:ea typeface="+mn-ea"/>
+                <a:cs typeface="+mn-cs"/>
+              </a:defRPr>
+            </a:lvl8pPr>
+            <a:lvl9pPr marL="3886200" indent="-228600" algn="l" defTabSz="914400" rtl="0" eaLnBrk="1" latinLnBrk="0" hangingPunct="1">
+              <a:lnSpc>
+                <a:spcPct val="90000"/>
+              </a:lnSpc>
+              <a:spcBef>
+                <a:spcPts val="500"/>
+              </a:spcBef>
+              <a:buFont typeface="Arial" panose="020B0604020202020204" pitchFamily="34" charset="0"/>
+              <a:buChar char="•"/>
+              <a:defRPr sz="1800" kern="1200">
+                <a:solidFill>
+                  <a:schemeClr val="tx1"/>
+                </a:solidFill>
+                <a:latin typeface="+mn-lt"/>
+                <a:ea typeface="+mn-ea"/>
+                <a:cs typeface="+mn-cs"/>
+              </a:defRPr>
+            </a:lvl9pPr>
+          </a:lstStyle>
+          <a:p>
+            <a:r>
+              <a:rPr lang="en-US" altLang="zh-CN" dirty="0"/>
+              <a:t>#{ #category[1]}</a:t>
+            </a:r>
+            <a:endParaRPr lang="en-US" altLang="zh-CN" dirty="0"/>
+          </a:p>
+          <a:p>
+            <a:r>
+              <a:rPr lang="en-US" altLang="zh-CN">
+                <a:sym typeface="+mn-ea"/>
+              </a:rPr>
+              <a:t>#{ #category[4]}</a:t>
+            </a:r>
+            <a:endParaRPr lang="en-US" altLang="zh-CN" dirty="0"/>
+          </a:p>
+          <a:p>
+            <a:r>
+              <a:rPr lang="en-US" altLang="zh-CN">
+                <a:sym typeface="+mn-ea"/>
+              </a:rPr>
+              <a:t>#{ #category[7]}</a:t>
+            </a:r>
+            <a:endParaRPr lang="en-US" altLang="zh-CN" dirty="0"/>
+          </a:p>
+          <a:p>
+            <a:endParaRPr lang="en-US" altLang="zh-CN" dirty="0"/>
+          </a:p>
+        </p:txBody>
+      </p:sp>
+      <p:sp>
+        <p:nvSpPr>
+          <p:cNvPr id="7" name="内容占位符 1"/>
+          <p:cNvSpPr>
+            <a:spLocks noGrp="1"/>
+          </p:cNvSpPr>
+          <p:nvPr>
+            <p:custDataLst>
+              <p:tags r:id="rId4"/>
+            </p:custDataLst>
+          </p:nvPr>
+        </p:nvSpPr>
+        <p:spPr>
+          <a:xfrm>
+            <a:off x="9192895" y="1025525"/>
+            <a:ext cx="2666365" cy="4985385"/>
+          </a:xfrm>
+          <a:prstGeom prst="rect">
+            <a:avLst/>
+          </a:prstGeom>
+        </p:spPr>
+        <p:txBody>
+          <a:bodyPr vert="horz" lIns="90000" tIns="46800" rIns="90000" bIns="46800" rtlCol="0">
+            <a:normAutofit/>
+          </a:bodyPr>
+          <a:lstStyle>
+            <a:lvl1pPr marL="228600" marR="0" lvl="0" indent="-228600" algn="l" defTabSz="914400" rtl="0" eaLnBrk="1" fontAlgn="auto" latinLnBrk="0" hangingPunct="1">
+              <a:lnSpc>
+                <a:spcPct val="130000"/>
+              </a:lnSpc>
+              <a:spcBef>
+                <a:spcPts val="0"/>
+              </a:spcBef>
+              <a:spcAft>
+                <a:spcPts val="1000"/>
+              </a:spcAft>
+              <a:buFont typeface="Arial" panose="020B0604020202020204" pitchFamily="34" charset="0"/>
+              <a:buChar char="●"/>
+              <a:defRPr kumimoji="0" lang="zh-CN" altLang="en-US" sz="1800" b="0" i="0" u="none" strike="noStrike" kern="1200" cap="none" spc="150" normalizeH="0" baseline="0" noProof="1" dirty="0">
+                <a:solidFill>
+                  <a:schemeClr val="tx1">
+                    <a:lumMod val="65000"/>
+                    <a:lumOff val="35000"/>
+                  </a:schemeClr>
+                </a:solidFill>
+                <a:uFillTx/>
+                <a:latin typeface="Arial" panose="020B0604020202020204" pitchFamily="34" charset="0"/>
+                <a:ea typeface="微软雅黑" panose="020B0503020204020204" charset="-122"/>
+                <a:cs typeface="+mn-cs"/>
+                <a:sym typeface="+mn-ea"/>
+              </a:defRPr>
+            </a:lvl1pPr>
+            <a:lvl2pPr marL="685800" marR="0" lvl="1" indent="-228600" algn="l" defTabSz="914400" rtl="0" eaLnBrk="1" fontAlgn="auto" latinLnBrk="0" hangingPunct="1">
+              <a:lnSpc>
+                <a:spcPct val="120000"/>
+              </a:lnSpc>
+              <a:spcBef>
+                <a:spcPts val="0"/>
+              </a:spcBef>
+              <a:spcAft>
+                <a:spcPts val="600"/>
+              </a:spcAft>
+              <a:buFont typeface="Arial" panose="020B0604020202020204" pitchFamily="34" charset="0"/>
+              <a:buChar char="●"/>
+              <a:tabLst>
+                <a:tab pos="1609725" algn="l"/>
+              </a:tabLst>
+              <a:defRPr kumimoji="0" lang="zh-CN" altLang="en-US" sz="1600" b="0" i="0" u="none" strike="noStrike" kern="1200" cap="none" spc="150" normalizeH="0" baseline="0" noProof="1" dirty="0">
+                <a:solidFill>
+                  <a:schemeClr val="tx1">
+                    <a:lumMod val="65000"/>
+                    <a:lumOff val="35000"/>
+                  </a:schemeClr>
+                </a:solidFill>
+                <a:uFillTx/>
+                <a:latin typeface="Arial" panose="020B0604020202020204" pitchFamily="34" charset="0"/>
+                <a:ea typeface="微软雅黑" panose="020B0503020204020204" charset="-122"/>
+                <a:cs typeface="+mn-cs"/>
+                <a:sym typeface="+mn-ea"/>
+              </a:defRPr>
+            </a:lvl2pPr>
+            <a:lvl3pPr marL="1143000" marR="0" lvl="2" indent="-228600" algn="l" defTabSz="914400" rtl="0" eaLnBrk="1" fontAlgn="auto" latinLnBrk="0" hangingPunct="1">
+              <a:lnSpc>
+                <a:spcPct val="120000"/>
+              </a:lnSpc>
+              <a:spcBef>
+                <a:spcPts val="0"/>
+              </a:spcBef>
+              <a:spcAft>
+                <a:spcPts val="600"/>
+              </a:spcAft>
+              <a:buFont typeface="Arial" panose="020B0604020202020204" pitchFamily="34" charset="0"/>
+              <a:buChar char="●"/>
+              <a:defRPr kumimoji="0" lang="zh-CN" altLang="en-US" sz="1600" b="0" i="0" u="none" strike="noStrike" kern="1200" cap="none" spc="150" normalizeH="0" baseline="0" noProof="1" dirty="0">
+                <a:solidFill>
+                  <a:schemeClr val="tx1">
+                    <a:lumMod val="65000"/>
+                    <a:lumOff val="35000"/>
+                  </a:schemeClr>
+                </a:solidFill>
+                <a:uFillTx/>
+                <a:latin typeface="Arial" panose="020B0604020202020204" pitchFamily="34" charset="0"/>
+                <a:ea typeface="微软雅黑" panose="020B0503020204020204" charset="-122"/>
+                <a:cs typeface="+mn-cs"/>
+                <a:sym typeface="+mn-ea"/>
+              </a:defRPr>
+            </a:lvl3pPr>
+            <a:lvl4pPr marL="1600200" marR="0" lvl="3" indent="-228600" algn="l" defTabSz="914400" rtl="0" eaLnBrk="1" fontAlgn="auto" latinLnBrk="0" hangingPunct="1">
+              <a:lnSpc>
+                <a:spcPct val="120000"/>
+              </a:lnSpc>
+              <a:spcBef>
+                <a:spcPts val="0"/>
+              </a:spcBef>
+              <a:spcAft>
+                <a:spcPts val="300"/>
+              </a:spcAft>
+              <a:buFont typeface="Wingdings" panose="05000000000000000000" charset="0"/>
+              <a:buChar char=""/>
+              <a:defRPr kumimoji="0" lang="zh-CN" altLang="en-US" sz="1400" b="0" i="0" u="none" strike="noStrike" kern="1200" cap="none" spc="150" normalizeH="0" baseline="0" noProof="1" dirty="0">
+                <a:solidFill>
+                  <a:schemeClr val="tx1">
+                    <a:lumMod val="65000"/>
+                    <a:lumOff val="35000"/>
+                  </a:schemeClr>
+                </a:solidFill>
+                <a:uFillTx/>
+                <a:latin typeface="Arial" panose="020B0604020202020204" pitchFamily="34" charset="0"/>
+                <a:ea typeface="微软雅黑" panose="020B0503020204020204" charset="-122"/>
+                <a:cs typeface="+mn-cs"/>
+                <a:sym typeface="+mn-ea"/>
+              </a:defRPr>
+            </a:lvl4pPr>
+            <a:lvl5pPr marL="2057400" marR="0" lvl="4" indent="-228600" algn="l" defTabSz="914400" rtl="0" eaLnBrk="1" fontAlgn="auto" latinLnBrk="0" hangingPunct="1">
+              <a:lnSpc>
+                <a:spcPct val="120000"/>
+              </a:lnSpc>
+              <a:spcBef>
+                <a:spcPts val="0"/>
+              </a:spcBef>
+              <a:spcAft>
+                <a:spcPts val="300"/>
+              </a:spcAft>
+              <a:buFont typeface="Arial" panose="020B0604020202020204" pitchFamily="34" charset="0"/>
+              <a:buChar char="•"/>
+              <a:defRPr kumimoji="0" lang="zh-CN" altLang="en-US" sz="1400" b="0" i="0" u="none" strike="noStrike" kern="1200" cap="none" spc="150" normalizeH="0" baseline="0" noProof="1" dirty="0">
+                <a:solidFill>
+                  <a:schemeClr val="tx1">
+                    <a:lumMod val="65000"/>
+                    <a:lumOff val="35000"/>
+                  </a:schemeClr>
+                </a:solidFill>
+                <a:uFillTx/>
+                <a:latin typeface="Arial" panose="020B0604020202020204" pitchFamily="34" charset="0"/>
+                <a:ea typeface="微软雅黑" panose="020B0503020204020204" charset="-122"/>
+                <a:cs typeface="+mn-cs"/>
+                <a:sym typeface="+mn-ea"/>
+              </a:defRPr>
+            </a:lvl5pPr>
+            <a:lvl6pPr marL="2514600" indent="-228600" algn="l" defTabSz="914400" rtl="0" eaLnBrk="1" latinLnBrk="0" hangingPunct="1">
+              <a:lnSpc>
+                <a:spcPct val="90000"/>
+              </a:lnSpc>
+              <a:spcBef>
+                <a:spcPts val="500"/>
+              </a:spcBef>
+              <a:buFont typeface="Arial" panose="020B0604020202020204" pitchFamily="34" charset="0"/>
+              <a:buChar char="•"/>
+              <a:defRPr sz="1800" kern="1200">
+                <a:solidFill>
+                  <a:schemeClr val="tx1"/>
+                </a:solidFill>
+                <a:latin typeface="+mn-lt"/>
+                <a:ea typeface="+mn-ea"/>
+                <a:cs typeface="+mn-cs"/>
+              </a:defRPr>
+            </a:lvl6pPr>
+            <a:lvl7pPr marL="2971800" indent="-228600" algn="l" defTabSz="914400" rtl="0" eaLnBrk="1" latinLnBrk="0" hangingPunct="1">
+              <a:lnSpc>
+                <a:spcPct val="90000"/>
+              </a:lnSpc>
+              <a:spcBef>
+                <a:spcPts val="500"/>
+              </a:spcBef>
+              <a:buFont typeface="Arial" panose="020B0604020202020204" pitchFamily="34" charset="0"/>
+              <a:buChar char="•"/>
+              <a:defRPr sz="1800" kern="1200">
+                <a:solidFill>
+                  <a:schemeClr val="tx1"/>
+                </a:solidFill>
+                <a:latin typeface="+mn-lt"/>
+                <a:ea typeface="+mn-ea"/>
+                <a:cs typeface="+mn-cs"/>
+              </a:defRPr>
+            </a:lvl7pPr>
+            <a:lvl8pPr marL="3429000" indent="-228600" algn="l" defTabSz="914400" rtl="0" eaLnBrk="1" latinLnBrk="0" hangingPunct="1">
+              <a:lnSpc>
+                <a:spcPct val="90000"/>
+              </a:lnSpc>
+              <a:spcBef>
+                <a:spcPts val="500"/>
+              </a:spcBef>
+              <a:buFont typeface="Arial" panose="020B0604020202020204" pitchFamily="34" charset="0"/>
+              <a:buChar char="•"/>
+              <a:defRPr sz="1800" kern="1200">
+                <a:solidFill>
+                  <a:schemeClr val="tx1"/>
+                </a:solidFill>
+                <a:latin typeface="+mn-lt"/>
+                <a:ea typeface="+mn-ea"/>
+                <a:cs typeface="+mn-cs"/>
+              </a:defRPr>
+            </a:lvl8pPr>
+            <a:lvl9pPr marL="3886200" indent="-228600" algn="l" defTabSz="914400" rtl="0" eaLnBrk="1" latinLnBrk="0" hangingPunct="1">
+              <a:lnSpc>
+                <a:spcPct val="90000"/>
+              </a:lnSpc>
+              <a:spcBef>
+                <a:spcPts val="500"/>
+              </a:spcBef>
+              <a:buFont typeface="Arial" panose="020B0604020202020204" pitchFamily="34" charset="0"/>
+              <a:buChar char="•"/>
+              <a:defRPr sz="1800" kern="1200">
+                <a:solidFill>
+                  <a:schemeClr val="tx1"/>
+                </a:solidFill>
+                <a:latin typeface="+mn-lt"/>
+                <a:ea typeface="+mn-ea"/>
+                <a:cs typeface="+mn-cs"/>
+              </a:defRPr>
+            </a:lvl9pPr>
+          </a:lstStyle>
+          <a:p>
+            <a:r>
+              <a:rPr lang="en-US" altLang="zh-CN" dirty="0"/>
+              <a:t>#{ #category[2]}</a:t>
+            </a:r>
+            <a:endParaRPr lang="en-US" altLang="zh-CN" dirty="0"/>
+          </a:p>
+          <a:p>
+            <a:r>
+              <a:rPr lang="en-US" altLang="zh-CN">
+                <a:sym typeface="+mn-ea"/>
+              </a:rPr>
+              <a:t>#{ #category[5]}</a:t>
+            </a:r>
+            <a:endParaRPr lang="en-US" altLang="zh-CN" dirty="0"/>
+          </a:p>
+          <a:p>
+            <a:r>
+              <a:rPr lang="en-US" altLang="zh-CN">
+                <a:sym typeface="+mn-ea"/>
+              </a:rPr>
+              <a:t>#{ #category[8]}</a:t>
+            </a:r>
+            <a:endParaRPr lang="en-US" altLang="zh-CN" dirty="0"/>
+          </a:p>
+          <a:p>
+            <a:endParaRPr lang="en-US" altLang="zh-CN" dirty="0"/>
+          </a:p>
+        </p:txBody>
+      </p:sp>
+    </p:spTree>
+    <p:custDataLst>
+      <p:tags r:id="rId5"/>
+    </p:custDataLst>
+  </p:cSld>
+  <p:clrMapOvr>
+    <a:masterClrMapping/>
+  </p:clrMapOvr>
+</p:sld>
+</file>
+
 <file path=ppt/tags/tag1.xml><?xml version="1.0" encoding="utf-8"?>
 <p:tagLst xmlns:p="http://schemas.openxmlformats.org/presentationml/2006/main">
   <p:tag name="KSO_WM_UNIT_HIGHLIGHT" val="0"/>
@@ -3188,6 +8435,136 @@
 </p:tagLst>
 </file>
 
+<file path=ppt/tags/tag100.xml><?xml version="1.0" encoding="utf-8"?>
+<p:tagLst xmlns:p="http://schemas.openxmlformats.org/presentationml/2006/main">
+  <p:tag name="KSO_WM_UNIT_HIGHLIGHT" val="0"/>
+  <p:tag name="KSO_WM_UNIT_COMPATIBLE" val="0"/>
+  <p:tag name="KSO_WM_UNIT_DIAGRAM_ISNUMVISUAL" val="0"/>
+  <p:tag name="KSO_WM_UNIT_DIAGRAM_ISREFERUNIT" val="0"/>
+  <p:tag name="KSO_WM_UNIT_ID" val="_8**"/>
+  <p:tag name="KSO_WM_UNIT_LAYERLEVEL" val="1"/>
+  <p:tag name="KSO_WM_TAG_VERSION" val="1.0"/>
+  <p:tag name="KSO_WM_BEAUTIFY_FLAG" val="#wm#"/>
+</p:tagLst>
+</file>
+
+<file path=ppt/tags/tag101.xml><?xml version="1.0" encoding="utf-8"?>
+<p:tagLst xmlns:p="http://schemas.openxmlformats.org/presentationml/2006/main">
+  <p:tag name="KSO_WM_UNIT_HIGHLIGHT" val="0"/>
+  <p:tag name="KSO_WM_UNIT_COMPATIBLE" val="0"/>
+  <p:tag name="KSO_WM_UNIT_DIAGRAM_ISNUMVISUAL" val="0"/>
+  <p:tag name="KSO_WM_UNIT_DIAGRAM_ISREFERUNIT" val="0"/>
+  <p:tag name="KSO_WM_UNIT_ID" val="_8**"/>
+  <p:tag name="KSO_WM_UNIT_LAYERLEVEL" val="1"/>
+  <p:tag name="KSO_WM_TAG_VERSION" val="1.0"/>
+  <p:tag name="KSO_WM_BEAUTIFY_FLAG" val="#wm#"/>
+</p:tagLst>
+</file>
+
+<file path=ppt/tags/tag102.xml><?xml version="1.0" encoding="utf-8"?>
+<p:tagLst xmlns:p="http://schemas.openxmlformats.org/presentationml/2006/main">
+  <p:tag name="KSO_WM_UNIT_HIGHLIGHT" val="0"/>
+  <p:tag name="KSO_WM_UNIT_COMPATIBLE" val="0"/>
+  <p:tag name="KSO_WM_UNIT_DIAGRAM_ISNUMVISUAL" val="0"/>
+  <p:tag name="KSO_WM_UNIT_DIAGRAM_ISREFERUNIT" val="0"/>
+  <p:tag name="KSO_WM_UNIT_ID" val="_8**"/>
+  <p:tag name="KSO_WM_UNIT_LAYERLEVEL" val="1"/>
+  <p:tag name="KSO_WM_TAG_VERSION" val="1.0"/>
+  <p:tag name="KSO_WM_BEAUTIFY_FLAG" val="#wm#"/>
+</p:tagLst>
+</file>
+
+<file path=ppt/tags/tag103.xml><?xml version="1.0" encoding="utf-8"?>
+<p:tagLst xmlns:p="http://schemas.openxmlformats.org/presentationml/2006/main">
+  <p:tag name="KSO_WM_UNIT_HIGHLIGHT" val="0"/>
+  <p:tag name="KSO_WM_UNIT_COMPATIBLE" val="0"/>
+  <p:tag name="KSO_WM_UNIT_DIAGRAM_ISNUMVISUAL" val="0"/>
+  <p:tag name="KSO_WM_UNIT_DIAGRAM_ISREFERUNIT" val="0"/>
+  <p:tag name="KSO_WM_UNIT_ID" val="_8**"/>
+  <p:tag name="KSO_WM_UNIT_LAYERLEVEL" val="1"/>
+  <p:tag name="KSO_WM_TAG_VERSION" val="1.0"/>
+  <p:tag name="KSO_WM_BEAUTIFY_FLAG" val="#wm#"/>
+</p:tagLst>
+</file>
+
+<file path=ppt/tags/tag104.xml><?xml version="1.0" encoding="utf-8"?>
+<p:tagLst xmlns:p="http://schemas.openxmlformats.org/presentationml/2006/main">
+  <p:tag name="KSO_WM_UNIT_HIGHLIGHT" val="0"/>
+  <p:tag name="KSO_WM_UNIT_COMPATIBLE" val="0"/>
+  <p:tag name="KSO_WM_UNIT_DIAGRAM_ISNUMVISUAL" val="0"/>
+  <p:tag name="KSO_WM_UNIT_DIAGRAM_ISREFERUNIT" val="0"/>
+  <p:tag name="KSO_WM_UNIT_ID" val="_8**"/>
+  <p:tag name="KSO_WM_UNIT_LAYERLEVEL" val="1"/>
+  <p:tag name="KSO_WM_TAG_VERSION" val="1.0"/>
+  <p:tag name="KSO_WM_BEAUTIFY_FLAG" val="#wm#"/>
+</p:tagLst>
+</file>
+
+<file path=ppt/tags/tag105.xml><?xml version="1.0" encoding="utf-8"?>
+<p:tagLst xmlns:p="http://schemas.openxmlformats.org/presentationml/2006/main">
+  <p:tag name="KSO_WM_UNIT_HIGHLIGHT" val="0"/>
+  <p:tag name="KSO_WM_UNIT_COMPATIBLE" val="0"/>
+  <p:tag name="KSO_WM_UNIT_DIAGRAM_ISNUMVISUAL" val="0"/>
+  <p:tag name="KSO_WM_UNIT_DIAGRAM_ISREFERUNIT" val="0"/>
+  <p:tag name="KSO_WM_UNIT_ID" val="_9**"/>
+  <p:tag name="KSO_WM_UNIT_LAYERLEVEL" val="1"/>
+  <p:tag name="KSO_WM_TAG_VERSION" val="1.0"/>
+  <p:tag name="KSO_WM_BEAUTIFY_FLAG" val="#wm#"/>
+</p:tagLst>
+</file>
+
+<file path=ppt/tags/tag106.xml><?xml version="1.0" encoding="utf-8"?>
+<p:tagLst xmlns:p="http://schemas.openxmlformats.org/presentationml/2006/main">
+  <p:tag name="KSO_WM_UNIT_HIGHLIGHT" val="0"/>
+  <p:tag name="KSO_WM_UNIT_COMPATIBLE" val="0"/>
+  <p:tag name="KSO_WM_UNIT_DIAGRAM_ISNUMVISUAL" val="0"/>
+  <p:tag name="KSO_WM_UNIT_DIAGRAM_ISREFERUNIT" val="0"/>
+  <p:tag name="KSO_WM_UNIT_ID" val="_9**"/>
+  <p:tag name="KSO_WM_UNIT_LAYERLEVEL" val="1"/>
+  <p:tag name="KSO_WM_TAG_VERSION" val="1.0"/>
+  <p:tag name="KSO_WM_BEAUTIFY_FLAG" val="#wm#"/>
+</p:tagLst>
+</file>
+
+<file path=ppt/tags/tag107.xml><?xml version="1.0" encoding="utf-8"?>
+<p:tagLst xmlns:p="http://schemas.openxmlformats.org/presentationml/2006/main">
+  <p:tag name="KSO_WM_UNIT_HIGHLIGHT" val="0"/>
+  <p:tag name="KSO_WM_UNIT_COMPATIBLE" val="0"/>
+  <p:tag name="KSO_WM_UNIT_DIAGRAM_ISNUMVISUAL" val="0"/>
+  <p:tag name="KSO_WM_UNIT_DIAGRAM_ISREFERUNIT" val="0"/>
+  <p:tag name="KSO_WM_UNIT_ID" val="_9**"/>
+  <p:tag name="KSO_WM_UNIT_LAYERLEVEL" val="1"/>
+  <p:tag name="KSO_WM_TAG_VERSION" val="1.0"/>
+  <p:tag name="KSO_WM_BEAUTIFY_FLAG" val="#wm#"/>
+</p:tagLst>
+</file>
+
+<file path=ppt/tags/tag108.xml><?xml version="1.0" encoding="utf-8"?>
+<p:tagLst xmlns:p="http://schemas.openxmlformats.org/presentationml/2006/main">
+  <p:tag name="KSO_WM_UNIT_HIGHLIGHT" val="0"/>
+  <p:tag name="KSO_WM_UNIT_COMPATIBLE" val="0"/>
+  <p:tag name="KSO_WM_UNIT_DIAGRAM_ISNUMVISUAL" val="0"/>
+  <p:tag name="KSO_WM_UNIT_DIAGRAM_ISREFERUNIT" val="0"/>
+  <p:tag name="KSO_WM_UNIT_ID" val="_9**"/>
+  <p:tag name="KSO_WM_UNIT_LAYERLEVEL" val="1"/>
+  <p:tag name="KSO_WM_TAG_VERSION" val="1.0"/>
+  <p:tag name="KSO_WM_BEAUTIFY_FLAG" val="#wm#"/>
+</p:tagLst>
+</file>
+
+<file path=ppt/tags/tag109.xml><?xml version="1.0" encoding="utf-8"?>
+<p:tagLst xmlns:p="http://schemas.openxmlformats.org/presentationml/2006/main">
+  <p:tag name="KSO_WM_UNIT_HIGHLIGHT" val="0"/>
+  <p:tag name="KSO_WM_UNIT_COMPATIBLE" val="0"/>
+  <p:tag name="KSO_WM_UNIT_DIAGRAM_ISNUMVISUAL" val="0"/>
+  <p:tag name="KSO_WM_UNIT_DIAGRAM_ISREFERUNIT" val="0"/>
+  <p:tag name="KSO_WM_UNIT_ID" val="_9**"/>
+  <p:tag name="KSO_WM_UNIT_LAYERLEVEL" val="1"/>
+  <p:tag name="KSO_WM_TAG_VERSION" val="1.0"/>
+  <p:tag name="KSO_WM_BEAUTIFY_FLAG" val="#wm#"/>
+</p:tagLst>
+</file>
+
 <file path=ppt/tags/tag11.xml><?xml version="1.0" encoding="utf-8"?>
 <p:tagLst xmlns:p="http://schemas.openxmlformats.org/presentationml/2006/main">
   <p:tag name="KSO_WM_UNIT_HIGHLIGHT" val="0"/>
@@ -3201,514 +8578,7 @@
 </p:tagLst>
 </file>
 
-<file path=ppt/tags/tag12.xml><?xml version="1.0" encoding="utf-8"?>
-<p:tagLst xmlns:p="http://schemas.openxmlformats.org/presentationml/2006/main">
-  <p:tag name="KSO_WM_UNIT_HIGHLIGHT" val="0"/>
-  <p:tag name="KSO_WM_UNIT_COMPATIBLE" val="0"/>
-  <p:tag name="KSO_WM_UNIT_DIAGRAM_ISNUMVISUAL" val="0"/>
-  <p:tag name="KSO_WM_UNIT_DIAGRAM_ISREFERUNIT" val="0"/>
-  <p:tag name="KSO_WM_UNIT_ID" val="_3**"/>
-  <p:tag name="KSO_WM_UNIT_LAYERLEVEL" val="1"/>
-  <p:tag name="KSO_WM_TAG_VERSION" val="1.0"/>
-  <p:tag name="KSO_WM_BEAUTIFY_FLAG" val="#wm#"/>
-</p:tagLst>
-</file>
-
-<file path=ppt/tags/tag13.xml><?xml version="1.0" encoding="utf-8"?>
-<p:tagLst xmlns:p="http://schemas.openxmlformats.org/presentationml/2006/main">
-  <p:tag name="KSO_WM_UNIT_HIGHLIGHT" val="0"/>
-  <p:tag name="KSO_WM_UNIT_COMPATIBLE" val="0"/>
-  <p:tag name="KSO_WM_UNIT_DIAGRAM_ISNUMVISUAL" val="0"/>
-  <p:tag name="KSO_WM_UNIT_DIAGRAM_ISREFERUNIT" val="0"/>
-  <p:tag name="KSO_WM_UNIT_ID" val="_3**"/>
-  <p:tag name="KSO_WM_UNIT_LAYERLEVEL" val="1"/>
-  <p:tag name="KSO_WM_TAG_VERSION" val="1.0"/>
-  <p:tag name="KSO_WM_BEAUTIFY_FLAG" val="#wm#"/>
-</p:tagLst>
-</file>
-
-<file path=ppt/tags/tag14.xml><?xml version="1.0" encoding="utf-8"?>
-<p:tagLst xmlns:p="http://schemas.openxmlformats.org/presentationml/2006/main">
-  <p:tag name="KSO_WM_UNIT_HIGHLIGHT" val="0"/>
-  <p:tag name="KSO_WM_UNIT_COMPATIBLE" val="0"/>
-  <p:tag name="KSO_WM_UNIT_DIAGRAM_ISNUMVISUAL" val="0"/>
-  <p:tag name="KSO_WM_UNIT_DIAGRAM_ISREFERUNIT" val="0"/>
-  <p:tag name="KSO_WM_UNIT_ID" val="_3**"/>
-  <p:tag name="KSO_WM_UNIT_LAYERLEVEL" val="1"/>
-  <p:tag name="KSO_WM_TAG_VERSION" val="1.0"/>
-  <p:tag name="KSO_WM_BEAUTIFY_FLAG" val="#wm#"/>
-</p:tagLst>
-</file>
-
-<file path=ppt/tags/tag15.xml><?xml version="1.0" encoding="utf-8"?>
-<p:tagLst xmlns:p="http://schemas.openxmlformats.org/presentationml/2006/main">
-  <p:tag name="KSO_WM_UNIT_HIGHLIGHT" val="0"/>
-  <p:tag name="KSO_WM_UNIT_COMPATIBLE" val="0"/>
-  <p:tag name="KSO_WM_UNIT_DIAGRAM_ISNUMVISUAL" val="0"/>
-  <p:tag name="KSO_WM_UNIT_DIAGRAM_ISREFERUNIT" val="0"/>
-  <p:tag name="KSO_WM_UNIT_ID" val="_3**"/>
-  <p:tag name="KSO_WM_UNIT_LAYERLEVEL" val="1"/>
-  <p:tag name="KSO_WM_TAG_VERSION" val="1.0"/>
-  <p:tag name="KSO_WM_BEAUTIFY_FLAG" val="#wm#"/>
-</p:tagLst>
-</file>
-
-<file path=ppt/tags/tag16.xml><?xml version="1.0" encoding="utf-8"?>
-<p:tagLst xmlns:p="http://schemas.openxmlformats.org/presentationml/2006/main">
-  <p:tag name="KSO_WM_UNIT_HIGHLIGHT" val="0"/>
-  <p:tag name="KSO_WM_UNIT_COMPATIBLE" val="0"/>
-  <p:tag name="KSO_WM_UNIT_DIAGRAM_ISNUMVISUAL" val="0"/>
-  <p:tag name="KSO_WM_UNIT_DIAGRAM_ISREFERUNIT" val="0"/>
-  <p:tag name="KSO_WM_UNIT_ID" val="_4**"/>
-  <p:tag name="KSO_WM_UNIT_LAYERLEVEL" val="1"/>
-  <p:tag name="KSO_WM_TAG_VERSION" val="1.0"/>
-  <p:tag name="KSO_WM_BEAUTIFY_FLAG" val="#wm#"/>
-</p:tagLst>
-</file>
-
-<file path=ppt/tags/tag17.xml><?xml version="1.0" encoding="utf-8"?>
-<p:tagLst xmlns:p="http://schemas.openxmlformats.org/presentationml/2006/main">
-  <p:tag name="KSO_WM_UNIT_HIGHLIGHT" val="0"/>
-  <p:tag name="KSO_WM_UNIT_COMPATIBLE" val="0"/>
-  <p:tag name="KSO_WM_UNIT_DIAGRAM_ISNUMVISUAL" val="0"/>
-  <p:tag name="KSO_WM_UNIT_DIAGRAM_ISREFERUNIT" val="0"/>
-  <p:tag name="KSO_WM_UNIT_ID" val="_4**"/>
-  <p:tag name="KSO_WM_UNIT_LAYERLEVEL" val="1"/>
-  <p:tag name="KSO_WM_TAG_VERSION" val="1.0"/>
-  <p:tag name="KSO_WM_BEAUTIFY_FLAG" val="#wm#"/>
-</p:tagLst>
-</file>
-
-<file path=ppt/tags/tag18.xml><?xml version="1.0" encoding="utf-8"?>
-<p:tagLst xmlns:p="http://schemas.openxmlformats.org/presentationml/2006/main">
-  <p:tag name="KSO_WM_UNIT_HIGHLIGHT" val="0"/>
-  <p:tag name="KSO_WM_UNIT_COMPATIBLE" val="0"/>
-  <p:tag name="KSO_WM_UNIT_DIAGRAM_ISNUMVISUAL" val="0"/>
-  <p:tag name="KSO_WM_UNIT_DIAGRAM_ISREFERUNIT" val="0"/>
-  <p:tag name="KSO_WM_UNIT_ID" val="_4**"/>
-  <p:tag name="KSO_WM_UNIT_LAYERLEVEL" val="1"/>
-  <p:tag name="KSO_WM_TAG_VERSION" val="1.0"/>
-  <p:tag name="KSO_WM_BEAUTIFY_FLAG" val="#wm#"/>
-</p:tagLst>
-</file>
-
-<file path=ppt/tags/tag19.xml><?xml version="1.0" encoding="utf-8"?>
-<p:tagLst xmlns:p="http://schemas.openxmlformats.org/presentationml/2006/main">
-  <p:tag name="KSO_WM_UNIT_HIGHLIGHT" val="0"/>
-  <p:tag name="KSO_WM_UNIT_COMPATIBLE" val="0"/>
-  <p:tag name="KSO_WM_UNIT_DIAGRAM_ISNUMVISUAL" val="0"/>
-  <p:tag name="KSO_WM_UNIT_DIAGRAM_ISREFERUNIT" val="0"/>
-  <p:tag name="KSO_WM_UNIT_ID" val="_4**"/>
-  <p:tag name="KSO_WM_UNIT_LAYERLEVEL" val="1"/>
-  <p:tag name="KSO_WM_TAG_VERSION" val="1.0"/>
-  <p:tag name="KSO_WM_BEAUTIFY_FLAG" val="#wm#"/>
-</p:tagLst>
-</file>
-
-<file path=ppt/tags/tag2.xml><?xml version="1.0" encoding="utf-8"?>
-<p:tagLst xmlns:p="http://schemas.openxmlformats.org/presentationml/2006/main">
-  <p:tag name="KSO_WM_UNIT_HIGHLIGHT" val="0"/>
-  <p:tag name="KSO_WM_UNIT_COMPATIBLE" val="0"/>
-  <p:tag name="KSO_WM_UNIT_DIAGRAM_ISNUMVISUAL" val="0"/>
-  <p:tag name="KSO_WM_UNIT_DIAGRAM_ISREFERUNIT" val="0"/>
-  <p:tag name="KSO_WM_UNIT_ID" val="_1**"/>
-  <p:tag name="KSO_WM_UNIT_LAYERLEVEL" val="1"/>
-  <p:tag name="KSO_WM_TAG_VERSION" val="1.0"/>
-  <p:tag name="KSO_WM_BEAUTIFY_FLAG" val="#wm#"/>
-</p:tagLst>
-</file>
-
-<file path=ppt/tags/tag20.xml><?xml version="1.0" encoding="utf-8"?>
-<p:tagLst xmlns:p="http://schemas.openxmlformats.org/presentationml/2006/main">
-  <p:tag name="KSO_WM_UNIT_HIGHLIGHT" val="0"/>
-  <p:tag name="KSO_WM_UNIT_COMPATIBLE" val="0"/>
-  <p:tag name="KSO_WM_UNIT_DIAGRAM_ISNUMVISUAL" val="0"/>
-  <p:tag name="KSO_WM_UNIT_DIAGRAM_ISREFERUNIT" val="0"/>
-  <p:tag name="KSO_WM_UNIT_ID" val="_4**"/>
-  <p:tag name="KSO_WM_UNIT_LAYERLEVEL" val="1"/>
-  <p:tag name="KSO_WM_TAG_VERSION" val="1.0"/>
-  <p:tag name="KSO_WM_BEAUTIFY_FLAG" val="#wm#"/>
-</p:tagLst>
-</file>
-
-<file path=ppt/tags/tag21.xml><?xml version="1.0" encoding="utf-8"?>
-<p:tagLst xmlns:p="http://schemas.openxmlformats.org/presentationml/2006/main">
-  <p:tag name="KSO_WM_UNIT_HIGHLIGHT" val="0"/>
-  <p:tag name="KSO_WM_UNIT_COMPATIBLE" val="0"/>
-  <p:tag name="KSO_WM_UNIT_DIAGRAM_ISNUMVISUAL" val="0"/>
-  <p:tag name="KSO_WM_UNIT_DIAGRAM_ISREFERUNIT" val="0"/>
-  <p:tag name="KSO_WM_UNIT_ID" val="_4**"/>
-  <p:tag name="KSO_WM_UNIT_LAYERLEVEL" val="1"/>
-  <p:tag name="KSO_WM_TAG_VERSION" val="1.0"/>
-  <p:tag name="KSO_WM_BEAUTIFY_FLAG" val="#wm#"/>
-</p:tagLst>
-</file>
-
-<file path=ppt/tags/tag22.xml><?xml version="1.0" encoding="utf-8"?>
-<p:tagLst xmlns:p="http://schemas.openxmlformats.org/presentationml/2006/main">
-  <p:tag name="KSO_WM_UNIT_HIGHLIGHT" val="0"/>
-  <p:tag name="KSO_WM_UNIT_COMPATIBLE" val="0"/>
-  <p:tag name="KSO_WM_UNIT_DIAGRAM_ISNUMVISUAL" val="0"/>
-  <p:tag name="KSO_WM_UNIT_DIAGRAM_ISREFERUNIT" val="0"/>
-  <p:tag name="KSO_WM_UNIT_ID" val="_5**"/>
-  <p:tag name="KSO_WM_UNIT_LAYERLEVEL" val="1"/>
-  <p:tag name="KSO_WM_TAG_VERSION" val="1.0"/>
-  <p:tag name="KSO_WM_BEAUTIFY_FLAG" val="#wm#"/>
-</p:tagLst>
-</file>
-
-<file path=ppt/tags/tag23.xml><?xml version="1.0" encoding="utf-8"?>
-<p:tagLst xmlns:p="http://schemas.openxmlformats.org/presentationml/2006/main">
-  <p:tag name="KSO_WM_UNIT_HIGHLIGHT" val="0"/>
-  <p:tag name="KSO_WM_UNIT_COMPATIBLE" val="0"/>
-  <p:tag name="KSO_WM_UNIT_DIAGRAM_ISNUMVISUAL" val="0"/>
-  <p:tag name="KSO_WM_UNIT_DIAGRAM_ISREFERUNIT" val="0"/>
-  <p:tag name="KSO_WM_UNIT_ID" val="_5**"/>
-  <p:tag name="KSO_WM_UNIT_LAYERLEVEL" val="1"/>
-  <p:tag name="KSO_WM_TAG_VERSION" val="1.0"/>
-  <p:tag name="KSO_WM_BEAUTIFY_FLAG" val="#wm#"/>
-</p:tagLst>
-</file>
-
-<file path=ppt/tags/tag24.xml><?xml version="1.0" encoding="utf-8"?>
-<p:tagLst xmlns:p="http://schemas.openxmlformats.org/presentationml/2006/main">
-  <p:tag name="KSO_WM_UNIT_HIGHLIGHT" val="0"/>
-  <p:tag name="KSO_WM_UNIT_COMPATIBLE" val="0"/>
-  <p:tag name="KSO_WM_UNIT_DIAGRAM_ISNUMVISUAL" val="0"/>
-  <p:tag name="KSO_WM_UNIT_DIAGRAM_ISREFERUNIT" val="0"/>
-  <p:tag name="KSO_WM_UNIT_ID" val="_5**"/>
-  <p:tag name="KSO_WM_UNIT_LAYERLEVEL" val="1"/>
-  <p:tag name="KSO_WM_TAG_VERSION" val="1.0"/>
-  <p:tag name="KSO_WM_BEAUTIFY_FLAG" val="#wm#"/>
-</p:tagLst>
-</file>
-
-<file path=ppt/tags/tag25.xml><?xml version="1.0" encoding="utf-8"?>
-<p:tagLst xmlns:p="http://schemas.openxmlformats.org/presentationml/2006/main">
-  <p:tag name="KSO_WM_UNIT_HIGHLIGHT" val="0"/>
-  <p:tag name="KSO_WM_UNIT_COMPATIBLE" val="0"/>
-  <p:tag name="KSO_WM_UNIT_DIAGRAM_ISNUMVISUAL" val="0"/>
-  <p:tag name="KSO_WM_UNIT_DIAGRAM_ISREFERUNIT" val="0"/>
-  <p:tag name="KSO_WM_UNIT_ID" val="_5**"/>
-  <p:tag name="KSO_WM_UNIT_LAYERLEVEL" val="1"/>
-  <p:tag name="KSO_WM_TAG_VERSION" val="1.0"/>
-  <p:tag name="KSO_WM_BEAUTIFY_FLAG" val="#wm#"/>
-</p:tagLst>
-</file>
-
-<file path=ppt/tags/tag26.xml><?xml version="1.0" encoding="utf-8"?>
-<p:tagLst xmlns:p="http://schemas.openxmlformats.org/presentationml/2006/main">
-  <p:tag name="KSO_WM_UNIT_HIGHLIGHT" val="0"/>
-  <p:tag name="KSO_WM_UNIT_COMPATIBLE" val="0"/>
-  <p:tag name="KSO_WM_UNIT_DIAGRAM_ISNUMVISUAL" val="0"/>
-  <p:tag name="KSO_WM_UNIT_DIAGRAM_ISREFERUNIT" val="0"/>
-  <p:tag name="KSO_WM_UNIT_ID" val="_5**"/>
-  <p:tag name="KSO_WM_UNIT_LAYERLEVEL" val="1"/>
-  <p:tag name="KSO_WM_TAG_VERSION" val="1.0"/>
-  <p:tag name="KSO_WM_BEAUTIFY_FLAG" val="#wm#"/>
-</p:tagLst>
-</file>
-
-<file path=ppt/tags/tag27.xml><?xml version="1.0" encoding="utf-8"?>
-<p:tagLst xmlns:p="http://schemas.openxmlformats.org/presentationml/2006/main">
-  <p:tag name="KSO_WM_UNIT_HIGHLIGHT" val="0"/>
-  <p:tag name="KSO_WM_UNIT_COMPATIBLE" val="0"/>
-  <p:tag name="KSO_WM_UNIT_DIAGRAM_ISNUMVISUAL" val="0"/>
-  <p:tag name="KSO_WM_UNIT_DIAGRAM_ISREFERUNIT" val="0"/>
-  <p:tag name="KSO_WM_UNIT_ID" val="_5**"/>
-  <p:tag name="KSO_WM_UNIT_LAYERLEVEL" val="1"/>
-  <p:tag name="KSO_WM_TAG_VERSION" val="1.0"/>
-  <p:tag name="KSO_WM_BEAUTIFY_FLAG" val="#wm#"/>
-</p:tagLst>
-</file>
-
-<file path=ppt/tags/tag28.xml><?xml version="1.0" encoding="utf-8"?>
-<p:tagLst xmlns:p="http://schemas.openxmlformats.org/presentationml/2006/main">
-  <p:tag name="KSO_WM_UNIT_HIGHLIGHT" val="0"/>
-  <p:tag name="KSO_WM_UNIT_COMPATIBLE" val="0"/>
-  <p:tag name="KSO_WM_UNIT_DIAGRAM_ISNUMVISUAL" val="0"/>
-  <p:tag name="KSO_WM_UNIT_DIAGRAM_ISREFERUNIT" val="0"/>
-  <p:tag name="KSO_WM_UNIT_ID" val="_5**"/>
-  <p:tag name="KSO_WM_UNIT_LAYERLEVEL" val="1"/>
-  <p:tag name="KSO_WM_TAG_VERSION" val="1.0"/>
-  <p:tag name="KSO_WM_BEAUTIFY_FLAG" val="#wm#"/>
-</p:tagLst>
-</file>
-
-<file path=ppt/tags/tag29.xml><?xml version="1.0" encoding="utf-8"?>
-<p:tagLst xmlns:p="http://schemas.openxmlformats.org/presentationml/2006/main">
-  <p:tag name="KSO_WM_UNIT_HIGHLIGHT" val="0"/>
-  <p:tag name="KSO_WM_UNIT_COMPATIBLE" val="0"/>
-  <p:tag name="KSO_WM_UNIT_DIAGRAM_ISNUMVISUAL" val="0"/>
-  <p:tag name="KSO_WM_UNIT_DIAGRAM_ISREFERUNIT" val="0"/>
-  <p:tag name="KSO_WM_UNIT_ID" val="_5**"/>
-  <p:tag name="KSO_WM_UNIT_LAYERLEVEL" val="1"/>
-  <p:tag name="KSO_WM_TAG_VERSION" val="1.0"/>
-  <p:tag name="KSO_WM_BEAUTIFY_FLAG" val="#wm#"/>
-</p:tagLst>
-</file>
-
-<file path=ppt/tags/tag3.xml><?xml version="1.0" encoding="utf-8"?>
-<p:tagLst xmlns:p="http://schemas.openxmlformats.org/presentationml/2006/main">
-  <p:tag name="KSO_WM_UNIT_HIGHLIGHT" val="0"/>
-  <p:tag name="KSO_WM_UNIT_COMPATIBLE" val="0"/>
-  <p:tag name="KSO_WM_UNIT_DIAGRAM_ISNUMVISUAL" val="0"/>
-  <p:tag name="KSO_WM_UNIT_DIAGRAM_ISREFERUNIT" val="0"/>
-  <p:tag name="KSO_WM_UNIT_ID" val="_1**"/>
-  <p:tag name="KSO_WM_UNIT_LAYERLEVEL" val="1"/>
-  <p:tag name="KSO_WM_TAG_VERSION" val="1.0"/>
-  <p:tag name="KSO_WM_BEAUTIFY_FLAG" val="#wm#"/>
-</p:tagLst>
-</file>
-
-<file path=ppt/tags/tag30.xml><?xml version="1.0" encoding="utf-8"?>
-<p:tagLst xmlns:p="http://schemas.openxmlformats.org/presentationml/2006/main">
-  <p:tag name="KSO_WM_UNIT_HIGHLIGHT" val="0"/>
-  <p:tag name="KSO_WM_UNIT_COMPATIBLE" val="0"/>
-  <p:tag name="KSO_WM_UNIT_DIAGRAM_ISNUMVISUAL" val="0"/>
-  <p:tag name="KSO_WM_UNIT_DIAGRAM_ISREFERUNIT" val="0"/>
-  <p:tag name="KSO_WM_UNIT_ID" val="_6**"/>
-  <p:tag name="KSO_WM_UNIT_LAYERLEVEL" val="1"/>
-  <p:tag name="KSO_WM_TAG_VERSION" val="1.0"/>
-  <p:tag name="KSO_WM_BEAUTIFY_FLAG" val="#wm#"/>
-</p:tagLst>
-</file>
-
-<file path=ppt/tags/tag31.xml><?xml version="1.0" encoding="utf-8"?>
-<p:tagLst xmlns:p="http://schemas.openxmlformats.org/presentationml/2006/main">
-  <p:tag name="KSO_WM_UNIT_HIGHLIGHT" val="0"/>
-  <p:tag name="KSO_WM_UNIT_COMPATIBLE" val="0"/>
-  <p:tag name="KSO_WM_UNIT_DIAGRAM_ISNUMVISUAL" val="0"/>
-  <p:tag name="KSO_WM_UNIT_DIAGRAM_ISREFERUNIT" val="0"/>
-  <p:tag name="KSO_WM_UNIT_ID" val="_6**"/>
-  <p:tag name="KSO_WM_UNIT_LAYERLEVEL" val="1"/>
-  <p:tag name="KSO_WM_TAG_VERSION" val="1.0"/>
-  <p:tag name="KSO_WM_BEAUTIFY_FLAG" val="#wm#"/>
-</p:tagLst>
-</file>
-
-<file path=ppt/tags/tag32.xml><?xml version="1.0" encoding="utf-8"?>
-<p:tagLst xmlns:p="http://schemas.openxmlformats.org/presentationml/2006/main">
-  <p:tag name="KSO_WM_UNIT_HIGHLIGHT" val="0"/>
-  <p:tag name="KSO_WM_UNIT_COMPATIBLE" val="0"/>
-  <p:tag name="KSO_WM_UNIT_DIAGRAM_ISNUMVISUAL" val="0"/>
-  <p:tag name="KSO_WM_UNIT_DIAGRAM_ISREFERUNIT" val="0"/>
-  <p:tag name="KSO_WM_UNIT_ID" val="_6**"/>
-  <p:tag name="KSO_WM_UNIT_LAYERLEVEL" val="1"/>
-  <p:tag name="KSO_WM_TAG_VERSION" val="1.0"/>
-  <p:tag name="KSO_WM_BEAUTIFY_FLAG" val="#wm#"/>
-</p:tagLst>
-</file>
-
-<file path=ppt/tags/tag33.xml><?xml version="1.0" encoding="utf-8"?>
-<p:tagLst xmlns:p="http://schemas.openxmlformats.org/presentationml/2006/main">
-  <p:tag name="KSO_WM_UNIT_HIGHLIGHT" val="0"/>
-  <p:tag name="KSO_WM_UNIT_COMPATIBLE" val="0"/>
-  <p:tag name="KSO_WM_UNIT_DIAGRAM_ISNUMVISUAL" val="0"/>
-  <p:tag name="KSO_WM_UNIT_DIAGRAM_ISREFERUNIT" val="0"/>
-  <p:tag name="KSO_WM_UNIT_ID" val="_6**"/>
-  <p:tag name="KSO_WM_UNIT_LAYERLEVEL" val="1"/>
-  <p:tag name="KSO_WM_TAG_VERSION" val="1.0"/>
-  <p:tag name="KSO_WM_BEAUTIFY_FLAG" val="#wm#"/>
-</p:tagLst>
-</file>
-
-<file path=ppt/tags/tag34.xml><?xml version="1.0" encoding="utf-8"?>
-<p:tagLst xmlns:p="http://schemas.openxmlformats.org/presentationml/2006/main">
-  <p:tag name="KSO_WM_UNIT_HIGHLIGHT" val="0"/>
-  <p:tag name="KSO_WM_UNIT_COMPATIBLE" val="0"/>
-  <p:tag name="KSO_WM_UNIT_DIAGRAM_ISNUMVISUAL" val="0"/>
-  <p:tag name="KSO_WM_UNIT_DIAGRAM_ISREFERUNIT" val="0"/>
-  <p:tag name="KSO_WM_UNIT_ID" val="_7**"/>
-  <p:tag name="KSO_WM_UNIT_LAYERLEVEL" val="1"/>
-  <p:tag name="KSO_WM_TAG_VERSION" val="1.0"/>
-  <p:tag name="KSO_WM_BEAUTIFY_FLAG" val="#wm#"/>
-</p:tagLst>
-</file>
-
-<file path=ppt/tags/tag35.xml><?xml version="1.0" encoding="utf-8"?>
-<p:tagLst xmlns:p="http://schemas.openxmlformats.org/presentationml/2006/main">
-  <p:tag name="KSO_WM_UNIT_HIGHLIGHT" val="0"/>
-  <p:tag name="KSO_WM_UNIT_COMPATIBLE" val="0"/>
-  <p:tag name="KSO_WM_UNIT_DIAGRAM_ISNUMVISUAL" val="0"/>
-  <p:tag name="KSO_WM_UNIT_DIAGRAM_ISREFERUNIT" val="0"/>
-  <p:tag name="KSO_WM_UNIT_ID" val="_7**"/>
-  <p:tag name="KSO_WM_UNIT_LAYERLEVEL" val="1"/>
-  <p:tag name="KSO_WM_TAG_VERSION" val="1.0"/>
-  <p:tag name="KSO_WM_BEAUTIFY_FLAG" val="#wm#"/>
-</p:tagLst>
-</file>
-
-<file path=ppt/tags/tag36.xml><?xml version="1.0" encoding="utf-8"?>
-<p:tagLst xmlns:p="http://schemas.openxmlformats.org/presentationml/2006/main">
-  <p:tag name="KSO_WM_UNIT_HIGHLIGHT" val="0"/>
-  <p:tag name="KSO_WM_UNIT_COMPATIBLE" val="0"/>
-  <p:tag name="KSO_WM_UNIT_DIAGRAM_ISNUMVISUAL" val="0"/>
-  <p:tag name="KSO_WM_UNIT_DIAGRAM_ISREFERUNIT" val="0"/>
-  <p:tag name="KSO_WM_UNIT_ID" val="_7**"/>
-  <p:tag name="KSO_WM_UNIT_LAYERLEVEL" val="1"/>
-  <p:tag name="KSO_WM_TAG_VERSION" val="1.0"/>
-  <p:tag name="KSO_WM_BEAUTIFY_FLAG" val="#wm#"/>
-</p:tagLst>
-</file>
-
-<file path=ppt/tags/tag37.xml><?xml version="1.0" encoding="utf-8"?>
-<p:tagLst xmlns:p="http://schemas.openxmlformats.org/presentationml/2006/main">
-  <p:tag name="KSO_WM_UNIT_HIGHLIGHT" val="0"/>
-  <p:tag name="KSO_WM_UNIT_COMPATIBLE" val="0"/>
-  <p:tag name="KSO_WM_UNIT_DIAGRAM_ISNUMVISUAL" val="0"/>
-  <p:tag name="KSO_WM_UNIT_DIAGRAM_ISREFERUNIT" val="0"/>
-  <p:tag name="KSO_WM_UNIT_ID" val="_8**"/>
-  <p:tag name="KSO_WM_UNIT_LAYERLEVEL" val="1"/>
-  <p:tag name="KSO_WM_TAG_VERSION" val="1.0"/>
-  <p:tag name="KSO_WM_BEAUTIFY_FLAG" val="#wm#"/>
-</p:tagLst>
-</file>
-
-<file path=ppt/tags/tag38.xml><?xml version="1.0" encoding="utf-8"?>
-<p:tagLst xmlns:p="http://schemas.openxmlformats.org/presentationml/2006/main">
-  <p:tag name="KSO_WM_UNIT_HIGHLIGHT" val="0"/>
-  <p:tag name="KSO_WM_UNIT_COMPATIBLE" val="0"/>
-  <p:tag name="KSO_WM_UNIT_DIAGRAM_ISNUMVISUAL" val="0"/>
-  <p:tag name="KSO_WM_UNIT_DIAGRAM_ISREFERUNIT" val="0"/>
-  <p:tag name="KSO_WM_UNIT_ID" val="_8**"/>
-  <p:tag name="KSO_WM_UNIT_LAYERLEVEL" val="1"/>
-  <p:tag name="KSO_WM_TAG_VERSION" val="1.0"/>
-  <p:tag name="KSO_WM_BEAUTIFY_FLAG" val="#wm#"/>
-</p:tagLst>
-</file>
-
-<file path=ppt/tags/tag39.xml><?xml version="1.0" encoding="utf-8"?>
-<p:tagLst xmlns:p="http://schemas.openxmlformats.org/presentationml/2006/main">
-  <p:tag name="KSO_WM_UNIT_HIGHLIGHT" val="0"/>
-  <p:tag name="KSO_WM_UNIT_COMPATIBLE" val="0"/>
-  <p:tag name="KSO_WM_UNIT_DIAGRAM_ISNUMVISUAL" val="0"/>
-  <p:tag name="KSO_WM_UNIT_DIAGRAM_ISREFERUNIT" val="0"/>
-  <p:tag name="KSO_WM_UNIT_ID" val="_8**"/>
-  <p:tag name="KSO_WM_UNIT_LAYERLEVEL" val="1"/>
-  <p:tag name="KSO_WM_TAG_VERSION" val="1.0"/>
-  <p:tag name="KSO_WM_BEAUTIFY_FLAG" val="#wm#"/>
-</p:tagLst>
-</file>
-
-<file path=ppt/tags/tag4.xml><?xml version="1.0" encoding="utf-8"?>
-<p:tagLst xmlns:p="http://schemas.openxmlformats.org/presentationml/2006/main">
-  <p:tag name="KSO_WM_UNIT_HIGHLIGHT" val="0"/>
-  <p:tag name="KSO_WM_UNIT_COMPATIBLE" val="0"/>
-  <p:tag name="KSO_WM_UNIT_DIAGRAM_ISNUMVISUAL" val="0"/>
-  <p:tag name="KSO_WM_UNIT_DIAGRAM_ISREFERUNIT" val="0"/>
-  <p:tag name="KSO_WM_UNIT_ID" val="_1**"/>
-  <p:tag name="KSO_WM_UNIT_LAYERLEVEL" val="1"/>
-  <p:tag name="KSO_WM_TAG_VERSION" val="1.0"/>
-  <p:tag name="KSO_WM_BEAUTIFY_FLAG" val="#wm#"/>
-</p:tagLst>
-</file>
-
-<file path=ppt/tags/tag40.xml><?xml version="1.0" encoding="utf-8"?>
-<p:tagLst xmlns:p="http://schemas.openxmlformats.org/presentationml/2006/main">
-  <p:tag name="KSO_WM_UNIT_HIGHLIGHT" val="0"/>
-  <p:tag name="KSO_WM_UNIT_COMPATIBLE" val="0"/>
-  <p:tag name="KSO_WM_UNIT_DIAGRAM_ISNUMVISUAL" val="0"/>
-  <p:tag name="KSO_WM_UNIT_DIAGRAM_ISREFERUNIT" val="0"/>
-  <p:tag name="KSO_WM_UNIT_ID" val="_8**"/>
-  <p:tag name="KSO_WM_UNIT_LAYERLEVEL" val="1"/>
-  <p:tag name="KSO_WM_TAG_VERSION" val="1.0"/>
-  <p:tag name="KSO_WM_BEAUTIFY_FLAG" val="#wm#"/>
-</p:tagLst>
-</file>
-
-<file path=ppt/tags/tag41.xml><?xml version="1.0" encoding="utf-8"?>
-<p:tagLst xmlns:p="http://schemas.openxmlformats.org/presentationml/2006/main">
-  <p:tag name="KSO_WM_UNIT_HIGHLIGHT" val="0"/>
-  <p:tag name="KSO_WM_UNIT_COMPATIBLE" val="0"/>
-  <p:tag name="KSO_WM_UNIT_DIAGRAM_ISNUMVISUAL" val="0"/>
-  <p:tag name="KSO_WM_UNIT_DIAGRAM_ISREFERUNIT" val="0"/>
-  <p:tag name="KSO_WM_UNIT_ID" val="_8**"/>
-  <p:tag name="KSO_WM_UNIT_LAYERLEVEL" val="1"/>
-  <p:tag name="KSO_WM_TAG_VERSION" val="1.0"/>
-  <p:tag name="KSO_WM_BEAUTIFY_FLAG" val="#wm#"/>
-</p:tagLst>
-</file>
-
-<file path=ppt/tags/tag42.xml><?xml version="1.0" encoding="utf-8"?>
-<p:tagLst xmlns:p="http://schemas.openxmlformats.org/presentationml/2006/main">
-  <p:tag name="KSO_WM_UNIT_HIGHLIGHT" val="0"/>
-  <p:tag name="KSO_WM_UNIT_COMPATIBLE" val="0"/>
-  <p:tag name="KSO_WM_UNIT_DIAGRAM_ISNUMVISUAL" val="0"/>
-  <p:tag name="KSO_WM_UNIT_DIAGRAM_ISREFERUNIT" val="0"/>
-  <p:tag name="KSO_WM_UNIT_ID" val="_8**"/>
-  <p:tag name="KSO_WM_UNIT_LAYERLEVEL" val="1"/>
-  <p:tag name="KSO_WM_TAG_VERSION" val="1.0"/>
-  <p:tag name="KSO_WM_BEAUTIFY_FLAG" val="#wm#"/>
-</p:tagLst>
-</file>
-
-<file path=ppt/tags/tag43.xml><?xml version="1.0" encoding="utf-8"?>
-<p:tagLst xmlns:p="http://schemas.openxmlformats.org/presentationml/2006/main">
-  <p:tag name="KSO_WM_UNIT_HIGHLIGHT" val="0"/>
-  <p:tag name="KSO_WM_UNIT_COMPATIBLE" val="0"/>
-  <p:tag name="KSO_WM_UNIT_DIAGRAM_ISNUMVISUAL" val="0"/>
-  <p:tag name="KSO_WM_UNIT_DIAGRAM_ISREFERUNIT" val="0"/>
-  <p:tag name="KSO_WM_UNIT_ID" val="_9**"/>
-  <p:tag name="KSO_WM_UNIT_LAYERLEVEL" val="1"/>
-  <p:tag name="KSO_WM_TAG_VERSION" val="1.0"/>
-  <p:tag name="KSO_WM_BEAUTIFY_FLAG" val="#wm#"/>
-</p:tagLst>
-</file>
-
-<file path=ppt/tags/tag44.xml><?xml version="1.0" encoding="utf-8"?>
-<p:tagLst xmlns:p="http://schemas.openxmlformats.org/presentationml/2006/main">
-  <p:tag name="KSO_WM_UNIT_HIGHLIGHT" val="0"/>
-  <p:tag name="KSO_WM_UNIT_COMPATIBLE" val="0"/>
-  <p:tag name="KSO_WM_UNIT_DIAGRAM_ISNUMVISUAL" val="0"/>
-  <p:tag name="KSO_WM_UNIT_DIAGRAM_ISREFERUNIT" val="0"/>
-  <p:tag name="KSO_WM_UNIT_ID" val="_9**"/>
-  <p:tag name="KSO_WM_UNIT_LAYERLEVEL" val="1"/>
-  <p:tag name="KSO_WM_TAG_VERSION" val="1.0"/>
-  <p:tag name="KSO_WM_BEAUTIFY_FLAG" val="#wm#"/>
-</p:tagLst>
-</file>
-
-<file path=ppt/tags/tag45.xml><?xml version="1.0" encoding="utf-8"?>
-<p:tagLst xmlns:p="http://schemas.openxmlformats.org/presentationml/2006/main">
-  <p:tag name="KSO_WM_UNIT_HIGHLIGHT" val="0"/>
-  <p:tag name="KSO_WM_UNIT_COMPATIBLE" val="0"/>
-  <p:tag name="KSO_WM_UNIT_DIAGRAM_ISNUMVISUAL" val="0"/>
-  <p:tag name="KSO_WM_UNIT_DIAGRAM_ISREFERUNIT" val="0"/>
-  <p:tag name="KSO_WM_UNIT_ID" val="_9**"/>
-  <p:tag name="KSO_WM_UNIT_LAYERLEVEL" val="1"/>
-  <p:tag name="KSO_WM_TAG_VERSION" val="1.0"/>
-  <p:tag name="KSO_WM_BEAUTIFY_FLAG" val="#wm#"/>
-</p:tagLst>
-</file>
-
-<file path=ppt/tags/tag46.xml><?xml version="1.0" encoding="utf-8"?>
-<p:tagLst xmlns:p="http://schemas.openxmlformats.org/presentationml/2006/main">
-  <p:tag name="KSO_WM_UNIT_HIGHLIGHT" val="0"/>
-  <p:tag name="KSO_WM_UNIT_COMPATIBLE" val="0"/>
-  <p:tag name="KSO_WM_UNIT_DIAGRAM_ISNUMVISUAL" val="0"/>
-  <p:tag name="KSO_WM_UNIT_DIAGRAM_ISREFERUNIT" val="0"/>
-  <p:tag name="KSO_WM_UNIT_ID" val="_9**"/>
-  <p:tag name="KSO_WM_UNIT_LAYERLEVEL" val="1"/>
-  <p:tag name="KSO_WM_TAG_VERSION" val="1.0"/>
-  <p:tag name="KSO_WM_BEAUTIFY_FLAG" val="#wm#"/>
-</p:tagLst>
-</file>
-
-<file path=ppt/tags/tag47.xml><?xml version="1.0" encoding="utf-8"?>
-<p:tagLst xmlns:p="http://schemas.openxmlformats.org/presentationml/2006/main">
-  <p:tag name="KSO_WM_UNIT_HIGHLIGHT" val="0"/>
-  <p:tag name="KSO_WM_UNIT_COMPATIBLE" val="0"/>
-  <p:tag name="KSO_WM_UNIT_DIAGRAM_ISNUMVISUAL" val="0"/>
-  <p:tag name="KSO_WM_UNIT_DIAGRAM_ISREFERUNIT" val="0"/>
-  <p:tag name="KSO_WM_UNIT_ID" val="_9**"/>
-  <p:tag name="KSO_WM_UNIT_LAYERLEVEL" val="1"/>
-  <p:tag name="KSO_WM_TAG_VERSION" val="1.0"/>
-  <p:tag name="KSO_WM_BEAUTIFY_FLAG" val="#wm#"/>
-</p:tagLst>
-</file>
-
-<file path=ppt/tags/tag48.xml><?xml version="1.0" encoding="utf-8"?>
+<file path=ppt/tags/tag110.xml><?xml version="1.0" encoding="utf-8"?>
 <p:tagLst xmlns:p="http://schemas.openxmlformats.org/presentationml/2006/main">
   <p:tag name="KSO_WM_UNIT_HIGHLIGHT" val="0"/>
   <p:tag name="KSO_WM_UNIT_COMPATIBLE" val="0"/>
@@ -3721,7 +8591,7 @@
 </p:tagLst>
 </file>
 
-<file path=ppt/tags/tag49.xml><?xml version="1.0" encoding="utf-8"?>
+<file path=ppt/tags/tag111.xml><?xml version="1.0" encoding="utf-8"?>
 <p:tagLst xmlns:p="http://schemas.openxmlformats.org/presentationml/2006/main">
   <p:tag name="KSO_WM_UNIT_HIGHLIGHT" val="0"/>
   <p:tag name="KSO_WM_UNIT_COMPATIBLE" val="0"/>
@@ -3734,20 +8604,7 @@
 </p:tagLst>
 </file>
 
-<file path=ppt/tags/tag5.xml><?xml version="1.0" encoding="utf-8"?>
-<p:tagLst xmlns:p="http://schemas.openxmlformats.org/presentationml/2006/main">
-  <p:tag name="KSO_WM_UNIT_HIGHLIGHT" val="0"/>
-  <p:tag name="KSO_WM_UNIT_COMPATIBLE" val="0"/>
-  <p:tag name="KSO_WM_UNIT_DIAGRAM_ISNUMVISUAL" val="0"/>
-  <p:tag name="KSO_WM_UNIT_DIAGRAM_ISREFERUNIT" val="0"/>
-  <p:tag name="KSO_WM_UNIT_ID" val="_1**"/>
-  <p:tag name="KSO_WM_UNIT_LAYERLEVEL" val="1"/>
-  <p:tag name="KSO_WM_TAG_VERSION" val="1.0"/>
-  <p:tag name="KSO_WM_BEAUTIFY_FLAG" val="#wm#"/>
-</p:tagLst>
-</file>
-
-<file path=ppt/tags/tag50.xml><?xml version="1.0" encoding="utf-8"?>
+<file path=ppt/tags/tag112.xml><?xml version="1.0" encoding="utf-8"?>
 <p:tagLst xmlns:p="http://schemas.openxmlformats.org/presentationml/2006/main">
   <p:tag name="KSO_WM_UNIT_HIGHLIGHT" val="0"/>
   <p:tag name="KSO_WM_UNIT_COMPATIBLE" val="0"/>
@@ -3760,7 +8617,7 @@
 </p:tagLst>
 </file>
 
-<file path=ppt/tags/tag51.xml><?xml version="1.0" encoding="utf-8"?>
+<file path=ppt/tags/tag113.xml><?xml version="1.0" encoding="utf-8"?>
 <p:tagLst xmlns:p="http://schemas.openxmlformats.org/presentationml/2006/main">
   <p:tag name="KSO_WM_UNIT_HIGHLIGHT" val="0"/>
   <p:tag name="KSO_WM_UNIT_COMPATIBLE" val="0"/>
@@ -3773,7 +8630,7 @@
 </p:tagLst>
 </file>
 
-<file path=ppt/tags/tag52.xml><?xml version="1.0" encoding="utf-8"?>
+<file path=ppt/tags/tag114.xml><?xml version="1.0" encoding="utf-8"?>
 <p:tagLst xmlns:p="http://schemas.openxmlformats.org/presentationml/2006/main">
   <p:tag name="KSO_WM_UNIT_HIGHLIGHT" val="0"/>
   <p:tag name="KSO_WM_UNIT_COMPATIBLE" val="0"/>
@@ -3786,7 +8643,7 @@
 </p:tagLst>
 </file>
 
-<file path=ppt/tags/tag53.xml><?xml version="1.0" encoding="utf-8"?>
+<file path=ppt/tags/tag115.xml><?xml version="1.0" encoding="utf-8"?>
 <p:tagLst xmlns:p="http://schemas.openxmlformats.org/presentationml/2006/main">
   <p:tag name="KSO_WM_UNIT_HIGHLIGHT" val="0"/>
   <p:tag name="KSO_WM_UNIT_COMPATIBLE" val="0"/>
@@ -3799,7 +8656,7 @@
 </p:tagLst>
 </file>
 
-<file path=ppt/tags/tag54.xml><?xml version="1.0" encoding="utf-8"?>
+<file path=ppt/tags/tag116.xml><?xml version="1.0" encoding="utf-8"?>
 <p:tagLst xmlns:p="http://schemas.openxmlformats.org/presentationml/2006/main">
   <p:tag name="KSO_WM_UNIT_HIGHLIGHT" val="0"/>
   <p:tag name="KSO_WM_UNIT_COMPATIBLE" val="0"/>
@@ -3812,7 +8669,7 @@
 </p:tagLst>
 </file>
 
-<file path=ppt/tags/tag55.xml><?xml version="1.0" encoding="utf-8"?>
+<file path=ppt/tags/tag117.xml><?xml version="1.0" encoding="utf-8"?>
 <p:tagLst xmlns:p="http://schemas.openxmlformats.org/presentationml/2006/main">
   <p:tag name="KSO_WM_UNIT_HIGHLIGHT" val="0"/>
   <p:tag name="KSO_WM_UNIT_COMPATIBLE" val="0"/>
@@ -3825,7 +8682,7 @@
 </p:tagLst>
 </file>
 
-<file path=ppt/tags/tag56.xml><?xml version="1.0" encoding="utf-8"?>
+<file path=ppt/tags/tag118.xml><?xml version="1.0" encoding="utf-8"?>
 <p:tagLst xmlns:p="http://schemas.openxmlformats.org/presentationml/2006/main">
   <p:tag name="KSO_WM_UNIT_HIGHLIGHT" val="0"/>
   <p:tag name="KSO_WM_UNIT_COMPATIBLE" val="0"/>
@@ -3838,7 +8695,7 @@
 </p:tagLst>
 </file>
 
-<file path=ppt/tags/tag57.xml><?xml version="1.0" encoding="utf-8"?>
+<file path=ppt/tags/tag119.xml><?xml version="1.0" encoding="utf-8"?>
 <p:tagLst xmlns:p="http://schemas.openxmlformats.org/presentationml/2006/main">
   <p:tag name="KSO_WM_UNIT_HIGHLIGHT" val="0"/>
   <p:tag name="KSO_WM_UNIT_COMPATIBLE" val="0"/>
@@ -3853,7 +8710,20 @@
 </p:tagLst>
 </file>
 
-<file path=ppt/tags/tag58.xml><?xml version="1.0" encoding="utf-8"?>
+<file path=ppt/tags/tag12.xml><?xml version="1.0" encoding="utf-8"?>
+<p:tagLst xmlns:p="http://schemas.openxmlformats.org/presentationml/2006/main">
+  <p:tag name="KSO_WM_UNIT_HIGHLIGHT" val="0"/>
+  <p:tag name="KSO_WM_UNIT_COMPATIBLE" val="0"/>
+  <p:tag name="KSO_WM_UNIT_DIAGRAM_ISNUMVISUAL" val="0"/>
+  <p:tag name="KSO_WM_UNIT_DIAGRAM_ISREFERUNIT" val="0"/>
+  <p:tag name="KSO_WM_UNIT_ID" val="_3**"/>
+  <p:tag name="KSO_WM_UNIT_LAYERLEVEL" val="1"/>
+  <p:tag name="KSO_WM_TAG_VERSION" val="1.0"/>
+  <p:tag name="KSO_WM_BEAUTIFY_FLAG" val="#wm#"/>
+</p:tagLst>
+</file>
+
+<file path=ppt/tags/tag120.xml><?xml version="1.0" encoding="utf-8"?>
 <p:tagLst xmlns:p="http://schemas.openxmlformats.org/presentationml/2006/main">
   <p:tag name="KSO_WM_UNIT_HIGHLIGHT" val="0"/>
   <p:tag name="KSO_WM_UNIT_COMPATIBLE" val="0"/>
@@ -3868,7 +8738,7 @@
 </p:tagLst>
 </file>
 
-<file path=ppt/tags/tag59.xml><?xml version="1.0" encoding="utf-8"?>
+<file path=ppt/tags/tag121.xml><?xml version="1.0" encoding="utf-8"?>
 <p:tagLst xmlns:p="http://schemas.openxmlformats.org/presentationml/2006/main">
   <p:tag name="KSO_WM_UNIT_HIGHLIGHT" val="0"/>
   <p:tag name="KSO_WM_UNIT_COMPATIBLE" val="0"/>
@@ -3881,20 +8751,7 @@
 </p:tagLst>
 </file>
 
-<file path=ppt/tags/tag6.xml><?xml version="1.0" encoding="utf-8"?>
-<p:tagLst xmlns:p="http://schemas.openxmlformats.org/presentationml/2006/main">
-  <p:tag name="KSO_WM_UNIT_HIGHLIGHT" val="0"/>
-  <p:tag name="KSO_WM_UNIT_COMPATIBLE" val="0"/>
-  <p:tag name="KSO_WM_UNIT_DIAGRAM_ISNUMVISUAL" val="0"/>
-  <p:tag name="KSO_WM_UNIT_DIAGRAM_ISREFERUNIT" val="0"/>
-  <p:tag name="KSO_WM_UNIT_ID" val="_2**"/>
-  <p:tag name="KSO_WM_UNIT_LAYERLEVEL" val="1"/>
-  <p:tag name="KSO_WM_TAG_VERSION" val="1.0"/>
-  <p:tag name="KSO_WM_BEAUTIFY_FLAG" val="#wm#"/>
-</p:tagLst>
-</file>
-
-<file path=ppt/tags/tag60.xml><?xml version="1.0" encoding="utf-8"?>
+<file path=ppt/tags/tag122.xml><?xml version="1.0" encoding="utf-8"?>
 <p:tagLst xmlns:p="http://schemas.openxmlformats.org/presentationml/2006/main">
   <p:tag name="KSO_WM_UNIT_HIGHLIGHT" val="0"/>
   <p:tag name="KSO_WM_UNIT_COMPATIBLE" val="0"/>
@@ -3907,7 +8764,7 @@
 </p:tagLst>
 </file>
 
-<file path=ppt/tags/tag61.xml><?xml version="1.0" encoding="utf-8"?>
+<file path=ppt/tags/tag123.xml><?xml version="1.0" encoding="utf-8"?>
 <p:tagLst xmlns:p="http://schemas.openxmlformats.org/presentationml/2006/main">
   <p:tag name="KSO_WM_UNIT_HIGHLIGHT" val="0"/>
   <p:tag name="KSO_WM_UNIT_COMPATIBLE" val="0"/>
@@ -3920,7 +8777,7 @@
 </p:tagLst>
 </file>
 
-<file path=ppt/tags/tag62.xml><?xml version="1.0" encoding="utf-8"?>
+<file path=ppt/tags/tag124.xml><?xml version="1.0" encoding="utf-8"?>
 <p:tagLst xmlns:p="http://schemas.openxmlformats.org/presentationml/2006/main">
   <p:tag name="KSO_WM_TEMPLATE_THUMBS_INDEX" val="1、4、7、12、13、14、15、16、17、18、20、24、25、28、33、36、40、43、44"/>
   <p:tag name="KSO_WM_TEMPLATE_SUBCATEGORY" val="19"/>
@@ -3934,7 +8791,7 @@
 </p:tagLst>
 </file>
 
-<file path=ppt/tags/tag63.xml><?xml version="1.0" encoding="utf-8"?>
+<file path=ppt/tags/tag125.xml><?xml version="1.0" encoding="utf-8"?>
 <p:tagLst xmlns:p="http://schemas.openxmlformats.org/presentationml/2006/main">
   <p:tag name="KSO_WM_UNIT_ISCONTENTSTITLE" val="0"/>
   <p:tag name="KSO_WM_UNIT_ISNUMDGMTITLE" val="0"/>
@@ -3957,7 +8814,7 @@
 </p:tagLst>
 </file>
 
-<file path=ppt/tags/tag64.xml><?xml version="1.0" encoding="utf-8"?>
+<file path=ppt/tags/tag126.xml><?xml version="1.0" encoding="utf-8"?>
 <p:tagLst xmlns:p="http://schemas.openxmlformats.org/presentationml/2006/main">
   <p:tag name="KSO_WM_UNIT_ISCONTENTSTITLE" val="0"/>
   <p:tag name="KSO_WM_UNIT_ISNUMDGMTITLE" val="0"/>
@@ -3980,7 +8837,7 @@
 </p:tagLst>
 </file>
 
-<file path=ppt/tags/tag65.xml><?xml version="1.0" encoding="utf-8"?>
+<file path=ppt/tags/tag127.xml><?xml version="1.0" encoding="utf-8"?>
 <p:tagLst xmlns:p="http://schemas.openxmlformats.org/presentationml/2006/main">
   <p:tag name="KSO_WM_SLIDE_ID" val="custom20205176_1"/>
   <p:tag name="KSO_WM_TEMPLATE_SUBCATEGORY" val="19"/>
@@ -4001,9 +8858,927 @@
 </p:tagLst>
 </file>
 
+<file path=ppt/tags/tag128.xml><?xml version="1.0" encoding="utf-8"?>
+<p:tagLst xmlns:p="http://schemas.openxmlformats.org/presentationml/2006/main">
+  <p:tag name="KSO_WM_UNIT_PRESET_TEXT" val="单击此处添加正文"/>
+  <p:tag name="KSO_WM_UNIT_NOCLEAR" val="0"/>
+  <p:tag name="KSO_WM_UNIT_SHOW_EDIT_AREA_INDICATION" val="1"/>
+  <p:tag name="KSO_WM_UNIT_VALUE" val="689"/>
+  <p:tag name="KSO_WM_UNIT_HIGHLIGHT" val="0"/>
+  <p:tag name="KSO_WM_UNIT_COMPATIBLE" val="0"/>
+  <p:tag name="KSO_WM_UNIT_DIAGRAM_ISNUMVISUAL" val="0"/>
+  <p:tag name="KSO_WM_UNIT_DIAGRAM_ISREFERUNIT" val="0"/>
+  <p:tag name="KSO_WM_UNIT_TYPE" val="f"/>
+  <p:tag name="KSO_WM_UNIT_INDEX" val="1"/>
+  <p:tag name="KSO_WM_UNIT_ID" val="custom20205176_13*f*1"/>
+  <p:tag name="KSO_WM_TEMPLATE_CATEGORY" val="custom"/>
+  <p:tag name="KSO_WM_TEMPLATE_INDEX" val="20205176"/>
+  <p:tag name="KSO_WM_UNIT_LAYERLEVEL" val="1"/>
+  <p:tag name="KSO_WM_TAG_VERSION" val="1.0"/>
+  <p:tag name="KSO_WM_BEAUTIFY_FLAG" val="#wm#"/>
+</p:tagLst>
+</file>
+
+<file path=ppt/tags/tag129.xml><?xml version="1.0" encoding="utf-8"?>
+<p:tagLst xmlns:p="http://schemas.openxmlformats.org/presentationml/2006/main">
+  <p:tag name="KSO_WM_UNIT_PRESET_TEXT" val="单击此处添加正文"/>
+  <p:tag name="KSO_WM_UNIT_NOCLEAR" val="0"/>
+  <p:tag name="KSO_WM_UNIT_SHOW_EDIT_AREA_INDICATION" val="1"/>
+  <p:tag name="KSO_WM_UNIT_VALUE" val="689"/>
+  <p:tag name="KSO_WM_UNIT_HIGHLIGHT" val="0"/>
+  <p:tag name="KSO_WM_UNIT_COMPATIBLE" val="0"/>
+  <p:tag name="KSO_WM_UNIT_DIAGRAM_ISNUMVISUAL" val="0"/>
+  <p:tag name="KSO_WM_UNIT_DIAGRAM_ISREFERUNIT" val="0"/>
+  <p:tag name="KSO_WM_UNIT_TYPE" val="f"/>
+  <p:tag name="KSO_WM_UNIT_INDEX" val="1"/>
+  <p:tag name="KSO_WM_UNIT_ID" val="custom20205176_13*f*1"/>
+  <p:tag name="KSO_WM_TEMPLATE_CATEGORY" val="custom"/>
+  <p:tag name="KSO_WM_TEMPLATE_INDEX" val="20205176"/>
+  <p:tag name="KSO_WM_UNIT_LAYERLEVEL" val="1"/>
+  <p:tag name="KSO_WM_TAG_VERSION" val="1.0"/>
+  <p:tag name="KSO_WM_BEAUTIFY_FLAG" val=""/>
+</p:tagLst>
+</file>
+
+<file path=ppt/tags/tag13.xml><?xml version="1.0" encoding="utf-8"?>
+<p:tagLst xmlns:p="http://schemas.openxmlformats.org/presentationml/2006/main">
+  <p:tag name="KSO_WM_UNIT_HIGHLIGHT" val="0"/>
+  <p:tag name="KSO_WM_UNIT_COMPATIBLE" val="0"/>
+  <p:tag name="KSO_WM_UNIT_DIAGRAM_ISNUMVISUAL" val="0"/>
+  <p:tag name="KSO_WM_UNIT_DIAGRAM_ISREFERUNIT" val="0"/>
+  <p:tag name="KSO_WM_UNIT_ID" val="_3**"/>
+  <p:tag name="KSO_WM_UNIT_LAYERLEVEL" val="1"/>
+  <p:tag name="KSO_WM_TAG_VERSION" val="1.0"/>
+  <p:tag name="KSO_WM_BEAUTIFY_FLAG" val="#wm#"/>
+</p:tagLst>
+</file>
+
+<file path=ppt/tags/tag130.xml><?xml version="1.0" encoding="utf-8"?>
+<p:tagLst xmlns:p="http://schemas.openxmlformats.org/presentationml/2006/main">
+  <p:tag name="KSO_WM_UNIT_PRESET_TEXT" val="单击此处添加正文"/>
+  <p:tag name="KSO_WM_UNIT_NOCLEAR" val="0"/>
+  <p:tag name="KSO_WM_UNIT_SHOW_EDIT_AREA_INDICATION" val="1"/>
+  <p:tag name="KSO_WM_UNIT_VALUE" val="689"/>
+  <p:tag name="KSO_WM_UNIT_HIGHLIGHT" val="0"/>
+  <p:tag name="KSO_WM_UNIT_COMPATIBLE" val="0"/>
+  <p:tag name="KSO_WM_UNIT_DIAGRAM_ISNUMVISUAL" val="0"/>
+  <p:tag name="KSO_WM_UNIT_DIAGRAM_ISREFERUNIT" val="0"/>
+  <p:tag name="KSO_WM_UNIT_TYPE" val="f"/>
+  <p:tag name="KSO_WM_UNIT_INDEX" val="1"/>
+  <p:tag name="KSO_WM_UNIT_ID" val="custom20205176_13*f*1"/>
+  <p:tag name="KSO_WM_TEMPLATE_CATEGORY" val="custom"/>
+  <p:tag name="KSO_WM_TEMPLATE_INDEX" val="20205176"/>
+  <p:tag name="KSO_WM_UNIT_LAYERLEVEL" val="1"/>
+  <p:tag name="KSO_WM_TAG_VERSION" val="1.0"/>
+  <p:tag name="KSO_WM_BEAUTIFY_FLAG" val=""/>
+</p:tagLst>
+</file>
+
+<file path=ppt/tags/tag131.xml><?xml version="1.0" encoding="utf-8"?>
+<p:tagLst xmlns:p="http://schemas.openxmlformats.org/presentationml/2006/main">
+  <p:tag name="KSO_WM_UNIT_PRESET_TEXT" val="单击此处添加正文"/>
+  <p:tag name="KSO_WM_UNIT_NOCLEAR" val="0"/>
+  <p:tag name="KSO_WM_UNIT_SHOW_EDIT_AREA_INDICATION" val="1"/>
+  <p:tag name="KSO_WM_UNIT_VALUE" val="689"/>
+  <p:tag name="KSO_WM_UNIT_HIGHLIGHT" val="0"/>
+  <p:tag name="KSO_WM_UNIT_COMPATIBLE" val="0"/>
+  <p:tag name="KSO_WM_UNIT_DIAGRAM_ISNUMVISUAL" val="0"/>
+  <p:tag name="KSO_WM_UNIT_DIAGRAM_ISREFERUNIT" val="0"/>
+  <p:tag name="KSO_WM_UNIT_TYPE" val="f"/>
+  <p:tag name="KSO_WM_UNIT_INDEX" val="1"/>
+  <p:tag name="KSO_WM_UNIT_ID" val="custom20205176_13*f*1"/>
+  <p:tag name="KSO_WM_TEMPLATE_CATEGORY" val="custom"/>
+  <p:tag name="KSO_WM_TEMPLATE_INDEX" val="20205176"/>
+  <p:tag name="KSO_WM_UNIT_LAYERLEVEL" val="1"/>
+  <p:tag name="KSO_WM_TAG_VERSION" val="1.0"/>
+  <p:tag name="KSO_WM_BEAUTIFY_FLAG" val=""/>
+</p:tagLst>
+</file>
+
+<file path=ppt/tags/tag132.xml><?xml version="1.0" encoding="utf-8"?>
+<p:tagLst xmlns:p="http://schemas.openxmlformats.org/presentationml/2006/main">
+  <p:tag name="KSO_WM_BEAUTIFY_FLAG" val="#wm#"/>
+  <p:tag name="KSO_WM_TEMPLATE_CATEGORY" val="custom"/>
+  <p:tag name="KSO_WM_TEMPLATE_INDEX" val="20205176"/>
+  <p:tag name="KSO_WM_SLIDE_ID" val="custom20205176_13"/>
+  <p:tag name="KSO_WM_TEMPLATE_SUBCATEGORY" val="19"/>
+  <p:tag name="KSO_WM_TEMPLATE_MASTER_TYPE" val="0"/>
+  <p:tag name="KSO_WM_TEMPLATE_COLOR_TYPE" val="1"/>
+  <p:tag name="KSO_WM_SLIDE_ITEM_CNT" val="0"/>
+  <p:tag name="KSO_WM_SLIDE_INDEX" val="13"/>
+  <p:tag name="KSO_WM_TAG_VERSION" val="1.0"/>
+  <p:tag name="KSO_WM_SLIDE_TYPE" val="text"/>
+  <p:tag name="KSO_WM_SLIDE_SUBTYPE" val="pureTxt"/>
+  <p:tag name="KSO_WM_SLIDE_SIZE" val="863*444"/>
+  <p:tag name="KSO_WM_SLIDE_POSITION" val="47*47"/>
+  <p:tag name="KSO_WM_SLIDE_LAYOUT" val="a_f"/>
+  <p:tag name="KSO_WM_SLIDE_LAYOUT_CNT" val="1_1"/>
+  <p:tag name="KSO_WM_UNIT_SHOW_EDIT_AREA_INDICATION" val="1"/>
+</p:tagLst>
+</file>
+
+<file path=ppt/tags/tag133.xml><?xml version="1.0" encoding="utf-8"?>
+<p:tagLst xmlns:p="http://schemas.openxmlformats.org/presentationml/2006/main">
+  <p:tag name="COMMONDATA" val="eyJoZGlkIjoiMTU3NzlmYjI5NWRkMWM4ZWEyMTg2ZjIzNmE0ODAwZjMifQ=="/>
+  <p:tag name="KSO_WPP_MARK_KEY" val="67aee335-8b63-4141-8b8a-c996f71516fe"/>
+</p:tagLst>
+</file>
+
+<file path=ppt/tags/tag14.xml><?xml version="1.0" encoding="utf-8"?>
+<p:tagLst xmlns:p="http://schemas.openxmlformats.org/presentationml/2006/main">
+  <p:tag name="KSO_WM_UNIT_HIGHLIGHT" val="0"/>
+  <p:tag name="KSO_WM_UNIT_COMPATIBLE" val="0"/>
+  <p:tag name="KSO_WM_UNIT_DIAGRAM_ISNUMVISUAL" val="0"/>
+  <p:tag name="KSO_WM_UNIT_DIAGRAM_ISREFERUNIT" val="0"/>
+  <p:tag name="KSO_WM_UNIT_ID" val="_3**"/>
+  <p:tag name="KSO_WM_UNIT_LAYERLEVEL" val="1"/>
+  <p:tag name="KSO_WM_TAG_VERSION" val="1.0"/>
+  <p:tag name="KSO_WM_BEAUTIFY_FLAG" val="#wm#"/>
+</p:tagLst>
+</file>
+
+<file path=ppt/tags/tag15.xml><?xml version="1.0" encoding="utf-8"?>
+<p:tagLst xmlns:p="http://schemas.openxmlformats.org/presentationml/2006/main">
+  <p:tag name="KSO_WM_UNIT_HIGHLIGHT" val="0"/>
+  <p:tag name="KSO_WM_UNIT_COMPATIBLE" val="0"/>
+  <p:tag name="KSO_WM_UNIT_DIAGRAM_ISNUMVISUAL" val="0"/>
+  <p:tag name="KSO_WM_UNIT_DIAGRAM_ISREFERUNIT" val="0"/>
+  <p:tag name="KSO_WM_UNIT_ID" val="_3**"/>
+  <p:tag name="KSO_WM_UNIT_LAYERLEVEL" val="1"/>
+  <p:tag name="KSO_WM_TAG_VERSION" val="1.0"/>
+  <p:tag name="KSO_WM_BEAUTIFY_FLAG" val="#wm#"/>
+</p:tagLst>
+</file>
+
+<file path=ppt/tags/tag16.xml><?xml version="1.0" encoding="utf-8"?>
+<p:tagLst xmlns:p="http://schemas.openxmlformats.org/presentationml/2006/main">
+  <p:tag name="KSO_WM_UNIT_HIGHLIGHT" val="0"/>
+  <p:tag name="KSO_WM_UNIT_COMPATIBLE" val="0"/>
+  <p:tag name="KSO_WM_UNIT_DIAGRAM_ISNUMVISUAL" val="0"/>
+  <p:tag name="KSO_WM_UNIT_DIAGRAM_ISREFERUNIT" val="0"/>
+  <p:tag name="KSO_WM_UNIT_ID" val="_4**"/>
+  <p:tag name="KSO_WM_UNIT_LAYERLEVEL" val="1"/>
+  <p:tag name="KSO_WM_TAG_VERSION" val="1.0"/>
+  <p:tag name="KSO_WM_BEAUTIFY_FLAG" val="#wm#"/>
+</p:tagLst>
+</file>
+
+<file path=ppt/tags/tag17.xml><?xml version="1.0" encoding="utf-8"?>
+<p:tagLst xmlns:p="http://schemas.openxmlformats.org/presentationml/2006/main">
+  <p:tag name="KSO_WM_UNIT_HIGHLIGHT" val="0"/>
+  <p:tag name="KSO_WM_UNIT_COMPATIBLE" val="0"/>
+  <p:tag name="KSO_WM_UNIT_DIAGRAM_ISNUMVISUAL" val="0"/>
+  <p:tag name="KSO_WM_UNIT_DIAGRAM_ISREFERUNIT" val="0"/>
+  <p:tag name="KSO_WM_UNIT_ID" val="_4**"/>
+  <p:tag name="KSO_WM_UNIT_LAYERLEVEL" val="1"/>
+  <p:tag name="KSO_WM_TAG_VERSION" val="1.0"/>
+  <p:tag name="KSO_WM_BEAUTIFY_FLAG" val="#wm#"/>
+</p:tagLst>
+</file>
+
+<file path=ppt/tags/tag18.xml><?xml version="1.0" encoding="utf-8"?>
+<p:tagLst xmlns:p="http://schemas.openxmlformats.org/presentationml/2006/main">
+  <p:tag name="KSO_WM_UNIT_HIGHLIGHT" val="0"/>
+  <p:tag name="KSO_WM_UNIT_COMPATIBLE" val="0"/>
+  <p:tag name="KSO_WM_UNIT_DIAGRAM_ISNUMVISUAL" val="0"/>
+  <p:tag name="KSO_WM_UNIT_DIAGRAM_ISREFERUNIT" val="0"/>
+  <p:tag name="KSO_WM_UNIT_ID" val="_4**"/>
+  <p:tag name="KSO_WM_UNIT_LAYERLEVEL" val="1"/>
+  <p:tag name="KSO_WM_TAG_VERSION" val="1.0"/>
+  <p:tag name="KSO_WM_BEAUTIFY_FLAG" val="#wm#"/>
+</p:tagLst>
+</file>
+
+<file path=ppt/tags/tag19.xml><?xml version="1.0" encoding="utf-8"?>
+<p:tagLst xmlns:p="http://schemas.openxmlformats.org/presentationml/2006/main">
+  <p:tag name="KSO_WM_UNIT_HIGHLIGHT" val="0"/>
+  <p:tag name="KSO_WM_UNIT_COMPATIBLE" val="0"/>
+  <p:tag name="KSO_WM_UNIT_DIAGRAM_ISNUMVISUAL" val="0"/>
+  <p:tag name="KSO_WM_UNIT_DIAGRAM_ISREFERUNIT" val="0"/>
+  <p:tag name="KSO_WM_UNIT_ID" val="_4**"/>
+  <p:tag name="KSO_WM_UNIT_LAYERLEVEL" val="1"/>
+  <p:tag name="KSO_WM_TAG_VERSION" val="1.0"/>
+  <p:tag name="KSO_WM_BEAUTIFY_FLAG" val="#wm#"/>
+</p:tagLst>
+</file>
+
+<file path=ppt/tags/tag2.xml><?xml version="1.0" encoding="utf-8"?>
+<p:tagLst xmlns:p="http://schemas.openxmlformats.org/presentationml/2006/main">
+  <p:tag name="KSO_WM_UNIT_HIGHLIGHT" val="0"/>
+  <p:tag name="KSO_WM_UNIT_COMPATIBLE" val="0"/>
+  <p:tag name="KSO_WM_UNIT_DIAGRAM_ISNUMVISUAL" val="0"/>
+  <p:tag name="KSO_WM_UNIT_DIAGRAM_ISREFERUNIT" val="0"/>
+  <p:tag name="KSO_WM_UNIT_ID" val="_1**"/>
+  <p:tag name="KSO_WM_UNIT_LAYERLEVEL" val="1"/>
+  <p:tag name="KSO_WM_TAG_VERSION" val="1.0"/>
+  <p:tag name="KSO_WM_BEAUTIFY_FLAG" val="#wm#"/>
+</p:tagLst>
+</file>
+
+<file path=ppt/tags/tag20.xml><?xml version="1.0" encoding="utf-8"?>
+<p:tagLst xmlns:p="http://schemas.openxmlformats.org/presentationml/2006/main">
+  <p:tag name="KSO_WM_UNIT_HIGHLIGHT" val="0"/>
+  <p:tag name="KSO_WM_UNIT_COMPATIBLE" val="0"/>
+  <p:tag name="KSO_WM_UNIT_DIAGRAM_ISNUMVISUAL" val="0"/>
+  <p:tag name="KSO_WM_UNIT_DIAGRAM_ISREFERUNIT" val="0"/>
+  <p:tag name="KSO_WM_UNIT_ID" val="_4**"/>
+  <p:tag name="KSO_WM_UNIT_LAYERLEVEL" val="1"/>
+  <p:tag name="KSO_WM_TAG_VERSION" val="1.0"/>
+  <p:tag name="KSO_WM_BEAUTIFY_FLAG" val="#wm#"/>
+</p:tagLst>
+</file>
+
+<file path=ppt/tags/tag21.xml><?xml version="1.0" encoding="utf-8"?>
+<p:tagLst xmlns:p="http://schemas.openxmlformats.org/presentationml/2006/main">
+  <p:tag name="KSO_WM_UNIT_HIGHLIGHT" val="0"/>
+  <p:tag name="KSO_WM_UNIT_COMPATIBLE" val="0"/>
+  <p:tag name="KSO_WM_UNIT_DIAGRAM_ISNUMVISUAL" val="0"/>
+  <p:tag name="KSO_WM_UNIT_DIAGRAM_ISREFERUNIT" val="0"/>
+  <p:tag name="KSO_WM_UNIT_ID" val="_4**"/>
+  <p:tag name="KSO_WM_UNIT_LAYERLEVEL" val="1"/>
+  <p:tag name="KSO_WM_TAG_VERSION" val="1.0"/>
+  <p:tag name="KSO_WM_BEAUTIFY_FLAG" val="#wm#"/>
+</p:tagLst>
+</file>
+
+<file path=ppt/tags/tag22.xml><?xml version="1.0" encoding="utf-8"?>
+<p:tagLst xmlns:p="http://schemas.openxmlformats.org/presentationml/2006/main">
+  <p:tag name="KSO_WM_UNIT_HIGHLIGHT" val="0"/>
+  <p:tag name="KSO_WM_UNIT_COMPATIBLE" val="0"/>
+  <p:tag name="KSO_WM_UNIT_DIAGRAM_ISNUMVISUAL" val="0"/>
+  <p:tag name="KSO_WM_UNIT_DIAGRAM_ISREFERUNIT" val="0"/>
+  <p:tag name="KSO_WM_UNIT_ID" val="_5**"/>
+  <p:tag name="KSO_WM_UNIT_LAYERLEVEL" val="1"/>
+  <p:tag name="KSO_WM_TAG_VERSION" val="1.0"/>
+  <p:tag name="KSO_WM_BEAUTIFY_FLAG" val="#wm#"/>
+</p:tagLst>
+</file>
+
+<file path=ppt/tags/tag23.xml><?xml version="1.0" encoding="utf-8"?>
+<p:tagLst xmlns:p="http://schemas.openxmlformats.org/presentationml/2006/main">
+  <p:tag name="KSO_WM_UNIT_HIGHLIGHT" val="0"/>
+  <p:tag name="KSO_WM_UNIT_COMPATIBLE" val="0"/>
+  <p:tag name="KSO_WM_UNIT_DIAGRAM_ISNUMVISUAL" val="0"/>
+  <p:tag name="KSO_WM_UNIT_DIAGRAM_ISREFERUNIT" val="0"/>
+  <p:tag name="KSO_WM_UNIT_ID" val="_5**"/>
+  <p:tag name="KSO_WM_UNIT_LAYERLEVEL" val="1"/>
+  <p:tag name="KSO_WM_TAG_VERSION" val="1.0"/>
+  <p:tag name="KSO_WM_BEAUTIFY_FLAG" val="#wm#"/>
+</p:tagLst>
+</file>
+
+<file path=ppt/tags/tag24.xml><?xml version="1.0" encoding="utf-8"?>
+<p:tagLst xmlns:p="http://schemas.openxmlformats.org/presentationml/2006/main">
+  <p:tag name="KSO_WM_UNIT_HIGHLIGHT" val="0"/>
+  <p:tag name="KSO_WM_UNIT_COMPATIBLE" val="0"/>
+  <p:tag name="KSO_WM_UNIT_DIAGRAM_ISNUMVISUAL" val="0"/>
+  <p:tag name="KSO_WM_UNIT_DIAGRAM_ISREFERUNIT" val="0"/>
+  <p:tag name="KSO_WM_UNIT_ID" val="_5**"/>
+  <p:tag name="KSO_WM_UNIT_LAYERLEVEL" val="1"/>
+  <p:tag name="KSO_WM_TAG_VERSION" val="1.0"/>
+  <p:tag name="KSO_WM_BEAUTIFY_FLAG" val="#wm#"/>
+</p:tagLst>
+</file>
+
+<file path=ppt/tags/tag25.xml><?xml version="1.0" encoding="utf-8"?>
+<p:tagLst xmlns:p="http://schemas.openxmlformats.org/presentationml/2006/main">
+  <p:tag name="KSO_WM_UNIT_HIGHLIGHT" val="0"/>
+  <p:tag name="KSO_WM_UNIT_COMPATIBLE" val="0"/>
+  <p:tag name="KSO_WM_UNIT_DIAGRAM_ISNUMVISUAL" val="0"/>
+  <p:tag name="KSO_WM_UNIT_DIAGRAM_ISREFERUNIT" val="0"/>
+  <p:tag name="KSO_WM_UNIT_ID" val="_5**"/>
+  <p:tag name="KSO_WM_UNIT_LAYERLEVEL" val="1"/>
+  <p:tag name="KSO_WM_TAG_VERSION" val="1.0"/>
+  <p:tag name="KSO_WM_BEAUTIFY_FLAG" val="#wm#"/>
+</p:tagLst>
+</file>
+
+<file path=ppt/tags/tag26.xml><?xml version="1.0" encoding="utf-8"?>
+<p:tagLst xmlns:p="http://schemas.openxmlformats.org/presentationml/2006/main">
+  <p:tag name="KSO_WM_UNIT_HIGHLIGHT" val="0"/>
+  <p:tag name="KSO_WM_UNIT_COMPATIBLE" val="0"/>
+  <p:tag name="KSO_WM_UNIT_DIAGRAM_ISNUMVISUAL" val="0"/>
+  <p:tag name="KSO_WM_UNIT_DIAGRAM_ISREFERUNIT" val="0"/>
+  <p:tag name="KSO_WM_UNIT_ID" val="_5**"/>
+  <p:tag name="KSO_WM_UNIT_LAYERLEVEL" val="1"/>
+  <p:tag name="KSO_WM_TAG_VERSION" val="1.0"/>
+  <p:tag name="KSO_WM_BEAUTIFY_FLAG" val="#wm#"/>
+</p:tagLst>
+</file>
+
+<file path=ppt/tags/tag27.xml><?xml version="1.0" encoding="utf-8"?>
+<p:tagLst xmlns:p="http://schemas.openxmlformats.org/presentationml/2006/main">
+  <p:tag name="KSO_WM_UNIT_HIGHLIGHT" val="0"/>
+  <p:tag name="KSO_WM_UNIT_COMPATIBLE" val="0"/>
+  <p:tag name="KSO_WM_UNIT_DIAGRAM_ISNUMVISUAL" val="0"/>
+  <p:tag name="KSO_WM_UNIT_DIAGRAM_ISREFERUNIT" val="0"/>
+  <p:tag name="KSO_WM_UNIT_ID" val="_5**"/>
+  <p:tag name="KSO_WM_UNIT_LAYERLEVEL" val="1"/>
+  <p:tag name="KSO_WM_TAG_VERSION" val="1.0"/>
+  <p:tag name="KSO_WM_BEAUTIFY_FLAG" val="#wm#"/>
+</p:tagLst>
+</file>
+
+<file path=ppt/tags/tag28.xml><?xml version="1.0" encoding="utf-8"?>
+<p:tagLst xmlns:p="http://schemas.openxmlformats.org/presentationml/2006/main">
+  <p:tag name="KSO_WM_UNIT_HIGHLIGHT" val="0"/>
+  <p:tag name="KSO_WM_UNIT_COMPATIBLE" val="0"/>
+  <p:tag name="KSO_WM_UNIT_DIAGRAM_ISNUMVISUAL" val="0"/>
+  <p:tag name="KSO_WM_UNIT_DIAGRAM_ISREFERUNIT" val="0"/>
+  <p:tag name="KSO_WM_UNIT_ID" val="_5**"/>
+  <p:tag name="KSO_WM_UNIT_LAYERLEVEL" val="1"/>
+  <p:tag name="KSO_WM_TAG_VERSION" val="1.0"/>
+  <p:tag name="KSO_WM_BEAUTIFY_FLAG" val="#wm#"/>
+</p:tagLst>
+</file>
+
+<file path=ppt/tags/tag29.xml><?xml version="1.0" encoding="utf-8"?>
+<p:tagLst xmlns:p="http://schemas.openxmlformats.org/presentationml/2006/main">
+  <p:tag name="KSO_WM_UNIT_HIGHLIGHT" val="0"/>
+  <p:tag name="KSO_WM_UNIT_COMPATIBLE" val="0"/>
+  <p:tag name="KSO_WM_UNIT_DIAGRAM_ISNUMVISUAL" val="0"/>
+  <p:tag name="KSO_WM_UNIT_DIAGRAM_ISREFERUNIT" val="0"/>
+  <p:tag name="KSO_WM_UNIT_ID" val="_5**"/>
+  <p:tag name="KSO_WM_UNIT_LAYERLEVEL" val="1"/>
+  <p:tag name="KSO_WM_TAG_VERSION" val="1.0"/>
+  <p:tag name="KSO_WM_BEAUTIFY_FLAG" val="#wm#"/>
+</p:tagLst>
+</file>
+
+<file path=ppt/tags/tag3.xml><?xml version="1.0" encoding="utf-8"?>
+<p:tagLst xmlns:p="http://schemas.openxmlformats.org/presentationml/2006/main">
+  <p:tag name="KSO_WM_UNIT_HIGHLIGHT" val="0"/>
+  <p:tag name="KSO_WM_UNIT_COMPATIBLE" val="0"/>
+  <p:tag name="KSO_WM_UNIT_DIAGRAM_ISNUMVISUAL" val="0"/>
+  <p:tag name="KSO_WM_UNIT_DIAGRAM_ISREFERUNIT" val="0"/>
+  <p:tag name="KSO_WM_UNIT_ID" val="_1**"/>
+  <p:tag name="KSO_WM_UNIT_LAYERLEVEL" val="1"/>
+  <p:tag name="KSO_WM_TAG_VERSION" val="1.0"/>
+  <p:tag name="KSO_WM_BEAUTIFY_FLAG" val="#wm#"/>
+</p:tagLst>
+</file>
+
+<file path=ppt/tags/tag30.xml><?xml version="1.0" encoding="utf-8"?>
+<p:tagLst xmlns:p="http://schemas.openxmlformats.org/presentationml/2006/main">
+  <p:tag name="KSO_WM_UNIT_HIGHLIGHT" val="0"/>
+  <p:tag name="KSO_WM_UNIT_COMPATIBLE" val="0"/>
+  <p:tag name="KSO_WM_UNIT_DIAGRAM_ISNUMVISUAL" val="0"/>
+  <p:tag name="KSO_WM_UNIT_DIAGRAM_ISREFERUNIT" val="0"/>
+  <p:tag name="KSO_WM_UNIT_ID" val="_6**"/>
+  <p:tag name="KSO_WM_UNIT_LAYERLEVEL" val="1"/>
+  <p:tag name="KSO_WM_TAG_VERSION" val="1.0"/>
+  <p:tag name="KSO_WM_BEAUTIFY_FLAG" val="#wm#"/>
+</p:tagLst>
+</file>
+
+<file path=ppt/tags/tag31.xml><?xml version="1.0" encoding="utf-8"?>
+<p:tagLst xmlns:p="http://schemas.openxmlformats.org/presentationml/2006/main">
+  <p:tag name="KSO_WM_UNIT_HIGHLIGHT" val="0"/>
+  <p:tag name="KSO_WM_UNIT_COMPATIBLE" val="0"/>
+  <p:tag name="KSO_WM_UNIT_DIAGRAM_ISNUMVISUAL" val="0"/>
+  <p:tag name="KSO_WM_UNIT_DIAGRAM_ISREFERUNIT" val="0"/>
+  <p:tag name="KSO_WM_UNIT_ID" val="_6**"/>
+  <p:tag name="KSO_WM_UNIT_LAYERLEVEL" val="1"/>
+  <p:tag name="KSO_WM_TAG_VERSION" val="1.0"/>
+  <p:tag name="KSO_WM_BEAUTIFY_FLAG" val="#wm#"/>
+</p:tagLst>
+</file>
+
+<file path=ppt/tags/tag32.xml><?xml version="1.0" encoding="utf-8"?>
+<p:tagLst xmlns:p="http://schemas.openxmlformats.org/presentationml/2006/main">
+  <p:tag name="KSO_WM_UNIT_HIGHLIGHT" val="0"/>
+  <p:tag name="KSO_WM_UNIT_COMPATIBLE" val="0"/>
+  <p:tag name="KSO_WM_UNIT_DIAGRAM_ISNUMVISUAL" val="0"/>
+  <p:tag name="KSO_WM_UNIT_DIAGRAM_ISREFERUNIT" val="0"/>
+  <p:tag name="KSO_WM_UNIT_ID" val="_6**"/>
+  <p:tag name="KSO_WM_UNIT_LAYERLEVEL" val="1"/>
+  <p:tag name="KSO_WM_TAG_VERSION" val="1.0"/>
+  <p:tag name="KSO_WM_BEAUTIFY_FLAG" val="#wm#"/>
+</p:tagLst>
+</file>
+
+<file path=ppt/tags/tag33.xml><?xml version="1.0" encoding="utf-8"?>
+<p:tagLst xmlns:p="http://schemas.openxmlformats.org/presentationml/2006/main">
+  <p:tag name="KSO_WM_UNIT_HIGHLIGHT" val="0"/>
+  <p:tag name="KSO_WM_UNIT_COMPATIBLE" val="0"/>
+  <p:tag name="KSO_WM_UNIT_DIAGRAM_ISNUMVISUAL" val="0"/>
+  <p:tag name="KSO_WM_UNIT_DIAGRAM_ISREFERUNIT" val="0"/>
+  <p:tag name="KSO_WM_UNIT_ID" val="_6**"/>
+  <p:tag name="KSO_WM_UNIT_LAYERLEVEL" val="1"/>
+  <p:tag name="KSO_WM_TAG_VERSION" val="1.0"/>
+  <p:tag name="KSO_WM_BEAUTIFY_FLAG" val="#wm#"/>
+</p:tagLst>
+</file>
+
+<file path=ppt/tags/tag34.xml><?xml version="1.0" encoding="utf-8"?>
+<p:tagLst xmlns:p="http://schemas.openxmlformats.org/presentationml/2006/main">
+  <p:tag name="KSO_WM_UNIT_HIGHLIGHT" val="0"/>
+  <p:tag name="KSO_WM_UNIT_COMPATIBLE" val="0"/>
+  <p:tag name="KSO_WM_UNIT_DIAGRAM_ISNUMVISUAL" val="0"/>
+  <p:tag name="KSO_WM_UNIT_DIAGRAM_ISREFERUNIT" val="0"/>
+  <p:tag name="KSO_WM_UNIT_ID" val="_7**"/>
+  <p:tag name="KSO_WM_UNIT_LAYERLEVEL" val="1"/>
+  <p:tag name="KSO_WM_TAG_VERSION" val="1.0"/>
+  <p:tag name="KSO_WM_BEAUTIFY_FLAG" val="#wm#"/>
+</p:tagLst>
+</file>
+
+<file path=ppt/tags/tag35.xml><?xml version="1.0" encoding="utf-8"?>
+<p:tagLst xmlns:p="http://schemas.openxmlformats.org/presentationml/2006/main">
+  <p:tag name="KSO_WM_UNIT_HIGHLIGHT" val="0"/>
+  <p:tag name="KSO_WM_UNIT_COMPATIBLE" val="0"/>
+  <p:tag name="KSO_WM_UNIT_DIAGRAM_ISNUMVISUAL" val="0"/>
+  <p:tag name="KSO_WM_UNIT_DIAGRAM_ISREFERUNIT" val="0"/>
+  <p:tag name="KSO_WM_UNIT_ID" val="_7**"/>
+  <p:tag name="KSO_WM_UNIT_LAYERLEVEL" val="1"/>
+  <p:tag name="KSO_WM_TAG_VERSION" val="1.0"/>
+  <p:tag name="KSO_WM_BEAUTIFY_FLAG" val="#wm#"/>
+</p:tagLst>
+</file>
+
+<file path=ppt/tags/tag36.xml><?xml version="1.0" encoding="utf-8"?>
+<p:tagLst xmlns:p="http://schemas.openxmlformats.org/presentationml/2006/main">
+  <p:tag name="KSO_WM_UNIT_HIGHLIGHT" val="0"/>
+  <p:tag name="KSO_WM_UNIT_COMPATIBLE" val="0"/>
+  <p:tag name="KSO_WM_UNIT_DIAGRAM_ISNUMVISUAL" val="0"/>
+  <p:tag name="KSO_WM_UNIT_DIAGRAM_ISREFERUNIT" val="0"/>
+  <p:tag name="KSO_WM_UNIT_ID" val="_7**"/>
+  <p:tag name="KSO_WM_UNIT_LAYERLEVEL" val="1"/>
+  <p:tag name="KSO_WM_TAG_VERSION" val="1.0"/>
+  <p:tag name="KSO_WM_BEAUTIFY_FLAG" val="#wm#"/>
+</p:tagLst>
+</file>
+
+<file path=ppt/tags/tag37.xml><?xml version="1.0" encoding="utf-8"?>
+<p:tagLst xmlns:p="http://schemas.openxmlformats.org/presentationml/2006/main">
+  <p:tag name="KSO_WM_UNIT_HIGHLIGHT" val="0"/>
+  <p:tag name="KSO_WM_UNIT_COMPATIBLE" val="0"/>
+  <p:tag name="KSO_WM_UNIT_DIAGRAM_ISNUMVISUAL" val="0"/>
+  <p:tag name="KSO_WM_UNIT_DIAGRAM_ISREFERUNIT" val="0"/>
+  <p:tag name="KSO_WM_UNIT_ID" val="_8**"/>
+  <p:tag name="KSO_WM_UNIT_LAYERLEVEL" val="1"/>
+  <p:tag name="KSO_WM_TAG_VERSION" val="1.0"/>
+  <p:tag name="KSO_WM_BEAUTIFY_FLAG" val="#wm#"/>
+</p:tagLst>
+</file>
+
+<file path=ppt/tags/tag38.xml><?xml version="1.0" encoding="utf-8"?>
+<p:tagLst xmlns:p="http://schemas.openxmlformats.org/presentationml/2006/main">
+  <p:tag name="KSO_WM_UNIT_HIGHLIGHT" val="0"/>
+  <p:tag name="KSO_WM_UNIT_COMPATIBLE" val="0"/>
+  <p:tag name="KSO_WM_UNIT_DIAGRAM_ISNUMVISUAL" val="0"/>
+  <p:tag name="KSO_WM_UNIT_DIAGRAM_ISREFERUNIT" val="0"/>
+  <p:tag name="KSO_WM_UNIT_ID" val="_8**"/>
+  <p:tag name="KSO_WM_UNIT_LAYERLEVEL" val="1"/>
+  <p:tag name="KSO_WM_TAG_VERSION" val="1.0"/>
+  <p:tag name="KSO_WM_BEAUTIFY_FLAG" val="#wm#"/>
+</p:tagLst>
+</file>
+
+<file path=ppt/tags/tag39.xml><?xml version="1.0" encoding="utf-8"?>
+<p:tagLst xmlns:p="http://schemas.openxmlformats.org/presentationml/2006/main">
+  <p:tag name="KSO_WM_UNIT_HIGHLIGHT" val="0"/>
+  <p:tag name="KSO_WM_UNIT_COMPATIBLE" val="0"/>
+  <p:tag name="KSO_WM_UNIT_DIAGRAM_ISNUMVISUAL" val="0"/>
+  <p:tag name="KSO_WM_UNIT_DIAGRAM_ISREFERUNIT" val="0"/>
+  <p:tag name="KSO_WM_UNIT_ID" val="_8**"/>
+  <p:tag name="KSO_WM_UNIT_LAYERLEVEL" val="1"/>
+  <p:tag name="KSO_WM_TAG_VERSION" val="1.0"/>
+  <p:tag name="KSO_WM_BEAUTIFY_FLAG" val="#wm#"/>
+</p:tagLst>
+</file>
+
+<file path=ppt/tags/tag4.xml><?xml version="1.0" encoding="utf-8"?>
+<p:tagLst xmlns:p="http://schemas.openxmlformats.org/presentationml/2006/main">
+  <p:tag name="KSO_WM_UNIT_HIGHLIGHT" val="0"/>
+  <p:tag name="KSO_WM_UNIT_COMPATIBLE" val="0"/>
+  <p:tag name="KSO_WM_UNIT_DIAGRAM_ISNUMVISUAL" val="0"/>
+  <p:tag name="KSO_WM_UNIT_DIAGRAM_ISREFERUNIT" val="0"/>
+  <p:tag name="KSO_WM_UNIT_ID" val="_1**"/>
+  <p:tag name="KSO_WM_UNIT_LAYERLEVEL" val="1"/>
+  <p:tag name="KSO_WM_TAG_VERSION" val="1.0"/>
+  <p:tag name="KSO_WM_BEAUTIFY_FLAG" val="#wm#"/>
+</p:tagLst>
+</file>
+
+<file path=ppt/tags/tag40.xml><?xml version="1.0" encoding="utf-8"?>
+<p:tagLst xmlns:p="http://schemas.openxmlformats.org/presentationml/2006/main">
+  <p:tag name="KSO_WM_UNIT_HIGHLIGHT" val="0"/>
+  <p:tag name="KSO_WM_UNIT_COMPATIBLE" val="0"/>
+  <p:tag name="KSO_WM_UNIT_DIAGRAM_ISNUMVISUAL" val="0"/>
+  <p:tag name="KSO_WM_UNIT_DIAGRAM_ISREFERUNIT" val="0"/>
+  <p:tag name="KSO_WM_UNIT_ID" val="_8**"/>
+  <p:tag name="KSO_WM_UNIT_LAYERLEVEL" val="1"/>
+  <p:tag name="KSO_WM_TAG_VERSION" val="1.0"/>
+  <p:tag name="KSO_WM_BEAUTIFY_FLAG" val="#wm#"/>
+</p:tagLst>
+</file>
+
+<file path=ppt/tags/tag41.xml><?xml version="1.0" encoding="utf-8"?>
+<p:tagLst xmlns:p="http://schemas.openxmlformats.org/presentationml/2006/main">
+  <p:tag name="KSO_WM_UNIT_HIGHLIGHT" val="0"/>
+  <p:tag name="KSO_WM_UNIT_COMPATIBLE" val="0"/>
+  <p:tag name="KSO_WM_UNIT_DIAGRAM_ISNUMVISUAL" val="0"/>
+  <p:tag name="KSO_WM_UNIT_DIAGRAM_ISREFERUNIT" val="0"/>
+  <p:tag name="KSO_WM_UNIT_ID" val="_8**"/>
+  <p:tag name="KSO_WM_UNIT_LAYERLEVEL" val="1"/>
+  <p:tag name="KSO_WM_TAG_VERSION" val="1.0"/>
+  <p:tag name="KSO_WM_BEAUTIFY_FLAG" val="#wm#"/>
+</p:tagLst>
+</file>
+
+<file path=ppt/tags/tag42.xml><?xml version="1.0" encoding="utf-8"?>
+<p:tagLst xmlns:p="http://schemas.openxmlformats.org/presentationml/2006/main">
+  <p:tag name="KSO_WM_UNIT_HIGHLIGHT" val="0"/>
+  <p:tag name="KSO_WM_UNIT_COMPATIBLE" val="0"/>
+  <p:tag name="KSO_WM_UNIT_DIAGRAM_ISNUMVISUAL" val="0"/>
+  <p:tag name="KSO_WM_UNIT_DIAGRAM_ISREFERUNIT" val="0"/>
+  <p:tag name="KSO_WM_UNIT_ID" val="_8**"/>
+  <p:tag name="KSO_WM_UNIT_LAYERLEVEL" val="1"/>
+  <p:tag name="KSO_WM_TAG_VERSION" val="1.0"/>
+  <p:tag name="KSO_WM_BEAUTIFY_FLAG" val="#wm#"/>
+</p:tagLst>
+</file>
+
+<file path=ppt/tags/tag43.xml><?xml version="1.0" encoding="utf-8"?>
+<p:tagLst xmlns:p="http://schemas.openxmlformats.org/presentationml/2006/main">
+  <p:tag name="KSO_WM_UNIT_HIGHLIGHT" val="0"/>
+  <p:tag name="KSO_WM_UNIT_COMPATIBLE" val="0"/>
+  <p:tag name="KSO_WM_UNIT_DIAGRAM_ISNUMVISUAL" val="0"/>
+  <p:tag name="KSO_WM_UNIT_DIAGRAM_ISREFERUNIT" val="0"/>
+  <p:tag name="KSO_WM_UNIT_ID" val="_9**"/>
+  <p:tag name="KSO_WM_UNIT_LAYERLEVEL" val="1"/>
+  <p:tag name="KSO_WM_TAG_VERSION" val="1.0"/>
+  <p:tag name="KSO_WM_BEAUTIFY_FLAG" val="#wm#"/>
+</p:tagLst>
+</file>
+
+<file path=ppt/tags/tag44.xml><?xml version="1.0" encoding="utf-8"?>
+<p:tagLst xmlns:p="http://schemas.openxmlformats.org/presentationml/2006/main">
+  <p:tag name="KSO_WM_UNIT_HIGHLIGHT" val="0"/>
+  <p:tag name="KSO_WM_UNIT_COMPATIBLE" val="0"/>
+  <p:tag name="KSO_WM_UNIT_DIAGRAM_ISNUMVISUAL" val="0"/>
+  <p:tag name="KSO_WM_UNIT_DIAGRAM_ISREFERUNIT" val="0"/>
+  <p:tag name="KSO_WM_UNIT_ID" val="_9**"/>
+  <p:tag name="KSO_WM_UNIT_LAYERLEVEL" val="1"/>
+  <p:tag name="KSO_WM_TAG_VERSION" val="1.0"/>
+  <p:tag name="KSO_WM_BEAUTIFY_FLAG" val="#wm#"/>
+</p:tagLst>
+</file>
+
+<file path=ppt/tags/tag45.xml><?xml version="1.0" encoding="utf-8"?>
+<p:tagLst xmlns:p="http://schemas.openxmlformats.org/presentationml/2006/main">
+  <p:tag name="KSO_WM_UNIT_HIGHLIGHT" val="0"/>
+  <p:tag name="KSO_WM_UNIT_COMPATIBLE" val="0"/>
+  <p:tag name="KSO_WM_UNIT_DIAGRAM_ISNUMVISUAL" val="0"/>
+  <p:tag name="KSO_WM_UNIT_DIAGRAM_ISREFERUNIT" val="0"/>
+  <p:tag name="KSO_WM_UNIT_ID" val="_9**"/>
+  <p:tag name="KSO_WM_UNIT_LAYERLEVEL" val="1"/>
+  <p:tag name="KSO_WM_TAG_VERSION" val="1.0"/>
+  <p:tag name="KSO_WM_BEAUTIFY_FLAG" val="#wm#"/>
+</p:tagLst>
+</file>
+
+<file path=ppt/tags/tag46.xml><?xml version="1.0" encoding="utf-8"?>
+<p:tagLst xmlns:p="http://schemas.openxmlformats.org/presentationml/2006/main">
+  <p:tag name="KSO_WM_UNIT_HIGHLIGHT" val="0"/>
+  <p:tag name="KSO_WM_UNIT_COMPATIBLE" val="0"/>
+  <p:tag name="KSO_WM_UNIT_DIAGRAM_ISNUMVISUAL" val="0"/>
+  <p:tag name="KSO_WM_UNIT_DIAGRAM_ISREFERUNIT" val="0"/>
+  <p:tag name="KSO_WM_UNIT_ID" val="_9**"/>
+  <p:tag name="KSO_WM_UNIT_LAYERLEVEL" val="1"/>
+  <p:tag name="KSO_WM_TAG_VERSION" val="1.0"/>
+  <p:tag name="KSO_WM_BEAUTIFY_FLAG" val="#wm#"/>
+</p:tagLst>
+</file>
+
+<file path=ppt/tags/tag47.xml><?xml version="1.0" encoding="utf-8"?>
+<p:tagLst xmlns:p="http://schemas.openxmlformats.org/presentationml/2006/main">
+  <p:tag name="KSO_WM_UNIT_HIGHLIGHT" val="0"/>
+  <p:tag name="KSO_WM_UNIT_COMPATIBLE" val="0"/>
+  <p:tag name="KSO_WM_UNIT_DIAGRAM_ISNUMVISUAL" val="0"/>
+  <p:tag name="KSO_WM_UNIT_DIAGRAM_ISREFERUNIT" val="0"/>
+  <p:tag name="KSO_WM_UNIT_ID" val="_9**"/>
+  <p:tag name="KSO_WM_UNIT_LAYERLEVEL" val="1"/>
+  <p:tag name="KSO_WM_TAG_VERSION" val="1.0"/>
+  <p:tag name="KSO_WM_BEAUTIFY_FLAG" val="#wm#"/>
+</p:tagLst>
+</file>
+
+<file path=ppt/tags/tag48.xml><?xml version="1.0" encoding="utf-8"?>
+<p:tagLst xmlns:p="http://schemas.openxmlformats.org/presentationml/2006/main">
+  <p:tag name="KSO_WM_UNIT_HIGHLIGHT" val="0"/>
+  <p:tag name="KSO_WM_UNIT_COMPATIBLE" val="0"/>
+  <p:tag name="KSO_WM_UNIT_DIAGRAM_ISNUMVISUAL" val="0"/>
+  <p:tag name="KSO_WM_UNIT_DIAGRAM_ISREFERUNIT" val="0"/>
+  <p:tag name="KSO_WM_UNIT_ID" val="_10**"/>
+  <p:tag name="KSO_WM_UNIT_LAYERLEVEL" val="1"/>
+  <p:tag name="KSO_WM_TAG_VERSION" val="1.0"/>
+  <p:tag name="KSO_WM_BEAUTIFY_FLAG" val="#wm#"/>
+</p:tagLst>
+</file>
+
+<file path=ppt/tags/tag49.xml><?xml version="1.0" encoding="utf-8"?>
+<p:tagLst xmlns:p="http://schemas.openxmlformats.org/presentationml/2006/main">
+  <p:tag name="KSO_WM_UNIT_HIGHLIGHT" val="0"/>
+  <p:tag name="KSO_WM_UNIT_COMPATIBLE" val="0"/>
+  <p:tag name="KSO_WM_UNIT_DIAGRAM_ISNUMVISUAL" val="0"/>
+  <p:tag name="KSO_WM_UNIT_DIAGRAM_ISREFERUNIT" val="0"/>
+  <p:tag name="KSO_WM_UNIT_ID" val="_10**"/>
+  <p:tag name="KSO_WM_UNIT_LAYERLEVEL" val="1"/>
+  <p:tag name="KSO_WM_TAG_VERSION" val="1.0"/>
+  <p:tag name="KSO_WM_BEAUTIFY_FLAG" val="#wm#"/>
+</p:tagLst>
+</file>
+
+<file path=ppt/tags/tag5.xml><?xml version="1.0" encoding="utf-8"?>
+<p:tagLst xmlns:p="http://schemas.openxmlformats.org/presentationml/2006/main">
+  <p:tag name="KSO_WM_UNIT_HIGHLIGHT" val="0"/>
+  <p:tag name="KSO_WM_UNIT_COMPATIBLE" val="0"/>
+  <p:tag name="KSO_WM_UNIT_DIAGRAM_ISNUMVISUAL" val="0"/>
+  <p:tag name="KSO_WM_UNIT_DIAGRAM_ISREFERUNIT" val="0"/>
+  <p:tag name="KSO_WM_UNIT_ID" val="_1**"/>
+  <p:tag name="KSO_WM_UNIT_LAYERLEVEL" val="1"/>
+  <p:tag name="KSO_WM_TAG_VERSION" val="1.0"/>
+  <p:tag name="KSO_WM_BEAUTIFY_FLAG" val="#wm#"/>
+</p:tagLst>
+</file>
+
+<file path=ppt/tags/tag50.xml><?xml version="1.0" encoding="utf-8"?>
+<p:tagLst xmlns:p="http://schemas.openxmlformats.org/presentationml/2006/main">
+  <p:tag name="KSO_WM_UNIT_HIGHLIGHT" val="0"/>
+  <p:tag name="KSO_WM_UNIT_COMPATIBLE" val="0"/>
+  <p:tag name="KSO_WM_UNIT_DIAGRAM_ISNUMVISUAL" val="0"/>
+  <p:tag name="KSO_WM_UNIT_DIAGRAM_ISREFERUNIT" val="0"/>
+  <p:tag name="KSO_WM_UNIT_ID" val="_10**"/>
+  <p:tag name="KSO_WM_UNIT_LAYERLEVEL" val="1"/>
+  <p:tag name="KSO_WM_TAG_VERSION" val="1.0"/>
+  <p:tag name="KSO_WM_BEAUTIFY_FLAG" val="#wm#"/>
+</p:tagLst>
+</file>
+
+<file path=ppt/tags/tag51.xml><?xml version="1.0" encoding="utf-8"?>
+<p:tagLst xmlns:p="http://schemas.openxmlformats.org/presentationml/2006/main">
+  <p:tag name="KSO_WM_UNIT_HIGHLIGHT" val="0"/>
+  <p:tag name="KSO_WM_UNIT_COMPATIBLE" val="0"/>
+  <p:tag name="KSO_WM_UNIT_DIAGRAM_ISNUMVISUAL" val="0"/>
+  <p:tag name="KSO_WM_UNIT_DIAGRAM_ISREFERUNIT" val="0"/>
+  <p:tag name="KSO_WM_UNIT_ID" val="_10**"/>
+  <p:tag name="KSO_WM_UNIT_LAYERLEVEL" val="1"/>
+  <p:tag name="KSO_WM_TAG_VERSION" val="1.0"/>
+  <p:tag name="KSO_WM_BEAUTIFY_FLAG" val="#wm#"/>
+</p:tagLst>
+</file>
+
+<file path=ppt/tags/tag52.xml><?xml version="1.0" encoding="utf-8"?>
+<p:tagLst xmlns:p="http://schemas.openxmlformats.org/presentationml/2006/main">
+  <p:tag name="KSO_WM_UNIT_HIGHLIGHT" val="0"/>
+  <p:tag name="KSO_WM_UNIT_COMPATIBLE" val="0"/>
+  <p:tag name="KSO_WM_UNIT_DIAGRAM_ISNUMVISUAL" val="0"/>
+  <p:tag name="KSO_WM_UNIT_DIAGRAM_ISREFERUNIT" val="0"/>
+  <p:tag name="KSO_WM_UNIT_ID" val="_11**"/>
+  <p:tag name="KSO_WM_UNIT_LAYERLEVEL" val="1"/>
+  <p:tag name="KSO_WM_TAG_VERSION" val="1.0"/>
+  <p:tag name="KSO_WM_BEAUTIFY_FLAG" val="#wm#"/>
+</p:tagLst>
+</file>
+
+<file path=ppt/tags/tag53.xml><?xml version="1.0" encoding="utf-8"?>
+<p:tagLst xmlns:p="http://schemas.openxmlformats.org/presentationml/2006/main">
+  <p:tag name="KSO_WM_UNIT_HIGHLIGHT" val="0"/>
+  <p:tag name="KSO_WM_UNIT_COMPATIBLE" val="0"/>
+  <p:tag name="KSO_WM_UNIT_DIAGRAM_ISNUMVISUAL" val="0"/>
+  <p:tag name="KSO_WM_UNIT_DIAGRAM_ISREFERUNIT" val="0"/>
+  <p:tag name="KSO_WM_UNIT_ID" val="_11**"/>
+  <p:tag name="KSO_WM_UNIT_LAYERLEVEL" val="1"/>
+  <p:tag name="KSO_WM_TAG_VERSION" val="1.0"/>
+  <p:tag name="KSO_WM_BEAUTIFY_FLAG" val="#wm#"/>
+</p:tagLst>
+</file>
+
+<file path=ppt/tags/tag54.xml><?xml version="1.0" encoding="utf-8"?>
+<p:tagLst xmlns:p="http://schemas.openxmlformats.org/presentationml/2006/main">
+  <p:tag name="KSO_WM_UNIT_HIGHLIGHT" val="0"/>
+  <p:tag name="KSO_WM_UNIT_COMPATIBLE" val="0"/>
+  <p:tag name="KSO_WM_UNIT_DIAGRAM_ISNUMVISUAL" val="0"/>
+  <p:tag name="KSO_WM_UNIT_DIAGRAM_ISREFERUNIT" val="0"/>
+  <p:tag name="KSO_WM_UNIT_ID" val="_11**"/>
+  <p:tag name="KSO_WM_UNIT_LAYERLEVEL" val="1"/>
+  <p:tag name="KSO_WM_TAG_VERSION" val="1.0"/>
+  <p:tag name="KSO_WM_BEAUTIFY_FLAG" val="#wm#"/>
+</p:tagLst>
+</file>
+
+<file path=ppt/tags/tag55.xml><?xml version="1.0" encoding="utf-8"?>
+<p:tagLst xmlns:p="http://schemas.openxmlformats.org/presentationml/2006/main">
+  <p:tag name="KSO_WM_UNIT_HIGHLIGHT" val="0"/>
+  <p:tag name="KSO_WM_UNIT_COMPATIBLE" val="0"/>
+  <p:tag name="KSO_WM_UNIT_DIAGRAM_ISNUMVISUAL" val="0"/>
+  <p:tag name="KSO_WM_UNIT_DIAGRAM_ISREFERUNIT" val="0"/>
+  <p:tag name="KSO_WM_UNIT_ID" val="_11**"/>
+  <p:tag name="KSO_WM_UNIT_LAYERLEVEL" val="1"/>
+  <p:tag name="KSO_WM_TAG_VERSION" val="1.0"/>
+  <p:tag name="KSO_WM_BEAUTIFY_FLAG" val="#wm#"/>
+</p:tagLst>
+</file>
+
+<file path=ppt/tags/tag56.xml><?xml version="1.0" encoding="utf-8"?>
+<p:tagLst xmlns:p="http://schemas.openxmlformats.org/presentationml/2006/main">
+  <p:tag name="KSO_WM_UNIT_HIGHLIGHT" val="0"/>
+  <p:tag name="KSO_WM_UNIT_COMPATIBLE" val="0"/>
+  <p:tag name="KSO_WM_UNIT_DIAGRAM_ISNUMVISUAL" val="0"/>
+  <p:tag name="KSO_WM_UNIT_DIAGRAM_ISREFERUNIT" val="0"/>
+  <p:tag name="KSO_WM_UNIT_ID" val="_11**"/>
+  <p:tag name="KSO_WM_UNIT_LAYERLEVEL" val="1"/>
+  <p:tag name="KSO_WM_TAG_VERSION" val="1.0"/>
+  <p:tag name="KSO_WM_BEAUTIFY_FLAG" val="#wm#"/>
+</p:tagLst>
+</file>
+
+<file path=ppt/tags/tag57.xml><?xml version="1.0" encoding="utf-8"?>
+<p:tagLst xmlns:p="http://schemas.openxmlformats.org/presentationml/2006/main">
+  <p:tag name="KSO_WM_UNIT_HIGHLIGHT" val="0"/>
+  <p:tag name="KSO_WM_UNIT_COMPATIBLE" val="0"/>
+  <p:tag name="KSO_WM_UNIT_DIAGRAM_ISNUMVISUAL" val="0"/>
+  <p:tag name="KSO_WM_UNIT_DIAGRAM_ISREFERUNIT" val="0"/>
+  <p:tag name="KSO_WM_UNIT_ID" val="_0**"/>
+  <p:tag name="KSO_WM_UNIT_LAYERLEVEL" val="1"/>
+  <p:tag name="KSO_WM_TAG_VERSION" val="1.0"/>
+  <p:tag name="KSO_WM_BEAUTIFY_FLAG" val="#wm#"/>
+  <p:tag name="KSO_WM_TEMPLATE_CATEGORY" val="custom"/>
+  <p:tag name="KSO_WM_TEMPLATE_INDEX" val="20205176"/>
+</p:tagLst>
+</file>
+
+<file path=ppt/tags/tag58.xml><?xml version="1.0" encoding="utf-8"?>
+<p:tagLst xmlns:p="http://schemas.openxmlformats.org/presentationml/2006/main">
+  <p:tag name="KSO_WM_UNIT_HIGHLIGHT" val="0"/>
+  <p:tag name="KSO_WM_UNIT_COMPATIBLE" val="0"/>
+  <p:tag name="KSO_WM_UNIT_DIAGRAM_ISNUMVISUAL" val="0"/>
+  <p:tag name="KSO_WM_UNIT_DIAGRAM_ISREFERUNIT" val="0"/>
+  <p:tag name="KSO_WM_UNIT_ID" val="_0**"/>
+  <p:tag name="KSO_WM_UNIT_LAYERLEVEL" val="1"/>
+  <p:tag name="KSO_WM_TAG_VERSION" val="1.0"/>
+  <p:tag name="KSO_WM_BEAUTIFY_FLAG" val="#wm#"/>
+  <p:tag name="KSO_WM_TEMPLATE_CATEGORY" val="custom"/>
+  <p:tag name="KSO_WM_TEMPLATE_INDEX" val="20205176"/>
+</p:tagLst>
+</file>
+
+<file path=ppt/tags/tag59.xml><?xml version="1.0" encoding="utf-8"?>
+<p:tagLst xmlns:p="http://schemas.openxmlformats.org/presentationml/2006/main">
+  <p:tag name="KSO_WM_UNIT_HIGHLIGHT" val="0"/>
+  <p:tag name="KSO_WM_UNIT_COMPATIBLE" val="0"/>
+  <p:tag name="KSO_WM_UNIT_DIAGRAM_ISNUMVISUAL" val="0"/>
+  <p:tag name="KSO_WM_UNIT_DIAGRAM_ISREFERUNIT" val="0"/>
+  <p:tag name="KSO_WM_UNIT_ID" val="_0**"/>
+  <p:tag name="KSO_WM_UNIT_LAYERLEVEL" val="1"/>
+  <p:tag name="KSO_WM_TAG_VERSION" val="1.0"/>
+  <p:tag name="KSO_WM_BEAUTIFY_FLAG" val="#wm#"/>
+</p:tagLst>
+</file>
+
+<file path=ppt/tags/tag6.xml><?xml version="1.0" encoding="utf-8"?>
+<p:tagLst xmlns:p="http://schemas.openxmlformats.org/presentationml/2006/main">
+  <p:tag name="KSO_WM_UNIT_HIGHLIGHT" val="0"/>
+  <p:tag name="KSO_WM_UNIT_COMPATIBLE" val="0"/>
+  <p:tag name="KSO_WM_UNIT_DIAGRAM_ISNUMVISUAL" val="0"/>
+  <p:tag name="KSO_WM_UNIT_DIAGRAM_ISREFERUNIT" val="0"/>
+  <p:tag name="KSO_WM_UNIT_ID" val="_2**"/>
+  <p:tag name="KSO_WM_UNIT_LAYERLEVEL" val="1"/>
+  <p:tag name="KSO_WM_TAG_VERSION" val="1.0"/>
+  <p:tag name="KSO_WM_BEAUTIFY_FLAG" val="#wm#"/>
+</p:tagLst>
+</file>
+
+<file path=ppt/tags/tag60.xml><?xml version="1.0" encoding="utf-8"?>
+<p:tagLst xmlns:p="http://schemas.openxmlformats.org/presentationml/2006/main">
+  <p:tag name="KSO_WM_UNIT_HIGHLIGHT" val="0"/>
+  <p:tag name="KSO_WM_UNIT_COMPATIBLE" val="0"/>
+  <p:tag name="KSO_WM_UNIT_DIAGRAM_ISNUMVISUAL" val="0"/>
+  <p:tag name="KSO_WM_UNIT_DIAGRAM_ISREFERUNIT" val="0"/>
+  <p:tag name="KSO_WM_UNIT_ID" val="_0**"/>
+  <p:tag name="KSO_WM_UNIT_LAYERLEVEL" val="1"/>
+  <p:tag name="KSO_WM_TAG_VERSION" val="1.0"/>
+  <p:tag name="KSO_WM_BEAUTIFY_FLAG" val="#wm#"/>
+</p:tagLst>
+</file>
+
+<file path=ppt/tags/tag61.xml><?xml version="1.0" encoding="utf-8"?>
+<p:tagLst xmlns:p="http://schemas.openxmlformats.org/presentationml/2006/main">
+  <p:tag name="KSO_WM_UNIT_HIGHLIGHT" val="0"/>
+  <p:tag name="KSO_WM_UNIT_COMPATIBLE" val="0"/>
+  <p:tag name="KSO_WM_UNIT_DIAGRAM_ISNUMVISUAL" val="0"/>
+  <p:tag name="KSO_WM_UNIT_DIAGRAM_ISREFERUNIT" val="0"/>
+  <p:tag name="KSO_WM_UNIT_ID" val="_0**"/>
+  <p:tag name="KSO_WM_UNIT_LAYERLEVEL" val="1"/>
+  <p:tag name="KSO_WM_TAG_VERSION" val="1.0"/>
+  <p:tag name="KSO_WM_BEAUTIFY_FLAG" val="#wm#"/>
+</p:tagLst>
+</file>
+
+<file path=ppt/tags/tag62.xml><?xml version="1.0" encoding="utf-8"?>
+<p:tagLst xmlns:p="http://schemas.openxmlformats.org/presentationml/2006/main">
+  <p:tag name="KSO_WM_TEMPLATE_THUMBS_INDEX" val="1、4、7、12、13、14、15、16、17、18、20、24、25、28、33、36、40、43、44"/>
+  <p:tag name="KSO_WM_TEMPLATE_SUBCATEGORY" val="19"/>
+  <p:tag name="KSO_WM_TAG_VERSION" val="1.0"/>
+  <p:tag name="KSO_WM_BEAUTIFY_FLAG" val="#wm#"/>
+  <p:tag name="KSO_WM_TEMPLATE_CATEGORY" val="custom"/>
+  <p:tag name="KSO_WM_TEMPLATE_INDEX" val="20205176"/>
+  <p:tag name="KSO_WM_TEMPLATE_MASTER_TYPE" val="0"/>
+  <p:tag name="KSO_WM_TEMPLATE_COLOR_TYPE" val="1"/>
+  <p:tag name="KSO_WM_UNIT_SHOW_EDIT_AREA_INDICATION" val="1"/>
+</p:tagLst>
+</file>
+
+<file path=ppt/tags/tag63.xml><?xml version="1.0" encoding="utf-8"?>
+<p:tagLst xmlns:p="http://schemas.openxmlformats.org/presentationml/2006/main">
+  <p:tag name="KSO_WM_UNIT_HIGHLIGHT" val="0"/>
+  <p:tag name="KSO_WM_UNIT_COMPATIBLE" val="0"/>
+  <p:tag name="KSO_WM_UNIT_DIAGRAM_ISNUMVISUAL" val="0"/>
+  <p:tag name="KSO_WM_UNIT_DIAGRAM_ISREFERUNIT" val="0"/>
+  <p:tag name="KSO_WM_UNIT_ID" val="_1**"/>
+  <p:tag name="KSO_WM_UNIT_LAYERLEVEL" val="1"/>
+  <p:tag name="KSO_WM_TAG_VERSION" val="1.0"/>
+  <p:tag name="KSO_WM_BEAUTIFY_FLAG" val="#wm#"/>
+</p:tagLst>
+</file>
+
+<file path=ppt/tags/tag64.xml><?xml version="1.0" encoding="utf-8"?>
+<p:tagLst xmlns:p="http://schemas.openxmlformats.org/presentationml/2006/main">
+  <p:tag name="KSO_WM_UNIT_HIGHLIGHT" val="0"/>
+  <p:tag name="KSO_WM_UNIT_COMPATIBLE" val="0"/>
+  <p:tag name="KSO_WM_UNIT_DIAGRAM_ISNUMVISUAL" val="0"/>
+  <p:tag name="KSO_WM_UNIT_DIAGRAM_ISREFERUNIT" val="0"/>
+  <p:tag name="KSO_WM_UNIT_ID" val="_1**"/>
+  <p:tag name="KSO_WM_UNIT_LAYERLEVEL" val="1"/>
+  <p:tag name="KSO_WM_TAG_VERSION" val="1.0"/>
+  <p:tag name="KSO_WM_BEAUTIFY_FLAG" val="#wm#"/>
+</p:tagLst>
+</file>
+
+<file path=ppt/tags/tag65.xml><?xml version="1.0" encoding="utf-8"?>
+<p:tagLst xmlns:p="http://schemas.openxmlformats.org/presentationml/2006/main">
+  <p:tag name="KSO_WM_UNIT_HIGHLIGHT" val="0"/>
+  <p:tag name="KSO_WM_UNIT_COMPATIBLE" val="0"/>
+  <p:tag name="KSO_WM_UNIT_DIAGRAM_ISNUMVISUAL" val="0"/>
+  <p:tag name="KSO_WM_UNIT_DIAGRAM_ISREFERUNIT" val="0"/>
+  <p:tag name="KSO_WM_UNIT_ID" val="_1**"/>
+  <p:tag name="KSO_WM_UNIT_LAYERLEVEL" val="1"/>
+  <p:tag name="KSO_WM_TAG_VERSION" val="1.0"/>
+  <p:tag name="KSO_WM_BEAUTIFY_FLAG" val="#wm#"/>
+</p:tagLst>
+</file>
+
 <file path=ppt/tags/tag66.xml><?xml version="1.0" encoding="utf-8"?>
 <p:tagLst xmlns:p="http://schemas.openxmlformats.org/presentationml/2006/main">
-  <p:tag name="COMMONDATA" val="eyJoZGlkIjoiMmYyM2FkNjIwN2U1MjdmZWY0NjVjYTUzNDNlYzlhZmEifQ=="/>
+  <p:tag name="KSO_WM_UNIT_HIGHLIGHT" val="0"/>
+  <p:tag name="KSO_WM_UNIT_COMPATIBLE" val="0"/>
+  <p:tag name="KSO_WM_UNIT_DIAGRAM_ISNUMVISUAL" val="0"/>
+  <p:tag name="KSO_WM_UNIT_DIAGRAM_ISREFERUNIT" val="0"/>
+  <p:tag name="KSO_WM_UNIT_ID" val="_1**"/>
+  <p:tag name="KSO_WM_UNIT_LAYERLEVEL" val="1"/>
+  <p:tag name="KSO_WM_TAG_VERSION" val="1.0"/>
+  <p:tag name="KSO_WM_BEAUTIFY_FLAG" val="#wm#"/>
+</p:tagLst>
+</file>
+
+<file path=ppt/tags/tag67.xml><?xml version="1.0" encoding="utf-8"?>
+<p:tagLst xmlns:p="http://schemas.openxmlformats.org/presentationml/2006/main">
+  <p:tag name="KSO_WM_UNIT_HIGHLIGHT" val="0"/>
+  <p:tag name="KSO_WM_UNIT_COMPATIBLE" val="0"/>
+  <p:tag name="KSO_WM_UNIT_DIAGRAM_ISNUMVISUAL" val="0"/>
+  <p:tag name="KSO_WM_UNIT_DIAGRAM_ISREFERUNIT" val="0"/>
+  <p:tag name="KSO_WM_UNIT_ID" val="_1**"/>
+  <p:tag name="KSO_WM_UNIT_LAYERLEVEL" val="1"/>
+  <p:tag name="KSO_WM_TAG_VERSION" val="1.0"/>
+  <p:tag name="KSO_WM_BEAUTIFY_FLAG" val="#wm#"/>
+</p:tagLst>
+</file>
+
+<file path=ppt/tags/tag68.xml><?xml version="1.0" encoding="utf-8"?>
+<p:tagLst xmlns:p="http://schemas.openxmlformats.org/presentationml/2006/main">
+  <p:tag name="KSO_WM_UNIT_HIGHLIGHT" val="0"/>
+  <p:tag name="KSO_WM_UNIT_COMPATIBLE" val="0"/>
+  <p:tag name="KSO_WM_UNIT_DIAGRAM_ISNUMVISUAL" val="0"/>
+  <p:tag name="KSO_WM_UNIT_DIAGRAM_ISREFERUNIT" val="0"/>
+  <p:tag name="KSO_WM_UNIT_ID" val="_2**"/>
+  <p:tag name="KSO_WM_UNIT_LAYERLEVEL" val="1"/>
+  <p:tag name="KSO_WM_TAG_VERSION" val="1.0"/>
+  <p:tag name="KSO_WM_BEAUTIFY_FLAG" val="#wm#"/>
+</p:tagLst>
+</file>
+
+<file path=ppt/tags/tag69.xml><?xml version="1.0" encoding="utf-8"?>
+<p:tagLst xmlns:p="http://schemas.openxmlformats.org/presentationml/2006/main">
+  <p:tag name="KSO_WM_UNIT_HIGHLIGHT" val="0"/>
+  <p:tag name="KSO_WM_UNIT_COMPATIBLE" val="0"/>
+  <p:tag name="KSO_WM_UNIT_DIAGRAM_ISNUMVISUAL" val="0"/>
+  <p:tag name="KSO_WM_UNIT_DIAGRAM_ISREFERUNIT" val="0"/>
+  <p:tag name="KSO_WM_UNIT_ID" val="_2**"/>
+  <p:tag name="KSO_WM_UNIT_LAYERLEVEL" val="1"/>
+  <p:tag name="KSO_WM_TAG_VERSION" val="1.0"/>
+  <p:tag name="KSO_WM_BEAUTIFY_FLAG" val="#wm#"/>
 </p:tagLst>
 </file>
 
@@ -4020,6 +9795,136 @@
 </p:tagLst>
 </file>
 
+<file path=ppt/tags/tag70.xml><?xml version="1.0" encoding="utf-8"?>
+<p:tagLst xmlns:p="http://schemas.openxmlformats.org/presentationml/2006/main">
+  <p:tag name="KSO_WM_UNIT_HIGHLIGHT" val="0"/>
+  <p:tag name="KSO_WM_UNIT_COMPATIBLE" val="0"/>
+  <p:tag name="KSO_WM_UNIT_DIAGRAM_ISNUMVISUAL" val="0"/>
+  <p:tag name="KSO_WM_UNIT_DIAGRAM_ISREFERUNIT" val="0"/>
+  <p:tag name="KSO_WM_UNIT_ID" val="_2**"/>
+  <p:tag name="KSO_WM_UNIT_LAYERLEVEL" val="1"/>
+  <p:tag name="KSO_WM_TAG_VERSION" val="1.0"/>
+  <p:tag name="KSO_WM_BEAUTIFY_FLAG" val="#wm#"/>
+</p:tagLst>
+</file>
+
+<file path=ppt/tags/tag71.xml><?xml version="1.0" encoding="utf-8"?>
+<p:tagLst xmlns:p="http://schemas.openxmlformats.org/presentationml/2006/main">
+  <p:tag name="KSO_WM_UNIT_HIGHLIGHT" val="0"/>
+  <p:tag name="KSO_WM_UNIT_COMPATIBLE" val="0"/>
+  <p:tag name="KSO_WM_UNIT_DIAGRAM_ISNUMVISUAL" val="0"/>
+  <p:tag name="KSO_WM_UNIT_DIAGRAM_ISREFERUNIT" val="0"/>
+  <p:tag name="KSO_WM_UNIT_ID" val="_2**"/>
+  <p:tag name="KSO_WM_UNIT_LAYERLEVEL" val="1"/>
+  <p:tag name="KSO_WM_TAG_VERSION" val="1.0"/>
+  <p:tag name="KSO_WM_BEAUTIFY_FLAG" val="#wm#"/>
+</p:tagLst>
+</file>
+
+<file path=ppt/tags/tag72.xml><?xml version="1.0" encoding="utf-8"?>
+<p:tagLst xmlns:p="http://schemas.openxmlformats.org/presentationml/2006/main">
+  <p:tag name="KSO_WM_UNIT_HIGHLIGHT" val="0"/>
+  <p:tag name="KSO_WM_UNIT_COMPATIBLE" val="0"/>
+  <p:tag name="KSO_WM_UNIT_DIAGRAM_ISNUMVISUAL" val="0"/>
+  <p:tag name="KSO_WM_UNIT_DIAGRAM_ISREFERUNIT" val="0"/>
+  <p:tag name="KSO_WM_UNIT_ID" val="_2**"/>
+  <p:tag name="KSO_WM_UNIT_LAYERLEVEL" val="1"/>
+  <p:tag name="KSO_WM_TAG_VERSION" val="1.0"/>
+  <p:tag name="KSO_WM_BEAUTIFY_FLAG" val="#wm#"/>
+</p:tagLst>
+</file>
+
+<file path=ppt/tags/tag73.xml><?xml version="1.0" encoding="utf-8"?>
+<p:tagLst xmlns:p="http://schemas.openxmlformats.org/presentationml/2006/main">
+  <p:tag name="KSO_WM_UNIT_HIGHLIGHT" val="0"/>
+  <p:tag name="KSO_WM_UNIT_COMPATIBLE" val="0"/>
+  <p:tag name="KSO_WM_UNIT_DIAGRAM_ISNUMVISUAL" val="0"/>
+  <p:tag name="KSO_WM_UNIT_DIAGRAM_ISREFERUNIT" val="0"/>
+  <p:tag name="KSO_WM_UNIT_ID" val="_3**"/>
+  <p:tag name="KSO_WM_UNIT_LAYERLEVEL" val="1"/>
+  <p:tag name="KSO_WM_TAG_VERSION" val="1.0"/>
+  <p:tag name="KSO_WM_BEAUTIFY_FLAG" val="#wm#"/>
+</p:tagLst>
+</file>
+
+<file path=ppt/tags/tag74.xml><?xml version="1.0" encoding="utf-8"?>
+<p:tagLst xmlns:p="http://schemas.openxmlformats.org/presentationml/2006/main">
+  <p:tag name="KSO_WM_UNIT_HIGHLIGHT" val="0"/>
+  <p:tag name="KSO_WM_UNIT_COMPATIBLE" val="0"/>
+  <p:tag name="KSO_WM_UNIT_DIAGRAM_ISNUMVISUAL" val="0"/>
+  <p:tag name="KSO_WM_UNIT_DIAGRAM_ISREFERUNIT" val="0"/>
+  <p:tag name="KSO_WM_UNIT_ID" val="_3**"/>
+  <p:tag name="KSO_WM_UNIT_LAYERLEVEL" val="1"/>
+  <p:tag name="KSO_WM_TAG_VERSION" val="1.0"/>
+  <p:tag name="KSO_WM_BEAUTIFY_FLAG" val="#wm#"/>
+</p:tagLst>
+</file>
+
+<file path=ppt/tags/tag75.xml><?xml version="1.0" encoding="utf-8"?>
+<p:tagLst xmlns:p="http://schemas.openxmlformats.org/presentationml/2006/main">
+  <p:tag name="KSO_WM_UNIT_HIGHLIGHT" val="0"/>
+  <p:tag name="KSO_WM_UNIT_COMPATIBLE" val="0"/>
+  <p:tag name="KSO_WM_UNIT_DIAGRAM_ISNUMVISUAL" val="0"/>
+  <p:tag name="KSO_WM_UNIT_DIAGRAM_ISREFERUNIT" val="0"/>
+  <p:tag name="KSO_WM_UNIT_ID" val="_3**"/>
+  <p:tag name="KSO_WM_UNIT_LAYERLEVEL" val="1"/>
+  <p:tag name="KSO_WM_TAG_VERSION" val="1.0"/>
+  <p:tag name="KSO_WM_BEAUTIFY_FLAG" val="#wm#"/>
+</p:tagLst>
+</file>
+
+<file path=ppt/tags/tag76.xml><?xml version="1.0" encoding="utf-8"?>
+<p:tagLst xmlns:p="http://schemas.openxmlformats.org/presentationml/2006/main">
+  <p:tag name="KSO_WM_UNIT_HIGHLIGHT" val="0"/>
+  <p:tag name="KSO_WM_UNIT_COMPATIBLE" val="0"/>
+  <p:tag name="KSO_WM_UNIT_DIAGRAM_ISNUMVISUAL" val="0"/>
+  <p:tag name="KSO_WM_UNIT_DIAGRAM_ISREFERUNIT" val="0"/>
+  <p:tag name="KSO_WM_UNIT_ID" val="_3**"/>
+  <p:tag name="KSO_WM_UNIT_LAYERLEVEL" val="1"/>
+  <p:tag name="KSO_WM_TAG_VERSION" val="1.0"/>
+  <p:tag name="KSO_WM_BEAUTIFY_FLAG" val="#wm#"/>
+</p:tagLst>
+</file>
+
+<file path=ppt/tags/tag77.xml><?xml version="1.0" encoding="utf-8"?>
+<p:tagLst xmlns:p="http://schemas.openxmlformats.org/presentationml/2006/main">
+  <p:tag name="KSO_WM_UNIT_HIGHLIGHT" val="0"/>
+  <p:tag name="KSO_WM_UNIT_COMPATIBLE" val="0"/>
+  <p:tag name="KSO_WM_UNIT_DIAGRAM_ISNUMVISUAL" val="0"/>
+  <p:tag name="KSO_WM_UNIT_DIAGRAM_ISREFERUNIT" val="0"/>
+  <p:tag name="KSO_WM_UNIT_ID" val="_3**"/>
+  <p:tag name="KSO_WM_UNIT_LAYERLEVEL" val="1"/>
+  <p:tag name="KSO_WM_TAG_VERSION" val="1.0"/>
+  <p:tag name="KSO_WM_BEAUTIFY_FLAG" val="#wm#"/>
+</p:tagLst>
+</file>
+
+<file path=ppt/tags/tag78.xml><?xml version="1.0" encoding="utf-8"?>
+<p:tagLst xmlns:p="http://schemas.openxmlformats.org/presentationml/2006/main">
+  <p:tag name="KSO_WM_UNIT_HIGHLIGHT" val="0"/>
+  <p:tag name="KSO_WM_UNIT_COMPATIBLE" val="0"/>
+  <p:tag name="KSO_WM_UNIT_DIAGRAM_ISNUMVISUAL" val="0"/>
+  <p:tag name="KSO_WM_UNIT_DIAGRAM_ISREFERUNIT" val="0"/>
+  <p:tag name="KSO_WM_UNIT_ID" val="_4**"/>
+  <p:tag name="KSO_WM_UNIT_LAYERLEVEL" val="1"/>
+  <p:tag name="KSO_WM_TAG_VERSION" val="1.0"/>
+  <p:tag name="KSO_WM_BEAUTIFY_FLAG" val="#wm#"/>
+</p:tagLst>
+</file>
+
+<file path=ppt/tags/tag79.xml><?xml version="1.0" encoding="utf-8"?>
+<p:tagLst xmlns:p="http://schemas.openxmlformats.org/presentationml/2006/main">
+  <p:tag name="KSO_WM_UNIT_HIGHLIGHT" val="0"/>
+  <p:tag name="KSO_WM_UNIT_COMPATIBLE" val="0"/>
+  <p:tag name="KSO_WM_UNIT_DIAGRAM_ISNUMVISUAL" val="0"/>
+  <p:tag name="KSO_WM_UNIT_DIAGRAM_ISREFERUNIT" val="0"/>
+  <p:tag name="KSO_WM_UNIT_ID" val="_4**"/>
+  <p:tag name="KSO_WM_UNIT_LAYERLEVEL" val="1"/>
+  <p:tag name="KSO_WM_TAG_VERSION" val="1.0"/>
+  <p:tag name="KSO_WM_BEAUTIFY_FLAG" val="#wm#"/>
+</p:tagLst>
+</file>
+
 <file path=ppt/tags/tag8.xml><?xml version="1.0" encoding="utf-8"?>
 <p:tagLst xmlns:p="http://schemas.openxmlformats.org/presentationml/2006/main">
   <p:tag name="KSO_WM_UNIT_HIGHLIGHT" val="0"/>
@@ -4033,6 +9938,136 @@
 </p:tagLst>
 </file>
 
+<file path=ppt/tags/tag80.xml><?xml version="1.0" encoding="utf-8"?>
+<p:tagLst xmlns:p="http://schemas.openxmlformats.org/presentationml/2006/main">
+  <p:tag name="KSO_WM_UNIT_HIGHLIGHT" val="0"/>
+  <p:tag name="KSO_WM_UNIT_COMPATIBLE" val="0"/>
+  <p:tag name="KSO_WM_UNIT_DIAGRAM_ISNUMVISUAL" val="0"/>
+  <p:tag name="KSO_WM_UNIT_DIAGRAM_ISREFERUNIT" val="0"/>
+  <p:tag name="KSO_WM_UNIT_ID" val="_4**"/>
+  <p:tag name="KSO_WM_UNIT_LAYERLEVEL" val="1"/>
+  <p:tag name="KSO_WM_TAG_VERSION" val="1.0"/>
+  <p:tag name="KSO_WM_BEAUTIFY_FLAG" val="#wm#"/>
+</p:tagLst>
+</file>
+
+<file path=ppt/tags/tag81.xml><?xml version="1.0" encoding="utf-8"?>
+<p:tagLst xmlns:p="http://schemas.openxmlformats.org/presentationml/2006/main">
+  <p:tag name="KSO_WM_UNIT_HIGHLIGHT" val="0"/>
+  <p:tag name="KSO_WM_UNIT_COMPATIBLE" val="0"/>
+  <p:tag name="KSO_WM_UNIT_DIAGRAM_ISNUMVISUAL" val="0"/>
+  <p:tag name="KSO_WM_UNIT_DIAGRAM_ISREFERUNIT" val="0"/>
+  <p:tag name="KSO_WM_UNIT_ID" val="_4**"/>
+  <p:tag name="KSO_WM_UNIT_LAYERLEVEL" val="1"/>
+  <p:tag name="KSO_WM_TAG_VERSION" val="1.0"/>
+  <p:tag name="KSO_WM_BEAUTIFY_FLAG" val="#wm#"/>
+</p:tagLst>
+</file>
+
+<file path=ppt/tags/tag82.xml><?xml version="1.0" encoding="utf-8"?>
+<p:tagLst xmlns:p="http://schemas.openxmlformats.org/presentationml/2006/main">
+  <p:tag name="KSO_WM_UNIT_HIGHLIGHT" val="0"/>
+  <p:tag name="KSO_WM_UNIT_COMPATIBLE" val="0"/>
+  <p:tag name="KSO_WM_UNIT_DIAGRAM_ISNUMVISUAL" val="0"/>
+  <p:tag name="KSO_WM_UNIT_DIAGRAM_ISREFERUNIT" val="0"/>
+  <p:tag name="KSO_WM_UNIT_ID" val="_4**"/>
+  <p:tag name="KSO_WM_UNIT_LAYERLEVEL" val="1"/>
+  <p:tag name="KSO_WM_TAG_VERSION" val="1.0"/>
+  <p:tag name="KSO_WM_BEAUTIFY_FLAG" val="#wm#"/>
+</p:tagLst>
+</file>
+
+<file path=ppt/tags/tag83.xml><?xml version="1.0" encoding="utf-8"?>
+<p:tagLst xmlns:p="http://schemas.openxmlformats.org/presentationml/2006/main">
+  <p:tag name="KSO_WM_UNIT_HIGHLIGHT" val="0"/>
+  <p:tag name="KSO_WM_UNIT_COMPATIBLE" val="0"/>
+  <p:tag name="KSO_WM_UNIT_DIAGRAM_ISNUMVISUAL" val="0"/>
+  <p:tag name="KSO_WM_UNIT_DIAGRAM_ISREFERUNIT" val="0"/>
+  <p:tag name="KSO_WM_UNIT_ID" val="_4**"/>
+  <p:tag name="KSO_WM_UNIT_LAYERLEVEL" val="1"/>
+  <p:tag name="KSO_WM_TAG_VERSION" val="1.0"/>
+  <p:tag name="KSO_WM_BEAUTIFY_FLAG" val="#wm#"/>
+</p:tagLst>
+</file>
+
+<file path=ppt/tags/tag84.xml><?xml version="1.0" encoding="utf-8"?>
+<p:tagLst xmlns:p="http://schemas.openxmlformats.org/presentationml/2006/main">
+  <p:tag name="KSO_WM_UNIT_HIGHLIGHT" val="0"/>
+  <p:tag name="KSO_WM_UNIT_COMPATIBLE" val="0"/>
+  <p:tag name="KSO_WM_UNIT_DIAGRAM_ISNUMVISUAL" val="0"/>
+  <p:tag name="KSO_WM_UNIT_DIAGRAM_ISREFERUNIT" val="0"/>
+  <p:tag name="KSO_WM_UNIT_ID" val="_5**"/>
+  <p:tag name="KSO_WM_UNIT_LAYERLEVEL" val="1"/>
+  <p:tag name="KSO_WM_TAG_VERSION" val="1.0"/>
+  <p:tag name="KSO_WM_BEAUTIFY_FLAG" val="#wm#"/>
+</p:tagLst>
+</file>
+
+<file path=ppt/tags/tag85.xml><?xml version="1.0" encoding="utf-8"?>
+<p:tagLst xmlns:p="http://schemas.openxmlformats.org/presentationml/2006/main">
+  <p:tag name="KSO_WM_UNIT_HIGHLIGHT" val="0"/>
+  <p:tag name="KSO_WM_UNIT_COMPATIBLE" val="0"/>
+  <p:tag name="KSO_WM_UNIT_DIAGRAM_ISNUMVISUAL" val="0"/>
+  <p:tag name="KSO_WM_UNIT_DIAGRAM_ISREFERUNIT" val="0"/>
+  <p:tag name="KSO_WM_UNIT_ID" val="_5**"/>
+  <p:tag name="KSO_WM_UNIT_LAYERLEVEL" val="1"/>
+  <p:tag name="KSO_WM_TAG_VERSION" val="1.0"/>
+  <p:tag name="KSO_WM_BEAUTIFY_FLAG" val="#wm#"/>
+</p:tagLst>
+</file>
+
+<file path=ppt/tags/tag86.xml><?xml version="1.0" encoding="utf-8"?>
+<p:tagLst xmlns:p="http://schemas.openxmlformats.org/presentationml/2006/main">
+  <p:tag name="KSO_WM_UNIT_HIGHLIGHT" val="0"/>
+  <p:tag name="KSO_WM_UNIT_COMPATIBLE" val="0"/>
+  <p:tag name="KSO_WM_UNIT_DIAGRAM_ISNUMVISUAL" val="0"/>
+  <p:tag name="KSO_WM_UNIT_DIAGRAM_ISREFERUNIT" val="0"/>
+  <p:tag name="KSO_WM_UNIT_ID" val="_5**"/>
+  <p:tag name="KSO_WM_UNIT_LAYERLEVEL" val="1"/>
+  <p:tag name="KSO_WM_TAG_VERSION" val="1.0"/>
+  <p:tag name="KSO_WM_BEAUTIFY_FLAG" val="#wm#"/>
+</p:tagLst>
+</file>
+
+<file path=ppt/tags/tag87.xml><?xml version="1.0" encoding="utf-8"?>
+<p:tagLst xmlns:p="http://schemas.openxmlformats.org/presentationml/2006/main">
+  <p:tag name="KSO_WM_UNIT_HIGHLIGHT" val="0"/>
+  <p:tag name="KSO_WM_UNIT_COMPATIBLE" val="0"/>
+  <p:tag name="KSO_WM_UNIT_DIAGRAM_ISNUMVISUAL" val="0"/>
+  <p:tag name="KSO_WM_UNIT_DIAGRAM_ISREFERUNIT" val="0"/>
+  <p:tag name="KSO_WM_UNIT_ID" val="_5**"/>
+  <p:tag name="KSO_WM_UNIT_LAYERLEVEL" val="1"/>
+  <p:tag name="KSO_WM_TAG_VERSION" val="1.0"/>
+  <p:tag name="KSO_WM_BEAUTIFY_FLAG" val="#wm#"/>
+</p:tagLst>
+</file>
+
+<file path=ppt/tags/tag88.xml><?xml version="1.0" encoding="utf-8"?>
+<p:tagLst xmlns:p="http://schemas.openxmlformats.org/presentationml/2006/main">
+  <p:tag name="KSO_WM_UNIT_HIGHLIGHT" val="0"/>
+  <p:tag name="KSO_WM_UNIT_COMPATIBLE" val="0"/>
+  <p:tag name="KSO_WM_UNIT_DIAGRAM_ISNUMVISUAL" val="0"/>
+  <p:tag name="KSO_WM_UNIT_DIAGRAM_ISREFERUNIT" val="0"/>
+  <p:tag name="KSO_WM_UNIT_ID" val="_5**"/>
+  <p:tag name="KSO_WM_UNIT_LAYERLEVEL" val="1"/>
+  <p:tag name="KSO_WM_TAG_VERSION" val="1.0"/>
+  <p:tag name="KSO_WM_BEAUTIFY_FLAG" val="#wm#"/>
+</p:tagLst>
+</file>
+
+<file path=ppt/tags/tag89.xml><?xml version="1.0" encoding="utf-8"?>
+<p:tagLst xmlns:p="http://schemas.openxmlformats.org/presentationml/2006/main">
+  <p:tag name="KSO_WM_UNIT_HIGHLIGHT" val="0"/>
+  <p:tag name="KSO_WM_UNIT_COMPATIBLE" val="0"/>
+  <p:tag name="KSO_WM_UNIT_DIAGRAM_ISNUMVISUAL" val="0"/>
+  <p:tag name="KSO_WM_UNIT_DIAGRAM_ISREFERUNIT" val="0"/>
+  <p:tag name="KSO_WM_UNIT_ID" val="_5**"/>
+  <p:tag name="KSO_WM_UNIT_LAYERLEVEL" val="1"/>
+  <p:tag name="KSO_WM_TAG_VERSION" val="1.0"/>
+  <p:tag name="KSO_WM_BEAUTIFY_FLAG" val="#wm#"/>
+</p:tagLst>
+</file>
+
 <file path=ppt/tags/tag9.xml><?xml version="1.0" encoding="utf-8"?>
 <p:tagLst xmlns:p="http://schemas.openxmlformats.org/presentationml/2006/main">
   <p:tag name="KSO_WM_UNIT_HIGHLIGHT" val="0"/>
@@ -4040,6 +10075,136 @@
   <p:tag name="KSO_WM_UNIT_DIAGRAM_ISNUMVISUAL" val="0"/>
   <p:tag name="KSO_WM_UNIT_DIAGRAM_ISREFERUNIT" val="0"/>
   <p:tag name="KSO_WM_UNIT_ID" val="_2**"/>
+  <p:tag name="KSO_WM_UNIT_LAYERLEVEL" val="1"/>
+  <p:tag name="KSO_WM_TAG_VERSION" val="1.0"/>
+  <p:tag name="KSO_WM_BEAUTIFY_FLAG" val="#wm#"/>
+</p:tagLst>
+</file>
+
+<file path=ppt/tags/tag90.xml><?xml version="1.0" encoding="utf-8"?>
+<p:tagLst xmlns:p="http://schemas.openxmlformats.org/presentationml/2006/main">
+  <p:tag name="KSO_WM_UNIT_HIGHLIGHT" val="0"/>
+  <p:tag name="KSO_WM_UNIT_COMPATIBLE" val="0"/>
+  <p:tag name="KSO_WM_UNIT_DIAGRAM_ISNUMVISUAL" val="0"/>
+  <p:tag name="KSO_WM_UNIT_DIAGRAM_ISREFERUNIT" val="0"/>
+  <p:tag name="KSO_WM_UNIT_ID" val="_5**"/>
+  <p:tag name="KSO_WM_UNIT_LAYERLEVEL" val="1"/>
+  <p:tag name="KSO_WM_TAG_VERSION" val="1.0"/>
+  <p:tag name="KSO_WM_BEAUTIFY_FLAG" val="#wm#"/>
+</p:tagLst>
+</file>
+
+<file path=ppt/tags/tag91.xml><?xml version="1.0" encoding="utf-8"?>
+<p:tagLst xmlns:p="http://schemas.openxmlformats.org/presentationml/2006/main">
+  <p:tag name="KSO_WM_UNIT_HIGHLIGHT" val="0"/>
+  <p:tag name="KSO_WM_UNIT_COMPATIBLE" val="0"/>
+  <p:tag name="KSO_WM_UNIT_DIAGRAM_ISNUMVISUAL" val="0"/>
+  <p:tag name="KSO_WM_UNIT_DIAGRAM_ISREFERUNIT" val="0"/>
+  <p:tag name="KSO_WM_UNIT_ID" val="_5**"/>
+  <p:tag name="KSO_WM_UNIT_LAYERLEVEL" val="1"/>
+  <p:tag name="KSO_WM_TAG_VERSION" val="1.0"/>
+  <p:tag name="KSO_WM_BEAUTIFY_FLAG" val="#wm#"/>
+</p:tagLst>
+</file>
+
+<file path=ppt/tags/tag92.xml><?xml version="1.0" encoding="utf-8"?>
+<p:tagLst xmlns:p="http://schemas.openxmlformats.org/presentationml/2006/main">
+  <p:tag name="KSO_WM_UNIT_HIGHLIGHT" val="0"/>
+  <p:tag name="KSO_WM_UNIT_COMPATIBLE" val="0"/>
+  <p:tag name="KSO_WM_UNIT_DIAGRAM_ISNUMVISUAL" val="0"/>
+  <p:tag name="KSO_WM_UNIT_DIAGRAM_ISREFERUNIT" val="0"/>
+  <p:tag name="KSO_WM_UNIT_ID" val="_6**"/>
+  <p:tag name="KSO_WM_UNIT_LAYERLEVEL" val="1"/>
+  <p:tag name="KSO_WM_TAG_VERSION" val="1.0"/>
+  <p:tag name="KSO_WM_BEAUTIFY_FLAG" val="#wm#"/>
+</p:tagLst>
+</file>
+
+<file path=ppt/tags/tag93.xml><?xml version="1.0" encoding="utf-8"?>
+<p:tagLst xmlns:p="http://schemas.openxmlformats.org/presentationml/2006/main">
+  <p:tag name="KSO_WM_UNIT_HIGHLIGHT" val="0"/>
+  <p:tag name="KSO_WM_UNIT_COMPATIBLE" val="0"/>
+  <p:tag name="KSO_WM_UNIT_DIAGRAM_ISNUMVISUAL" val="0"/>
+  <p:tag name="KSO_WM_UNIT_DIAGRAM_ISREFERUNIT" val="0"/>
+  <p:tag name="KSO_WM_UNIT_ID" val="_6**"/>
+  <p:tag name="KSO_WM_UNIT_LAYERLEVEL" val="1"/>
+  <p:tag name="KSO_WM_TAG_VERSION" val="1.0"/>
+  <p:tag name="KSO_WM_BEAUTIFY_FLAG" val="#wm#"/>
+</p:tagLst>
+</file>
+
+<file path=ppt/tags/tag94.xml><?xml version="1.0" encoding="utf-8"?>
+<p:tagLst xmlns:p="http://schemas.openxmlformats.org/presentationml/2006/main">
+  <p:tag name="KSO_WM_UNIT_HIGHLIGHT" val="0"/>
+  <p:tag name="KSO_WM_UNIT_COMPATIBLE" val="0"/>
+  <p:tag name="KSO_WM_UNIT_DIAGRAM_ISNUMVISUAL" val="0"/>
+  <p:tag name="KSO_WM_UNIT_DIAGRAM_ISREFERUNIT" val="0"/>
+  <p:tag name="KSO_WM_UNIT_ID" val="_6**"/>
+  <p:tag name="KSO_WM_UNIT_LAYERLEVEL" val="1"/>
+  <p:tag name="KSO_WM_TAG_VERSION" val="1.0"/>
+  <p:tag name="KSO_WM_BEAUTIFY_FLAG" val="#wm#"/>
+</p:tagLst>
+</file>
+
+<file path=ppt/tags/tag95.xml><?xml version="1.0" encoding="utf-8"?>
+<p:tagLst xmlns:p="http://schemas.openxmlformats.org/presentationml/2006/main">
+  <p:tag name="KSO_WM_UNIT_HIGHLIGHT" val="0"/>
+  <p:tag name="KSO_WM_UNIT_COMPATIBLE" val="0"/>
+  <p:tag name="KSO_WM_UNIT_DIAGRAM_ISNUMVISUAL" val="0"/>
+  <p:tag name="KSO_WM_UNIT_DIAGRAM_ISREFERUNIT" val="0"/>
+  <p:tag name="KSO_WM_UNIT_ID" val="_6**"/>
+  <p:tag name="KSO_WM_UNIT_LAYERLEVEL" val="1"/>
+  <p:tag name="KSO_WM_TAG_VERSION" val="1.0"/>
+  <p:tag name="KSO_WM_BEAUTIFY_FLAG" val="#wm#"/>
+</p:tagLst>
+</file>
+
+<file path=ppt/tags/tag96.xml><?xml version="1.0" encoding="utf-8"?>
+<p:tagLst xmlns:p="http://schemas.openxmlformats.org/presentationml/2006/main">
+  <p:tag name="KSO_WM_UNIT_HIGHLIGHT" val="0"/>
+  <p:tag name="KSO_WM_UNIT_COMPATIBLE" val="0"/>
+  <p:tag name="KSO_WM_UNIT_DIAGRAM_ISNUMVISUAL" val="0"/>
+  <p:tag name="KSO_WM_UNIT_DIAGRAM_ISREFERUNIT" val="0"/>
+  <p:tag name="KSO_WM_UNIT_ID" val="_7**"/>
+  <p:tag name="KSO_WM_UNIT_LAYERLEVEL" val="1"/>
+  <p:tag name="KSO_WM_TAG_VERSION" val="1.0"/>
+  <p:tag name="KSO_WM_BEAUTIFY_FLAG" val="#wm#"/>
+</p:tagLst>
+</file>
+
+<file path=ppt/tags/tag97.xml><?xml version="1.0" encoding="utf-8"?>
+<p:tagLst xmlns:p="http://schemas.openxmlformats.org/presentationml/2006/main">
+  <p:tag name="KSO_WM_UNIT_HIGHLIGHT" val="0"/>
+  <p:tag name="KSO_WM_UNIT_COMPATIBLE" val="0"/>
+  <p:tag name="KSO_WM_UNIT_DIAGRAM_ISNUMVISUAL" val="0"/>
+  <p:tag name="KSO_WM_UNIT_DIAGRAM_ISREFERUNIT" val="0"/>
+  <p:tag name="KSO_WM_UNIT_ID" val="_7**"/>
+  <p:tag name="KSO_WM_UNIT_LAYERLEVEL" val="1"/>
+  <p:tag name="KSO_WM_TAG_VERSION" val="1.0"/>
+  <p:tag name="KSO_WM_BEAUTIFY_FLAG" val="#wm#"/>
+</p:tagLst>
+</file>
+
+<file path=ppt/tags/tag98.xml><?xml version="1.0" encoding="utf-8"?>
+<p:tagLst xmlns:p="http://schemas.openxmlformats.org/presentationml/2006/main">
+  <p:tag name="KSO_WM_UNIT_HIGHLIGHT" val="0"/>
+  <p:tag name="KSO_WM_UNIT_COMPATIBLE" val="0"/>
+  <p:tag name="KSO_WM_UNIT_DIAGRAM_ISNUMVISUAL" val="0"/>
+  <p:tag name="KSO_WM_UNIT_DIAGRAM_ISREFERUNIT" val="0"/>
+  <p:tag name="KSO_WM_UNIT_ID" val="_7**"/>
+  <p:tag name="KSO_WM_UNIT_LAYERLEVEL" val="1"/>
+  <p:tag name="KSO_WM_TAG_VERSION" val="1.0"/>
+  <p:tag name="KSO_WM_BEAUTIFY_FLAG" val="#wm#"/>
+</p:tagLst>
+</file>
+
+<file path=ppt/tags/tag99.xml><?xml version="1.0" encoding="utf-8"?>
+<p:tagLst xmlns:p="http://schemas.openxmlformats.org/presentationml/2006/main">
+  <p:tag name="KSO_WM_UNIT_HIGHLIGHT" val="0"/>
+  <p:tag name="KSO_WM_UNIT_COMPATIBLE" val="0"/>
+  <p:tag name="KSO_WM_UNIT_DIAGRAM_ISNUMVISUAL" val="0"/>
+  <p:tag name="KSO_WM_UNIT_DIAGRAM_ISREFERUNIT" val="0"/>
+  <p:tag name="KSO_WM_UNIT_ID" val="_8**"/>
   <p:tag name="KSO_WM_UNIT_LAYERLEVEL" val="1"/>
   <p:tag name="KSO_WM_TAG_VERSION" val="1.0"/>
   <p:tag name="KSO_WM_BEAUTIFY_FLAG" val="#wm#"/>
@@ -4229,4 +10394,203 @@
     </a:ext>
   </a:extLst>
 </a:theme>
+</file>
+
+<file path=ppt/theme/theme2.xml><?xml version="1.0" encoding="utf-8"?>
+<a:theme xmlns:a="http://schemas.openxmlformats.org/drawingml/2006/main" name="1_Office 主题​​">
+  <a:themeElements>
+    <a:clrScheme name="新版空白演示配色">
+      <a:dk1>
+        <a:srgbClr val="000000"/>
+      </a:dk1>
+      <a:lt1>
+        <a:srgbClr val="FFFFFF"/>
+      </a:lt1>
+      <a:dk2>
+        <a:srgbClr val="0F1423"/>
+      </a:dk2>
+      <a:lt2>
+        <a:srgbClr val="FFFFFF"/>
+      </a:lt2>
+      <a:accent1>
+        <a:srgbClr val="6096E6"/>
+      </a:accent1>
+      <a:accent2>
+        <a:srgbClr val="58B6E5"/>
+      </a:accent2>
+      <a:accent3>
+        <a:srgbClr val="56CA95"/>
+      </a:accent3>
+      <a:accent4>
+        <a:srgbClr val="FFBA55"/>
+      </a:accent4>
+      <a:accent5>
+        <a:srgbClr val="F18870"/>
+      </a:accent5>
+      <a:accent6>
+        <a:srgbClr val="EC5F74"/>
+      </a:accent6>
+      <a:hlink>
+        <a:srgbClr val="0563C1"/>
+      </a:hlink>
+      <a:folHlink>
+        <a:srgbClr val="954D72"/>
+      </a:folHlink>
+    </a:clrScheme>
+    <a:fontScheme name="自定义 9">
+      <a:majorFont>
+        <a:latin typeface="Arial"/>
+        <a:ea typeface="微软雅黑"/>
+        <a:cs typeface=""/>
+      </a:majorFont>
+      <a:minorFont>
+        <a:latin typeface="Arial"/>
+        <a:ea typeface="微软雅黑"/>
+        <a:cs typeface=""/>
+      </a:minorFont>
+    </a:fontScheme>
+    <a:fmtScheme name="Office">
+      <a:fillStyleLst>
+        <a:solidFill>
+          <a:schemeClr val="phClr"/>
+        </a:solidFill>
+        <a:gradFill rotWithShape="1">
+          <a:gsLst>
+            <a:gs pos="0">
+              <a:schemeClr val="phClr">
+                <a:lumMod val="110000"/>
+                <a:satMod val="105000"/>
+                <a:tint val="67000"/>
+              </a:schemeClr>
+            </a:gs>
+            <a:gs pos="50000">
+              <a:schemeClr val="phClr">
+                <a:lumMod val="105000"/>
+                <a:satMod val="103000"/>
+                <a:tint val="73000"/>
+              </a:schemeClr>
+            </a:gs>
+            <a:gs pos="100000">
+              <a:schemeClr val="phClr">
+                <a:lumMod val="105000"/>
+                <a:satMod val="109000"/>
+                <a:tint val="81000"/>
+              </a:schemeClr>
+            </a:gs>
+          </a:gsLst>
+          <a:lin ang="5400000" scaled="0"/>
+        </a:gradFill>
+        <a:gradFill rotWithShape="1">
+          <a:gsLst>
+            <a:gs pos="0">
+              <a:schemeClr val="phClr">
+                <a:satMod val="103000"/>
+                <a:lumMod val="102000"/>
+                <a:tint val="94000"/>
+              </a:schemeClr>
+            </a:gs>
+            <a:gs pos="50000">
+              <a:schemeClr val="phClr">
+                <a:satMod val="110000"/>
+                <a:lumMod val="100000"/>
+                <a:shade val="100000"/>
+              </a:schemeClr>
+            </a:gs>
+            <a:gs pos="100000">
+              <a:schemeClr val="phClr">
+                <a:lumMod val="99000"/>
+                <a:satMod val="120000"/>
+                <a:shade val="78000"/>
+              </a:schemeClr>
+            </a:gs>
+          </a:gsLst>
+          <a:lin ang="5400000" scaled="0"/>
+        </a:gradFill>
+      </a:fillStyleLst>
+      <a:lnStyleLst>
+        <a:ln w="6350" cap="flat" cmpd="sng" algn="ctr">
+          <a:solidFill>
+            <a:schemeClr val="phClr"/>
+          </a:solidFill>
+          <a:prstDash val="solid"/>
+          <a:miter lim="800000"/>
+        </a:ln>
+        <a:ln w="12700" cap="flat" cmpd="sng" algn="ctr">
+          <a:solidFill>
+            <a:schemeClr val="phClr"/>
+          </a:solidFill>
+          <a:prstDash val="solid"/>
+          <a:miter lim="800000"/>
+        </a:ln>
+        <a:ln w="19050" cap="flat" cmpd="sng" algn="ctr">
+          <a:solidFill>
+            <a:schemeClr val="phClr"/>
+          </a:solidFill>
+          <a:prstDash val="solid"/>
+          <a:miter lim="800000"/>
+        </a:ln>
+      </a:lnStyleLst>
+      <a:effectStyleLst>
+        <a:effectStyle>
+          <a:effectLst/>
+        </a:effectStyle>
+        <a:effectStyle>
+          <a:effectLst/>
+        </a:effectStyle>
+        <a:effectStyle>
+          <a:effectLst>
+            <a:outerShdw blurRad="57150" dist="19050" dir="5400000" algn="ctr" rotWithShape="0">
+              <a:srgbClr val="000000">
+                <a:alpha val="63000"/>
+              </a:srgbClr>
+            </a:outerShdw>
+          </a:effectLst>
+        </a:effectStyle>
+      </a:effectStyleLst>
+      <a:bgFillStyleLst>
+        <a:solidFill>
+          <a:schemeClr val="phClr"/>
+        </a:solidFill>
+        <a:solidFill>
+          <a:schemeClr val="phClr">
+            <a:tint val="95000"/>
+            <a:satMod val="170000"/>
+          </a:schemeClr>
+        </a:solidFill>
+        <a:gradFill rotWithShape="1">
+          <a:gsLst>
+            <a:gs pos="0">
+              <a:schemeClr val="phClr">
+                <a:tint val="93000"/>
+                <a:satMod val="150000"/>
+                <a:shade val="98000"/>
+                <a:lumMod val="102000"/>
+              </a:schemeClr>
+            </a:gs>
+            <a:gs pos="50000">
+              <a:schemeClr val="phClr">
+                <a:tint val="98000"/>
+                <a:satMod val="130000"/>
+                <a:shade val="90000"/>
+                <a:lumMod val="103000"/>
+              </a:schemeClr>
+            </a:gs>
+            <a:gs pos="100000">
+              <a:schemeClr val="phClr">
+                <a:shade val="63000"/>
+                <a:satMod val="120000"/>
+              </a:schemeClr>
+            </a:gs>
+          </a:gsLst>
+          <a:lin ang="5400000" scaled="0"/>
+        </a:gradFill>
+      </a:bgFillStyleLst>
+    </a:fmtScheme>
+  </a:themeElements>
+  <a:extLst>
+    <a:ext uri="{05A4C25C-085E-4340-85A3-A5531E510DB2}">
+      <thm15:themeFamily xmlns:thm15="http://schemas.microsoft.com/office/thememl/2012/main" name="Office Theme" id="{62F939B6-93AF-4DB8-9C6B-D6C7DFDC589F}" vid="{4A3C46E8-61CC-4603-A589-7422A47A8E4A}"/>
+    </a:ext>
+  </a:extLst>
+</a:theme>
 </file>
--- a/src/test/resources/text.pptx
+++ b/src/test/resources/text.pptx
@@ -7403,10 +7403,47 @@
             <a:r>
               <a:rPr lang="en-US" altLang="zh-CN">
                 <a:solidFill>
+                  <a:schemeClr val="accent2">
+                    <a:lumMod val="75000"/>
+                  </a:schemeClr>
+                </a:solidFill>
+              </a:rPr>
+              <a:t>#{ </a:t>
+            </a:r>
+            <a:r>
+              <a:rPr lang="en-US" altLang="zh-CN">
+                <a:solidFill>
                   <a:srgbClr val="FF0000"/>
                 </a:solidFill>
               </a:rPr>
-              <a:t>#{ #name } </a:t>
+              <a:t>#</a:t>
+            </a:r>
+            <a:r>
+              <a:rPr lang="en-US" altLang="zh-CN">
+                <a:solidFill>
+                  <a:schemeClr val="accent3"/>
+                </a:solidFill>
+              </a:rPr>
+              <a:t>n</a:t>
+            </a:r>
+            <a:r>
+              <a:rPr lang="en-US" altLang="zh-CN">
+                <a:solidFill>
+                  <a:srgbClr val="FF0000"/>
+                </a:solidFill>
+                <a:highlight>
+                  <a:srgbClr val="FFFF00"/>
+                </a:highlight>
+              </a:rPr>
+              <a:t>a</a:t>
+            </a:r>
+            <a:r>
+              <a:rPr lang="en-US" altLang="zh-CN">
+                <a:solidFill>
+                  <a:srgbClr val="FF0000"/>
+                </a:solidFill>
+              </a:rPr>
+              <a:t>me } </a:t>
             </a:r>
             <a:endParaRPr lang="en-US" altLang="zh-CN">
               <a:solidFill>
@@ -7431,28 +7468,179 @@
         </p:nvSpPr>
         <p:spPr/>
         <p:txBody>
-          <a:bodyPr/>
-          <a:p>
-            <a:r>
-              <a:rPr lang="en-US" altLang="zh-CN"/>
-              <a:t>it can keep the style of </a:t>
+          <a:bodyPr>
+            <a:normAutofit fontScale="90000" lnSpcReduction="20000"/>
+          </a:bodyPr>
+          <a:p>
+            <a:r>
+              <a:rPr lang="zh-CN" altLang="en-US">
+                <a:sym typeface="+mn-ea"/>
+              </a:rPr>
+              <a:t>可以保留变量的样式</a:t>
             </a:r>
             <a:r>
               <a:rPr lang="en-US" altLang="zh-CN">
                 <a:sym typeface="+mn-ea"/>
               </a:rPr>
-              <a:t>variable </a:t>
+              <a:t> </a:t>
             </a:r>
             <a:r>
               <a:rPr lang="en-US" altLang="zh-CN" b="1">
+                <a:gradFill>
+                  <a:gsLst>
+                    <a:gs pos="50000">
+                      <a:schemeClr val="accent1"/>
+                    </a:gs>
+                    <a:gs pos="0">
+                      <a:schemeClr val="accent1">
+                        <a:lumMod val="25000"/>
+                        <a:lumOff val="75000"/>
+                      </a:schemeClr>
+                    </a:gs>
+                    <a:gs pos="100000">
+                      <a:schemeClr val="accent1">
+                        <a:lumMod val="85000"/>
+                      </a:schemeClr>
+                    </a:gs>
+                  </a:gsLst>
+                  <a:lin ang="5400000" scaled="1"/>
+                </a:gradFill>
+                <a:sym typeface="+mn-ea"/>
+              </a:rPr>
+              <a:t>#{</a:t>
+            </a:r>
+            <a:r>
+              <a:rPr lang="en-US" altLang="zh-CN" b="1">
                 <a:solidFill>
                   <a:srgbClr val="FF0000"/>
                 </a:solidFill>
                 <a:sym typeface="+mn-ea"/>
               </a:rPr>
-              <a:t>#{ #name }</a:t>
+              <a:t> #</a:t>
+            </a:r>
+            <a:r>
+              <a:rPr lang="en-US" altLang="zh-CN" b="1">
+                <a:solidFill>
+                  <a:schemeClr val="accent4"/>
+                </a:solidFill>
+                <a:sym typeface="+mn-ea"/>
+              </a:rPr>
+              <a:t>n</a:t>
+            </a:r>
+            <a:r>
+              <a:rPr lang="en-US" altLang="zh-CN" b="1">
+                <a:solidFill>
+                  <a:srgbClr val="FF0000"/>
+                </a:solidFill>
+                <a:sym typeface="+mn-ea"/>
+              </a:rPr>
+              <a:t>a</a:t>
+            </a:r>
+            <a:r>
+              <a:rPr lang="en-US" altLang="zh-CN" b="1">
+                <a:solidFill>
+                  <a:schemeClr val="accent2">
+                    <a:lumMod val="75000"/>
+                  </a:schemeClr>
+                </a:solidFill>
+                <a:sym typeface="+mn-ea"/>
+              </a:rPr>
+              <a:t>m</a:t>
+            </a:r>
+            <a:r>
+              <a:rPr lang="en-US" altLang="zh-CN" b="1">
+                <a:solidFill>
+                  <a:srgbClr val="FF0000"/>
+                </a:solidFill>
+                <a:sym typeface="+mn-ea"/>
+              </a:rPr>
+              <a:t>e }</a:t>
             </a:r>
             <a:endParaRPr lang="en-US" altLang="zh-CN" b="1">
+              <a:solidFill>
+                <a:srgbClr val="FF0000"/>
+              </a:solidFill>
+              <a:sym typeface="+mn-ea"/>
+            </a:endParaRPr>
+          </a:p>
+          <a:p>
+            <a:r>
+              <a:rPr lang="zh-CN" altLang="en-US">
+                <a:sym typeface="+mn-ea"/>
+              </a:rPr>
+              <a:t>但：如果变量存在多个样式，那么以</a:t>
+            </a:r>
+            <a:r>
+              <a:rPr lang="zh-CN" altLang="en-US" b="1">
+                <a:solidFill>
+                  <a:srgbClr val="FF0000"/>
+                </a:solidFill>
+                <a:sym typeface="+mn-ea"/>
+              </a:rPr>
+              <a:t>#{</a:t>
+            </a:r>
+            <a:r>
+              <a:rPr lang="zh-CN" altLang="en-US">
+                <a:sym typeface="+mn-ea"/>
+              </a:rPr>
+              <a:t>的样式为准</a:t>
+            </a:r>
+            <a:endParaRPr lang="zh-CN" altLang="en-US">
+              <a:sym typeface="+mn-ea"/>
+            </a:endParaRPr>
+          </a:p>
+          <a:p>
+            <a:r>
+              <a:rPr lang="zh-CN" altLang="en-US">
+                <a:sym typeface="+mn-ea"/>
+              </a:rPr>
+              <a:t>如果</a:t>
+            </a:r>
+            <a:r>
+              <a:rPr lang="en-US" altLang="zh-CN" b="1">
+                <a:solidFill>
+                  <a:srgbClr val="FF0000"/>
+                </a:solidFill>
+                <a:sym typeface="+mn-ea"/>
+              </a:rPr>
+              <a:t>#</a:t>
+            </a:r>
+            <a:r>
+              <a:rPr lang="zh-CN" altLang="en-US">
+                <a:sym typeface="+mn-ea"/>
+              </a:rPr>
+              <a:t>和</a:t>
+            </a:r>
+            <a:r>
+              <a:rPr lang="en-US" altLang="zh-CN" b="1">
+                <a:solidFill>
+                  <a:srgbClr val="FF0000"/>
+                </a:solidFill>
+                <a:sym typeface="+mn-ea"/>
+              </a:rPr>
+              <a:t>{</a:t>
+            </a:r>
+            <a:r>
+              <a:rPr lang="zh-CN" altLang="en-US">
+                <a:sym typeface="+mn-ea"/>
+              </a:rPr>
+              <a:t>的样式不一样，</a:t>
+            </a:r>
+            <a:r>
+              <a:rPr lang="zh-CN" altLang="en-US">
+                <a:sym typeface="+mn-ea"/>
+              </a:rPr>
+              <a:t>则不替换变量</a:t>
+            </a:r>
+            <a:endParaRPr lang="zh-CN" altLang="en-US">
+              <a:solidFill>
+                <a:srgbClr val="FF0000"/>
+              </a:solidFill>
+              <a:sym typeface="+mn-ea"/>
+            </a:endParaRPr>
+          </a:p>
+          <a:p>
+            <a:endParaRPr lang="zh-CN" altLang="en-US">
               <a:solidFill>
                 <a:srgbClr val="FF0000"/>
               </a:solidFill>
@@ -8981,6 +9169,7 @@
 <p:tagLst xmlns:p="http://schemas.openxmlformats.org/presentationml/2006/main">
   <p:tag name="COMMONDATA" val="eyJoZGlkIjoiMTU3NzlmYjI5NWRkMWM4ZWEyMTg2ZjIzNmE0ODAwZjMifQ=="/>
   <p:tag name="KSO_WPP_MARK_KEY" val="67aee335-8b63-4141-8b8a-c996f71516fe"/>
+  <p:tag name="commondata" val="eyJoZGlkIjoiNDgwODFlYzk1ZDNlMGUwOTkyZjM1YWVhYTU1NWVhMDgifQ=="/>
 </p:tagLst>
 </file>
 

--- a/src/test/resources/text.pptx
+++ b/src/test/resources/text.pptx
@@ -7,12 +7,13 @@
   </p:sldMasterIdLst>
   <p:sldIdLst>
     <p:sldId id="256" r:id="rId4"/>
-    <p:sldId id="257" r:id="rId5"/>
+    <p:sldId id="258" r:id="rId5"/>
+    <p:sldId id="257" r:id="rId6"/>
   </p:sldIdLst>
   <p:sldSz cx="12192000" cy="6858000"/>
   <p:notesSz cx="6858000" cy="9144000"/>
   <p:custDataLst>
-    <p:tags r:id="rId9"/>
+    <p:tags r:id="rId10"/>
   </p:custDataLst>
   <p:defaultTextStyle>
     <a:defPPr>
@@ -7669,6 +7670,150 @@
         <p:cNvGrpSpPr/>
         <p:nvPr/>
       </p:nvGrpSpPr>
+      <p:grpSpPr/>
+      <p:sp>
+        <p:nvSpPr>
+          <p:cNvPr id="3" name="文本占位符 2"/>
+          <p:cNvSpPr>
+            <a:spLocks noGrp="1"/>
+          </p:cNvSpPr>
+          <p:nvPr>
+            <p:ph type="body" idx="1"/>
+          </p:nvPr>
+        </p:nvSpPr>
+        <p:spPr>
+          <a:xfrm>
+            <a:off x="1941830" y="901065"/>
+            <a:ext cx="7524115" cy="1286510"/>
+          </a:xfrm>
+        </p:spPr>
+        <p:txBody>
+          <a:bodyPr>
+            <a:noAutofit/>
+          </a:bodyPr>
+          <a:p>
+            <a:r>
+              <a:rPr lang="en-US" altLang="zh-CN" sz="2400"/>
+              <a:t>#{ #user.nickname }</a:t>
+            </a:r>
+            <a:endParaRPr lang="en-US" altLang="zh-CN" sz="2400"/>
+          </a:p>
+          <a:p>
+            <a:r>
+              <a:rPr lang="en-US" altLang="zh-CN" sz="2400">
+                <a:sym typeface="+mn-ea"/>
+              </a:rPr>
+              <a:t>#{ #user.phone }</a:t>
+            </a:r>
+            <a:endParaRPr lang="en-US" altLang="zh-CN" sz="2400"/>
+          </a:p>
+          <a:p>
+            <a:endParaRPr lang="en-US" altLang="zh-CN" sz="2400"/>
+          </a:p>
+        </p:txBody>
+      </p:sp>
+      <p:sp>
+        <p:nvSpPr>
+          <p:cNvPr id="4" name="文本框 3" descr="#user"/>
+          <p:cNvSpPr txBox="1"/>
+          <p:nvPr/>
+        </p:nvSpPr>
+        <p:spPr>
+          <a:xfrm>
+            <a:off x="1843405" y="3625215"/>
+            <a:ext cx="4723130" cy="2676525"/>
+          </a:xfrm>
+          <a:prstGeom prst="rect">
+            <a:avLst/>
+          </a:prstGeom>
+          <a:noFill/>
+        </p:spPr>
+        <p:txBody>
+          <a:bodyPr wrap="square" rtlCol="0">
+            <a:spAutoFit/>
+          </a:bodyPr>
+          <a:p>
+            <a:r>
+              <a:rPr lang="zh-CN" altLang="en-US" sz="2400">
+                <a:sym typeface="+mn-ea"/>
+              </a:rPr>
+              <a:t>如果给形状的可选文字设置一个对象，那么在占位符里可以省略掉该对象</a:t>
+            </a:r>
+            <a:endParaRPr lang="zh-CN" altLang="en-US" sz="2400">
+              <a:sym typeface="+mn-ea"/>
+            </a:endParaRPr>
+          </a:p>
+          <a:p>
+            <a:endParaRPr lang="en-US" altLang="zh-CN" sz="2400">
+              <a:sym typeface="+mn-ea"/>
+            </a:endParaRPr>
+          </a:p>
+          <a:p>
+            <a:r>
+              <a:rPr lang="en-US" altLang="zh-CN" sz="2400">
+                <a:sym typeface="+mn-ea"/>
+              </a:rPr>
+              <a:t>#{ nickname }</a:t>
+            </a:r>
+            <a:endParaRPr lang="en-US" altLang="zh-CN" sz="2400">
+              <a:sym typeface="+mn-ea"/>
+            </a:endParaRPr>
+          </a:p>
+          <a:p>
+            <a:r>
+              <a:rPr lang="en-US" altLang="zh-CN" sz="2400">
+                <a:sym typeface="+mn-ea"/>
+              </a:rPr>
+              <a:t>#{ phone }</a:t>
+            </a:r>
+            <a:endParaRPr lang="en-US" altLang="zh-CN" sz="2400"/>
+          </a:p>
+          <a:p>
+            <a:endParaRPr lang="en-US" altLang="zh-CN" sz="2400"/>
+          </a:p>
+        </p:txBody>
+      </p:sp>
+      <p:pic>
+        <p:nvPicPr>
+          <p:cNvPr id="5" name="图片 4"/>
+          <p:cNvPicPr>
+            <a:picLocks noChangeAspect="1"/>
+          </p:cNvPicPr>
+          <p:nvPr/>
+        </p:nvPicPr>
+        <p:blipFill>
+          <a:blip r:embed="rId1"/>
+          <a:stretch>
+            <a:fillRect/>
+          </a:stretch>
+        </p:blipFill>
+        <p:spPr>
+          <a:xfrm>
+            <a:off x="7614285" y="2388870"/>
+            <a:ext cx="1926590" cy="3964940"/>
+          </a:xfrm>
+          <a:prstGeom prst="rect">
+            <a:avLst/>
+          </a:prstGeom>
+        </p:spPr>
+      </p:pic>
+    </p:spTree>
+  </p:cSld>
+  <p:clrMapOvr>
+    <a:masterClrMapping/>
+  </p:clrMapOvr>
+</p:sld>
+</file>
+
+<file path=ppt/slides/slide3.xml><?xml version="1.0" encoding="utf-8"?>
+<p:sld xmlns:a="http://schemas.openxmlformats.org/drawingml/2006/main" xmlns:r="http://schemas.openxmlformats.org/officeDocument/2006/relationships" xmlns:p="http://schemas.openxmlformats.org/presentationml/2006/main">
+  <p:cSld>
+    <p:spTree>
+      <p:nvGrpSpPr>
+        <p:cNvPr id="1" name=""/>
+        <p:cNvGrpSpPr/>
+        <p:nvPr/>
+      </p:nvGrpSpPr>
       <p:grpSpPr>
         <a:xfrm>
           <a:off x="0" y="0"/>

--- a/src/test/resources/text.pptx
+++ b/src/test/resources/text.pptx
@@ -7684,7 +7684,7 @@
         <p:spPr>
           <a:xfrm>
             <a:off x="1941830" y="901065"/>
-            <a:ext cx="7524115" cy="1286510"/>
+            <a:ext cx="7524115" cy="2021840"/>
           </a:xfrm>
         </p:spPr>
         <p:txBody>
@@ -7708,6 +7708,24 @@
             <a:endParaRPr lang="en-US" altLang="zh-CN" sz="2400"/>
           </a:p>
           <a:p>
+            <a:r>
+              <a:rPr lang="en-US" altLang="zh-CN" sz="2400">
+                <a:sym typeface="+mn-ea"/>
+              </a:rPr>
+              <a:t>#{ #user.nickname } </a:t>
+            </a:r>
+            <a:r>
+              <a:rPr lang="en-US" altLang="zh-CN" sz="2400">
+                <a:sym typeface="+mn-ea"/>
+              </a:rPr>
+              <a:t>#{ #user.phone }</a:t>
+            </a:r>
+            <a:endParaRPr lang="en-US" altLang="zh-CN" sz="2400"/>
+          </a:p>
+          <a:p>
+            <a:endParaRPr lang="en-US" altLang="zh-CN" sz="2400"/>
+          </a:p>
+          <a:p>
             <a:endParaRPr lang="en-US" altLang="zh-CN" sz="2400"/>
           </a:p>
         </p:txBody>
@@ -7721,7 +7739,7 @@
         <p:spPr>
           <a:xfrm>
             <a:off x="1843405" y="3625215"/>
-            <a:ext cx="4723130" cy="2676525"/>
+            <a:ext cx="4723130" cy="3046095"/>
           </a:xfrm>
           <a:prstGeom prst="rect">
             <a:avLst/>
@@ -7765,6 +7783,17 @@
                 <a:sym typeface="+mn-ea"/>
               </a:rPr>
               <a:t>#{ phone }</a:t>
+            </a:r>
+            <a:endParaRPr lang="en-US" altLang="zh-CN" sz="2400">
+              <a:sym typeface="+mn-ea"/>
+            </a:endParaRPr>
+          </a:p>
+          <a:p>
+            <a:r>
+              <a:rPr lang="en-US" altLang="zh-CN" sz="2400">
+                <a:sym typeface="+mn-ea"/>
+              </a:rPr>
+              <a:t>#{ nickname }  #{ phone }</a:t>
             </a:r>
             <a:endParaRPr lang="en-US" altLang="zh-CN" sz="2400"/>
           </a:p>
